--- a/Modelling/LPModeling.pptx
+++ b/Modelling/LPModeling.pptx
@@ -236,7 +236,7 @@
           <a:p>
             <a:fld id="{D5BCEE79-424C-8148-857B-994F3757E1E0}" type="datetimeFigureOut">
               <a:rPr lang="en-US" smtClean="0"/>
-              <a:t>1/13/14</a:t>
+              <a:t>1/15/14</a:t>
             </a:fld>
             <a:endParaRPr lang="en-US" dirty="0"/>
           </a:p>
@@ -556,6 +556,49 @@
               <a:rPr lang="en-US" baseline="0" dirty="0" smtClean="0"/>
               <a:t> about shift? </a:t>
             </a:r>
+            <a:endParaRPr lang="en-US" baseline="0" dirty="0" smtClean="0"/>
+          </a:p>
+          <a:p>
+            <a:endParaRPr lang="en-US" baseline="0" dirty="0" smtClean="0"/>
+          </a:p>
+          <a:p>
+            <a:endParaRPr lang="en-US" baseline="0" dirty="0" smtClean="0"/>
+          </a:p>
+          <a:p>
+            <a:r>
+              <a:rPr lang="en-US" dirty="0" smtClean="0"/>
+              <a:t>Starting from an empty array:</a:t>
+            </a:r>
+          </a:p>
+          <a:p>
+            <a:pPr lvl="1"/>
+            <a:r>
+              <a:rPr lang="en-US" dirty="0" smtClean="0"/>
+              <a:t>Z = [ ] </a:t>
+            </a:r>
+          </a:p>
+          <a:p>
+            <a:pPr lvl="1"/>
+            <a:r>
+              <a:rPr lang="en-US" dirty="0" smtClean="0"/>
+              <a:t>push!(Z, 5)   # what happens?</a:t>
+            </a:r>
+          </a:p>
+          <a:p>
+            <a:pPr lvl="1"/>
+            <a:r>
+              <a:rPr lang="en-US" dirty="0" smtClean="0"/>
+              <a:t>Z = [Z, 5] # what happens?</a:t>
+            </a:r>
+          </a:p>
+          <a:p>
+            <a:pPr lvl="1"/>
+            <a:r>
+              <a:rPr lang="en-US" dirty="0" smtClean="0"/>
+              <a:t>Z = [ ]; Z = [Z 3]  # what happens?</a:t>
+            </a:r>
+          </a:p>
+          <a:p>
             <a:endParaRPr lang="en-US" dirty="0"/>
           </a:p>
         </p:txBody>
@@ -587,6 +630,682 @@
     <p:extLst>
       <p:ext uri="{BB962C8B-B14F-4D97-AF65-F5344CB8AC3E}">
         <p14:creationId xmlns:p14="http://schemas.microsoft.com/office/powerpoint/2010/main" val="3016057633"/>
+      </p:ext>
+    </p:extLst>
+  </p:cSld>
+  <p:clrMapOvr>
+    <a:masterClrMapping/>
+  </p:clrMapOvr>
+</p:notes>
+</file>
+
+<file path=ppt/notesSlides/notesSlide10.xml><?xml version="1.0" encoding="utf-8"?>
+<p:notes xmlns:a="http://schemas.openxmlformats.org/drawingml/2006/main" xmlns:r="http://schemas.openxmlformats.org/officeDocument/2006/relationships" xmlns:p="http://schemas.openxmlformats.org/presentationml/2006/main">
+  <p:cSld>
+    <p:spTree>
+      <p:nvGrpSpPr>
+        <p:cNvPr id="1" name=""/>
+        <p:cNvGrpSpPr/>
+        <p:nvPr/>
+      </p:nvGrpSpPr>
+      <p:grpSpPr>
+        <a:xfrm>
+          <a:off x="0" y="0"/>
+          <a:ext cx="0" cy="0"/>
+          <a:chOff x="0" y="0"/>
+          <a:chExt cx="0" cy="0"/>
+        </a:xfrm>
+      </p:grpSpPr>
+      <p:sp>
+        <p:nvSpPr>
+          <p:cNvPr id="2" name="Slide Image Placeholder 1"/>
+          <p:cNvSpPr>
+            <a:spLocks noGrp="1" noRot="1" noChangeAspect="1"/>
+          </p:cNvSpPr>
+          <p:nvPr>
+            <p:ph type="sldImg"/>
+          </p:nvPr>
+        </p:nvSpPr>
+        <p:spPr/>
+      </p:sp>
+      <p:sp>
+        <p:nvSpPr>
+          <p:cNvPr id="3" name="Notes Placeholder 2"/>
+          <p:cNvSpPr>
+            <a:spLocks noGrp="1"/>
+          </p:cNvSpPr>
+          <p:nvPr>
+            <p:ph type="body" idx="1"/>
+          </p:nvPr>
+        </p:nvSpPr>
+        <p:spPr/>
+        <p:txBody>
+          <a:bodyPr/>
+          <a:lstStyle/>
+          <a:p>
+            <a:r>
+              <a:rPr lang="en-US" sz="1200" kern="1200" dirty="0" smtClean="0">
+                <a:solidFill>
+                  <a:schemeClr val="tx1"/>
+                </a:solidFill>
+                <a:latin typeface="+mn-lt"/>
+                <a:ea typeface="+mn-ea"/>
+                <a:cs typeface="+mn-cs"/>
+              </a:rPr>
+              <a:t>J_1 = \{ j \ \</a:t>
+            </a:r>
+            <a:r>
+              <a:rPr lang="en-US" sz="1200" kern="1200" dirty="0" err="1" smtClean="0">
+                <a:solidFill>
+                  <a:schemeClr val="tx1"/>
+                </a:solidFill>
+                <a:latin typeface="+mn-lt"/>
+                <a:ea typeface="+mn-ea"/>
+                <a:cs typeface="+mn-cs"/>
+              </a:rPr>
+              <a:t>vline</a:t>
+            </a:r>
+            <a:r>
+              <a:rPr lang="en-US" sz="1200" kern="1200" dirty="0" smtClean="0">
+                <a:solidFill>
+                  <a:schemeClr val="tx1"/>
+                </a:solidFill>
+                <a:latin typeface="+mn-lt"/>
+                <a:ea typeface="+mn-ea"/>
+                <a:cs typeface="+mn-cs"/>
+              </a:rPr>
+              <a:t> \ \bar{y}_j = 1\}</a:t>
+            </a:r>
+            <a:r>
+              <a:rPr lang="en-US" sz="1200" kern="1200" baseline="0" dirty="0" smtClean="0">
+                <a:solidFill>
+                  <a:schemeClr val="tx1"/>
+                </a:solidFill>
+                <a:latin typeface="+mn-lt"/>
+                <a:ea typeface="+mn-ea"/>
+                <a:cs typeface="+mn-cs"/>
+              </a:rPr>
+              <a:t> </a:t>
+            </a:r>
+          </a:p>
+          <a:p>
+            <a:endParaRPr lang="en-US" sz="1200" kern="1200" baseline="0" dirty="0" smtClean="0">
+              <a:solidFill>
+                <a:schemeClr val="tx1"/>
+              </a:solidFill>
+              <a:latin typeface="+mn-lt"/>
+              <a:ea typeface="+mn-ea"/>
+              <a:cs typeface="+mn-cs"/>
+            </a:endParaRPr>
+          </a:p>
+          <a:p>
+            <a:pPr marL="0" marR="0" indent="0" algn="l" defTabSz="457200" rtl="0" eaLnBrk="1" fontAlgn="auto" latinLnBrk="0" hangingPunct="1">
+              <a:lnSpc>
+                <a:spcPct val="100000"/>
+              </a:lnSpc>
+              <a:spcBef>
+                <a:spcPts val="0"/>
+              </a:spcBef>
+              <a:spcAft>
+                <a:spcPts val="0"/>
+              </a:spcAft>
+              <a:buClrTx/>
+              <a:buSzTx/>
+              <a:buFontTx/>
+              <a:buNone/>
+              <a:tabLst/>
+              <a:defRPr/>
+            </a:pPr>
+            <a:r>
+              <a:rPr lang="en-US" sz="1200" kern="1200" dirty="0" smtClean="0">
+                <a:solidFill>
+                  <a:schemeClr val="tx1"/>
+                </a:solidFill>
+                <a:latin typeface="+mn-lt"/>
+                <a:ea typeface="+mn-ea"/>
+                <a:cs typeface="+mn-cs"/>
+              </a:rPr>
+              <a:t>J_0 = \{ j \ \</a:t>
+            </a:r>
+            <a:r>
+              <a:rPr lang="en-US" sz="1200" kern="1200" dirty="0" err="1" smtClean="0">
+                <a:solidFill>
+                  <a:schemeClr val="tx1"/>
+                </a:solidFill>
+                <a:latin typeface="+mn-lt"/>
+                <a:ea typeface="+mn-ea"/>
+                <a:cs typeface="+mn-cs"/>
+              </a:rPr>
+              <a:t>vline</a:t>
+            </a:r>
+            <a:r>
+              <a:rPr lang="en-US" sz="1200" kern="1200" dirty="0" smtClean="0">
+                <a:solidFill>
+                  <a:schemeClr val="tx1"/>
+                </a:solidFill>
+                <a:latin typeface="+mn-lt"/>
+                <a:ea typeface="+mn-ea"/>
+                <a:cs typeface="+mn-cs"/>
+              </a:rPr>
+              <a:t> \ \bar{y}_j = 0\}</a:t>
+            </a:r>
+            <a:r>
+              <a:rPr lang="en-US" sz="1200" kern="1200" baseline="0" dirty="0" smtClean="0">
+                <a:solidFill>
+                  <a:schemeClr val="tx1"/>
+                </a:solidFill>
+                <a:latin typeface="+mn-lt"/>
+                <a:ea typeface="+mn-ea"/>
+                <a:cs typeface="+mn-cs"/>
+              </a:rPr>
+              <a:t> </a:t>
+            </a:r>
+          </a:p>
+          <a:p>
+            <a:endParaRPr lang="en-US" sz="1200" kern="1200" baseline="0" dirty="0" smtClean="0">
+              <a:solidFill>
+                <a:schemeClr val="tx1"/>
+              </a:solidFill>
+              <a:latin typeface="+mn-lt"/>
+              <a:ea typeface="+mn-ea"/>
+              <a:cs typeface="+mn-cs"/>
+            </a:endParaRPr>
+          </a:p>
+          <a:p>
+            <a:endParaRPr lang="en-US" sz="1200" kern="1200" baseline="0" dirty="0" smtClean="0">
+              <a:solidFill>
+                <a:schemeClr val="tx1"/>
+              </a:solidFill>
+              <a:latin typeface="+mn-lt"/>
+              <a:ea typeface="+mn-ea"/>
+              <a:cs typeface="+mn-cs"/>
+            </a:endParaRPr>
+          </a:p>
+          <a:p>
+            <a:endParaRPr lang="en-US" dirty="0" smtClean="0"/>
+          </a:p>
+          <a:p>
+            <a:endParaRPr lang="en-US" dirty="0" smtClean="0"/>
+          </a:p>
+          <a:p>
+            <a:endParaRPr lang="en-US" dirty="0" smtClean="0"/>
+          </a:p>
+          <a:p>
+            <a:r>
+              <a:rPr lang="es-ES_tradnl" sz="1200" kern="1200" dirty="0" smtClean="0">
+                <a:solidFill>
+                  <a:schemeClr val="tx1"/>
+                </a:solidFill>
+                <a:latin typeface="+mn-lt"/>
+                <a:ea typeface="+mn-ea"/>
+                <a:cs typeface="+mn-cs"/>
+              </a:rPr>
+              <a:t>\sum_{j \in J_1} </a:t>
+            </a:r>
+            <a:r>
+              <a:rPr lang="es-ES_tradnl" sz="1200" kern="1200" dirty="0" err="1" smtClean="0">
+                <a:solidFill>
+                  <a:schemeClr val="tx1"/>
+                </a:solidFill>
+                <a:latin typeface="+mn-lt"/>
+                <a:ea typeface="+mn-ea"/>
+                <a:cs typeface="+mn-cs"/>
+              </a:rPr>
+              <a:t>y_j</a:t>
+            </a:r>
+            <a:r>
+              <a:rPr lang="es-ES_tradnl" sz="1200" kern="1200" dirty="0" smtClean="0">
+                <a:solidFill>
+                  <a:schemeClr val="tx1"/>
+                </a:solidFill>
+                <a:latin typeface="+mn-lt"/>
+                <a:ea typeface="+mn-ea"/>
+                <a:cs typeface="+mn-cs"/>
+              </a:rPr>
+              <a:t> + \sum_{j \in J_0} (1 - </a:t>
+            </a:r>
+            <a:r>
+              <a:rPr lang="es-ES_tradnl" sz="1200" kern="1200" dirty="0" err="1" smtClean="0">
+                <a:solidFill>
+                  <a:schemeClr val="tx1"/>
+                </a:solidFill>
+                <a:latin typeface="+mn-lt"/>
+                <a:ea typeface="+mn-ea"/>
+                <a:cs typeface="+mn-cs"/>
+              </a:rPr>
+              <a:t>y_j</a:t>
+            </a:r>
+            <a:r>
+              <a:rPr lang="es-ES_tradnl" sz="1200" kern="1200" dirty="0" smtClean="0">
+                <a:solidFill>
+                  <a:schemeClr val="tx1"/>
+                </a:solidFill>
+                <a:latin typeface="+mn-lt"/>
+                <a:ea typeface="+mn-ea"/>
+                <a:cs typeface="+mn-cs"/>
+              </a:rPr>
+              <a:t>) \</a:t>
+            </a:r>
+            <a:r>
+              <a:rPr lang="es-ES_tradnl" sz="1200" kern="1200" dirty="0" err="1" smtClean="0">
+                <a:solidFill>
+                  <a:schemeClr val="tx1"/>
+                </a:solidFill>
+                <a:latin typeface="+mn-lt"/>
+                <a:ea typeface="+mn-ea"/>
+                <a:cs typeface="+mn-cs"/>
+              </a:rPr>
+              <a:t>leq</a:t>
+            </a:r>
+            <a:r>
+              <a:rPr lang="es-ES_tradnl" sz="1200" kern="1200" dirty="0" smtClean="0">
+                <a:solidFill>
+                  <a:schemeClr val="tx1"/>
+                </a:solidFill>
+                <a:latin typeface="+mn-lt"/>
+                <a:ea typeface="+mn-ea"/>
+                <a:cs typeface="+mn-cs"/>
+              </a:rPr>
+              <a:t> N - 1</a:t>
+            </a:r>
+            <a:endParaRPr lang="en-US" dirty="0"/>
+          </a:p>
+        </p:txBody>
+      </p:sp>
+      <p:sp>
+        <p:nvSpPr>
+          <p:cNvPr id="4" name="Slide Number Placeholder 3"/>
+          <p:cNvSpPr>
+            <a:spLocks noGrp="1"/>
+          </p:cNvSpPr>
+          <p:nvPr>
+            <p:ph type="sldNum" sz="quarter" idx="10"/>
+          </p:nvPr>
+        </p:nvSpPr>
+        <p:spPr/>
+        <p:txBody>
+          <a:bodyPr/>
+          <a:lstStyle/>
+          <a:p>
+            <a:fld id="{B15EEDFE-005D-3E4B-A966-9C955210900B}" type="slidenum">
+              <a:rPr lang="en-US" smtClean="0"/>
+              <a:t>31</a:t>
+            </a:fld>
+            <a:endParaRPr lang="en-US" dirty="0"/>
+          </a:p>
+        </p:txBody>
+      </p:sp>
+    </p:spTree>
+    <p:extLst>
+      <p:ext uri="{BB962C8B-B14F-4D97-AF65-F5344CB8AC3E}">
+        <p14:creationId xmlns:p14="http://schemas.microsoft.com/office/powerpoint/2010/main" val="2338289984"/>
+      </p:ext>
+    </p:extLst>
+  </p:cSld>
+  <p:clrMapOvr>
+    <a:masterClrMapping/>
+  </p:clrMapOvr>
+</p:notes>
+</file>
+
+<file path=ppt/notesSlides/notesSlide11.xml><?xml version="1.0" encoding="utf-8"?>
+<p:notes xmlns:a="http://schemas.openxmlformats.org/drawingml/2006/main" xmlns:r="http://schemas.openxmlformats.org/officeDocument/2006/relationships" xmlns:p="http://schemas.openxmlformats.org/presentationml/2006/main">
+  <p:cSld>
+    <p:spTree>
+      <p:nvGrpSpPr>
+        <p:cNvPr id="1" name=""/>
+        <p:cNvGrpSpPr/>
+        <p:nvPr/>
+      </p:nvGrpSpPr>
+      <p:grpSpPr>
+        <a:xfrm>
+          <a:off x="0" y="0"/>
+          <a:ext cx="0" cy="0"/>
+          <a:chOff x="0" y="0"/>
+          <a:chExt cx="0" cy="0"/>
+        </a:xfrm>
+      </p:grpSpPr>
+      <p:sp>
+        <p:nvSpPr>
+          <p:cNvPr id="2" name="Slide Image Placeholder 1"/>
+          <p:cNvSpPr>
+            <a:spLocks noGrp="1" noRot="1" noChangeAspect="1"/>
+          </p:cNvSpPr>
+          <p:nvPr>
+            <p:ph type="sldImg"/>
+          </p:nvPr>
+        </p:nvSpPr>
+        <p:spPr/>
+      </p:sp>
+      <p:sp>
+        <p:nvSpPr>
+          <p:cNvPr id="3" name="Notes Placeholder 2"/>
+          <p:cNvSpPr>
+            <a:spLocks noGrp="1"/>
+          </p:cNvSpPr>
+          <p:nvPr>
+            <p:ph type="body" idx="1"/>
+          </p:nvPr>
+        </p:nvSpPr>
+        <p:spPr/>
+        <p:txBody>
+          <a:bodyPr/>
+          <a:lstStyle/>
+          <a:p>
+            <a:r>
+              <a:rPr lang="en-US" sz="1200" kern="1200" dirty="0" smtClean="0">
+                <a:solidFill>
+                  <a:schemeClr val="tx1"/>
+                </a:solidFill>
+                <a:latin typeface="+mn-lt"/>
+                <a:ea typeface="+mn-ea"/>
+                <a:cs typeface="+mn-cs"/>
+              </a:rPr>
+              <a:t>\lambda_\ell(\</a:t>
+            </a:r>
+            <a:r>
+              <a:rPr lang="en-US" sz="1200" kern="1200" dirty="0" err="1" smtClean="0">
+                <a:solidFill>
+                  <a:schemeClr val="tx1"/>
+                </a:solidFill>
+                <a:latin typeface="+mn-lt"/>
+                <a:ea typeface="+mn-ea"/>
+                <a:cs typeface="+mn-cs"/>
+              </a:rPr>
+              <a:t>vec</a:t>
+            </a:r>
+            <a:r>
+              <a:rPr lang="en-US" sz="1200" kern="1200" dirty="0" smtClean="0">
+                <a:solidFill>
+                  <a:schemeClr val="tx1"/>
+                </a:solidFill>
+                <a:latin typeface="+mn-lt"/>
+                <a:ea typeface="+mn-ea"/>
+                <a:cs typeface="+mn-cs"/>
+              </a:rPr>
+              <a:t>{c}, t) = \begin{array}{l} \text{dual price of leg $\</a:t>
+            </a:r>
+            <a:r>
+              <a:rPr lang="en-US" sz="1200" kern="1200" dirty="0" err="1" smtClean="0">
+                <a:solidFill>
+                  <a:schemeClr val="tx1"/>
+                </a:solidFill>
+                <a:latin typeface="+mn-lt"/>
+                <a:ea typeface="+mn-ea"/>
+                <a:cs typeface="+mn-cs"/>
+              </a:rPr>
+              <a:t>ell$'s</a:t>
+            </a:r>
+            <a:r>
+              <a:rPr lang="en-US" sz="1200" kern="1200" dirty="0" smtClean="0">
+                <a:solidFill>
+                  <a:schemeClr val="tx1"/>
+                </a:solidFill>
+                <a:latin typeface="+mn-lt"/>
+                <a:ea typeface="+mn-ea"/>
+                <a:cs typeface="+mn-cs"/>
+              </a:rPr>
+              <a:t> capacity constraint,} \\ \text{when the remaining capacity is $\</a:t>
+            </a:r>
+            <a:r>
+              <a:rPr lang="en-US" sz="1200" kern="1200" dirty="0" err="1" smtClean="0">
+                <a:solidFill>
+                  <a:schemeClr val="tx1"/>
+                </a:solidFill>
+                <a:latin typeface="+mn-lt"/>
+                <a:ea typeface="+mn-ea"/>
+                <a:cs typeface="+mn-cs"/>
+              </a:rPr>
+              <a:t>vec</a:t>
+            </a:r>
+            <a:r>
+              <a:rPr lang="en-US" sz="1200" kern="1200" dirty="0" smtClean="0">
+                <a:solidFill>
+                  <a:schemeClr val="tx1"/>
+                </a:solidFill>
+                <a:latin typeface="+mn-lt"/>
+                <a:ea typeface="+mn-ea"/>
+                <a:cs typeface="+mn-cs"/>
+              </a:rPr>
+              <a:t>{c}$} \\</a:t>
+            </a:r>
+          </a:p>
+          <a:p>
+            <a:r>
+              <a:rPr lang="en-US" sz="1200" kern="1200" dirty="0" smtClean="0">
+                <a:solidFill>
+                  <a:schemeClr val="tx1"/>
+                </a:solidFill>
+                <a:latin typeface="+mn-lt"/>
+                <a:ea typeface="+mn-ea"/>
+                <a:cs typeface="+mn-cs"/>
+              </a:rPr>
+              <a:t>\text{and $t$ days remain.} \end{array}</a:t>
+            </a:r>
+          </a:p>
+          <a:p>
+            <a:endParaRPr lang="en-US" sz="1200" kern="1200" dirty="0" smtClean="0">
+              <a:solidFill>
+                <a:schemeClr val="tx1"/>
+              </a:solidFill>
+              <a:latin typeface="+mn-lt"/>
+              <a:ea typeface="+mn-ea"/>
+              <a:cs typeface="+mn-cs"/>
+            </a:endParaRPr>
+          </a:p>
+          <a:p>
+            <a:endParaRPr lang="en-US" dirty="0" smtClean="0"/>
+          </a:p>
+          <a:p>
+            <a:r>
+              <a:rPr lang="en-US" sz="1200" kern="1200" dirty="0" smtClean="0">
+                <a:solidFill>
+                  <a:schemeClr val="tx1"/>
+                </a:solidFill>
+                <a:latin typeface="+mn-lt"/>
+                <a:ea typeface="+mn-ea"/>
+                <a:cs typeface="+mn-cs"/>
+              </a:rPr>
+              <a:t>\</a:t>
+            </a:r>
+            <a:r>
+              <a:rPr lang="en-US" sz="1200" kern="1200" dirty="0" err="1" smtClean="0">
+                <a:solidFill>
+                  <a:schemeClr val="tx1"/>
+                </a:solidFill>
+                <a:latin typeface="+mn-lt"/>
+                <a:ea typeface="+mn-ea"/>
+                <a:cs typeface="+mn-cs"/>
+              </a:rPr>
+              <a:t>pi_t</a:t>
+            </a:r>
+            <a:r>
+              <a:rPr lang="en-US" sz="1200" kern="1200" dirty="0" smtClean="0">
+                <a:solidFill>
+                  <a:schemeClr val="tx1"/>
+                </a:solidFill>
+                <a:latin typeface="+mn-lt"/>
+                <a:ea typeface="+mn-ea"/>
+                <a:cs typeface="+mn-cs"/>
+              </a:rPr>
+              <a:t>(f) = \left\{ \begin{array}{</a:t>
+            </a:r>
+            <a:r>
+              <a:rPr lang="en-US" sz="1200" kern="1200" dirty="0" err="1" smtClean="0">
+                <a:solidFill>
+                  <a:schemeClr val="tx1"/>
+                </a:solidFill>
+                <a:latin typeface="+mn-lt"/>
+                <a:ea typeface="+mn-ea"/>
+                <a:cs typeface="+mn-cs"/>
+              </a:rPr>
+              <a:t>ll</a:t>
+            </a:r>
+            <a:r>
+              <a:rPr lang="en-US" sz="1200" kern="1200" dirty="0" smtClean="0">
+                <a:solidFill>
+                  <a:schemeClr val="tx1"/>
+                </a:solidFill>
+                <a:latin typeface="+mn-lt"/>
+                <a:ea typeface="+mn-ea"/>
+                <a:cs typeface="+mn-cs"/>
+              </a:rPr>
+              <a:t>} \text{Accept} &amp;  \text{if}\ \sum_{\ell \in \</a:t>
+            </a:r>
+            <a:r>
+              <a:rPr lang="en-US" sz="1200" kern="1200" dirty="0" err="1" smtClean="0">
+                <a:solidFill>
+                  <a:schemeClr val="tx1"/>
+                </a:solidFill>
+                <a:latin typeface="+mn-lt"/>
+                <a:ea typeface="+mn-ea"/>
+                <a:cs typeface="+mn-cs"/>
+              </a:rPr>
+              <a:t>mathcal</a:t>
+            </a:r>
+            <a:r>
+              <a:rPr lang="en-US" sz="1200" kern="1200" dirty="0" smtClean="0">
+                <a:solidFill>
+                  <a:schemeClr val="tx1"/>
+                </a:solidFill>
+                <a:latin typeface="+mn-lt"/>
+                <a:ea typeface="+mn-ea"/>
+                <a:cs typeface="+mn-cs"/>
+              </a:rPr>
+              <a:t>{L}} A_{\</a:t>
+            </a:r>
+            <a:r>
+              <a:rPr lang="en-US" sz="1200" kern="1200" dirty="0" err="1" smtClean="0">
+                <a:solidFill>
+                  <a:schemeClr val="tx1"/>
+                </a:solidFill>
+                <a:latin typeface="+mn-lt"/>
+                <a:ea typeface="+mn-ea"/>
+                <a:cs typeface="+mn-cs"/>
+              </a:rPr>
+              <a:t>ell,f</a:t>
+            </a:r>
+            <a:r>
+              <a:rPr lang="en-US" sz="1200" kern="1200" dirty="0" smtClean="0">
+                <a:solidFill>
+                  <a:schemeClr val="tx1"/>
+                </a:solidFill>
+                <a:latin typeface="+mn-lt"/>
+                <a:ea typeface="+mn-ea"/>
+                <a:cs typeface="+mn-cs"/>
+              </a:rPr>
+              <a:t>} \lambda_{\ell}(\</a:t>
+            </a:r>
+            <a:r>
+              <a:rPr lang="en-US" sz="1200" kern="1200" dirty="0" err="1" smtClean="0">
+                <a:solidFill>
+                  <a:schemeClr val="tx1"/>
+                </a:solidFill>
+                <a:latin typeface="+mn-lt"/>
+                <a:ea typeface="+mn-ea"/>
+                <a:cs typeface="+mn-cs"/>
+              </a:rPr>
+              <a:t>vec</a:t>
+            </a:r>
+            <a:r>
+              <a:rPr lang="en-US" sz="1200" kern="1200" dirty="0" smtClean="0">
+                <a:solidFill>
+                  <a:schemeClr val="tx1"/>
+                </a:solidFill>
+                <a:latin typeface="+mn-lt"/>
+                <a:ea typeface="+mn-ea"/>
+                <a:cs typeface="+mn-cs"/>
+              </a:rPr>
+              <a:t>{c},t) \</a:t>
+            </a:r>
+            <a:r>
+              <a:rPr lang="en-US" sz="1200" kern="1200" dirty="0" err="1" smtClean="0">
+                <a:solidFill>
+                  <a:schemeClr val="tx1"/>
+                </a:solidFill>
+                <a:latin typeface="+mn-lt"/>
+                <a:ea typeface="+mn-ea"/>
+                <a:cs typeface="+mn-cs"/>
+              </a:rPr>
+              <a:t>leq</a:t>
+            </a:r>
+            <a:r>
+              <a:rPr lang="en-US" sz="1200" kern="1200" dirty="0" smtClean="0">
+                <a:solidFill>
+                  <a:schemeClr val="tx1"/>
+                </a:solidFill>
+                <a:latin typeface="+mn-lt"/>
+                <a:ea typeface="+mn-ea"/>
+                <a:cs typeface="+mn-cs"/>
+              </a:rPr>
+              <a:t> </a:t>
+            </a:r>
+            <a:r>
+              <a:rPr lang="en-US" sz="1200" kern="1200" dirty="0" err="1" smtClean="0">
+                <a:solidFill>
+                  <a:schemeClr val="tx1"/>
+                </a:solidFill>
+                <a:latin typeface="+mn-lt"/>
+                <a:ea typeface="+mn-ea"/>
+                <a:cs typeface="+mn-cs"/>
+              </a:rPr>
+              <a:t>r_f</a:t>
+            </a:r>
+            <a:r>
+              <a:rPr lang="en-US" sz="1200" kern="1200" dirty="0" smtClean="0">
+                <a:solidFill>
+                  <a:schemeClr val="tx1"/>
+                </a:solidFill>
+                <a:latin typeface="+mn-lt"/>
+                <a:ea typeface="+mn-ea"/>
+                <a:cs typeface="+mn-cs"/>
+              </a:rPr>
+              <a:t>, \\</a:t>
+            </a:r>
+          </a:p>
+          <a:p>
+            <a:r>
+              <a:rPr lang="en-US" sz="1200" kern="1200" dirty="0" smtClean="0">
+                <a:solidFill>
+                  <a:schemeClr val="tx1"/>
+                </a:solidFill>
+                <a:latin typeface="+mn-lt"/>
+                <a:ea typeface="+mn-ea"/>
+                <a:cs typeface="+mn-cs"/>
+              </a:rPr>
+              <a:t>\text{Reject} &amp; \text{otherwise.}  \end{array} \right.</a:t>
+            </a:r>
+            <a:endParaRPr lang="en-US" dirty="0"/>
+          </a:p>
+        </p:txBody>
+      </p:sp>
+      <p:sp>
+        <p:nvSpPr>
+          <p:cNvPr id="4" name="Slide Number Placeholder 3"/>
+          <p:cNvSpPr>
+            <a:spLocks noGrp="1"/>
+          </p:cNvSpPr>
+          <p:nvPr>
+            <p:ph type="sldNum" sz="quarter" idx="10"/>
+          </p:nvPr>
+        </p:nvSpPr>
+        <p:spPr/>
+        <p:txBody>
+          <a:bodyPr/>
+          <a:lstStyle/>
+          <a:p>
+            <a:fld id="{B15EEDFE-005D-3E4B-A966-9C955210900B}" type="slidenum">
+              <a:rPr lang="en-US" smtClean="0"/>
+              <a:t>43</a:t>
+            </a:fld>
+            <a:endParaRPr lang="en-US" dirty="0"/>
+          </a:p>
+        </p:txBody>
+      </p:sp>
+    </p:spTree>
+    <p:extLst>
+      <p:ext uri="{BB962C8B-B14F-4D97-AF65-F5344CB8AC3E}">
+        <p14:creationId xmlns:p14="http://schemas.microsoft.com/office/powerpoint/2010/main" val="1798321760"/>
       </p:ext>
     </p:extLst>
   </p:cSld>
@@ -746,21 +1465,14 @@
           <a:p>
             <a:r>
               <a:rPr lang="en-US" dirty="0" smtClean="0"/>
-              <a:t>dot function provides dot product of two one-dimensional arrays</a:t>
-            </a:r>
-          </a:p>
-          <a:p>
-            <a:pPr lvl="1"/>
-            <a:r>
-              <a:rPr lang="en-US" dirty="0" smtClean="0"/>
-              <a:t>dot(A[4,:], x) – b[4] &lt; 0   # does this work?</a:t>
-            </a:r>
-          </a:p>
-          <a:p>
-            <a:pPr lvl="1"/>
-            <a:r>
-              <a:rPr lang="en-US" dirty="0" smtClean="0"/>
-              <a:t>dot(A[4,:][:], x[:]) – b[4] &lt; 0   # how about now?</a:t>
+              <a:t>Another trap:</a:t>
+            </a:r>
+          </a:p>
+          <a:p>
+            <a:pPr lvl="1"/>
+            <a:r>
+              <a:rPr lang="en-US" dirty="0" smtClean="0"/>
+              <a:t>x – x[:] </a:t>
             </a:r>
           </a:p>
           <a:p>
@@ -785,16 +1497,16 @@
           <a:p>
             <a:fld id="{B15EEDFE-005D-3E4B-A966-9C955210900B}" type="slidenum">
               <a:rPr lang="en-US" smtClean="0"/>
-              <a:t>14</a:t>
+              <a:t>12</a:t>
             </a:fld>
-            <a:endParaRPr lang="en-US"/>
+            <a:endParaRPr lang="en-US" dirty="0"/>
           </a:p>
         </p:txBody>
       </p:sp>
     </p:spTree>
     <p:extLst>
       <p:ext uri="{BB962C8B-B14F-4D97-AF65-F5344CB8AC3E}">
-        <p14:creationId xmlns:p14="http://schemas.microsoft.com/office/powerpoint/2010/main" val="3439368375"/>
+        <p14:creationId xmlns:p14="http://schemas.microsoft.com/office/powerpoint/2010/main" val="3876281812"/>
       </p:ext>
     </p:extLst>
   </p:cSld>
@@ -848,1049 +1560,34 @@
           <a:bodyPr/>
           <a:lstStyle/>
           <a:p>
-            <a:r>
-              <a:rPr lang="en-US" sz="1200" b="1" kern="1200" dirty="0" smtClean="0">
-                <a:solidFill>
-                  <a:schemeClr val="tx1"/>
-                </a:solidFill>
-                <a:latin typeface="+mn-lt"/>
-                <a:ea typeface="+mn-ea"/>
-                <a:cs typeface="+mn-cs"/>
-              </a:rPr>
-              <a:t>function </a:t>
-            </a:r>
-            <a:r>
-              <a:rPr lang="en-US" sz="1200" b="1" kern="1200" dirty="0" err="1" smtClean="0">
-                <a:solidFill>
-                  <a:schemeClr val="tx1"/>
-                </a:solidFill>
-                <a:latin typeface="+mn-lt"/>
-                <a:ea typeface="+mn-ea"/>
-                <a:cs typeface="+mn-cs"/>
-              </a:rPr>
-              <a:t>findVio</a:t>
-            </a:r>
-            <a:r>
-              <a:rPr lang="en-US" sz="1200" b="1" kern="1200" dirty="0" smtClean="0">
-                <a:solidFill>
-                  <a:schemeClr val="tx1"/>
-                </a:solidFill>
-                <a:latin typeface="+mn-lt"/>
-                <a:ea typeface="+mn-ea"/>
-                <a:cs typeface="+mn-cs"/>
-              </a:rPr>
-              <a:t>(x, A, b)</a:t>
-            </a:r>
-            <a:endParaRPr lang="en-US" sz="1200" b="0" kern="1200" dirty="0" smtClean="0">
-              <a:solidFill>
-                <a:schemeClr val="tx1"/>
-              </a:solidFill>
-              <a:latin typeface="+mn-lt"/>
-              <a:ea typeface="+mn-ea"/>
-              <a:cs typeface="+mn-cs"/>
-            </a:endParaRPr>
-          </a:p>
-          <a:p>
-            <a:r>
-              <a:rPr lang="da-DK" sz="1200" b="1" kern="1200" dirty="0" smtClean="0">
-                <a:solidFill>
-                  <a:schemeClr val="tx1"/>
-                </a:solidFill>
-                <a:latin typeface="+mn-lt"/>
-                <a:ea typeface="+mn-ea"/>
-                <a:cs typeface="+mn-cs"/>
-              </a:rPr>
-              <a:t>       find(-(A * x - b) .&gt; 0 )</a:t>
-            </a:r>
-            <a:endParaRPr lang="da-DK" sz="1200" b="0" kern="1200" dirty="0" smtClean="0">
-              <a:solidFill>
-                <a:schemeClr val="tx1"/>
-              </a:solidFill>
-              <a:latin typeface="+mn-lt"/>
-              <a:ea typeface="+mn-ea"/>
-              <a:cs typeface="+mn-cs"/>
-            </a:endParaRPr>
-          </a:p>
-          <a:p>
-            <a:r>
-              <a:rPr lang="da-DK" sz="1200" b="1" kern="1200" dirty="0" smtClean="0">
-                <a:solidFill>
-                  <a:schemeClr val="tx1"/>
-                </a:solidFill>
-                <a:latin typeface="+mn-lt"/>
-                <a:ea typeface="+mn-ea"/>
-                <a:cs typeface="+mn-cs"/>
-              </a:rPr>
-              <a:t>       end</a:t>
-            </a:r>
-          </a:p>
-          <a:p>
-            <a:endParaRPr lang="da-DK" sz="1200" b="1" kern="1200" dirty="0" smtClean="0">
-              <a:solidFill>
-                <a:schemeClr val="tx1"/>
-              </a:solidFill>
-              <a:latin typeface="+mn-lt"/>
-              <a:ea typeface="+mn-ea"/>
-              <a:cs typeface="+mn-cs"/>
-            </a:endParaRPr>
-          </a:p>
-          <a:p>
-            <a:endParaRPr lang="da-DK" sz="1200" b="1" kern="1200" dirty="0" smtClean="0">
-              <a:solidFill>
-                <a:schemeClr val="tx1"/>
-              </a:solidFill>
-              <a:latin typeface="+mn-lt"/>
-              <a:ea typeface="+mn-ea"/>
-              <a:cs typeface="+mn-cs"/>
-            </a:endParaRPr>
-          </a:p>
-          <a:p>
-            <a:r>
-              <a:rPr lang="en-US" sz="1200" b="1" kern="1200" dirty="0" smtClean="0">
-                <a:solidFill>
-                  <a:schemeClr val="tx1"/>
-                </a:solidFill>
-                <a:latin typeface="+mn-lt"/>
-                <a:ea typeface="+mn-ea"/>
-                <a:cs typeface="+mn-cs"/>
-              </a:rPr>
-              <a:t>function findVio2(x, A, b)</a:t>
-            </a:r>
-            <a:endParaRPr lang="en-US" sz="1200" b="0" kern="1200" dirty="0" smtClean="0">
-              <a:solidFill>
-                <a:schemeClr val="tx1"/>
-              </a:solidFill>
-              <a:latin typeface="+mn-lt"/>
-              <a:ea typeface="+mn-ea"/>
-              <a:cs typeface="+mn-cs"/>
-            </a:endParaRPr>
-          </a:p>
-          <a:p>
-            <a:r>
-              <a:rPr lang="en-US" sz="1200" b="1" kern="1200" dirty="0" smtClean="0">
-                <a:solidFill>
-                  <a:schemeClr val="tx1"/>
-                </a:solidFill>
-                <a:latin typeface="+mn-lt"/>
-                <a:ea typeface="+mn-ea"/>
-                <a:cs typeface="+mn-cs"/>
-              </a:rPr>
-              <a:t>         </a:t>
-            </a:r>
-            <a:r>
-              <a:rPr lang="en-US" sz="1200" b="1" kern="1200" dirty="0" err="1" smtClean="0">
-                <a:solidFill>
-                  <a:schemeClr val="tx1"/>
-                </a:solidFill>
-                <a:latin typeface="+mn-lt"/>
-                <a:ea typeface="+mn-ea"/>
-                <a:cs typeface="+mn-cs"/>
-              </a:rPr>
-              <a:t>indFull</a:t>
-            </a:r>
-            <a:r>
-              <a:rPr lang="en-US" sz="1200" b="1" kern="1200" dirty="0" smtClean="0">
-                <a:solidFill>
-                  <a:schemeClr val="tx1"/>
-                </a:solidFill>
-                <a:latin typeface="+mn-lt"/>
-                <a:ea typeface="+mn-ea"/>
-                <a:cs typeface="+mn-cs"/>
-              </a:rPr>
-              <a:t> = [1:1:length(b)]</a:t>
-            </a:r>
-            <a:endParaRPr lang="en-US" sz="1200" b="0" kern="1200" dirty="0" smtClean="0">
-              <a:solidFill>
-                <a:schemeClr val="tx1"/>
-              </a:solidFill>
-              <a:latin typeface="+mn-lt"/>
-              <a:ea typeface="+mn-ea"/>
-              <a:cs typeface="+mn-cs"/>
-            </a:endParaRPr>
-          </a:p>
-          <a:p>
-            <a:r>
-              <a:rPr lang="fr-FR" sz="1200" b="1" kern="1200" dirty="0" smtClean="0">
-                <a:solidFill>
-                  <a:schemeClr val="tx1"/>
-                </a:solidFill>
-                <a:latin typeface="+mn-lt"/>
-                <a:ea typeface="+mn-ea"/>
-                <a:cs typeface="+mn-cs"/>
-              </a:rPr>
-              <a:t>         </a:t>
-            </a:r>
-            <a:r>
-              <a:rPr lang="fr-FR" sz="1200" b="1" kern="1200" dirty="0" err="1" smtClean="0">
-                <a:solidFill>
-                  <a:schemeClr val="tx1"/>
-                </a:solidFill>
-                <a:latin typeface="+mn-lt"/>
-                <a:ea typeface="+mn-ea"/>
-                <a:cs typeface="+mn-cs"/>
-              </a:rPr>
-              <a:t>logInd</a:t>
-            </a:r>
-            <a:r>
-              <a:rPr lang="fr-FR" sz="1200" b="1" kern="1200" dirty="0" smtClean="0">
-                <a:solidFill>
-                  <a:schemeClr val="tx1"/>
-                </a:solidFill>
-                <a:latin typeface="+mn-lt"/>
-                <a:ea typeface="+mn-ea"/>
-                <a:cs typeface="+mn-cs"/>
-              </a:rPr>
-              <a:t> = A*x - b .&lt; 0 </a:t>
-            </a:r>
-            <a:endParaRPr lang="fr-FR" sz="1200" b="0" kern="1200" dirty="0" smtClean="0">
-              <a:solidFill>
-                <a:schemeClr val="tx1"/>
-              </a:solidFill>
-              <a:latin typeface="+mn-lt"/>
-              <a:ea typeface="+mn-ea"/>
-              <a:cs typeface="+mn-cs"/>
-            </a:endParaRPr>
-          </a:p>
-          <a:p>
-            <a:r>
-              <a:rPr lang="fr-FR" sz="1200" b="1" kern="1200" dirty="0" smtClean="0">
-                <a:solidFill>
-                  <a:schemeClr val="tx1"/>
-                </a:solidFill>
-                <a:latin typeface="+mn-lt"/>
-                <a:ea typeface="+mn-ea"/>
-                <a:cs typeface="+mn-cs"/>
-              </a:rPr>
-              <a:t>         </a:t>
-            </a:r>
-            <a:r>
-              <a:rPr lang="fr-FR" sz="1200" b="1" kern="1200" dirty="0" err="1" smtClean="0">
-                <a:solidFill>
-                  <a:schemeClr val="tx1"/>
-                </a:solidFill>
-                <a:latin typeface="+mn-lt"/>
-                <a:ea typeface="+mn-ea"/>
-                <a:cs typeface="+mn-cs"/>
-              </a:rPr>
-              <a:t>indVio</a:t>
-            </a:r>
-            <a:r>
-              <a:rPr lang="fr-FR" sz="1200" b="1" kern="1200" dirty="0" smtClean="0">
-                <a:solidFill>
-                  <a:schemeClr val="tx1"/>
-                </a:solidFill>
-                <a:latin typeface="+mn-lt"/>
-                <a:ea typeface="+mn-ea"/>
-                <a:cs typeface="+mn-cs"/>
-              </a:rPr>
-              <a:t> = </a:t>
-            </a:r>
-            <a:r>
-              <a:rPr lang="fr-FR" sz="1200" b="1" kern="1200" dirty="0" err="1" smtClean="0">
-                <a:solidFill>
-                  <a:schemeClr val="tx1"/>
-                </a:solidFill>
-                <a:latin typeface="+mn-lt"/>
-                <a:ea typeface="+mn-ea"/>
-                <a:cs typeface="+mn-cs"/>
-              </a:rPr>
-              <a:t>indFull</a:t>
-            </a:r>
-            <a:r>
-              <a:rPr lang="fr-FR" sz="1200" b="1" kern="1200" dirty="0" smtClean="0">
-                <a:solidFill>
-                  <a:schemeClr val="tx1"/>
-                </a:solidFill>
-                <a:latin typeface="+mn-lt"/>
-                <a:ea typeface="+mn-ea"/>
-                <a:cs typeface="+mn-cs"/>
-              </a:rPr>
-              <a:t>[ </a:t>
-            </a:r>
-            <a:r>
-              <a:rPr lang="fr-FR" sz="1200" b="1" kern="1200" dirty="0" err="1" smtClean="0">
-                <a:solidFill>
-                  <a:schemeClr val="tx1"/>
-                </a:solidFill>
-                <a:latin typeface="+mn-lt"/>
-                <a:ea typeface="+mn-ea"/>
-                <a:cs typeface="+mn-cs"/>
-              </a:rPr>
-              <a:t>logInd</a:t>
-            </a:r>
-            <a:r>
-              <a:rPr lang="fr-FR" sz="1200" b="1" kern="1200" dirty="0" smtClean="0">
-                <a:solidFill>
-                  <a:schemeClr val="tx1"/>
-                </a:solidFill>
-                <a:latin typeface="+mn-lt"/>
-                <a:ea typeface="+mn-ea"/>
-                <a:cs typeface="+mn-cs"/>
-              </a:rPr>
-              <a:t>[:] ]</a:t>
-            </a:r>
-            <a:endParaRPr lang="fr-FR" sz="1200" b="0" kern="1200" dirty="0" smtClean="0">
-              <a:solidFill>
-                <a:schemeClr val="tx1"/>
-              </a:solidFill>
-              <a:latin typeface="+mn-lt"/>
-              <a:ea typeface="+mn-ea"/>
-              <a:cs typeface="+mn-cs"/>
-            </a:endParaRPr>
-          </a:p>
-          <a:p>
-            <a:r>
-              <a:rPr lang="fr-FR" sz="1200" b="1" kern="1200" dirty="0" smtClean="0">
-                <a:solidFill>
-                  <a:schemeClr val="tx1"/>
-                </a:solidFill>
-                <a:latin typeface="+mn-lt"/>
-                <a:ea typeface="+mn-ea"/>
-                <a:cs typeface="+mn-cs"/>
-              </a:rPr>
-              <a:t>       end</a:t>
-            </a:r>
-          </a:p>
-          <a:p>
-            <a:endParaRPr lang="fr-FR" sz="1200" b="1" kern="1200" dirty="0" smtClean="0">
-              <a:solidFill>
-                <a:schemeClr val="tx1"/>
-              </a:solidFill>
-              <a:latin typeface="+mn-lt"/>
-              <a:ea typeface="+mn-ea"/>
-              <a:cs typeface="+mn-cs"/>
-            </a:endParaRPr>
-          </a:p>
-          <a:p>
-            <a:endParaRPr lang="fr-FR" sz="1200" b="1" kern="1200" dirty="0" smtClean="0">
-              <a:solidFill>
-                <a:schemeClr val="tx1"/>
-              </a:solidFill>
-              <a:latin typeface="+mn-lt"/>
-              <a:ea typeface="+mn-ea"/>
-              <a:cs typeface="+mn-cs"/>
-            </a:endParaRPr>
-          </a:p>
-          <a:p>
-            <a:r>
-              <a:rPr lang="en-US" sz="1200" b="1" kern="1200" dirty="0" smtClean="0">
-                <a:solidFill>
-                  <a:schemeClr val="tx1"/>
-                </a:solidFill>
-                <a:latin typeface="+mn-lt"/>
-                <a:ea typeface="+mn-ea"/>
-                <a:cs typeface="+mn-cs"/>
-              </a:rPr>
-              <a:t>function findVio3(x, A, b)</a:t>
-            </a:r>
-            <a:endParaRPr lang="en-US" sz="1200" b="0" kern="1200" dirty="0" smtClean="0">
-              <a:solidFill>
-                <a:schemeClr val="tx1"/>
-              </a:solidFill>
-              <a:latin typeface="+mn-lt"/>
-              <a:ea typeface="+mn-ea"/>
-              <a:cs typeface="+mn-cs"/>
-            </a:endParaRPr>
-          </a:p>
-          <a:p>
-            <a:r>
-              <a:rPr lang="en-US" sz="1200" b="1" kern="1200" dirty="0" smtClean="0">
-                <a:solidFill>
-                  <a:schemeClr val="tx1"/>
-                </a:solidFill>
-                <a:latin typeface="+mn-lt"/>
-                <a:ea typeface="+mn-ea"/>
-                <a:cs typeface="+mn-cs"/>
-              </a:rPr>
-              <a:t>         </a:t>
-            </a:r>
-            <a:r>
-              <a:rPr lang="en-US" sz="1200" b="1" kern="1200" dirty="0" err="1" smtClean="0">
-                <a:solidFill>
-                  <a:schemeClr val="tx1"/>
-                </a:solidFill>
-                <a:latin typeface="+mn-lt"/>
-                <a:ea typeface="+mn-ea"/>
-                <a:cs typeface="+mn-cs"/>
-              </a:rPr>
-              <a:t>indVio</a:t>
-            </a:r>
-            <a:r>
-              <a:rPr lang="en-US" sz="1200" b="1" kern="1200" dirty="0" smtClean="0">
-                <a:solidFill>
-                  <a:schemeClr val="tx1"/>
-                </a:solidFill>
-                <a:latin typeface="+mn-lt"/>
-                <a:ea typeface="+mn-ea"/>
-                <a:cs typeface="+mn-cs"/>
-              </a:rPr>
-              <a:t> = []</a:t>
-            </a:r>
-            <a:endParaRPr lang="en-US" sz="1200" b="0" kern="1200" dirty="0" smtClean="0">
-              <a:solidFill>
-                <a:schemeClr val="tx1"/>
-              </a:solidFill>
-              <a:latin typeface="+mn-lt"/>
-              <a:ea typeface="+mn-ea"/>
-              <a:cs typeface="+mn-cs"/>
-            </a:endParaRPr>
-          </a:p>
-          <a:p>
-            <a:r>
-              <a:rPr lang="en-US" sz="1200" b="1" kern="1200" dirty="0" smtClean="0">
-                <a:solidFill>
-                  <a:schemeClr val="tx1"/>
-                </a:solidFill>
-                <a:latin typeface="+mn-lt"/>
-                <a:ea typeface="+mn-ea"/>
-                <a:cs typeface="+mn-cs"/>
-              </a:rPr>
-              <a:t>         for </a:t>
-            </a:r>
-            <a:r>
-              <a:rPr lang="en-US" sz="1200" b="1" kern="1200" dirty="0" err="1" smtClean="0">
-                <a:solidFill>
-                  <a:schemeClr val="tx1"/>
-                </a:solidFill>
-                <a:latin typeface="+mn-lt"/>
-                <a:ea typeface="+mn-ea"/>
-                <a:cs typeface="+mn-cs"/>
-              </a:rPr>
-              <a:t>i</a:t>
-            </a:r>
-            <a:r>
-              <a:rPr lang="en-US" sz="1200" b="1" kern="1200" dirty="0" smtClean="0">
-                <a:solidFill>
-                  <a:schemeClr val="tx1"/>
-                </a:solidFill>
-                <a:latin typeface="+mn-lt"/>
-                <a:ea typeface="+mn-ea"/>
-                <a:cs typeface="+mn-cs"/>
-              </a:rPr>
-              <a:t> in 1:length(b)</a:t>
-            </a:r>
-            <a:endParaRPr lang="en-US" sz="1200" b="0" kern="1200" dirty="0" smtClean="0">
-              <a:solidFill>
-                <a:schemeClr val="tx1"/>
-              </a:solidFill>
-              <a:latin typeface="+mn-lt"/>
-              <a:ea typeface="+mn-ea"/>
-              <a:cs typeface="+mn-cs"/>
-            </a:endParaRPr>
-          </a:p>
-          <a:p>
-            <a:r>
-              <a:rPr lang="en-US" sz="1200" b="1" kern="1200" dirty="0" smtClean="0">
-                <a:solidFill>
-                  <a:schemeClr val="tx1"/>
-                </a:solidFill>
-                <a:latin typeface="+mn-lt"/>
-                <a:ea typeface="+mn-ea"/>
-                <a:cs typeface="+mn-cs"/>
-              </a:rPr>
-              <a:t>           diff = (A[</a:t>
-            </a:r>
-            <a:r>
-              <a:rPr lang="en-US" sz="1200" b="1" kern="1200" dirty="0" err="1" smtClean="0">
-                <a:solidFill>
-                  <a:schemeClr val="tx1"/>
-                </a:solidFill>
-                <a:latin typeface="+mn-lt"/>
-                <a:ea typeface="+mn-ea"/>
-                <a:cs typeface="+mn-cs"/>
-              </a:rPr>
-              <a:t>i</a:t>
-            </a:r>
-            <a:r>
-              <a:rPr lang="en-US" sz="1200" b="1" kern="1200" dirty="0" smtClean="0">
-                <a:solidFill>
-                  <a:schemeClr val="tx1"/>
-                </a:solidFill>
-                <a:latin typeface="+mn-lt"/>
-                <a:ea typeface="+mn-ea"/>
-                <a:cs typeface="+mn-cs"/>
-              </a:rPr>
-              <a:t>,:] * x - b[</a:t>
-            </a:r>
-            <a:r>
-              <a:rPr lang="en-US" sz="1200" b="1" kern="1200" dirty="0" err="1" smtClean="0">
-                <a:solidFill>
-                  <a:schemeClr val="tx1"/>
-                </a:solidFill>
-                <a:latin typeface="+mn-lt"/>
-                <a:ea typeface="+mn-ea"/>
-                <a:cs typeface="+mn-cs"/>
-              </a:rPr>
-              <a:t>i</a:t>
-            </a:r>
-            <a:r>
-              <a:rPr lang="en-US" sz="1200" b="1" kern="1200" dirty="0" smtClean="0">
-                <a:solidFill>
-                  <a:schemeClr val="tx1"/>
-                </a:solidFill>
-                <a:latin typeface="+mn-lt"/>
-                <a:ea typeface="+mn-ea"/>
-                <a:cs typeface="+mn-cs"/>
-              </a:rPr>
-              <a:t>])[1]</a:t>
-            </a:r>
-            <a:endParaRPr lang="en-US" sz="1200" b="0" kern="1200" dirty="0" smtClean="0">
-              <a:solidFill>
-                <a:schemeClr val="tx1"/>
-              </a:solidFill>
-              <a:latin typeface="+mn-lt"/>
-              <a:ea typeface="+mn-ea"/>
-              <a:cs typeface="+mn-cs"/>
-            </a:endParaRPr>
-          </a:p>
-          <a:p>
-            <a:r>
-              <a:rPr lang="en-US" sz="1200" b="1" kern="1200" dirty="0" smtClean="0">
-                <a:solidFill>
-                  <a:schemeClr val="tx1"/>
-                </a:solidFill>
-                <a:latin typeface="+mn-lt"/>
-                <a:ea typeface="+mn-ea"/>
-                <a:cs typeface="+mn-cs"/>
-              </a:rPr>
-              <a:t>           if ( diff &lt; 0)</a:t>
-            </a:r>
-            <a:endParaRPr lang="en-US" sz="1200" b="0" kern="1200" dirty="0" smtClean="0">
-              <a:solidFill>
-                <a:schemeClr val="tx1"/>
-              </a:solidFill>
-              <a:latin typeface="+mn-lt"/>
-              <a:ea typeface="+mn-ea"/>
-              <a:cs typeface="+mn-cs"/>
-            </a:endParaRPr>
-          </a:p>
-          <a:p>
-            <a:r>
-              <a:rPr lang="en-US" sz="1200" b="1" kern="1200" dirty="0" smtClean="0">
-                <a:solidFill>
-                  <a:schemeClr val="tx1"/>
-                </a:solidFill>
-                <a:latin typeface="+mn-lt"/>
-                <a:ea typeface="+mn-ea"/>
-                <a:cs typeface="+mn-cs"/>
-              </a:rPr>
-              <a:t>             </a:t>
-            </a:r>
-            <a:r>
-              <a:rPr lang="en-US" sz="1200" b="1" kern="1200" dirty="0" err="1" smtClean="0">
-                <a:solidFill>
-                  <a:schemeClr val="tx1"/>
-                </a:solidFill>
-                <a:latin typeface="+mn-lt"/>
-                <a:ea typeface="+mn-ea"/>
-                <a:cs typeface="+mn-cs"/>
-              </a:rPr>
-              <a:t>indVio</a:t>
-            </a:r>
-            <a:r>
-              <a:rPr lang="en-US" sz="1200" b="1" kern="1200" dirty="0" smtClean="0">
-                <a:solidFill>
-                  <a:schemeClr val="tx1"/>
-                </a:solidFill>
-                <a:latin typeface="+mn-lt"/>
-                <a:ea typeface="+mn-ea"/>
-                <a:cs typeface="+mn-cs"/>
-              </a:rPr>
-              <a:t> = [</a:t>
-            </a:r>
-            <a:r>
-              <a:rPr lang="en-US" sz="1200" b="1" kern="1200" dirty="0" err="1" smtClean="0">
-                <a:solidFill>
-                  <a:schemeClr val="tx1"/>
-                </a:solidFill>
-                <a:latin typeface="+mn-lt"/>
-                <a:ea typeface="+mn-ea"/>
-                <a:cs typeface="+mn-cs"/>
-              </a:rPr>
-              <a:t>indVio</a:t>
-            </a:r>
-            <a:r>
-              <a:rPr lang="en-US" sz="1200" b="1" kern="1200" baseline="0" dirty="0" smtClean="0">
-                <a:solidFill>
-                  <a:schemeClr val="tx1"/>
-                </a:solidFill>
-                <a:latin typeface="+mn-lt"/>
-                <a:ea typeface="+mn-ea"/>
-                <a:cs typeface="+mn-cs"/>
-              </a:rPr>
-              <a:t>, </a:t>
-            </a:r>
-            <a:r>
-              <a:rPr lang="en-US" sz="1200" b="1" kern="1200" baseline="0" dirty="0" err="1" smtClean="0">
-                <a:solidFill>
-                  <a:schemeClr val="tx1"/>
-                </a:solidFill>
-                <a:latin typeface="+mn-lt"/>
-                <a:ea typeface="+mn-ea"/>
-                <a:cs typeface="+mn-cs"/>
-              </a:rPr>
-              <a:t>i</a:t>
-            </a:r>
-            <a:r>
-              <a:rPr lang="en-US" sz="1200" b="1" kern="1200" baseline="0" dirty="0" smtClean="0">
-                <a:solidFill>
-                  <a:schemeClr val="tx1"/>
-                </a:solidFill>
-                <a:latin typeface="+mn-lt"/>
-                <a:ea typeface="+mn-ea"/>
-                <a:cs typeface="+mn-cs"/>
-              </a:rPr>
-              <a:t>]</a:t>
-            </a:r>
-            <a:endParaRPr lang="en-US" sz="1200" b="0" kern="1200" dirty="0" smtClean="0">
-              <a:solidFill>
-                <a:schemeClr val="tx1"/>
-              </a:solidFill>
-              <a:latin typeface="+mn-lt"/>
-              <a:ea typeface="+mn-ea"/>
-              <a:cs typeface="+mn-cs"/>
-            </a:endParaRPr>
-          </a:p>
-          <a:p>
-            <a:r>
-              <a:rPr lang="en-US" sz="1200" b="1" kern="1200" dirty="0" smtClean="0">
-                <a:solidFill>
-                  <a:schemeClr val="tx1"/>
-                </a:solidFill>
-                <a:latin typeface="+mn-lt"/>
-                <a:ea typeface="+mn-ea"/>
-                <a:cs typeface="+mn-cs"/>
-              </a:rPr>
-              <a:t>           end</a:t>
-            </a:r>
-            <a:endParaRPr lang="en-US" sz="1200" b="0" kern="1200" dirty="0" smtClean="0">
-              <a:solidFill>
-                <a:schemeClr val="tx1"/>
-              </a:solidFill>
-              <a:latin typeface="+mn-lt"/>
-              <a:ea typeface="+mn-ea"/>
-              <a:cs typeface="+mn-cs"/>
-            </a:endParaRPr>
-          </a:p>
-          <a:p>
-            <a:r>
-              <a:rPr lang="en-US" sz="1200" b="1" kern="1200" dirty="0" smtClean="0">
-                <a:solidFill>
-                  <a:schemeClr val="tx1"/>
-                </a:solidFill>
-                <a:latin typeface="+mn-lt"/>
-                <a:ea typeface="+mn-ea"/>
-                <a:cs typeface="+mn-cs"/>
-              </a:rPr>
-              <a:t>         end</a:t>
-            </a:r>
-            <a:endParaRPr lang="en-US" sz="1200" b="0" kern="1200" dirty="0" smtClean="0">
-              <a:solidFill>
-                <a:schemeClr val="tx1"/>
-              </a:solidFill>
-              <a:latin typeface="+mn-lt"/>
-              <a:ea typeface="+mn-ea"/>
-              <a:cs typeface="+mn-cs"/>
-            </a:endParaRPr>
-          </a:p>
-          <a:p>
-            <a:r>
-              <a:rPr lang="en-US" sz="1200" b="1" kern="1200" dirty="0" smtClean="0">
-                <a:solidFill>
-                  <a:schemeClr val="tx1"/>
-                </a:solidFill>
-                <a:latin typeface="+mn-lt"/>
-                <a:ea typeface="+mn-ea"/>
-                <a:cs typeface="+mn-cs"/>
-              </a:rPr>
-              <a:t>         return </a:t>
-            </a:r>
-            <a:r>
-              <a:rPr lang="en-US" sz="1200" b="1" kern="1200" dirty="0" err="1" smtClean="0">
-                <a:solidFill>
-                  <a:schemeClr val="tx1"/>
-                </a:solidFill>
-                <a:latin typeface="+mn-lt"/>
-                <a:ea typeface="+mn-ea"/>
-                <a:cs typeface="+mn-cs"/>
-              </a:rPr>
-              <a:t>indVio</a:t>
-            </a:r>
-            <a:endParaRPr lang="en-US" sz="1200" b="0" kern="1200" dirty="0" smtClean="0">
-              <a:solidFill>
-                <a:schemeClr val="tx1"/>
-              </a:solidFill>
-              <a:latin typeface="+mn-lt"/>
-              <a:ea typeface="+mn-ea"/>
-              <a:cs typeface="+mn-cs"/>
-            </a:endParaRPr>
-          </a:p>
-          <a:p>
-            <a:r>
-              <a:rPr lang="en-US" sz="1200" b="1" kern="1200" dirty="0" smtClean="0">
-                <a:solidFill>
-                  <a:schemeClr val="tx1"/>
-                </a:solidFill>
-                <a:latin typeface="+mn-lt"/>
-                <a:ea typeface="+mn-ea"/>
-                <a:cs typeface="+mn-cs"/>
-              </a:rPr>
-              <a:t>       end</a:t>
-            </a:r>
-          </a:p>
-          <a:p>
-            <a:endParaRPr lang="en-US" sz="1200" b="1" kern="1200" dirty="0" smtClean="0">
-              <a:solidFill>
-                <a:schemeClr val="tx1"/>
-              </a:solidFill>
-              <a:latin typeface="+mn-lt"/>
-              <a:ea typeface="+mn-ea"/>
-              <a:cs typeface="+mn-cs"/>
-            </a:endParaRPr>
-          </a:p>
-          <a:p>
-            <a:r>
-              <a:rPr lang="en-US" sz="1200" b="1" kern="1200" dirty="0" smtClean="0">
-                <a:solidFill>
-                  <a:schemeClr val="tx1"/>
-                </a:solidFill>
-                <a:latin typeface="+mn-lt"/>
-                <a:ea typeface="+mn-ea"/>
-                <a:cs typeface="+mn-cs"/>
-              </a:rPr>
-              <a:t>function findVio4(x, A, b)</a:t>
-            </a:r>
-            <a:endParaRPr lang="en-US" sz="1200" b="0" kern="1200" dirty="0" smtClean="0">
-              <a:solidFill>
-                <a:schemeClr val="tx1"/>
-              </a:solidFill>
-              <a:latin typeface="+mn-lt"/>
-              <a:ea typeface="+mn-ea"/>
-              <a:cs typeface="+mn-cs"/>
-            </a:endParaRPr>
-          </a:p>
-          <a:p>
-            <a:r>
-              <a:rPr lang="en-US" sz="1200" b="1" kern="1200" dirty="0" smtClean="0">
-                <a:solidFill>
-                  <a:schemeClr val="tx1"/>
-                </a:solidFill>
-                <a:latin typeface="+mn-lt"/>
-                <a:ea typeface="+mn-ea"/>
-                <a:cs typeface="+mn-cs"/>
-              </a:rPr>
-              <a:t>         </a:t>
-            </a:r>
-            <a:r>
-              <a:rPr lang="en-US" sz="1200" b="1" kern="1200" dirty="0" err="1" smtClean="0">
-                <a:solidFill>
-                  <a:schemeClr val="tx1"/>
-                </a:solidFill>
-                <a:latin typeface="+mn-lt"/>
-                <a:ea typeface="+mn-ea"/>
-                <a:cs typeface="+mn-cs"/>
-              </a:rPr>
-              <a:t>indVio</a:t>
-            </a:r>
-            <a:r>
-              <a:rPr lang="en-US" sz="1200" b="1" kern="1200" dirty="0" smtClean="0">
-                <a:solidFill>
-                  <a:schemeClr val="tx1"/>
-                </a:solidFill>
-                <a:latin typeface="+mn-lt"/>
-                <a:ea typeface="+mn-ea"/>
-                <a:cs typeface="+mn-cs"/>
-              </a:rPr>
-              <a:t> = Int64[]</a:t>
-            </a:r>
-            <a:endParaRPr lang="en-US" sz="1200" b="0" kern="1200" dirty="0" smtClean="0">
-              <a:solidFill>
-                <a:schemeClr val="tx1"/>
-              </a:solidFill>
-              <a:latin typeface="+mn-lt"/>
-              <a:ea typeface="+mn-ea"/>
-              <a:cs typeface="+mn-cs"/>
-            </a:endParaRPr>
-          </a:p>
-          <a:p>
-            <a:r>
-              <a:rPr lang="en-US" sz="1200" b="1" kern="1200" dirty="0" smtClean="0">
-                <a:solidFill>
-                  <a:schemeClr val="tx1"/>
-                </a:solidFill>
-                <a:latin typeface="+mn-lt"/>
-                <a:ea typeface="+mn-ea"/>
-                <a:cs typeface="+mn-cs"/>
-              </a:rPr>
-              <a:t>         for </a:t>
-            </a:r>
-            <a:r>
-              <a:rPr lang="en-US" sz="1200" b="1" kern="1200" dirty="0" err="1" smtClean="0">
-                <a:solidFill>
-                  <a:schemeClr val="tx1"/>
-                </a:solidFill>
-                <a:latin typeface="+mn-lt"/>
-                <a:ea typeface="+mn-ea"/>
-                <a:cs typeface="+mn-cs"/>
-              </a:rPr>
-              <a:t>i</a:t>
-            </a:r>
-            <a:r>
-              <a:rPr lang="en-US" sz="1200" b="1" kern="1200" dirty="0" smtClean="0">
-                <a:solidFill>
-                  <a:schemeClr val="tx1"/>
-                </a:solidFill>
-                <a:latin typeface="+mn-lt"/>
-                <a:ea typeface="+mn-ea"/>
-                <a:cs typeface="+mn-cs"/>
-              </a:rPr>
-              <a:t> in 1:length(b)</a:t>
-            </a:r>
-            <a:endParaRPr lang="en-US" sz="1200" b="0" kern="1200" dirty="0" smtClean="0">
-              <a:solidFill>
-                <a:schemeClr val="tx1"/>
-              </a:solidFill>
-              <a:latin typeface="+mn-lt"/>
-              <a:ea typeface="+mn-ea"/>
-              <a:cs typeface="+mn-cs"/>
-            </a:endParaRPr>
-          </a:p>
-          <a:p>
-            <a:r>
-              <a:rPr lang="en-US" sz="1200" b="1" kern="1200" dirty="0" smtClean="0">
-                <a:solidFill>
-                  <a:schemeClr val="tx1"/>
-                </a:solidFill>
-                <a:latin typeface="+mn-lt"/>
-                <a:ea typeface="+mn-ea"/>
-                <a:cs typeface="+mn-cs"/>
-              </a:rPr>
-              <a:t>           diff = (A[</a:t>
-            </a:r>
-            <a:r>
-              <a:rPr lang="en-US" sz="1200" b="1" kern="1200" dirty="0" err="1" smtClean="0">
-                <a:solidFill>
-                  <a:schemeClr val="tx1"/>
-                </a:solidFill>
-                <a:latin typeface="+mn-lt"/>
-                <a:ea typeface="+mn-ea"/>
-                <a:cs typeface="+mn-cs"/>
-              </a:rPr>
-              <a:t>i</a:t>
-            </a:r>
-            <a:r>
-              <a:rPr lang="en-US" sz="1200" b="1" kern="1200" dirty="0" smtClean="0">
-                <a:solidFill>
-                  <a:schemeClr val="tx1"/>
-                </a:solidFill>
-                <a:latin typeface="+mn-lt"/>
-                <a:ea typeface="+mn-ea"/>
-                <a:cs typeface="+mn-cs"/>
-              </a:rPr>
-              <a:t>,:] * x - b[</a:t>
-            </a:r>
-            <a:r>
-              <a:rPr lang="en-US" sz="1200" b="1" kern="1200" dirty="0" err="1" smtClean="0">
-                <a:solidFill>
-                  <a:schemeClr val="tx1"/>
-                </a:solidFill>
-                <a:latin typeface="+mn-lt"/>
-                <a:ea typeface="+mn-ea"/>
-                <a:cs typeface="+mn-cs"/>
-              </a:rPr>
-              <a:t>i</a:t>
-            </a:r>
-            <a:r>
-              <a:rPr lang="en-US" sz="1200" b="1" kern="1200" dirty="0" smtClean="0">
-                <a:solidFill>
-                  <a:schemeClr val="tx1"/>
-                </a:solidFill>
-                <a:latin typeface="+mn-lt"/>
-                <a:ea typeface="+mn-ea"/>
-                <a:cs typeface="+mn-cs"/>
-              </a:rPr>
-              <a:t>])[1]</a:t>
-            </a:r>
-            <a:endParaRPr lang="en-US" sz="1200" b="0" kern="1200" dirty="0" smtClean="0">
-              <a:solidFill>
-                <a:schemeClr val="tx1"/>
-              </a:solidFill>
-              <a:latin typeface="+mn-lt"/>
-              <a:ea typeface="+mn-ea"/>
-              <a:cs typeface="+mn-cs"/>
-            </a:endParaRPr>
-          </a:p>
-          <a:p>
-            <a:r>
-              <a:rPr lang="en-US" sz="1200" b="1" kern="1200" dirty="0" smtClean="0">
-                <a:solidFill>
-                  <a:schemeClr val="tx1"/>
-                </a:solidFill>
-                <a:latin typeface="+mn-lt"/>
-                <a:ea typeface="+mn-ea"/>
-                <a:cs typeface="+mn-cs"/>
-              </a:rPr>
-              <a:t>           if ( diff &lt; 0)</a:t>
-            </a:r>
-            <a:endParaRPr lang="en-US" sz="1200" b="0" kern="1200" dirty="0" smtClean="0">
-              <a:solidFill>
-                <a:schemeClr val="tx1"/>
-              </a:solidFill>
-              <a:latin typeface="+mn-lt"/>
-              <a:ea typeface="+mn-ea"/>
-              <a:cs typeface="+mn-cs"/>
-            </a:endParaRPr>
-          </a:p>
-          <a:p>
-            <a:r>
-              <a:rPr lang="en-US" sz="1200" b="1" kern="1200" dirty="0" smtClean="0">
-                <a:solidFill>
-                  <a:schemeClr val="tx1"/>
-                </a:solidFill>
-                <a:latin typeface="+mn-lt"/>
-                <a:ea typeface="+mn-ea"/>
-                <a:cs typeface="+mn-cs"/>
-              </a:rPr>
-              <a:t>             push!(</a:t>
-            </a:r>
-            <a:r>
-              <a:rPr lang="en-US" sz="1200" b="1" kern="1200" dirty="0" err="1" smtClean="0">
-                <a:solidFill>
-                  <a:schemeClr val="tx1"/>
-                </a:solidFill>
-                <a:latin typeface="+mn-lt"/>
-                <a:ea typeface="+mn-ea"/>
-                <a:cs typeface="+mn-cs"/>
-              </a:rPr>
-              <a:t>indVio</a:t>
-            </a:r>
-            <a:r>
-              <a:rPr lang="en-US" sz="1200" b="1" kern="1200" dirty="0" smtClean="0">
-                <a:solidFill>
-                  <a:schemeClr val="tx1"/>
-                </a:solidFill>
-                <a:latin typeface="+mn-lt"/>
-                <a:ea typeface="+mn-ea"/>
-                <a:cs typeface="+mn-cs"/>
-              </a:rPr>
-              <a:t>, </a:t>
-            </a:r>
-            <a:r>
-              <a:rPr lang="en-US" sz="1200" b="1" kern="1200" dirty="0" err="1" smtClean="0">
-                <a:solidFill>
-                  <a:schemeClr val="tx1"/>
-                </a:solidFill>
-                <a:latin typeface="+mn-lt"/>
-                <a:ea typeface="+mn-ea"/>
-                <a:cs typeface="+mn-cs"/>
-              </a:rPr>
-              <a:t>i</a:t>
-            </a:r>
-            <a:r>
-              <a:rPr lang="en-US" sz="1200" b="1" kern="1200" dirty="0" smtClean="0">
-                <a:solidFill>
-                  <a:schemeClr val="tx1"/>
-                </a:solidFill>
-                <a:latin typeface="+mn-lt"/>
-                <a:ea typeface="+mn-ea"/>
-                <a:cs typeface="+mn-cs"/>
-              </a:rPr>
-              <a:t>) </a:t>
-            </a:r>
-            <a:endParaRPr lang="en-US" sz="1200" b="0" kern="1200" dirty="0" smtClean="0">
-              <a:solidFill>
-                <a:schemeClr val="tx1"/>
-              </a:solidFill>
-              <a:latin typeface="+mn-lt"/>
-              <a:ea typeface="+mn-ea"/>
-              <a:cs typeface="+mn-cs"/>
-            </a:endParaRPr>
-          </a:p>
-          <a:p>
-            <a:r>
-              <a:rPr lang="en-US" sz="1200" b="1" kern="1200" dirty="0" smtClean="0">
-                <a:solidFill>
-                  <a:schemeClr val="tx1"/>
-                </a:solidFill>
-                <a:latin typeface="+mn-lt"/>
-                <a:ea typeface="+mn-ea"/>
-                <a:cs typeface="+mn-cs"/>
-              </a:rPr>
-              <a:t>           end</a:t>
-            </a:r>
-            <a:endParaRPr lang="en-US" sz="1200" b="0" kern="1200" dirty="0" smtClean="0">
-              <a:solidFill>
-                <a:schemeClr val="tx1"/>
-              </a:solidFill>
-              <a:latin typeface="+mn-lt"/>
-              <a:ea typeface="+mn-ea"/>
-              <a:cs typeface="+mn-cs"/>
-            </a:endParaRPr>
-          </a:p>
-          <a:p>
-            <a:r>
-              <a:rPr lang="en-US" sz="1200" b="1" kern="1200" dirty="0" smtClean="0">
-                <a:solidFill>
-                  <a:schemeClr val="tx1"/>
-                </a:solidFill>
-                <a:latin typeface="+mn-lt"/>
-                <a:ea typeface="+mn-ea"/>
-                <a:cs typeface="+mn-cs"/>
-              </a:rPr>
-              <a:t>         end</a:t>
-            </a:r>
-            <a:endParaRPr lang="en-US" sz="1200" b="0" kern="1200" dirty="0" smtClean="0">
-              <a:solidFill>
-                <a:schemeClr val="tx1"/>
-              </a:solidFill>
-              <a:latin typeface="+mn-lt"/>
-              <a:ea typeface="+mn-ea"/>
-              <a:cs typeface="+mn-cs"/>
-            </a:endParaRPr>
-          </a:p>
-          <a:p>
-            <a:r>
-              <a:rPr lang="en-US" sz="1200" b="1" kern="1200" dirty="0" smtClean="0">
-                <a:solidFill>
-                  <a:schemeClr val="tx1"/>
-                </a:solidFill>
-                <a:latin typeface="+mn-lt"/>
-                <a:ea typeface="+mn-ea"/>
-                <a:cs typeface="+mn-cs"/>
-              </a:rPr>
-              <a:t>         return </a:t>
-            </a:r>
-            <a:r>
-              <a:rPr lang="en-US" sz="1200" b="1" kern="1200" dirty="0" err="1" smtClean="0">
-                <a:solidFill>
-                  <a:schemeClr val="tx1"/>
-                </a:solidFill>
-                <a:latin typeface="+mn-lt"/>
-                <a:ea typeface="+mn-ea"/>
-                <a:cs typeface="+mn-cs"/>
-              </a:rPr>
-              <a:t>indVio</a:t>
-            </a:r>
-            <a:endParaRPr lang="en-US" sz="1200" b="0" kern="1200" dirty="0" smtClean="0">
-              <a:solidFill>
-                <a:schemeClr val="tx1"/>
-              </a:solidFill>
-              <a:latin typeface="+mn-lt"/>
-              <a:ea typeface="+mn-ea"/>
-              <a:cs typeface="+mn-cs"/>
-            </a:endParaRPr>
-          </a:p>
-          <a:p>
-            <a:r>
-              <a:rPr lang="en-US" sz="1200" b="1" kern="1200" dirty="0" smtClean="0">
-                <a:solidFill>
-                  <a:schemeClr val="tx1"/>
-                </a:solidFill>
-                <a:latin typeface="+mn-lt"/>
-                <a:ea typeface="+mn-ea"/>
-                <a:cs typeface="+mn-cs"/>
-              </a:rPr>
-              <a:t>       end</a:t>
+            <a:pPr marL="0" marR="0" lvl="1" indent="0" algn="l" defTabSz="457200" rtl="0" eaLnBrk="1" fontAlgn="auto" latinLnBrk="0" hangingPunct="1">
+              <a:lnSpc>
+                <a:spcPct val="100000"/>
+              </a:lnSpc>
+              <a:spcBef>
+                <a:spcPts val="0"/>
+              </a:spcBef>
+              <a:spcAft>
+                <a:spcPts val="0"/>
+              </a:spcAft>
+              <a:buClrTx/>
+              <a:buSzTx/>
+              <a:buFontTx/>
+              <a:buNone/>
+              <a:tabLst/>
+              <a:defRPr/>
+            </a:pPr>
+            <a:r>
+              <a:rPr lang="en-US" dirty="0" smtClean="0"/>
+              <a:t>mystery = </a:t>
+            </a:r>
+            <a:r>
+              <a:rPr lang="da-DK" b="1" dirty="0" smtClean="0"/>
+              <a:t> </a:t>
+            </a:r>
+            <a:r>
+              <a:rPr lang="da-DK" dirty="0" smtClean="0"/>
+              <a:t>[ ( [1 1; 1 0]^i* [1;1])[1] for i =1:15]</a:t>
             </a:r>
             <a:endParaRPr lang="en-US" dirty="0" smtClean="0"/>
           </a:p>
@@ -1916,16 +1613,16 @@
           <a:p>
             <a:fld id="{B15EEDFE-005D-3E4B-A966-9C955210900B}" type="slidenum">
               <a:rPr lang="en-US" smtClean="0"/>
-              <a:t>20</a:t>
+              <a:t>13</a:t>
             </a:fld>
-            <a:endParaRPr lang="en-US"/>
+            <a:endParaRPr lang="en-US" dirty="0"/>
           </a:p>
         </p:txBody>
       </p:sp>
     </p:spTree>
     <p:extLst>
       <p:ext uri="{BB962C8B-B14F-4D97-AF65-F5344CB8AC3E}">
-        <p14:creationId xmlns:p14="http://schemas.microsoft.com/office/powerpoint/2010/main" val="861184652"/>
+        <p14:creationId xmlns:p14="http://schemas.microsoft.com/office/powerpoint/2010/main" val="2381738686"/>
       </p:ext>
     </p:extLst>
   </p:cSld>
@@ -1981,12 +1678,24 @@
           <a:p>
             <a:r>
               <a:rPr lang="en-US" dirty="0" smtClean="0"/>
-              <a:t>Maybe</a:t>
-            </a:r>
-            <a:r>
-              <a:rPr lang="en-US" baseline="0" dirty="0" smtClean="0"/>
-              <a:t> take a moment /</a:t>
-            </a:r>
+              <a:t>dot function provides dot product of two one-dimensional arrays</a:t>
+            </a:r>
+          </a:p>
+          <a:p>
+            <a:pPr lvl="1"/>
+            <a:r>
+              <a:rPr lang="en-US" dirty="0" smtClean="0"/>
+              <a:t>dot(A[4,:], x) – b[4] &lt; 0   # does this work?</a:t>
+            </a:r>
+          </a:p>
+          <a:p>
+            <a:pPr lvl="1"/>
+            <a:r>
+              <a:rPr lang="en-US" dirty="0" smtClean="0"/>
+              <a:t>dot(A[4,:][:], x[:]) – b[4] &lt; 0   # how about now?</a:t>
+            </a:r>
+          </a:p>
+          <a:p>
             <a:endParaRPr lang="en-US" dirty="0"/>
           </a:p>
         </p:txBody>
@@ -2008,16 +1717,16 @@
           <a:p>
             <a:fld id="{B15EEDFE-005D-3E4B-A966-9C955210900B}" type="slidenum">
               <a:rPr lang="en-US" smtClean="0"/>
-              <a:t>24</a:t>
+              <a:t>14</a:t>
             </a:fld>
-            <a:endParaRPr lang="en-US" dirty="0"/>
+            <a:endParaRPr lang="en-US"/>
           </a:p>
         </p:txBody>
       </p:sp>
     </p:spTree>
     <p:extLst>
       <p:ext uri="{BB962C8B-B14F-4D97-AF65-F5344CB8AC3E}">
-        <p14:creationId xmlns:p14="http://schemas.microsoft.com/office/powerpoint/2010/main" val="1761512579"/>
+        <p14:creationId xmlns:p14="http://schemas.microsoft.com/office/powerpoint/2010/main" val="3439368375"/>
       </p:ext>
     </p:extLst>
   </p:cSld>
@@ -2071,6 +1780,1053 @@
           <a:bodyPr/>
           <a:lstStyle/>
           <a:p>
+            <a:r>
+              <a:rPr lang="en-US" sz="1200" b="1" kern="1200" dirty="0" smtClean="0">
+                <a:solidFill>
+                  <a:schemeClr val="tx1"/>
+                </a:solidFill>
+                <a:latin typeface="+mn-lt"/>
+                <a:ea typeface="+mn-ea"/>
+                <a:cs typeface="+mn-cs"/>
+              </a:rPr>
+              <a:t>function </a:t>
+            </a:r>
+            <a:r>
+              <a:rPr lang="en-US" sz="1200" b="1" kern="1200" dirty="0" err="1" smtClean="0">
+                <a:solidFill>
+                  <a:schemeClr val="tx1"/>
+                </a:solidFill>
+                <a:latin typeface="+mn-lt"/>
+                <a:ea typeface="+mn-ea"/>
+                <a:cs typeface="+mn-cs"/>
+              </a:rPr>
+              <a:t>findVio</a:t>
+            </a:r>
+            <a:r>
+              <a:rPr lang="en-US" sz="1200" b="1" kern="1200" dirty="0" smtClean="0">
+                <a:solidFill>
+                  <a:schemeClr val="tx1"/>
+                </a:solidFill>
+                <a:latin typeface="+mn-lt"/>
+                <a:ea typeface="+mn-ea"/>
+                <a:cs typeface="+mn-cs"/>
+              </a:rPr>
+              <a:t>(x, A, b)</a:t>
+            </a:r>
+            <a:endParaRPr lang="en-US" sz="1200" b="0" kern="1200" dirty="0" smtClean="0">
+              <a:solidFill>
+                <a:schemeClr val="tx1"/>
+              </a:solidFill>
+              <a:latin typeface="+mn-lt"/>
+              <a:ea typeface="+mn-ea"/>
+              <a:cs typeface="+mn-cs"/>
+            </a:endParaRPr>
+          </a:p>
+          <a:p>
+            <a:r>
+              <a:rPr lang="da-DK" sz="1200" b="1" kern="1200" dirty="0" smtClean="0">
+                <a:solidFill>
+                  <a:schemeClr val="tx1"/>
+                </a:solidFill>
+                <a:latin typeface="+mn-lt"/>
+                <a:ea typeface="+mn-ea"/>
+                <a:cs typeface="+mn-cs"/>
+              </a:rPr>
+              <a:t>       find(-(A * x - b) .&gt; 0 )</a:t>
+            </a:r>
+            <a:endParaRPr lang="da-DK" sz="1200" b="0" kern="1200" dirty="0" smtClean="0">
+              <a:solidFill>
+                <a:schemeClr val="tx1"/>
+              </a:solidFill>
+              <a:latin typeface="+mn-lt"/>
+              <a:ea typeface="+mn-ea"/>
+              <a:cs typeface="+mn-cs"/>
+            </a:endParaRPr>
+          </a:p>
+          <a:p>
+            <a:r>
+              <a:rPr lang="da-DK" sz="1200" b="1" kern="1200" dirty="0" smtClean="0">
+                <a:solidFill>
+                  <a:schemeClr val="tx1"/>
+                </a:solidFill>
+                <a:latin typeface="+mn-lt"/>
+                <a:ea typeface="+mn-ea"/>
+                <a:cs typeface="+mn-cs"/>
+              </a:rPr>
+              <a:t>       end</a:t>
+            </a:r>
+          </a:p>
+          <a:p>
+            <a:endParaRPr lang="da-DK" sz="1200" b="1" kern="1200" dirty="0" smtClean="0">
+              <a:solidFill>
+                <a:schemeClr val="tx1"/>
+              </a:solidFill>
+              <a:latin typeface="+mn-lt"/>
+              <a:ea typeface="+mn-ea"/>
+              <a:cs typeface="+mn-cs"/>
+            </a:endParaRPr>
+          </a:p>
+          <a:p>
+            <a:endParaRPr lang="da-DK" sz="1200" b="1" kern="1200" dirty="0" smtClean="0">
+              <a:solidFill>
+                <a:schemeClr val="tx1"/>
+              </a:solidFill>
+              <a:latin typeface="+mn-lt"/>
+              <a:ea typeface="+mn-ea"/>
+              <a:cs typeface="+mn-cs"/>
+            </a:endParaRPr>
+          </a:p>
+          <a:p>
+            <a:r>
+              <a:rPr lang="en-US" sz="1200" b="1" kern="1200" dirty="0" smtClean="0">
+                <a:solidFill>
+                  <a:schemeClr val="tx1"/>
+                </a:solidFill>
+                <a:latin typeface="+mn-lt"/>
+                <a:ea typeface="+mn-ea"/>
+                <a:cs typeface="+mn-cs"/>
+              </a:rPr>
+              <a:t>function findVio2(x, A, b)</a:t>
+            </a:r>
+            <a:endParaRPr lang="en-US" sz="1200" b="0" kern="1200" dirty="0" smtClean="0">
+              <a:solidFill>
+                <a:schemeClr val="tx1"/>
+              </a:solidFill>
+              <a:latin typeface="+mn-lt"/>
+              <a:ea typeface="+mn-ea"/>
+              <a:cs typeface="+mn-cs"/>
+            </a:endParaRPr>
+          </a:p>
+          <a:p>
+            <a:r>
+              <a:rPr lang="en-US" sz="1200" b="1" kern="1200" dirty="0" smtClean="0">
+                <a:solidFill>
+                  <a:schemeClr val="tx1"/>
+                </a:solidFill>
+                <a:latin typeface="+mn-lt"/>
+                <a:ea typeface="+mn-ea"/>
+                <a:cs typeface="+mn-cs"/>
+              </a:rPr>
+              <a:t>         </a:t>
+            </a:r>
+            <a:r>
+              <a:rPr lang="en-US" sz="1200" b="1" kern="1200" dirty="0" err="1" smtClean="0">
+                <a:solidFill>
+                  <a:schemeClr val="tx1"/>
+                </a:solidFill>
+                <a:latin typeface="+mn-lt"/>
+                <a:ea typeface="+mn-ea"/>
+                <a:cs typeface="+mn-cs"/>
+              </a:rPr>
+              <a:t>indFull</a:t>
+            </a:r>
+            <a:r>
+              <a:rPr lang="en-US" sz="1200" b="1" kern="1200" dirty="0" smtClean="0">
+                <a:solidFill>
+                  <a:schemeClr val="tx1"/>
+                </a:solidFill>
+                <a:latin typeface="+mn-lt"/>
+                <a:ea typeface="+mn-ea"/>
+                <a:cs typeface="+mn-cs"/>
+              </a:rPr>
+              <a:t> = [1:1:length(b)]</a:t>
+            </a:r>
+            <a:endParaRPr lang="en-US" sz="1200" b="0" kern="1200" dirty="0" smtClean="0">
+              <a:solidFill>
+                <a:schemeClr val="tx1"/>
+              </a:solidFill>
+              <a:latin typeface="+mn-lt"/>
+              <a:ea typeface="+mn-ea"/>
+              <a:cs typeface="+mn-cs"/>
+            </a:endParaRPr>
+          </a:p>
+          <a:p>
+            <a:r>
+              <a:rPr lang="fr-FR" sz="1200" b="1" kern="1200" dirty="0" smtClean="0">
+                <a:solidFill>
+                  <a:schemeClr val="tx1"/>
+                </a:solidFill>
+                <a:latin typeface="+mn-lt"/>
+                <a:ea typeface="+mn-ea"/>
+                <a:cs typeface="+mn-cs"/>
+              </a:rPr>
+              <a:t>         </a:t>
+            </a:r>
+            <a:r>
+              <a:rPr lang="fr-FR" sz="1200" b="1" kern="1200" dirty="0" err="1" smtClean="0">
+                <a:solidFill>
+                  <a:schemeClr val="tx1"/>
+                </a:solidFill>
+                <a:latin typeface="+mn-lt"/>
+                <a:ea typeface="+mn-ea"/>
+                <a:cs typeface="+mn-cs"/>
+              </a:rPr>
+              <a:t>logInd</a:t>
+            </a:r>
+            <a:r>
+              <a:rPr lang="fr-FR" sz="1200" b="1" kern="1200" dirty="0" smtClean="0">
+                <a:solidFill>
+                  <a:schemeClr val="tx1"/>
+                </a:solidFill>
+                <a:latin typeface="+mn-lt"/>
+                <a:ea typeface="+mn-ea"/>
+                <a:cs typeface="+mn-cs"/>
+              </a:rPr>
+              <a:t> = A*x - b .&lt; 0 </a:t>
+            </a:r>
+            <a:endParaRPr lang="fr-FR" sz="1200" b="0" kern="1200" dirty="0" smtClean="0">
+              <a:solidFill>
+                <a:schemeClr val="tx1"/>
+              </a:solidFill>
+              <a:latin typeface="+mn-lt"/>
+              <a:ea typeface="+mn-ea"/>
+              <a:cs typeface="+mn-cs"/>
+            </a:endParaRPr>
+          </a:p>
+          <a:p>
+            <a:r>
+              <a:rPr lang="fr-FR" sz="1200" b="1" kern="1200" dirty="0" smtClean="0">
+                <a:solidFill>
+                  <a:schemeClr val="tx1"/>
+                </a:solidFill>
+                <a:latin typeface="+mn-lt"/>
+                <a:ea typeface="+mn-ea"/>
+                <a:cs typeface="+mn-cs"/>
+              </a:rPr>
+              <a:t>         </a:t>
+            </a:r>
+            <a:r>
+              <a:rPr lang="fr-FR" sz="1200" b="1" kern="1200" dirty="0" err="1" smtClean="0">
+                <a:solidFill>
+                  <a:schemeClr val="tx1"/>
+                </a:solidFill>
+                <a:latin typeface="+mn-lt"/>
+                <a:ea typeface="+mn-ea"/>
+                <a:cs typeface="+mn-cs"/>
+              </a:rPr>
+              <a:t>indVio</a:t>
+            </a:r>
+            <a:r>
+              <a:rPr lang="fr-FR" sz="1200" b="1" kern="1200" dirty="0" smtClean="0">
+                <a:solidFill>
+                  <a:schemeClr val="tx1"/>
+                </a:solidFill>
+                <a:latin typeface="+mn-lt"/>
+                <a:ea typeface="+mn-ea"/>
+                <a:cs typeface="+mn-cs"/>
+              </a:rPr>
+              <a:t> = </a:t>
+            </a:r>
+            <a:r>
+              <a:rPr lang="fr-FR" sz="1200" b="1" kern="1200" dirty="0" err="1" smtClean="0">
+                <a:solidFill>
+                  <a:schemeClr val="tx1"/>
+                </a:solidFill>
+                <a:latin typeface="+mn-lt"/>
+                <a:ea typeface="+mn-ea"/>
+                <a:cs typeface="+mn-cs"/>
+              </a:rPr>
+              <a:t>indFull</a:t>
+            </a:r>
+            <a:r>
+              <a:rPr lang="fr-FR" sz="1200" b="1" kern="1200" dirty="0" smtClean="0">
+                <a:solidFill>
+                  <a:schemeClr val="tx1"/>
+                </a:solidFill>
+                <a:latin typeface="+mn-lt"/>
+                <a:ea typeface="+mn-ea"/>
+                <a:cs typeface="+mn-cs"/>
+              </a:rPr>
+              <a:t>[ </a:t>
+            </a:r>
+            <a:r>
+              <a:rPr lang="fr-FR" sz="1200" b="1" kern="1200" dirty="0" err="1" smtClean="0">
+                <a:solidFill>
+                  <a:schemeClr val="tx1"/>
+                </a:solidFill>
+                <a:latin typeface="+mn-lt"/>
+                <a:ea typeface="+mn-ea"/>
+                <a:cs typeface="+mn-cs"/>
+              </a:rPr>
+              <a:t>logInd</a:t>
+            </a:r>
+            <a:r>
+              <a:rPr lang="fr-FR" sz="1200" b="1" kern="1200" dirty="0" smtClean="0">
+                <a:solidFill>
+                  <a:schemeClr val="tx1"/>
+                </a:solidFill>
+                <a:latin typeface="+mn-lt"/>
+                <a:ea typeface="+mn-ea"/>
+                <a:cs typeface="+mn-cs"/>
+              </a:rPr>
+              <a:t>[:] ]</a:t>
+            </a:r>
+            <a:endParaRPr lang="fr-FR" sz="1200" b="0" kern="1200" dirty="0" smtClean="0">
+              <a:solidFill>
+                <a:schemeClr val="tx1"/>
+              </a:solidFill>
+              <a:latin typeface="+mn-lt"/>
+              <a:ea typeface="+mn-ea"/>
+              <a:cs typeface="+mn-cs"/>
+            </a:endParaRPr>
+          </a:p>
+          <a:p>
+            <a:r>
+              <a:rPr lang="fr-FR" sz="1200" b="1" kern="1200" dirty="0" smtClean="0">
+                <a:solidFill>
+                  <a:schemeClr val="tx1"/>
+                </a:solidFill>
+                <a:latin typeface="+mn-lt"/>
+                <a:ea typeface="+mn-ea"/>
+                <a:cs typeface="+mn-cs"/>
+              </a:rPr>
+              <a:t>       end</a:t>
+            </a:r>
+          </a:p>
+          <a:p>
+            <a:endParaRPr lang="fr-FR" sz="1200" b="1" kern="1200" dirty="0" smtClean="0">
+              <a:solidFill>
+                <a:schemeClr val="tx1"/>
+              </a:solidFill>
+              <a:latin typeface="+mn-lt"/>
+              <a:ea typeface="+mn-ea"/>
+              <a:cs typeface="+mn-cs"/>
+            </a:endParaRPr>
+          </a:p>
+          <a:p>
+            <a:endParaRPr lang="fr-FR" sz="1200" b="1" kern="1200" dirty="0" smtClean="0">
+              <a:solidFill>
+                <a:schemeClr val="tx1"/>
+              </a:solidFill>
+              <a:latin typeface="+mn-lt"/>
+              <a:ea typeface="+mn-ea"/>
+              <a:cs typeface="+mn-cs"/>
+            </a:endParaRPr>
+          </a:p>
+          <a:p>
+            <a:r>
+              <a:rPr lang="en-US" sz="1200" b="1" kern="1200" dirty="0" smtClean="0">
+                <a:solidFill>
+                  <a:schemeClr val="tx1"/>
+                </a:solidFill>
+                <a:latin typeface="+mn-lt"/>
+                <a:ea typeface="+mn-ea"/>
+                <a:cs typeface="+mn-cs"/>
+              </a:rPr>
+              <a:t>function findVio3(x, A, b)</a:t>
+            </a:r>
+            <a:endParaRPr lang="en-US" sz="1200" b="0" kern="1200" dirty="0" smtClean="0">
+              <a:solidFill>
+                <a:schemeClr val="tx1"/>
+              </a:solidFill>
+              <a:latin typeface="+mn-lt"/>
+              <a:ea typeface="+mn-ea"/>
+              <a:cs typeface="+mn-cs"/>
+            </a:endParaRPr>
+          </a:p>
+          <a:p>
+            <a:r>
+              <a:rPr lang="en-US" sz="1200" b="1" kern="1200" dirty="0" smtClean="0">
+                <a:solidFill>
+                  <a:schemeClr val="tx1"/>
+                </a:solidFill>
+                <a:latin typeface="+mn-lt"/>
+                <a:ea typeface="+mn-ea"/>
+                <a:cs typeface="+mn-cs"/>
+              </a:rPr>
+              <a:t>         </a:t>
+            </a:r>
+            <a:r>
+              <a:rPr lang="en-US" sz="1200" b="1" kern="1200" dirty="0" err="1" smtClean="0">
+                <a:solidFill>
+                  <a:schemeClr val="tx1"/>
+                </a:solidFill>
+                <a:latin typeface="+mn-lt"/>
+                <a:ea typeface="+mn-ea"/>
+                <a:cs typeface="+mn-cs"/>
+              </a:rPr>
+              <a:t>indVio</a:t>
+            </a:r>
+            <a:r>
+              <a:rPr lang="en-US" sz="1200" b="1" kern="1200" dirty="0" smtClean="0">
+                <a:solidFill>
+                  <a:schemeClr val="tx1"/>
+                </a:solidFill>
+                <a:latin typeface="+mn-lt"/>
+                <a:ea typeface="+mn-ea"/>
+                <a:cs typeface="+mn-cs"/>
+              </a:rPr>
+              <a:t> = []</a:t>
+            </a:r>
+            <a:endParaRPr lang="en-US" sz="1200" b="0" kern="1200" dirty="0" smtClean="0">
+              <a:solidFill>
+                <a:schemeClr val="tx1"/>
+              </a:solidFill>
+              <a:latin typeface="+mn-lt"/>
+              <a:ea typeface="+mn-ea"/>
+              <a:cs typeface="+mn-cs"/>
+            </a:endParaRPr>
+          </a:p>
+          <a:p>
+            <a:r>
+              <a:rPr lang="en-US" sz="1200" b="1" kern="1200" dirty="0" smtClean="0">
+                <a:solidFill>
+                  <a:schemeClr val="tx1"/>
+                </a:solidFill>
+                <a:latin typeface="+mn-lt"/>
+                <a:ea typeface="+mn-ea"/>
+                <a:cs typeface="+mn-cs"/>
+              </a:rPr>
+              <a:t>         for </a:t>
+            </a:r>
+            <a:r>
+              <a:rPr lang="en-US" sz="1200" b="1" kern="1200" dirty="0" err="1" smtClean="0">
+                <a:solidFill>
+                  <a:schemeClr val="tx1"/>
+                </a:solidFill>
+                <a:latin typeface="+mn-lt"/>
+                <a:ea typeface="+mn-ea"/>
+                <a:cs typeface="+mn-cs"/>
+              </a:rPr>
+              <a:t>i</a:t>
+            </a:r>
+            <a:r>
+              <a:rPr lang="en-US" sz="1200" b="1" kern="1200" dirty="0" smtClean="0">
+                <a:solidFill>
+                  <a:schemeClr val="tx1"/>
+                </a:solidFill>
+                <a:latin typeface="+mn-lt"/>
+                <a:ea typeface="+mn-ea"/>
+                <a:cs typeface="+mn-cs"/>
+              </a:rPr>
+              <a:t> in 1:length(b)</a:t>
+            </a:r>
+            <a:endParaRPr lang="en-US" sz="1200" b="0" kern="1200" dirty="0" smtClean="0">
+              <a:solidFill>
+                <a:schemeClr val="tx1"/>
+              </a:solidFill>
+              <a:latin typeface="+mn-lt"/>
+              <a:ea typeface="+mn-ea"/>
+              <a:cs typeface="+mn-cs"/>
+            </a:endParaRPr>
+          </a:p>
+          <a:p>
+            <a:r>
+              <a:rPr lang="en-US" sz="1200" b="1" kern="1200" dirty="0" smtClean="0">
+                <a:solidFill>
+                  <a:schemeClr val="tx1"/>
+                </a:solidFill>
+                <a:latin typeface="+mn-lt"/>
+                <a:ea typeface="+mn-ea"/>
+                <a:cs typeface="+mn-cs"/>
+              </a:rPr>
+              <a:t>           diff = (A[</a:t>
+            </a:r>
+            <a:r>
+              <a:rPr lang="en-US" sz="1200" b="1" kern="1200" dirty="0" err="1" smtClean="0">
+                <a:solidFill>
+                  <a:schemeClr val="tx1"/>
+                </a:solidFill>
+                <a:latin typeface="+mn-lt"/>
+                <a:ea typeface="+mn-ea"/>
+                <a:cs typeface="+mn-cs"/>
+              </a:rPr>
+              <a:t>i</a:t>
+            </a:r>
+            <a:r>
+              <a:rPr lang="en-US" sz="1200" b="1" kern="1200" dirty="0" smtClean="0">
+                <a:solidFill>
+                  <a:schemeClr val="tx1"/>
+                </a:solidFill>
+                <a:latin typeface="+mn-lt"/>
+                <a:ea typeface="+mn-ea"/>
+                <a:cs typeface="+mn-cs"/>
+              </a:rPr>
+              <a:t>,:] * x - b[</a:t>
+            </a:r>
+            <a:r>
+              <a:rPr lang="en-US" sz="1200" b="1" kern="1200" dirty="0" err="1" smtClean="0">
+                <a:solidFill>
+                  <a:schemeClr val="tx1"/>
+                </a:solidFill>
+                <a:latin typeface="+mn-lt"/>
+                <a:ea typeface="+mn-ea"/>
+                <a:cs typeface="+mn-cs"/>
+              </a:rPr>
+              <a:t>i</a:t>
+            </a:r>
+            <a:r>
+              <a:rPr lang="en-US" sz="1200" b="1" kern="1200" dirty="0" smtClean="0">
+                <a:solidFill>
+                  <a:schemeClr val="tx1"/>
+                </a:solidFill>
+                <a:latin typeface="+mn-lt"/>
+                <a:ea typeface="+mn-ea"/>
+                <a:cs typeface="+mn-cs"/>
+              </a:rPr>
+              <a:t>])[1]</a:t>
+            </a:r>
+            <a:endParaRPr lang="en-US" sz="1200" b="0" kern="1200" dirty="0" smtClean="0">
+              <a:solidFill>
+                <a:schemeClr val="tx1"/>
+              </a:solidFill>
+              <a:latin typeface="+mn-lt"/>
+              <a:ea typeface="+mn-ea"/>
+              <a:cs typeface="+mn-cs"/>
+            </a:endParaRPr>
+          </a:p>
+          <a:p>
+            <a:r>
+              <a:rPr lang="en-US" sz="1200" b="1" kern="1200" dirty="0" smtClean="0">
+                <a:solidFill>
+                  <a:schemeClr val="tx1"/>
+                </a:solidFill>
+                <a:latin typeface="+mn-lt"/>
+                <a:ea typeface="+mn-ea"/>
+                <a:cs typeface="+mn-cs"/>
+              </a:rPr>
+              <a:t>           if ( diff &lt; 0)</a:t>
+            </a:r>
+            <a:endParaRPr lang="en-US" sz="1200" b="0" kern="1200" dirty="0" smtClean="0">
+              <a:solidFill>
+                <a:schemeClr val="tx1"/>
+              </a:solidFill>
+              <a:latin typeface="+mn-lt"/>
+              <a:ea typeface="+mn-ea"/>
+              <a:cs typeface="+mn-cs"/>
+            </a:endParaRPr>
+          </a:p>
+          <a:p>
+            <a:r>
+              <a:rPr lang="en-US" sz="1200" b="1" kern="1200" dirty="0" smtClean="0">
+                <a:solidFill>
+                  <a:schemeClr val="tx1"/>
+                </a:solidFill>
+                <a:latin typeface="+mn-lt"/>
+                <a:ea typeface="+mn-ea"/>
+                <a:cs typeface="+mn-cs"/>
+              </a:rPr>
+              <a:t>             </a:t>
+            </a:r>
+            <a:r>
+              <a:rPr lang="en-US" sz="1200" b="1" kern="1200" dirty="0" err="1" smtClean="0">
+                <a:solidFill>
+                  <a:schemeClr val="tx1"/>
+                </a:solidFill>
+                <a:latin typeface="+mn-lt"/>
+                <a:ea typeface="+mn-ea"/>
+                <a:cs typeface="+mn-cs"/>
+              </a:rPr>
+              <a:t>indVio</a:t>
+            </a:r>
+            <a:r>
+              <a:rPr lang="en-US" sz="1200" b="1" kern="1200" dirty="0" smtClean="0">
+                <a:solidFill>
+                  <a:schemeClr val="tx1"/>
+                </a:solidFill>
+                <a:latin typeface="+mn-lt"/>
+                <a:ea typeface="+mn-ea"/>
+                <a:cs typeface="+mn-cs"/>
+              </a:rPr>
+              <a:t> = [</a:t>
+            </a:r>
+            <a:r>
+              <a:rPr lang="en-US" sz="1200" b="1" kern="1200" dirty="0" err="1" smtClean="0">
+                <a:solidFill>
+                  <a:schemeClr val="tx1"/>
+                </a:solidFill>
+                <a:latin typeface="+mn-lt"/>
+                <a:ea typeface="+mn-ea"/>
+                <a:cs typeface="+mn-cs"/>
+              </a:rPr>
+              <a:t>indVio</a:t>
+            </a:r>
+            <a:r>
+              <a:rPr lang="en-US" sz="1200" b="1" kern="1200" baseline="0" dirty="0" smtClean="0">
+                <a:solidFill>
+                  <a:schemeClr val="tx1"/>
+                </a:solidFill>
+                <a:latin typeface="+mn-lt"/>
+                <a:ea typeface="+mn-ea"/>
+                <a:cs typeface="+mn-cs"/>
+              </a:rPr>
+              <a:t>, </a:t>
+            </a:r>
+            <a:r>
+              <a:rPr lang="en-US" sz="1200" b="1" kern="1200" baseline="0" dirty="0" err="1" smtClean="0">
+                <a:solidFill>
+                  <a:schemeClr val="tx1"/>
+                </a:solidFill>
+                <a:latin typeface="+mn-lt"/>
+                <a:ea typeface="+mn-ea"/>
+                <a:cs typeface="+mn-cs"/>
+              </a:rPr>
+              <a:t>i</a:t>
+            </a:r>
+            <a:r>
+              <a:rPr lang="en-US" sz="1200" b="1" kern="1200" baseline="0" dirty="0" smtClean="0">
+                <a:solidFill>
+                  <a:schemeClr val="tx1"/>
+                </a:solidFill>
+                <a:latin typeface="+mn-lt"/>
+                <a:ea typeface="+mn-ea"/>
+                <a:cs typeface="+mn-cs"/>
+              </a:rPr>
+              <a:t>]</a:t>
+            </a:r>
+            <a:endParaRPr lang="en-US" sz="1200" b="0" kern="1200" dirty="0" smtClean="0">
+              <a:solidFill>
+                <a:schemeClr val="tx1"/>
+              </a:solidFill>
+              <a:latin typeface="+mn-lt"/>
+              <a:ea typeface="+mn-ea"/>
+              <a:cs typeface="+mn-cs"/>
+            </a:endParaRPr>
+          </a:p>
+          <a:p>
+            <a:r>
+              <a:rPr lang="en-US" sz="1200" b="1" kern="1200" dirty="0" smtClean="0">
+                <a:solidFill>
+                  <a:schemeClr val="tx1"/>
+                </a:solidFill>
+                <a:latin typeface="+mn-lt"/>
+                <a:ea typeface="+mn-ea"/>
+                <a:cs typeface="+mn-cs"/>
+              </a:rPr>
+              <a:t>           end</a:t>
+            </a:r>
+            <a:endParaRPr lang="en-US" sz="1200" b="0" kern="1200" dirty="0" smtClean="0">
+              <a:solidFill>
+                <a:schemeClr val="tx1"/>
+              </a:solidFill>
+              <a:latin typeface="+mn-lt"/>
+              <a:ea typeface="+mn-ea"/>
+              <a:cs typeface="+mn-cs"/>
+            </a:endParaRPr>
+          </a:p>
+          <a:p>
+            <a:r>
+              <a:rPr lang="en-US" sz="1200" b="1" kern="1200" dirty="0" smtClean="0">
+                <a:solidFill>
+                  <a:schemeClr val="tx1"/>
+                </a:solidFill>
+                <a:latin typeface="+mn-lt"/>
+                <a:ea typeface="+mn-ea"/>
+                <a:cs typeface="+mn-cs"/>
+              </a:rPr>
+              <a:t>         end</a:t>
+            </a:r>
+            <a:endParaRPr lang="en-US" sz="1200" b="0" kern="1200" dirty="0" smtClean="0">
+              <a:solidFill>
+                <a:schemeClr val="tx1"/>
+              </a:solidFill>
+              <a:latin typeface="+mn-lt"/>
+              <a:ea typeface="+mn-ea"/>
+              <a:cs typeface="+mn-cs"/>
+            </a:endParaRPr>
+          </a:p>
+          <a:p>
+            <a:r>
+              <a:rPr lang="en-US" sz="1200" b="1" kern="1200" dirty="0" smtClean="0">
+                <a:solidFill>
+                  <a:schemeClr val="tx1"/>
+                </a:solidFill>
+                <a:latin typeface="+mn-lt"/>
+                <a:ea typeface="+mn-ea"/>
+                <a:cs typeface="+mn-cs"/>
+              </a:rPr>
+              <a:t>         return </a:t>
+            </a:r>
+            <a:r>
+              <a:rPr lang="en-US" sz="1200" b="1" kern="1200" dirty="0" err="1" smtClean="0">
+                <a:solidFill>
+                  <a:schemeClr val="tx1"/>
+                </a:solidFill>
+                <a:latin typeface="+mn-lt"/>
+                <a:ea typeface="+mn-ea"/>
+                <a:cs typeface="+mn-cs"/>
+              </a:rPr>
+              <a:t>indVio</a:t>
+            </a:r>
+            <a:endParaRPr lang="en-US" sz="1200" b="0" kern="1200" dirty="0" smtClean="0">
+              <a:solidFill>
+                <a:schemeClr val="tx1"/>
+              </a:solidFill>
+              <a:latin typeface="+mn-lt"/>
+              <a:ea typeface="+mn-ea"/>
+              <a:cs typeface="+mn-cs"/>
+            </a:endParaRPr>
+          </a:p>
+          <a:p>
+            <a:r>
+              <a:rPr lang="en-US" sz="1200" b="1" kern="1200" dirty="0" smtClean="0">
+                <a:solidFill>
+                  <a:schemeClr val="tx1"/>
+                </a:solidFill>
+                <a:latin typeface="+mn-lt"/>
+                <a:ea typeface="+mn-ea"/>
+                <a:cs typeface="+mn-cs"/>
+              </a:rPr>
+              <a:t>       end</a:t>
+            </a:r>
+          </a:p>
+          <a:p>
+            <a:endParaRPr lang="en-US" sz="1200" b="1" kern="1200" dirty="0" smtClean="0">
+              <a:solidFill>
+                <a:schemeClr val="tx1"/>
+              </a:solidFill>
+              <a:latin typeface="+mn-lt"/>
+              <a:ea typeface="+mn-ea"/>
+              <a:cs typeface="+mn-cs"/>
+            </a:endParaRPr>
+          </a:p>
+          <a:p>
+            <a:r>
+              <a:rPr lang="en-US" sz="1200" b="1" kern="1200" dirty="0" smtClean="0">
+                <a:solidFill>
+                  <a:schemeClr val="tx1"/>
+                </a:solidFill>
+                <a:latin typeface="+mn-lt"/>
+                <a:ea typeface="+mn-ea"/>
+                <a:cs typeface="+mn-cs"/>
+              </a:rPr>
+              <a:t>function findVio4(x, A, b)</a:t>
+            </a:r>
+            <a:endParaRPr lang="en-US" sz="1200" b="0" kern="1200" dirty="0" smtClean="0">
+              <a:solidFill>
+                <a:schemeClr val="tx1"/>
+              </a:solidFill>
+              <a:latin typeface="+mn-lt"/>
+              <a:ea typeface="+mn-ea"/>
+              <a:cs typeface="+mn-cs"/>
+            </a:endParaRPr>
+          </a:p>
+          <a:p>
+            <a:r>
+              <a:rPr lang="en-US" sz="1200" b="1" kern="1200" dirty="0" smtClean="0">
+                <a:solidFill>
+                  <a:schemeClr val="tx1"/>
+                </a:solidFill>
+                <a:latin typeface="+mn-lt"/>
+                <a:ea typeface="+mn-ea"/>
+                <a:cs typeface="+mn-cs"/>
+              </a:rPr>
+              <a:t>         </a:t>
+            </a:r>
+            <a:r>
+              <a:rPr lang="en-US" sz="1200" b="1" kern="1200" dirty="0" err="1" smtClean="0">
+                <a:solidFill>
+                  <a:schemeClr val="tx1"/>
+                </a:solidFill>
+                <a:latin typeface="+mn-lt"/>
+                <a:ea typeface="+mn-ea"/>
+                <a:cs typeface="+mn-cs"/>
+              </a:rPr>
+              <a:t>indVio</a:t>
+            </a:r>
+            <a:r>
+              <a:rPr lang="en-US" sz="1200" b="1" kern="1200" dirty="0" smtClean="0">
+                <a:solidFill>
+                  <a:schemeClr val="tx1"/>
+                </a:solidFill>
+                <a:latin typeface="+mn-lt"/>
+                <a:ea typeface="+mn-ea"/>
+                <a:cs typeface="+mn-cs"/>
+              </a:rPr>
+              <a:t> = Int64[]</a:t>
+            </a:r>
+            <a:endParaRPr lang="en-US" sz="1200" b="0" kern="1200" dirty="0" smtClean="0">
+              <a:solidFill>
+                <a:schemeClr val="tx1"/>
+              </a:solidFill>
+              <a:latin typeface="+mn-lt"/>
+              <a:ea typeface="+mn-ea"/>
+              <a:cs typeface="+mn-cs"/>
+            </a:endParaRPr>
+          </a:p>
+          <a:p>
+            <a:r>
+              <a:rPr lang="en-US" sz="1200" b="1" kern="1200" dirty="0" smtClean="0">
+                <a:solidFill>
+                  <a:schemeClr val="tx1"/>
+                </a:solidFill>
+                <a:latin typeface="+mn-lt"/>
+                <a:ea typeface="+mn-ea"/>
+                <a:cs typeface="+mn-cs"/>
+              </a:rPr>
+              <a:t>         for </a:t>
+            </a:r>
+            <a:r>
+              <a:rPr lang="en-US" sz="1200" b="1" kern="1200" dirty="0" err="1" smtClean="0">
+                <a:solidFill>
+                  <a:schemeClr val="tx1"/>
+                </a:solidFill>
+                <a:latin typeface="+mn-lt"/>
+                <a:ea typeface="+mn-ea"/>
+                <a:cs typeface="+mn-cs"/>
+              </a:rPr>
+              <a:t>i</a:t>
+            </a:r>
+            <a:r>
+              <a:rPr lang="en-US" sz="1200" b="1" kern="1200" dirty="0" smtClean="0">
+                <a:solidFill>
+                  <a:schemeClr val="tx1"/>
+                </a:solidFill>
+                <a:latin typeface="+mn-lt"/>
+                <a:ea typeface="+mn-ea"/>
+                <a:cs typeface="+mn-cs"/>
+              </a:rPr>
+              <a:t> in 1:length(b)</a:t>
+            </a:r>
+            <a:endParaRPr lang="en-US" sz="1200" b="0" kern="1200" dirty="0" smtClean="0">
+              <a:solidFill>
+                <a:schemeClr val="tx1"/>
+              </a:solidFill>
+              <a:latin typeface="+mn-lt"/>
+              <a:ea typeface="+mn-ea"/>
+              <a:cs typeface="+mn-cs"/>
+            </a:endParaRPr>
+          </a:p>
+          <a:p>
+            <a:r>
+              <a:rPr lang="en-US" sz="1200" b="1" kern="1200" dirty="0" smtClean="0">
+                <a:solidFill>
+                  <a:schemeClr val="tx1"/>
+                </a:solidFill>
+                <a:latin typeface="+mn-lt"/>
+                <a:ea typeface="+mn-ea"/>
+                <a:cs typeface="+mn-cs"/>
+              </a:rPr>
+              <a:t>           diff = (A[</a:t>
+            </a:r>
+            <a:r>
+              <a:rPr lang="en-US" sz="1200" b="1" kern="1200" dirty="0" err="1" smtClean="0">
+                <a:solidFill>
+                  <a:schemeClr val="tx1"/>
+                </a:solidFill>
+                <a:latin typeface="+mn-lt"/>
+                <a:ea typeface="+mn-ea"/>
+                <a:cs typeface="+mn-cs"/>
+              </a:rPr>
+              <a:t>i</a:t>
+            </a:r>
+            <a:r>
+              <a:rPr lang="en-US" sz="1200" b="1" kern="1200" dirty="0" smtClean="0">
+                <a:solidFill>
+                  <a:schemeClr val="tx1"/>
+                </a:solidFill>
+                <a:latin typeface="+mn-lt"/>
+                <a:ea typeface="+mn-ea"/>
+                <a:cs typeface="+mn-cs"/>
+              </a:rPr>
+              <a:t>,:] * x - b[</a:t>
+            </a:r>
+            <a:r>
+              <a:rPr lang="en-US" sz="1200" b="1" kern="1200" dirty="0" err="1" smtClean="0">
+                <a:solidFill>
+                  <a:schemeClr val="tx1"/>
+                </a:solidFill>
+                <a:latin typeface="+mn-lt"/>
+                <a:ea typeface="+mn-ea"/>
+                <a:cs typeface="+mn-cs"/>
+              </a:rPr>
+              <a:t>i</a:t>
+            </a:r>
+            <a:r>
+              <a:rPr lang="en-US" sz="1200" b="1" kern="1200" dirty="0" smtClean="0">
+                <a:solidFill>
+                  <a:schemeClr val="tx1"/>
+                </a:solidFill>
+                <a:latin typeface="+mn-lt"/>
+                <a:ea typeface="+mn-ea"/>
+                <a:cs typeface="+mn-cs"/>
+              </a:rPr>
+              <a:t>])[1]</a:t>
+            </a:r>
+            <a:endParaRPr lang="en-US" sz="1200" b="0" kern="1200" dirty="0" smtClean="0">
+              <a:solidFill>
+                <a:schemeClr val="tx1"/>
+              </a:solidFill>
+              <a:latin typeface="+mn-lt"/>
+              <a:ea typeface="+mn-ea"/>
+              <a:cs typeface="+mn-cs"/>
+            </a:endParaRPr>
+          </a:p>
+          <a:p>
+            <a:r>
+              <a:rPr lang="en-US" sz="1200" b="1" kern="1200" dirty="0" smtClean="0">
+                <a:solidFill>
+                  <a:schemeClr val="tx1"/>
+                </a:solidFill>
+                <a:latin typeface="+mn-lt"/>
+                <a:ea typeface="+mn-ea"/>
+                <a:cs typeface="+mn-cs"/>
+              </a:rPr>
+              <a:t>           if ( diff &lt; 0)</a:t>
+            </a:r>
+            <a:endParaRPr lang="en-US" sz="1200" b="0" kern="1200" dirty="0" smtClean="0">
+              <a:solidFill>
+                <a:schemeClr val="tx1"/>
+              </a:solidFill>
+              <a:latin typeface="+mn-lt"/>
+              <a:ea typeface="+mn-ea"/>
+              <a:cs typeface="+mn-cs"/>
+            </a:endParaRPr>
+          </a:p>
+          <a:p>
+            <a:r>
+              <a:rPr lang="en-US" sz="1200" b="1" kern="1200" dirty="0" smtClean="0">
+                <a:solidFill>
+                  <a:schemeClr val="tx1"/>
+                </a:solidFill>
+                <a:latin typeface="+mn-lt"/>
+                <a:ea typeface="+mn-ea"/>
+                <a:cs typeface="+mn-cs"/>
+              </a:rPr>
+              <a:t>             push!(</a:t>
+            </a:r>
+            <a:r>
+              <a:rPr lang="en-US" sz="1200" b="1" kern="1200" dirty="0" err="1" smtClean="0">
+                <a:solidFill>
+                  <a:schemeClr val="tx1"/>
+                </a:solidFill>
+                <a:latin typeface="+mn-lt"/>
+                <a:ea typeface="+mn-ea"/>
+                <a:cs typeface="+mn-cs"/>
+              </a:rPr>
+              <a:t>indVio</a:t>
+            </a:r>
+            <a:r>
+              <a:rPr lang="en-US" sz="1200" b="1" kern="1200" dirty="0" smtClean="0">
+                <a:solidFill>
+                  <a:schemeClr val="tx1"/>
+                </a:solidFill>
+                <a:latin typeface="+mn-lt"/>
+                <a:ea typeface="+mn-ea"/>
+                <a:cs typeface="+mn-cs"/>
+              </a:rPr>
+              <a:t>, </a:t>
+            </a:r>
+            <a:r>
+              <a:rPr lang="en-US" sz="1200" b="1" kern="1200" dirty="0" err="1" smtClean="0">
+                <a:solidFill>
+                  <a:schemeClr val="tx1"/>
+                </a:solidFill>
+                <a:latin typeface="+mn-lt"/>
+                <a:ea typeface="+mn-ea"/>
+                <a:cs typeface="+mn-cs"/>
+              </a:rPr>
+              <a:t>i</a:t>
+            </a:r>
+            <a:r>
+              <a:rPr lang="en-US" sz="1200" b="1" kern="1200" dirty="0" smtClean="0">
+                <a:solidFill>
+                  <a:schemeClr val="tx1"/>
+                </a:solidFill>
+                <a:latin typeface="+mn-lt"/>
+                <a:ea typeface="+mn-ea"/>
+                <a:cs typeface="+mn-cs"/>
+              </a:rPr>
+              <a:t>) </a:t>
+            </a:r>
+            <a:endParaRPr lang="en-US" sz="1200" b="0" kern="1200" dirty="0" smtClean="0">
+              <a:solidFill>
+                <a:schemeClr val="tx1"/>
+              </a:solidFill>
+              <a:latin typeface="+mn-lt"/>
+              <a:ea typeface="+mn-ea"/>
+              <a:cs typeface="+mn-cs"/>
+            </a:endParaRPr>
+          </a:p>
+          <a:p>
+            <a:r>
+              <a:rPr lang="en-US" sz="1200" b="1" kern="1200" dirty="0" smtClean="0">
+                <a:solidFill>
+                  <a:schemeClr val="tx1"/>
+                </a:solidFill>
+                <a:latin typeface="+mn-lt"/>
+                <a:ea typeface="+mn-ea"/>
+                <a:cs typeface="+mn-cs"/>
+              </a:rPr>
+              <a:t>           end</a:t>
+            </a:r>
+            <a:endParaRPr lang="en-US" sz="1200" b="0" kern="1200" dirty="0" smtClean="0">
+              <a:solidFill>
+                <a:schemeClr val="tx1"/>
+              </a:solidFill>
+              <a:latin typeface="+mn-lt"/>
+              <a:ea typeface="+mn-ea"/>
+              <a:cs typeface="+mn-cs"/>
+            </a:endParaRPr>
+          </a:p>
+          <a:p>
+            <a:r>
+              <a:rPr lang="en-US" sz="1200" b="1" kern="1200" dirty="0" smtClean="0">
+                <a:solidFill>
+                  <a:schemeClr val="tx1"/>
+                </a:solidFill>
+                <a:latin typeface="+mn-lt"/>
+                <a:ea typeface="+mn-ea"/>
+                <a:cs typeface="+mn-cs"/>
+              </a:rPr>
+              <a:t>         end</a:t>
+            </a:r>
+            <a:endParaRPr lang="en-US" sz="1200" b="0" kern="1200" dirty="0" smtClean="0">
+              <a:solidFill>
+                <a:schemeClr val="tx1"/>
+              </a:solidFill>
+              <a:latin typeface="+mn-lt"/>
+              <a:ea typeface="+mn-ea"/>
+              <a:cs typeface="+mn-cs"/>
+            </a:endParaRPr>
+          </a:p>
+          <a:p>
+            <a:r>
+              <a:rPr lang="en-US" sz="1200" b="1" kern="1200" dirty="0" smtClean="0">
+                <a:solidFill>
+                  <a:schemeClr val="tx1"/>
+                </a:solidFill>
+                <a:latin typeface="+mn-lt"/>
+                <a:ea typeface="+mn-ea"/>
+                <a:cs typeface="+mn-cs"/>
+              </a:rPr>
+              <a:t>         return </a:t>
+            </a:r>
+            <a:r>
+              <a:rPr lang="en-US" sz="1200" b="1" kern="1200" dirty="0" err="1" smtClean="0">
+                <a:solidFill>
+                  <a:schemeClr val="tx1"/>
+                </a:solidFill>
+                <a:latin typeface="+mn-lt"/>
+                <a:ea typeface="+mn-ea"/>
+                <a:cs typeface="+mn-cs"/>
+              </a:rPr>
+              <a:t>indVio</a:t>
+            </a:r>
+            <a:endParaRPr lang="en-US" sz="1200" b="0" kern="1200" dirty="0" smtClean="0">
+              <a:solidFill>
+                <a:schemeClr val="tx1"/>
+              </a:solidFill>
+              <a:latin typeface="+mn-lt"/>
+              <a:ea typeface="+mn-ea"/>
+              <a:cs typeface="+mn-cs"/>
+            </a:endParaRPr>
+          </a:p>
+          <a:p>
+            <a:r>
+              <a:rPr lang="en-US" sz="1200" b="1" kern="1200" dirty="0" smtClean="0">
+                <a:solidFill>
+                  <a:schemeClr val="tx1"/>
+                </a:solidFill>
+                <a:latin typeface="+mn-lt"/>
+                <a:ea typeface="+mn-ea"/>
+                <a:cs typeface="+mn-cs"/>
+              </a:rPr>
+              <a:t>       end</a:t>
+            </a:r>
+            <a:endParaRPr lang="en-US" dirty="0" smtClean="0"/>
+          </a:p>
+          <a:p>
             <a:endParaRPr lang="en-US" dirty="0"/>
           </a:p>
         </p:txBody>
@@ -2092,16 +2848,16 @@
           <a:p>
             <a:fld id="{B15EEDFE-005D-3E4B-A966-9C955210900B}" type="slidenum">
               <a:rPr lang="en-US" smtClean="0"/>
-              <a:t>26</a:t>
+              <a:t>20</a:t>
             </a:fld>
-            <a:endParaRPr lang="en-US" dirty="0"/>
+            <a:endParaRPr lang="en-US"/>
           </a:p>
         </p:txBody>
       </p:sp>
     </p:spTree>
     <p:extLst>
       <p:ext uri="{BB962C8B-B14F-4D97-AF65-F5344CB8AC3E}">
-        <p14:creationId xmlns:p14="http://schemas.microsoft.com/office/powerpoint/2010/main" val="1296616130"/>
+        <p14:creationId xmlns:p14="http://schemas.microsoft.com/office/powerpoint/2010/main" val="861184652"/>
       </p:ext>
     </p:extLst>
   </p:cSld>
@@ -2156,740 +2912,12 @@
           <a:lstStyle/>
           <a:p>
             <a:r>
-              <a:rPr lang="hr-HR" sz="1200" kern="1200" dirty="0" smtClean="0">
-                <a:solidFill>
-                  <a:schemeClr val="tx1"/>
-                </a:solidFill>
-                <a:latin typeface="+mn-lt"/>
-                <a:ea typeface="+mn-ea"/>
-                <a:cs typeface="+mn-cs"/>
-              </a:rPr>
-              <a:t>\text{minimize} \qquad &amp; \sum_{i=1}^M \sum_{j=1}^N d_{ij} x_{ij} \\</a:t>
-            </a:r>
-          </a:p>
-          <a:p>
-            <a:r>
-              <a:rPr lang="en-US" sz="1200" kern="1200" dirty="0" smtClean="0">
-                <a:solidFill>
-                  <a:schemeClr val="tx1"/>
-                </a:solidFill>
-                <a:latin typeface="+mn-lt"/>
-                <a:ea typeface="+mn-ea"/>
-                <a:cs typeface="+mn-cs"/>
-              </a:rPr>
-              <a:t>\text{subject to} \</a:t>
-            </a:r>
-            <a:r>
-              <a:rPr lang="en-US" sz="1200" kern="1200" dirty="0" err="1" smtClean="0">
-                <a:solidFill>
-                  <a:schemeClr val="tx1"/>
-                </a:solidFill>
-                <a:latin typeface="+mn-lt"/>
-                <a:ea typeface="+mn-ea"/>
-                <a:cs typeface="+mn-cs"/>
-              </a:rPr>
-              <a:t>qquad</a:t>
-            </a:r>
-            <a:r>
-              <a:rPr lang="en-US" sz="1200" kern="1200" dirty="0" smtClean="0">
-                <a:solidFill>
-                  <a:schemeClr val="tx1"/>
-                </a:solidFill>
-                <a:latin typeface="+mn-lt"/>
-                <a:ea typeface="+mn-ea"/>
-                <a:cs typeface="+mn-cs"/>
-              </a:rPr>
-              <a:t> &amp; x_{</a:t>
-            </a:r>
-            <a:r>
-              <a:rPr lang="en-US" sz="1200" kern="1200" dirty="0" err="1" smtClean="0">
-                <a:solidFill>
-                  <a:schemeClr val="tx1"/>
-                </a:solidFill>
-                <a:latin typeface="+mn-lt"/>
-                <a:ea typeface="+mn-ea"/>
-                <a:cs typeface="+mn-cs"/>
-              </a:rPr>
-              <a:t>ij</a:t>
-            </a:r>
-            <a:r>
-              <a:rPr lang="en-US" sz="1200" kern="1200" dirty="0" smtClean="0">
-                <a:solidFill>
-                  <a:schemeClr val="tx1"/>
-                </a:solidFill>
-                <a:latin typeface="+mn-lt"/>
-                <a:ea typeface="+mn-ea"/>
-                <a:cs typeface="+mn-cs"/>
-              </a:rPr>
-              <a:t>} \</a:t>
-            </a:r>
-            <a:r>
-              <a:rPr lang="en-US" sz="1200" kern="1200" dirty="0" err="1" smtClean="0">
-                <a:solidFill>
-                  <a:schemeClr val="tx1"/>
-                </a:solidFill>
-                <a:latin typeface="+mn-lt"/>
-                <a:ea typeface="+mn-ea"/>
-                <a:cs typeface="+mn-cs"/>
-              </a:rPr>
-              <a:t>leq</a:t>
-            </a:r>
-            <a:r>
-              <a:rPr lang="en-US" sz="1200" kern="1200" dirty="0" smtClean="0">
-                <a:solidFill>
-                  <a:schemeClr val="tx1"/>
-                </a:solidFill>
-                <a:latin typeface="+mn-lt"/>
-                <a:ea typeface="+mn-ea"/>
-                <a:cs typeface="+mn-cs"/>
-              </a:rPr>
-              <a:t> </a:t>
-            </a:r>
-            <a:r>
-              <a:rPr lang="en-US" sz="1200" kern="1200" dirty="0" err="1" smtClean="0">
-                <a:solidFill>
-                  <a:schemeClr val="tx1"/>
-                </a:solidFill>
-                <a:latin typeface="+mn-lt"/>
-                <a:ea typeface="+mn-ea"/>
-                <a:cs typeface="+mn-cs"/>
-              </a:rPr>
-              <a:t>y_i</a:t>
-            </a:r>
-            <a:r>
-              <a:rPr lang="en-US" sz="1200" kern="1200" dirty="0" smtClean="0">
-                <a:solidFill>
-                  <a:schemeClr val="tx1"/>
-                </a:solidFill>
-                <a:latin typeface="+mn-lt"/>
-                <a:ea typeface="+mn-ea"/>
-                <a:cs typeface="+mn-cs"/>
-              </a:rPr>
-              <a:t>, \quad \</a:t>
-            </a:r>
-            <a:r>
-              <a:rPr lang="en-US" sz="1200" kern="1200" dirty="0" err="1" smtClean="0">
-                <a:solidFill>
-                  <a:schemeClr val="tx1"/>
-                </a:solidFill>
-                <a:latin typeface="+mn-lt"/>
-                <a:ea typeface="+mn-ea"/>
-                <a:cs typeface="+mn-cs"/>
-              </a:rPr>
-              <a:t>forall</a:t>
-            </a:r>
-            <a:r>
-              <a:rPr lang="en-US" sz="1200" kern="1200" dirty="0" smtClean="0">
-                <a:solidFill>
-                  <a:schemeClr val="tx1"/>
-                </a:solidFill>
-                <a:latin typeface="+mn-lt"/>
-                <a:ea typeface="+mn-ea"/>
-                <a:cs typeface="+mn-cs"/>
-              </a:rPr>
-              <a:t> \, </a:t>
-            </a:r>
-            <a:r>
-              <a:rPr lang="en-US" sz="1200" kern="1200" dirty="0" err="1" smtClean="0">
-                <a:solidFill>
-                  <a:schemeClr val="tx1"/>
-                </a:solidFill>
-                <a:latin typeface="+mn-lt"/>
-                <a:ea typeface="+mn-ea"/>
-                <a:cs typeface="+mn-cs"/>
-              </a:rPr>
-              <a:t>i</a:t>
-            </a:r>
-            <a:r>
-              <a:rPr lang="en-US" sz="1200" kern="1200" dirty="0" smtClean="0">
-                <a:solidFill>
-                  <a:schemeClr val="tx1"/>
-                </a:solidFill>
-                <a:latin typeface="+mn-lt"/>
-                <a:ea typeface="+mn-ea"/>
-                <a:cs typeface="+mn-cs"/>
-              </a:rPr>
-              <a:t> =1,\dots, M, \ j =1,\dots, N, \\</a:t>
-            </a:r>
-          </a:p>
-          <a:p>
-            <a:r>
-              <a:rPr lang="pt-BR" sz="1200" kern="1200" dirty="0" smtClean="0">
-                <a:solidFill>
-                  <a:schemeClr val="tx1"/>
-                </a:solidFill>
-                <a:latin typeface="+mn-lt"/>
-                <a:ea typeface="+mn-ea"/>
-                <a:cs typeface="+mn-cs"/>
-              </a:rPr>
-              <a:t>&amp; \sum_{</a:t>
-            </a:r>
-            <a:r>
-              <a:rPr lang="pt-BR" sz="1200" kern="1200" dirty="0" err="1" smtClean="0">
-                <a:solidFill>
-                  <a:schemeClr val="tx1"/>
-                </a:solidFill>
-                <a:latin typeface="+mn-lt"/>
-                <a:ea typeface="+mn-ea"/>
-                <a:cs typeface="+mn-cs"/>
-              </a:rPr>
-              <a:t>j</a:t>
-            </a:r>
-            <a:r>
-              <a:rPr lang="pt-BR" sz="1200" kern="1200" dirty="0" smtClean="0">
-                <a:solidFill>
-                  <a:schemeClr val="tx1"/>
-                </a:solidFill>
-                <a:latin typeface="+mn-lt"/>
-                <a:ea typeface="+mn-ea"/>
-                <a:cs typeface="+mn-cs"/>
-              </a:rPr>
-              <a:t>=1}^N </a:t>
-            </a:r>
-            <a:r>
-              <a:rPr lang="pt-BR" sz="1200" kern="1200" dirty="0" err="1" smtClean="0">
-                <a:solidFill>
-                  <a:schemeClr val="tx1"/>
-                </a:solidFill>
-                <a:latin typeface="+mn-lt"/>
-                <a:ea typeface="+mn-ea"/>
-                <a:cs typeface="+mn-cs"/>
-              </a:rPr>
-              <a:t>x</a:t>
-            </a:r>
-            <a:r>
-              <a:rPr lang="pt-BR" sz="1200" kern="1200" dirty="0" smtClean="0">
-                <a:solidFill>
-                  <a:schemeClr val="tx1"/>
-                </a:solidFill>
-                <a:latin typeface="+mn-lt"/>
-                <a:ea typeface="+mn-ea"/>
-                <a:cs typeface="+mn-cs"/>
-              </a:rPr>
-              <a:t>_{</a:t>
-            </a:r>
-            <a:r>
-              <a:rPr lang="pt-BR" sz="1200" kern="1200" dirty="0" err="1" smtClean="0">
-                <a:solidFill>
-                  <a:schemeClr val="tx1"/>
-                </a:solidFill>
-                <a:latin typeface="+mn-lt"/>
-                <a:ea typeface="+mn-ea"/>
-                <a:cs typeface="+mn-cs"/>
-              </a:rPr>
-              <a:t>ij</a:t>
-            </a:r>
-            <a:r>
-              <a:rPr lang="pt-BR" sz="1200" kern="1200" dirty="0" smtClean="0">
-                <a:solidFill>
-                  <a:schemeClr val="tx1"/>
-                </a:solidFill>
-                <a:latin typeface="+mn-lt"/>
-                <a:ea typeface="+mn-ea"/>
-                <a:cs typeface="+mn-cs"/>
-              </a:rPr>
-              <a:t>} = 1, \</a:t>
-            </a:r>
-            <a:r>
-              <a:rPr lang="pt-BR" sz="1200" kern="1200" dirty="0" err="1" smtClean="0">
-                <a:solidFill>
-                  <a:schemeClr val="tx1"/>
-                </a:solidFill>
-                <a:latin typeface="+mn-lt"/>
-                <a:ea typeface="+mn-ea"/>
-                <a:cs typeface="+mn-cs"/>
-              </a:rPr>
-              <a:t>quad</a:t>
-            </a:r>
-            <a:r>
-              <a:rPr lang="pt-BR" sz="1200" kern="1200" dirty="0" smtClean="0">
-                <a:solidFill>
-                  <a:schemeClr val="tx1"/>
-                </a:solidFill>
-                <a:latin typeface="+mn-lt"/>
-                <a:ea typeface="+mn-ea"/>
-                <a:cs typeface="+mn-cs"/>
-              </a:rPr>
-              <a:t> \</a:t>
-            </a:r>
-            <a:r>
-              <a:rPr lang="pt-BR" sz="1200" kern="1200" dirty="0" err="1" smtClean="0">
-                <a:solidFill>
-                  <a:schemeClr val="tx1"/>
-                </a:solidFill>
-                <a:latin typeface="+mn-lt"/>
-                <a:ea typeface="+mn-ea"/>
-                <a:cs typeface="+mn-cs"/>
-              </a:rPr>
-              <a:t>forall</a:t>
-            </a:r>
-            <a:r>
-              <a:rPr lang="pt-BR" sz="1200" kern="1200" dirty="0" smtClean="0">
-                <a:solidFill>
-                  <a:schemeClr val="tx1"/>
-                </a:solidFill>
-                <a:latin typeface="+mn-lt"/>
-                <a:ea typeface="+mn-ea"/>
-                <a:cs typeface="+mn-cs"/>
-              </a:rPr>
-              <a:t> \, </a:t>
-            </a:r>
-            <a:r>
-              <a:rPr lang="pt-BR" sz="1200" kern="1200" dirty="0" err="1" smtClean="0">
-                <a:solidFill>
-                  <a:schemeClr val="tx1"/>
-                </a:solidFill>
-                <a:latin typeface="+mn-lt"/>
-                <a:ea typeface="+mn-ea"/>
-                <a:cs typeface="+mn-cs"/>
-              </a:rPr>
-              <a:t>i</a:t>
-            </a:r>
-            <a:r>
-              <a:rPr lang="pt-BR" sz="1200" kern="1200" dirty="0" smtClean="0">
-                <a:solidFill>
-                  <a:schemeClr val="tx1"/>
-                </a:solidFill>
-                <a:latin typeface="+mn-lt"/>
-                <a:ea typeface="+mn-ea"/>
-                <a:cs typeface="+mn-cs"/>
-              </a:rPr>
-              <a:t> =1,\</a:t>
-            </a:r>
-            <a:r>
-              <a:rPr lang="pt-BR" sz="1200" kern="1200" dirty="0" err="1" smtClean="0">
-                <a:solidFill>
-                  <a:schemeClr val="tx1"/>
-                </a:solidFill>
-                <a:latin typeface="+mn-lt"/>
-                <a:ea typeface="+mn-ea"/>
-                <a:cs typeface="+mn-cs"/>
-              </a:rPr>
-              <a:t>dots,M</a:t>
-            </a:r>
-            <a:r>
-              <a:rPr lang="pt-BR" sz="1200" kern="1200" dirty="0" smtClean="0">
-                <a:solidFill>
-                  <a:schemeClr val="tx1"/>
-                </a:solidFill>
-                <a:latin typeface="+mn-lt"/>
-                <a:ea typeface="+mn-ea"/>
-                <a:cs typeface="+mn-cs"/>
-              </a:rPr>
-              <a:t>,\\</a:t>
-            </a:r>
-          </a:p>
-          <a:p>
-            <a:r>
-              <a:rPr lang="es-ES_tradnl" sz="1200" kern="1200" dirty="0" smtClean="0">
-                <a:solidFill>
-                  <a:schemeClr val="tx1"/>
-                </a:solidFill>
-                <a:latin typeface="+mn-lt"/>
-                <a:ea typeface="+mn-ea"/>
-                <a:cs typeface="+mn-cs"/>
-              </a:rPr>
-              <a:t>&amp; \sum_{j=1}^N </a:t>
-            </a:r>
-            <a:r>
-              <a:rPr lang="es-ES_tradnl" sz="1200" kern="1200" dirty="0" err="1" smtClean="0">
-                <a:solidFill>
-                  <a:schemeClr val="tx1"/>
-                </a:solidFill>
-                <a:latin typeface="+mn-lt"/>
-                <a:ea typeface="+mn-ea"/>
-                <a:cs typeface="+mn-cs"/>
-              </a:rPr>
-              <a:t>y_j</a:t>
-            </a:r>
-            <a:r>
-              <a:rPr lang="es-ES_tradnl" sz="1200" kern="1200" dirty="0" smtClean="0">
-                <a:solidFill>
-                  <a:schemeClr val="tx1"/>
-                </a:solidFill>
-                <a:latin typeface="+mn-lt"/>
-                <a:ea typeface="+mn-ea"/>
-                <a:cs typeface="+mn-cs"/>
-              </a:rPr>
-              <a:t> \</a:t>
-            </a:r>
-            <a:r>
-              <a:rPr lang="es-ES_tradnl" sz="1200" kern="1200" dirty="0" err="1" smtClean="0">
-                <a:solidFill>
-                  <a:schemeClr val="tx1"/>
-                </a:solidFill>
-                <a:latin typeface="+mn-lt"/>
-                <a:ea typeface="+mn-ea"/>
-                <a:cs typeface="+mn-cs"/>
-              </a:rPr>
-              <a:t>leq</a:t>
-            </a:r>
-            <a:r>
-              <a:rPr lang="es-ES_tradnl" sz="1200" kern="1200" dirty="0" smtClean="0">
-                <a:solidFill>
-                  <a:schemeClr val="tx1"/>
-                </a:solidFill>
-                <a:latin typeface="+mn-lt"/>
-                <a:ea typeface="+mn-ea"/>
-                <a:cs typeface="+mn-cs"/>
-              </a:rPr>
-              <a:t> K, \\</a:t>
-            </a:r>
-          </a:p>
-          <a:p>
-            <a:r>
-              <a:rPr lang="pt-BR" sz="1200" kern="1200" dirty="0" smtClean="0">
-                <a:solidFill>
-                  <a:schemeClr val="tx1"/>
-                </a:solidFill>
-                <a:latin typeface="+mn-lt"/>
-                <a:ea typeface="+mn-ea"/>
-                <a:cs typeface="+mn-cs"/>
-              </a:rPr>
-              <a:t>&amp; 0 \</a:t>
-            </a:r>
-            <a:r>
-              <a:rPr lang="pt-BR" sz="1200" kern="1200" dirty="0" err="1" smtClean="0">
-                <a:solidFill>
-                  <a:schemeClr val="tx1"/>
-                </a:solidFill>
-                <a:latin typeface="+mn-lt"/>
-                <a:ea typeface="+mn-ea"/>
-                <a:cs typeface="+mn-cs"/>
-              </a:rPr>
-              <a:t>leq</a:t>
-            </a:r>
-            <a:r>
-              <a:rPr lang="pt-BR" sz="1200" kern="1200" dirty="0" smtClean="0">
-                <a:solidFill>
-                  <a:schemeClr val="tx1"/>
-                </a:solidFill>
-                <a:latin typeface="+mn-lt"/>
-                <a:ea typeface="+mn-ea"/>
-                <a:cs typeface="+mn-cs"/>
-              </a:rPr>
-              <a:t> </a:t>
-            </a:r>
-            <a:r>
-              <a:rPr lang="pt-BR" sz="1200" kern="1200" dirty="0" err="1" smtClean="0">
-                <a:solidFill>
-                  <a:schemeClr val="tx1"/>
-                </a:solidFill>
-                <a:latin typeface="+mn-lt"/>
-                <a:ea typeface="+mn-ea"/>
-                <a:cs typeface="+mn-cs"/>
-              </a:rPr>
-              <a:t>x</a:t>
-            </a:r>
-            <a:r>
-              <a:rPr lang="pt-BR" sz="1200" kern="1200" dirty="0" smtClean="0">
-                <a:solidFill>
-                  <a:schemeClr val="tx1"/>
-                </a:solidFill>
-                <a:latin typeface="+mn-lt"/>
-                <a:ea typeface="+mn-ea"/>
-                <a:cs typeface="+mn-cs"/>
-              </a:rPr>
-              <a:t>_{</a:t>
-            </a:r>
-            <a:r>
-              <a:rPr lang="pt-BR" sz="1200" kern="1200" dirty="0" err="1" smtClean="0">
-                <a:solidFill>
-                  <a:schemeClr val="tx1"/>
-                </a:solidFill>
-                <a:latin typeface="+mn-lt"/>
-                <a:ea typeface="+mn-ea"/>
-                <a:cs typeface="+mn-cs"/>
-              </a:rPr>
-              <a:t>ij</a:t>
-            </a:r>
-            <a:r>
-              <a:rPr lang="pt-BR" sz="1200" kern="1200" dirty="0" smtClean="0">
-                <a:solidFill>
-                  <a:schemeClr val="tx1"/>
-                </a:solidFill>
-                <a:latin typeface="+mn-lt"/>
-                <a:ea typeface="+mn-ea"/>
-                <a:cs typeface="+mn-cs"/>
-              </a:rPr>
-              <a:t>} \</a:t>
-            </a:r>
-            <a:r>
-              <a:rPr lang="pt-BR" sz="1200" kern="1200" dirty="0" err="1" smtClean="0">
-                <a:solidFill>
-                  <a:schemeClr val="tx1"/>
-                </a:solidFill>
-                <a:latin typeface="+mn-lt"/>
-                <a:ea typeface="+mn-ea"/>
-                <a:cs typeface="+mn-cs"/>
-              </a:rPr>
-              <a:t>leq</a:t>
-            </a:r>
-            <a:r>
-              <a:rPr lang="pt-BR" sz="1200" kern="1200" dirty="0" smtClean="0">
-                <a:solidFill>
-                  <a:schemeClr val="tx1"/>
-                </a:solidFill>
-                <a:latin typeface="+mn-lt"/>
-                <a:ea typeface="+mn-ea"/>
-                <a:cs typeface="+mn-cs"/>
-              </a:rPr>
-              <a:t> 1, \</a:t>
-            </a:r>
-            <a:r>
-              <a:rPr lang="pt-BR" sz="1200" kern="1200" dirty="0" err="1" smtClean="0">
-                <a:solidFill>
-                  <a:schemeClr val="tx1"/>
-                </a:solidFill>
-                <a:latin typeface="+mn-lt"/>
-                <a:ea typeface="+mn-ea"/>
-                <a:cs typeface="+mn-cs"/>
-              </a:rPr>
-              <a:t>quad</a:t>
-            </a:r>
-            <a:r>
-              <a:rPr lang="pt-BR" sz="1200" kern="1200" dirty="0" smtClean="0">
-                <a:solidFill>
-                  <a:schemeClr val="tx1"/>
-                </a:solidFill>
-                <a:latin typeface="+mn-lt"/>
-                <a:ea typeface="+mn-ea"/>
-                <a:cs typeface="+mn-cs"/>
-              </a:rPr>
-              <a:t> \</a:t>
-            </a:r>
-            <a:r>
-              <a:rPr lang="pt-BR" sz="1200" kern="1200" dirty="0" err="1" smtClean="0">
-                <a:solidFill>
-                  <a:schemeClr val="tx1"/>
-                </a:solidFill>
-                <a:latin typeface="+mn-lt"/>
-                <a:ea typeface="+mn-ea"/>
-                <a:cs typeface="+mn-cs"/>
-              </a:rPr>
-              <a:t>forall</a:t>
-            </a:r>
-            <a:r>
-              <a:rPr lang="pt-BR" sz="1200" kern="1200" dirty="0" smtClean="0">
-                <a:solidFill>
-                  <a:schemeClr val="tx1"/>
-                </a:solidFill>
-                <a:latin typeface="+mn-lt"/>
-                <a:ea typeface="+mn-ea"/>
-                <a:cs typeface="+mn-cs"/>
-              </a:rPr>
-              <a:t> \, </a:t>
-            </a:r>
-            <a:r>
-              <a:rPr lang="pt-BR" sz="1200" kern="1200" dirty="0" err="1" smtClean="0">
-                <a:solidFill>
-                  <a:schemeClr val="tx1"/>
-                </a:solidFill>
-                <a:latin typeface="+mn-lt"/>
-                <a:ea typeface="+mn-ea"/>
-                <a:cs typeface="+mn-cs"/>
-              </a:rPr>
-              <a:t>i</a:t>
-            </a:r>
-            <a:r>
-              <a:rPr lang="pt-BR" sz="1200" kern="1200" dirty="0" smtClean="0">
-                <a:solidFill>
-                  <a:schemeClr val="tx1"/>
-                </a:solidFill>
-                <a:latin typeface="+mn-lt"/>
-                <a:ea typeface="+mn-ea"/>
-                <a:cs typeface="+mn-cs"/>
-              </a:rPr>
-              <a:t> =1,\</a:t>
-            </a:r>
-            <a:r>
-              <a:rPr lang="pt-BR" sz="1200" kern="1200" dirty="0" err="1" smtClean="0">
-                <a:solidFill>
-                  <a:schemeClr val="tx1"/>
-                </a:solidFill>
-                <a:latin typeface="+mn-lt"/>
-                <a:ea typeface="+mn-ea"/>
-                <a:cs typeface="+mn-cs"/>
-              </a:rPr>
-              <a:t>dots</a:t>
-            </a:r>
-            <a:r>
-              <a:rPr lang="pt-BR" sz="1200" kern="1200" dirty="0" smtClean="0">
-                <a:solidFill>
-                  <a:schemeClr val="tx1"/>
-                </a:solidFill>
-                <a:latin typeface="+mn-lt"/>
-                <a:ea typeface="+mn-ea"/>
-                <a:cs typeface="+mn-cs"/>
-              </a:rPr>
-              <a:t>, M, \ </a:t>
-            </a:r>
-            <a:r>
-              <a:rPr lang="pt-BR" sz="1200" kern="1200" dirty="0" err="1" smtClean="0">
-                <a:solidFill>
-                  <a:schemeClr val="tx1"/>
-                </a:solidFill>
-                <a:latin typeface="+mn-lt"/>
-                <a:ea typeface="+mn-ea"/>
-                <a:cs typeface="+mn-cs"/>
-              </a:rPr>
-              <a:t>j</a:t>
-            </a:r>
-            <a:r>
-              <a:rPr lang="pt-BR" sz="1200" kern="1200" dirty="0" smtClean="0">
-                <a:solidFill>
-                  <a:schemeClr val="tx1"/>
-                </a:solidFill>
-                <a:latin typeface="+mn-lt"/>
-                <a:ea typeface="+mn-ea"/>
-                <a:cs typeface="+mn-cs"/>
-              </a:rPr>
-              <a:t> = 1,\</a:t>
-            </a:r>
-            <a:r>
-              <a:rPr lang="pt-BR" sz="1200" kern="1200" dirty="0" err="1" smtClean="0">
-                <a:solidFill>
-                  <a:schemeClr val="tx1"/>
-                </a:solidFill>
-                <a:latin typeface="+mn-lt"/>
-                <a:ea typeface="+mn-ea"/>
-                <a:cs typeface="+mn-cs"/>
-              </a:rPr>
-              <a:t>dots</a:t>
-            </a:r>
-            <a:r>
-              <a:rPr lang="pt-BR" sz="1200" kern="1200" dirty="0" smtClean="0">
-                <a:solidFill>
-                  <a:schemeClr val="tx1"/>
-                </a:solidFill>
-                <a:latin typeface="+mn-lt"/>
-                <a:ea typeface="+mn-ea"/>
-                <a:cs typeface="+mn-cs"/>
-              </a:rPr>
-              <a:t>, N, \\</a:t>
-            </a:r>
-          </a:p>
-          <a:p>
-            <a:r>
-              <a:rPr lang="pt-BR" sz="1200" kern="1200" dirty="0" smtClean="0">
-                <a:solidFill>
-                  <a:schemeClr val="tx1"/>
-                </a:solidFill>
-                <a:latin typeface="+mn-lt"/>
-                <a:ea typeface="+mn-ea"/>
-                <a:cs typeface="+mn-cs"/>
-              </a:rPr>
-              <a:t>&amp; </a:t>
-            </a:r>
-            <a:r>
-              <a:rPr lang="pt-BR" sz="1200" kern="1200" dirty="0" err="1" smtClean="0">
-                <a:solidFill>
-                  <a:schemeClr val="tx1"/>
-                </a:solidFill>
-                <a:latin typeface="+mn-lt"/>
-                <a:ea typeface="+mn-ea"/>
-                <a:cs typeface="+mn-cs"/>
-              </a:rPr>
-              <a:t>y_j</a:t>
-            </a:r>
-            <a:r>
-              <a:rPr lang="pt-BR" sz="1200" kern="1200" dirty="0" smtClean="0">
-                <a:solidFill>
-                  <a:schemeClr val="tx1"/>
-                </a:solidFill>
-                <a:latin typeface="+mn-lt"/>
-                <a:ea typeface="+mn-ea"/>
-                <a:cs typeface="+mn-cs"/>
-              </a:rPr>
-              <a:t> \in \{ 0, 1\}, \</a:t>
-            </a:r>
-            <a:r>
-              <a:rPr lang="pt-BR" sz="1200" kern="1200" dirty="0" err="1" smtClean="0">
-                <a:solidFill>
-                  <a:schemeClr val="tx1"/>
-                </a:solidFill>
-                <a:latin typeface="+mn-lt"/>
-                <a:ea typeface="+mn-ea"/>
-                <a:cs typeface="+mn-cs"/>
-              </a:rPr>
-              <a:t>quad</a:t>
-            </a:r>
-            <a:r>
-              <a:rPr lang="pt-BR" sz="1200" kern="1200" dirty="0" smtClean="0">
-                <a:solidFill>
-                  <a:schemeClr val="tx1"/>
-                </a:solidFill>
-                <a:latin typeface="+mn-lt"/>
-                <a:ea typeface="+mn-ea"/>
-                <a:cs typeface="+mn-cs"/>
-              </a:rPr>
-              <a:t> \</a:t>
-            </a:r>
-            <a:r>
-              <a:rPr lang="pt-BR" sz="1200" kern="1200" dirty="0" err="1" smtClean="0">
-                <a:solidFill>
-                  <a:schemeClr val="tx1"/>
-                </a:solidFill>
-                <a:latin typeface="+mn-lt"/>
-                <a:ea typeface="+mn-ea"/>
-                <a:cs typeface="+mn-cs"/>
-              </a:rPr>
-              <a:t>forall</a:t>
-            </a:r>
-            <a:r>
-              <a:rPr lang="pt-BR" sz="1200" kern="1200" dirty="0" smtClean="0">
-                <a:solidFill>
-                  <a:schemeClr val="tx1"/>
-                </a:solidFill>
-                <a:latin typeface="+mn-lt"/>
-                <a:ea typeface="+mn-ea"/>
-                <a:cs typeface="+mn-cs"/>
-              </a:rPr>
-              <a:t> \, </a:t>
-            </a:r>
-            <a:r>
-              <a:rPr lang="pt-BR" sz="1200" kern="1200" dirty="0" err="1" smtClean="0">
-                <a:solidFill>
-                  <a:schemeClr val="tx1"/>
-                </a:solidFill>
-                <a:latin typeface="+mn-lt"/>
-                <a:ea typeface="+mn-ea"/>
-                <a:cs typeface="+mn-cs"/>
-              </a:rPr>
-              <a:t>j</a:t>
-            </a:r>
-            <a:r>
-              <a:rPr lang="pt-BR" sz="1200" kern="1200" dirty="0" smtClean="0">
-                <a:solidFill>
-                  <a:schemeClr val="tx1"/>
-                </a:solidFill>
-                <a:latin typeface="+mn-lt"/>
-                <a:ea typeface="+mn-ea"/>
-                <a:cs typeface="+mn-cs"/>
-              </a:rPr>
-              <a:t> =1,\</a:t>
-            </a:r>
-            <a:r>
-              <a:rPr lang="pt-BR" sz="1200" kern="1200" dirty="0" err="1" smtClean="0">
-                <a:solidFill>
-                  <a:schemeClr val="tx1"/>
-                </a:solidFill>
-                <a:latin typeface="+mn-lt"/>
-                <a:ea typeface="+mn-ea"/>
-                <a:cs typeface="+mn-cs"/>
-              </a:rPr>
-              <a:t>dots</a:t>
-            </a:r>
-            <a:r>
-              <a:rPr lang="pt-BR" sz="1200" kern="1200" dirty="0" smtClean="0">
-                <a:solidFill>
-                  <a:schemeClr val="tx1"/>
-                </a:solidFill>
-                <a:latin typeface="+mn-lt"/>
-                <a:ea typeface="+mn-ea"/>
-                <a:cs typeface="+mn-cs"/>
-              </a:rPr>
-              <a:t>, N.</a:t>
+              <a:rPr lang="en-US" dirty="0" smtClean="0"/>
+              <a:t>Maybe</a:t>
+            </a:r>
+            <a:r>
+              <a:rPr lang="en-US" baseline="0" dirty="0" smtClean="0"/>
+              <a:t> take a moment /</a:t>
             </a:r>
             <a:endParaRPr lang="en-US" dirty="0"/>
           </a:p>
@@ -2912,7 +2940,7 @@
           <a:p>
             <a:fld id="{B15EEDFE-005D-3E4B-A966-9C955210900B}" type="slidenum">
               <a:rPr lang="en-US" smtClean="0"/>
-              <a:t>28</a:t>
+              <a:t>24</a:t>
             </a:fld>
             <a:endParaRPr lang="en-US" dirty="0"/>
           </a:p>
@@ -2921,7 +2949,7 @@
     </p:spTree>
     <p:extLst>
       <p:ext uri="{BB962C8B-B14F-4D97-AF65-F5344CB8AC3E}">
-        <p14:creationId xmlns:p14="http://schemas.microsoft.com/office/powerpoint/2010/main" val="2588120924"/>
+        <p14:creationId xmlns:p14="http://schemas.microsoft.com/office/powerpoint/2010/main" val="1761512579"/>
       </p:ext>
     </p:extLst>
   </p:cSld>
@@ -2975,231 +3003,6 @@
           <a:bodyPr/>
           <a:lstStyle/>
           <a:p>
-            <a:r>
-              <a:rPr lang="en-US" sz="1200" kern="1200" dirty="0" smtClean="0">
-                <a:solidFill>
-                  <a:schemeClr val="tx1"/>
-                </a:solidFill>
-                <a:latin typeface="+mn-lt"/>
-                <a:ea typeface="+mn-ea"/>
-                <a:cs typeface="+mn-cs"/>
-              </a:rPr>
-              <a:t>J_1 = \{ j \ \</a:t>
-            </a:r>
-            <a:r>
-              <a:rPr lang="en-US" sz="1200" kern="1200" dirty="0" err="1" smtClean="0">
-                <a:solidFill>
-                  <a:schemeClr val="tx1"/>
-                </a:solidFill>
-                <a:latin typeface="+mn-lt"/>
-                <a:ea typeface="+mn-ea"/>
-                <a:cs typeface="+mn-cs"/>
-              </a:rPr>
-              <a:t>vline</a:t>
-            </a:r>
-            <a:r>
-              <a:rPr lang="en-US" sz="1200" kern="1200" dirty="0" smtClean="0">
-                <a:solidFill>
-                  <a:schemeClr val="tx1"/>
-                </a:solidFill>
-                <a:latin typeface="+mn-lt"/>
-                <a:ea typeface="+mn-ea"/>
-                <a:cs typeface="+mn-cs"/>
-              </a:rPr>
-              <a:t> \ \bar{y}_j = 1\}</a:t>
-            </a:r>
-            <a:r>
-              <a:rPr lang="en-US" sz="1200" kern="1200" baseline="0" dirty="0" smtClean="0">
-                <a:solidFill>
-                  <a:schemeClr val="tx1"/>
-                </a:solidFill>
-                <a:latin typeface="+mn-lt"/>
-                <a:ea typeface="+mn-ea"/>
-                <a:cs typeface="+mn-cs"/>
-              </a:rPr>
-              <a:t> </a:t>
-            </a:r>
-          </a:p>
-          <a:p>
-            <a:endParaRPr lang="en-US" sz="1200" kern="1200" baseline="0" dirty="0" smtClean="0">
-              <a:solidFill>
-                <a:schemeClr val="tx1"/>
-              </a:solidFill>
-              <a:latin typeface="+mn-lt"/>
-              <a:ea typeface="+mn-ea"/>
-              <a:cs typeface="+mn-cs"/>
-            </a:endParaRPr>
-          </a:p>
-          <a:p>
-            <a:pPr marL="0" marR="0" indent="0" algn="l" defTabSz="457200" rtl="0" eaLnBrk="1" fontAlgn="auto" latinLnBrk="0" hangingPunct="1">
-              <a:lnSpc>
-                <a:spcPct val="100000"/>
-              </a:lnSpc>
-              <a:spcBef>
-                <a:spcPts val="0"/>
-              </a:spcBef>
-              <a:spcAft>
-                <a:spcPts val="0"/>
-              </a:spcAft>
-              <a:buClrTx/>
-              <a:buSzTx/>
-              <a:buFontTx/>
-              <a:buNone/>
-              <a:tabLst/>
-              <a:defRPr/>
-            </a:pPr>
-            <a:r>
-              <a:rPr lang="en-US" sz="1200" kern="1200" dirty="0" smtClean="0">
-                <a:solidFill>
-                  <a:schemeClr val="tx1"/>
-                </a:solidFill>
-                <a:latin typeface="+mn-lt"/>
-                <a:ea typeface="+mn-ea"/>
-                <a:cs typeface="+mn-cs"/>
-              </a:rPr>
-              <a:t>J_0 = \{ j \ \</a:t>
-            </a:r>
-            <a:r>
-              <a:rPr lang="en-US" sz="1200" kern="1200" dirty="0" err="1" smtClean="0">
-                <a:solidFill>
-                  <a:schemeClr val="tx1"/>
-                </a:solidFill>
-                <a:latin typeface="+mn-lt"/>
-                <a:ea typeface="+mn-ea"/>
-                <a:cs typeface="+mn-cs"/>
-              </a:rPr>
-              <a:t>vline</a:t>
-            </a:r>
-            <a:r>
-              <a:rPr lang="en-US" sz="1200" kern="1200" dirty="0" smtClean="0">
-                <a:solidFill>
-                  <a:schemeClr val="tx1"/>
-                </a:solidFill>
-                <a:latin typeface="+mn-lt"/>
-                <a:ea typeface="+mn-ea"/>
-                <a:cs typeface="+mn-cs"/>
-              </a:rPr>
-              <a:t> \ \bar{y}_j = 0\}</a:t>
-            </a:r>
-            <a:r>
-              <a:rPr lang="en-US" sz="1200" kern="1200" baseline="0" dirty="0" smtClean="0">
-                <a:solidFill>
-                  <a:schemeClr val="tx1"/>
-                </a:solidFill>
-                <a:latin typeface="+mn-lt"/>
-                <a:ea typeface="+mn-ea"/>
-                <a:cs typeface="+mn-cs"/>
-              </a:rPr>
-              <a:t> </a:t>
-            </a:r>
-          </a:p>
-          <a:p>
-            <a:endParaRPr lang="en-US" sz="1200" kern="1200" baseline="0" dirty="0" smtClean="0">
-              <a:solidFill>
-                <a:schemeClr val="tx1"/>
-              </a:solidFill>
-              <a:latin typeface="+mn-lt"/>
-              <a:ea typeface="+mn-ea"/>
-              <a:cs typeface="+mn-cs"/>
-            </a:endParaRPr>
-          </a:p>
-          <a:p>
-            <a:endParaRPr lang="en-US" sz="1200" kern="1200" baseline="0" dirty="0" smtClean="0">
-              <a:solidFill>
-                <a:schemeClr val="tx1"/>
-              </a:solidFill>
-              <a:latin typeface="+mn-lt"/>
-              <a:ea typeface="+mn-ea"/>
-              <a:cs typeface="+mn-cs"/>
-            </a:endParaRPr>
-          </a:p>
-          <a:p>
-            <a:endParaRPr lang="en-US" dirty="0" smtClean="0"/>
-          </a:p>
-          <a:p>
-            <a:endParaRPr lang="en-US" dirty="0" smtClean="0"/>
-          </a:p>
-          <a:p>
-            <a:endParaRPr lang="en-US" dirty="0" smtClean="0"/>
-          </a:p>
-          <a:p>
-            <a:r>
-              <a:rPr lang="es-ES_tradnl" sz="1200" kern="1200" dirty="0" smtClean="0">
-                <a:solidFill>
-                  <a:schemeClr val="tx1"/>
-                </a:solidFill>
-                <a:latin typeface="+mn-lt"/>
-                <a:ea typeface="+mn-ea"/>
-                <a:cs typeface="+mn-cs"/>
-              </a:rPr>
-              <a:t>\sum_{j \in J_1} </a:t>
-            </a:r>
-            <a:r>
-              <a:rPr lang="es-ES_tradnl" sz="1200" kern="1200" dirty="0" err="1" smtClean="0">
-                <a:solidFill>
-                  <a:schemeClr val="tx1"/>
-                </a:solidFill>
-                <a:latin typeface="+mn-lt"/>
-                <a:ea typeface="+mn-ea"/>
-                <a:cs typeface="+mn-cs"/>
-              </a:rPr>
-              <a:t>y_j</a:t>
-            </a:r>
-            <a:r>
-              <a:rPr lang="es-ES_tradnl" sz="1200" kern="1200" dirty="0" smtClean="0">
-                <a:solidFill>
-                  <a:schemeClr val="tx1"/>
-                </a:solidFill>
-                <a:latin typeface="+mn-lt"/>
-                <a:ea typeface="+mn-ea"/>
-                <a:cs typeface="+mn-cs"/>
-              </a:rPr>
-              <a:t> + \sum_{j \in J_0} (1 - </a:t>
-            </a:r>
-            <a:r>
-              <a:rPr lang="es-ES_tradnl" sz="1200" kern="1200" dirty="0" err="1" smtClean="0">
-                <a:solidFill>
-                  <a:schemeClr val="tx1"/>
-                </a:solidFill>
-                <a:latin typeface="+mn-lt"/>
-                <a:ea typeface="+mn-ea"/>
-                <a:cs typeface="+mn-cs"/>
-              </a:rPr>
-              <a:t>y_j</a:t>
-            </a:r>
-            <a:r>
-              <a:rPr lang="es-ES_tradnl" sz="1200" kern="1200" dirty="0" smtClean="0">
-                <a:solidFill>
-                  <a:schemeClr val="tx1"/>
-                </a:solidFill>
-                <a:latin typeface="+mn-lt"/>
-                <a:ea typeface="+mn-ea"/>
-                <a:cs typeface="+mn-cs"/>
-              </a:rPr>
-              <a:t>) \</a:t>
-            </a:r>
-            <a:r>
-              <a:rPr lang="es-ES_tradnl" sz="1200" kern="1200" dirty="0" err="1" smtClean="0">
-                <a:solidFill>
-                  <a:schemeClr val="tx1"/>
-                </a:solidFill>
-                <a:latin typeface="+mn-lt"/>
-                <a:ea typeface="+mn-ea"/>
-                <a:cs typeface="+mn-cs"/>
-              </a:rPr>
-              <a:t>leq</a:t>
-            </a:r>
-            <a:r>
-              <a:rPr lang="es-ES_tradnl" sz="1200" kern="1200" dirty="0" smtClean="0">
-                <a:solidFill>
-                  <a:schemeClr val="tx1"/>
-                </a:solidFill>
-                <a:latin typeface="+mn-lt"/>
-                <a:ea typeface="+mn-ea"/>
-                <a:cs typeface="+mn-cs"/>
-              </a:rPr>
-              <a:t> N - 1</a:t>
-            </a:r>
             <a:endParaRPr lang="en-US" dirty="0"/>
           </a:p>
         </p:txBody>
@@ -3221,7 +3024,7 @@
           <a:p>
             <a:fld id="{B15EEDFE-005D-3E4B-A966-9C955210900B}" type="slidenum">
               <a:rPr lang="en-US" smtClean="0"/>
-              <a:t>31</a:t>
+              <a:t>26</a:t>
             </a:fld>
             <a:endParaRPr lang="en-US" dirty="0"/>
           </a:p>
@@ -3230,7 +3033,7 @@
     </p:spTree>
     <p:extLst>
       <p:ext uri="{BB962C8B-B14F-4D97-AF65-F5344CB8AC3E}">
-        <p14:creationId xmlns:p14="http://schemas.microsoft.com/office/powerpoint/2010/main" val="2338289984"/>
+        <p14:creationId xmlns:p14="http://schemas.microsoft.com/office/powerpoint/2010/main" val="1296616130"/>
       </p:ext>
     </p:extLst>
   </p:cSld>
@@ -3285,6 +3088,19 @@
           <a:lstStyle/>
           <a:p>
             <a:r>
+              <a:rPr lang="hr-HR" sz="1200" kern="1200" dirty="0" smtClean="0">
+                <a:solidFill>
+                  <a:schemeClr val="tx1"/>
+                </a:solidFill>
+                <a:latin typeface="+mn-lt"/>
+                <a:ea typeface="+mn-ea"/>
+                <a:cs typeface="+mn-cs"/>
+              </a:rPr>
+              <a:t>\text{minimize} \qquad &amp; \sum_{i=1}^M \sum_{j=1}^N d_{ij} x_{ij} \\</a:t>
+            </a:r>
+          </a:p>
+          <a:p>
+            <a:r>
               <a:rPr lang="en-US" sz="1200" kern="1200" dirty="0" smtClean="0">
                 <a:solidFill>
                   <a:schemeClr val="tx1"/>
@@ -3293,7 +3109,7 @@
                 <a:ea typeface="+mn-ea"/>
                 <a:cs typeface="+mn-cs"/>
               </a:rPr>
-              <a:t>\lambda_\ell(\</a:t>
+              <a:t>\text{subject to} \</a:t>
             </a:r>
             <a:r>
               <a:rPr lang="en-US" sz="1200" kern="1200" dirty="0" err="1" smtClean="0">
@@ -3304,7 +3120,7 @@
                 <a:ea typeface="+mn-ea"/>
                 <a:cs typeface="+mn-cs"/>
               </a:rPr>
-              <a:t>vec</a:t>
+              <a:t>qquad</a:t>
             </a:r>
             <a:r>
               <a:rPr lang="en-US" sz="1200" kern="1200" dirty="0" smtClean="0">
@@ -3315,7 +3131,7 @@
                 <a:ea typeface="+mn-ea"/>
                 <a:cs typeface="+mn-cs"/>
               </a:rPr>
-              <a:t>{c}, t) = \begin{array}{l} \text{dual price of leg $\</a:t>
+              <a:t> &amp; x_{</a:t>
             </a:r>
             <a:r>
               <a:rPr lang="en-US" sz="1200" kern="1200" dirty="0" err="1" smtClean="0">
@@ -3326,7 +3142,7 @@
                 <a:ea typeface="+mn-ea"/>
                 <a:cs typeface="+mn-cs"/>
               </a:rPr>
-              <a:t>ell$'s</a:t>
+              <a:t>ij</a:t>
             </a:r>
             <a:r>
               <a:rPr lang="en-US" sz="1200" kern="1200" dirty="0" smtClean="0">
@@ -3337,7 +3153,7 @@
                 <a:ea typeface="+mn-ea"/>
                 <a:cs typeface="+mn-cs"/>
               </a:rPr>
-              <a:t> capacity constraint,} \\ \text{when the remaining capacity is $\</a:t>
+              <a:t>} \</a:t>
             </a:r>
             <a:r>
               <a:rPr lang="en-US" sz="1200" kern="1200" dirty="0" err="1" smtClean="0">
@@ -3348,7 +3164,7 @@
                 <a:ea typeface="+mn-ea"/>
                 <a:cs typeface="+mn-cs"/>
               </a:rPr>
-              <a:t>vec</a:t>
+              <a:t>leq</a:t>
             </a:r>
             <a:r>
               <a:rPr lang="en-US" sz="1200" kern="1200" dirty="0" smtClean="0">
@@ -3359,10 +3175,19 @@
                 <a:ea typeface="+mn-ea"/>
                 <a:cs typeface="+mn-cs"/>
               </a:rPr>
-              <a:t>{c}$} \\</a:t>
-            </a:r>
-          </a:p>
-          <a:p>
+              <a:t> </a:t>
+            </a:r>
+            <a:r>
+              <a:rPr lang="en-US" sz="1200" kern="1200" dirty="0" err="1" smtClean="0">
+                <a:solidFill>
+                  <a:schemeClr val="tx1"/>
+                </a:solidFill>
+                <a:latin typeface="+mn-lt"/>
+                <a:ea typeface="+mn-ea"/>
+                <a:cs typeface="+mn-cs"/>
+              </a:rPr>
+              <a:t>y_i</a:t>
+            </a:r>
             <a:r>
               <a:rPr lang="en-US" sz="1200" kern="1200" dirty="0" smtClean="0">
                 <a:solidFill>
@@ -3372,23 +3197,19 @@
                 <a:ea typeface="+mn-ea"/>
                 <a:cs typeface="+mn-cs"/>
               </a:rPr>
-              <a:t>\text{and $t$ days remain.} \end{array}</a:t>
-            </a:r>
-          </a:p>
-          <a:p>
-            <a:endParaRPr lang="en-US" sz="1200" kern="1200" dirty="0" smtClean="0">
-              <a:solidFill>
-                <a:schemeClr val="tx1"/>
-              </a:solidFill>
-              <a:latin typeface="+mn-lt"/>
-              <a:ea typeface="+mn-ea"/>
-              <a:cs typeface="+mn-cs"/>
-            </a:endParaRPr>
-          </a:p>
-          <a:p>
-            <a:endParaRPr lang="en-US" dirty="0" smtClean="0"/>
-          </a:p>
-          <a:p>
+              <a:t>, \quad \</a:t>
+            </a:r>
+            <a:r>
+              <a:rPr lang="en-US" sz="1200" kern="1200" dirty="0" err="1" smtClean="0">
+                <a:solidFill>
+                  <a:schemeClr val="tx1"/>
+                </a:solidFill>
+                <a:latin typeface="+mn-lt"/>
+                <a:ea typeface="+mn-ea"/>
+                <a:cs typeface="+mn-cs"/>
+              </a:rPr>
+              <a:t>forall</a:t>
+            </a:r>
             <a:r>
               <a:rPr lang="en-US" sz="1200" kern="1200" dirty="0" smtClean="0">
                 <a:solidFill>
@@ -3398,7 +3219,7 @@
                 <a:ea typeface="+mn-ea"/>
                 <a:cs typeface="+mn-cs"/>
               </a:rPr>
-              <a:t>\</a:t>
+              <a:t> \, </a:t>
             </a:r>
             <a:r>
               <a:rPr lang="en-US" sz="1200" kern="1200" dirty="0" err="1" smtClean="0">
@@ -3409,7 +3230,7 @@
                 <a:ea typeface="+mn-ea"/>
                 <a:cs typeface="+mn-cs"/>
               </a:rPr>
-              <a:t>pi_t</a:t>
+              <a:t>i</a:t>
             </a:r>
             <a:r>
               <a:rPr lang="en-US" sz="1200" kern="1200" dirty="0" smtClean="0">
@@ -3420,98 +3241,212 @@
                 <a:ea typeface="+mn-ea"/>
                 <a:cs typeface="+mn-cs"/>
               </a:rPr>
-              <a:t>(f) = \left\{ \begin{array}{</a:t>
-            </a:r>
-            <a:r>
-              <a:rPr lang="en-US" sz="1200" kern="1200" dirty="0" err="1" smtClean="0">
-                <a:solidFill>
-                  <a:schemeClr val="tx1"/>
-                </a:solidFill>
-                <a:latin typeface="+mn-lt"/>
-                <a:ea typeface="+mn-ea"/>
-                <a:cs typeface="+mn-cs"/>
-              </a:rPr>
-              <a:t>ll</a:t>
-            </a:r>
-            <a:r>
-              <a:rPr lang="en-US" sz="1200" kern="1200" dirty="0" smtClean="0">
-                <a:solidFill>
-                  <a:schemeClr val="tx1"/>
-                </a:solidFill>
-                <a:latin typeface="+mn-lt"/>
-                <a:ea typeface="+mn-ea"/>
-                <a:cs typeface="+mn-cs"/>
-              </a:rPr>
-              <a:t>} \text{Accept} &amp;  \text{if}\ \sum_{\ell \in \</a:t>
-            </a:r>
-            <a:r>
-              <a:rPr lang="en-US" sz="1200" kern="1200" dirty="0" err="1" smtClean="0">
-                <a:solidFill>
-                  <a:schemeClr val="tx1"/>
-                </a:solidFill>
-                <a:latin typeface="+mn-lt"/>
-                <a:ea typeface="+mn-ea"/>
-                <a:cs typeface="+mn-cs"/>
-              </a:rPr>
-              <a:t>mathcal</a:t>
-            </a:r>
-            <a:r>
-              <a:rPr lang="en-US" sz="1200" kern="1200" dirty="0" smtClean="0">
-                <a:solidFill>
-                  <a:schemeClr val="tx1"/>
-                </a:solidFill>
-                <a:latin typeface="+mn-lt"/>
-                <a:ea typeface="+mn-ea"/>
-                <a:cs typeface="+mn-cs"/>
-              </a:rPr>
-              <a:t>{L}} A_{\</a:t>
-            </a:r>
-            <a:r>
-              <a:rPr lang="en-US" sz="1200" kern="1200" dirty="0" err="1" smtClean="0">
-                <a:solidFill>
-                  <a:schemeClr val="tx1"/>
-                </a:solidFill>
-                <a:latin typeface="+mn-lt"/>
-                <a:ea typeface="+mn-ea"/>
-                <a:cs typeface="+mn-cs"/>
-              </a:rPr>
-              <a:t>ell,f</a:t>
-            </a:r>
-            <a:r>
-              <a:rPr lang="en-US" sz="1200" kern="1200" dirty="0" smtClean="0">
-                <a:solidFill>
-                  <a:schemeClr val="tx1"/>
-                </a:solidFill>
-                <a:latin typeface="+mn-lt"/>
-                <a:ea typeface="+mn-ea"/>
-                <a:cs typeface="+mn-cs"/>
-              </a:rPr>
-              <a:t>} \lambda_{\ell}(\</a:t>
-            </a:r>
-            <a:r>
-              <a:rPr lang="en-US" sz="1200" kern="1200" dirty="0" err="1" smtClean="0">
-                <a:solidFill>
-                  <a:schemeClr val="tx1"/>
-                </a:solidFill>
-                <a:latin typeface="+mn-lt"/>
-                <a:ea typeface="+mn-ea"/>
-                <a:cs typeface="+mn-cs"/>
-              </a:rPr>
-              <a:t>vec</a:t>
-            </a:r>
-            <a:r>
-              <a:rPr lang="en-US" sz="1200" kern="1200" dirty="0" smtClean="0">
-                <a:solidFill>
-                  <a:schemeClr val="tx1"/>
-                </a:solidFill>
-                <a:latin typeface="+mn-lt"/>
-                <a:ea typeface="+mn-ea"/>
-                <a:cs typeface="+mn-cs"/>
-              </a:rPr>
-              <a:t>{c},t) \</a:t>
-            </a:r>
-            <a:r>
-              <a:rPr lang="en-US" sz="1200" kern="1200" dirty="0" err="1" smtClean="0">
+              <a:t> =1,\dots, M, \ j =1,\dots, N, \\</a:t>
+            </a:r>
+          </a:p>
+          <a:p>
+            <a:r>
+              <a:rPr lang="pt-BR" sz="1200" kern="1200" dirty="0" smtClean="0">
+                <a:solidFill>
+                  <a:schemeClr val="tx1"/>
+                </a:solidFill>
+                <a:latin typeface="+mn-lt"/>
+                <a:ea typeface="+mn-ea"/>
+                <a:cs typeface="+mn-cs"/>
+              </a:rPr>
+              <a:t>&amp; \sum_{</a:t>
+            </a:r>
+            <a:r>
+              <a:rPr lang="pt-BR" sz="1200" kern="1200" dirty="0" err="1" smtClean="0">
+                <a:solidFill>
+                  <a:schemeClr val="tx1"/>
+                </a:solidFill>
+                <a:latin typeface="+mn-lt"/>
+                <a:ea typeface="+mn-ea"/>
+                <a:cs typeface="+mn-cs"/>
+              </a:rPr>
+              <a:t>j</a:t>
+            </a:r>
+            <a:r>
+              <a:rPr lang="pt-BR" sz="1200" kern="1200" dirty="0" smtClean="0">
+                <a:solidFill>
+                  <a:schemeClr val="tx1"/>
+                </a:solidFill>
+                <a:latin typeface="+mn-lt"/>
+                <a:ea typeface="+mn-ea"/>
+                <a:cs typeface="+mn-cs"/>
+              </a:rPr>
+              <a:t>=1}^N </a:t>
+            </a:r>
+            <a:r>
+              <a:rPr lang="pt-BR" sz="1200" kern="1200" dirty="0" err="1" smtClean="0">
+                <a:solidFill>
+                  <a:schemeClr val="tx1"/>
+                </a:solidFill>
+                <a:latin typeface="+mn-lt"/>
+                <a:ea typeface="+mn-ea"/>
+                <a:cs typeface="+mn-cs"/>
+              </a:rPr>
+              <a:t>x</a:t>
+            </a:r>
+            <a:r>
+              <a:rPr lang="pt-BR" sz="1200" kern="1200" dirty="0" smtClean="0">
+                <a:solidFill>
+                  <a:schemeClr val="tx1"/>
+                </a:solidFill>
+                <a:latin typeface="+mn-lt"/>
+                <a:ea typeface="+mn-ea"/>
+                <a:cs typeface="+mn-cs"/>
+              </a:rPr>
+              <a:t>_{</a:t>
+            </a:r>
+            <a:r>
+              <a:rPr lang="pt-BR" sz="1200" kern="1200" dirty="0" err="1" smtClean="0">
+                <a:solidFill>
+                  <a:schemeClr val="tx1"/>
+                </a:solidFill>
+                <a:latin typeface="+mn-lt"/>
+                <a:ea typeface="+mn-ea"/>
+                <a:cs typeface="+mn-cs"/>
+              </a:rPr>
+              <a:t>ij</a:t>
+            </a:r>
+            <a:r>
+              <a:rPr lang="pt-BR" sz="1200" kern="1200" dirty="0" smtClean="0">
+                <a:solidFill>
+                  <a:schemeClr val="tx1"/>
+                </a:solidFill>
+                <a:latin typeface="+mn-lt"/>
+                <a:ea typeface="+mn-ea"/>
+                <a:cs typeface="+mn-cs"/>
+              </a:rPr>
+              <a:t>} = 1, \</a:t>
+            </a:r>
+            <a:r>
+              <a:rPr lang="pt-BR" sz="1200" kern="1200" dirty="0" err="1" smtClean="0">
+                <a:solidFill>
+                  <a:schemeClr val="tx1"/>
+                </a:solidFill>
+                <a:latin typeface="+mn-lt"/>
+                <a:ea typeface="+mn-ea"/>
+                <a:cs typeface="+mn-cs"/>
+              </a:rPr>
+              <a:t>quad</a:t>
+            </a:r>
+            <a:r>
+              <a:rPr lang="pt-BR" sz="1200" kern="1200" dirty="0" smtClean="0">
+                <a:solidFill>
+                  <a:schemeClr val="tx1"/>
+                </a:solidFill>
+                <a:latin typeface="+mn-lt"/>
+                <a:ea typeface="+mn-ea"/>
+                <a:cs typeface="+mn-cs"/>
+              </a:rPr>
+              <a:t> \</a:t>
+            </a:r>
+            <a:r>
+              <a:rPr lang="pt-BR" sz="1200" kern="1200" dirty="0" err="1" smtClean="0">
+                <a:solidFill>
+                  <a:schemeClr val="tx1"/>
+                </a:solidFill>
+                <a:latin typeface="+mn-lt"/>
+                <a:ea typeface="+mn-ea"/>
+                <a:cs typeface="+mn-cs"/>
+              </a:rPr>
+              <a:t>forall</a:t>
+            </a:r>
+            <a:r>
+              <a:rPr lang="pt-BR" sz="1200" kern="1200" dirty="0" smtClean="0">
+                <a:solidFill>
+                  <a:schemeClr val="tx1"/>
+                </a:solidFill>
+                <a:latin typeface="+mn-lt"/>
+                <a:ea typeface="+mn-ea"/>
+                <a:cs typeface="+mn-cs"/>
+              </a:rPr>
+              <a:t> \, </a:t>
+            </a:r>
+            <a:r>
+              <a:rPr lang="pt-BR" sz="1200" kern="1200" dirty="0" err="1" smtClean="0">
+                <a:solidFill>
+                  <a:schemeClr val="tx1"/>
+                </a:solidFill>
+                <a:latin typeface="+mn-lt"/>
+                <a:ea typeface="+mn-ea"/>
+                <a:cs typeface="+mn-cs"/>
+              </a:rPr>
+              <a:t>i</a:t>
+            </a:r>
+            <a:r>
+              <a:rPr lang="pt-BR" sz="1200" kern="1200" dirty="0" smtClean="0">
+                <a:solidFill>
+                  <a:schemeClr val="tx1"/>
+                </a:solidFill>
+                <a:latin typeface="+mn-lt"/>
+                <a:ea typeface="+mn-ea"/>
+                <a:cs typeface="+mn-cs"/>
+              </a:rPr>
+              <a:t> =1,\</a:t>
+            </a:r>
+            <a:r>
+              <a:rPr lang="pt-BR" sz="1200" kern="1200" dirty="0" err="1" smtClean="0">
+                <a:solidFill>
+                  <a:schemeClr val="tx1"/>
+                </a:solidFill>
+                <a:latin typeface="+mn-lt"/>
+                <a:ea typeface="+mn-ea"/>
+                <a:cs typeface="+mn-cs"/>
+              </a:rPr>
+              <a:t>dots,M</a:t>
+            </a:r>
+            <a:r>
+              <a:rPr lang="pt-BR" sz="1200" kern="1200" dirty="0" smtClean="0">
+                <a:solidFill>
+                  <a:schemeClr val="tx1"/>
+                </a:solidFill>
+                <a:latin typeface="+mn-lt"/>
+                <a:ea typeface="+mn-ea"/>
+                <a:cs typeface="+mn-cs"/>
+              </a:rPr>
+              <a:t>,\\</a:t>
+            </a:r>
+          </a:p>
+          <a:p>
+            <a:r>
+              <a:rPr lang="es-ES_tradnl" sz="1200" kern="1200" dirty="0" smtClean="0">
+                <a:solidFill>
+                  <a:schemeClr val="tx1"/>
+                </a:solidFill>
+                <a:latin typeface="+mn-lt"/>
+                <a:ea typeface="+mn-ea"/>
+                <a:cs typeface="+mn-cs"/>
+              </a:rPr>
+              <a:t>&amp; \sum_{j=1}^N </a:t>
+            </a:r>
+            <a:r>
+              <a:rPr lang="es-ES_tradnl" sz="1200" kern="1200" dirty="0" err="1" smtClean="0">
+                <a:solidFill>
+                  <a:schemeClr val="tx1"/>
+                </a:solidFill>
+                <a:latin typeface="+mn-lt"/>
+                <a:ea typeface="+mn-ea"/>
+                <a:cs typeface="+mn-cs"/>
+              </a:rPr>
+              <a:t>y_j</a:t>
+            </a:r>
+            <a:r>
+              <a:rPr lang="es-ES_tradnl" sz="1200" kern="1200" dirty="0" smtClean="0">
+                <a:solidFill>
+                  <a:schemeClr val="tx1"/>
+                </a:solidFill>
+                <a:latin typeface="+mn-lt"/>
+                <a:ea typeface="+mn-ea"/>
+                <a:cs typeface="+mn-cs"/>
+              </a:rPr>
+              <a:t> \</a:t>
+            </a:r>
+            <a:r>
+              <a:rPr lang="es-ES_tradnl" sz="1200" kern="1200" dirty="0" err="1" smtClean="0">
                 <a:solidFill>
                   <a:schemeClr val="tx1"/>
                 </a:solidFill>
@@ -3522,7 +3457,42 @@
               <a:t>leq</a:t>
             </a:r>
             <a:r>
-              <a:rPr lang="en-US" sz="1200" kern="1200" dirty="0" smtClean="0">
+              <a:rPr lang="es-ES_tradnl" sz="1200" kern="1200" dirty="0" smtClean="0">
+                <a:solidFill>
+                  <a:schemeClr val="tx1"/>
+                </a:solidFill>
+                <a:latin typeface="+mn-lt"/>
+                <a:ea typeface="+mn-ea"/>
+                <a:cs typeface="+mn-cs"/>
+              </a:rPr>
+              <a:t> K, \\</a:t>
+            </a:r>
+          </a:p>
+          <a:p>
+            <a:r>
+              <a:rPr lang="pt-BR" sz="1200" kern="1200" dirty="0" smtClean="0">
+                <a:solidFill>
+                  <a:schemeClr val="tx1"/>
+                </a:solidFill>
+                <a:latin typeface="+mn-lt"/>
+                <a:ea typeface="+mn-ea"/>
+                <a:cs typeface="+mn-cs"/>
+              </a:rPr>
+              <a:t>&amp; 0 \</a:t>
+            </a:r>
+            <a:r>
+              <a:rPr lang="pt-BR" sz="1200" kern="1200" dirty="0" err="1" smtClean="0">
+                <a:solidFill>
+                  <a:schemeClr val="tx1"/>
+                </a:solidFill>
+                <a:latin typeface="+mn-lt"/>
+                <a:ea typeface="+mn-ea"/>
+                <a:cs typeface="+mn-cs"/>
+              </a:rPr>
+              <a:t>leq</a:t>
+            </a:r>
+            <a:r>
+              <a:rPr lang="pt-BR" sz="1200" kern="1200" dirty="0" smtClean="0">
                 <a:solidFill>
                   <a:schemeClr val="tx1"/>
                 </a:solidFill>
@@ -3533,39 +3503,325 @@
               <a:t> </a:t>
             </a:r>
             <a:r>
-              <a:rPr lang="en-US" sz="1200" kern="1200" dirty="0" err="1" smtClean="0">
-                <a:solidFill>
-                  <a:schemeClr val="tx1"/>
-                </a:solidFill>
-                <a:latin typeface="+mn-lt"/>
-                <a:ea typeface="+mn-ea"/>
-                <a:cs typeface="+mn-cs"/>
-              </a:rPr>
-              <a:t>r_f</a:t>
-            </a:r>
-            <a:r>
-              <a:rPr lang="en-US" sz="1200" kern="1200" dirty="0" smtClean="0">
-                <a:solidFill>
-                  <a:schemeClr val="tx1"/>
-                </a:solidFill>
-                <a:latin typeface="+mn-lt"/>
-                <a:ea typeface="+mn-ea"/>
-                <a:cs typeface="+mn-cs"/>
-              </a:rPr>
-              <a:t>, \\</a:t>
-            </a:r>
-          </a:p>
-          <a:p>
-            <a:r>
-              <a:rPr lang="en-US" sz="1200" kern="1200" dirty="0" smtClean="0">
-                <a:solidFill>
-                  <a:schemeClr val="tx1"/>
-                </a:solidFill>
-                <a:latin typeface="+mn-lt"/>
-                <a:ea typeface="+mn-ea"/>
-                <a:cs typeface="+mn-cs"/>
-              </a:rPr>
-              <a:t>\text{Reject} &amp; \text{otherwise.}  \end{array} \right.</a:t>
+              <a:rPr lang="pt-BR" sz="1200" kern="1200" dirty="0" err="1" smtClean="0">
+                <a:solidFill>
+                  <a:schemeClr val="tx1"/>
+                </a:solidFill>
+                <a:latin typeface="+mn-lt"/>
+                <a:ea typeface="+mn-ea"/>
+                <a:cs typeface="+mn-cs"/>
+              </a:rPr>
+              <a:t>x</a:t>
+            </a:r>
+            <a:r>
+              <a:rPr lang="pt-BR" sz="1200" kern="1200" dirty="0" smtClean="0">
+                <a:solidFill>
+                  <a:schemeClr val="tx1"/>
+                </a:solidFill>
+                <a:latin typeface="+mn-lt"/>
+                <a:ea typeface="+mn-ea"/>
+                <a:cs typeface="+mn-cs"/>
+              </a:rPr>
+              <a:t>_{</a:t>
+            </a:r>
+            <a:r>
+              <a:rPr lang="pt-BR" sz="1200" kern="1200" dirty="0" err="1" smtClean="0">
+                <a:solidFill>
+                  <a:schemeClr val="tx1"/>
+                </a:solidFill>
+                <a:latin typeface="+mn-lt"/>
+                <a:ea typeface="+mn-ea"/>
+                <a:cs typeface="+mn-cs"/>
+              </a:rPr>
+              <a:t>ij</a:t>
+            </a:r>
+            <a:r>
+              <a:rPr lang="pt-BR" sz="1200" kern="1200" dirty="0" smtClean="0">
+                <a:solidFill>
+                  <a:schemeClr val="tx1"/>
+                </a:solidFill>
+                <a:latin typeface="+mn-lt"/>
+                <a:ea typeface="+mn-ea"/>
+                <a:cs typeface="+mn-cs"/>
+              </a:rPr>
+              <a:t>} \</a:t>
+            </a:r>
+            <a:r>
+              <a:rPr lang="pt-BR" sz="1200" kern="1200" dirty="0" err="1" smtClean="0">
+                <a:solidFill>
+                  <a:schemeClr val="tx1"/>
+                </a:solidFill>
+                <a:latin typeface="+mn-lt"/>
+                <a:ea typeface="+mn-ea"/>
+                <a:cs typeface="+mn-cs"/>
+              </a:rPr>
+              <a:t>leq</a:t>
+            </a:r>
+            <a:r>
+              <a:rPr lang="pt-BR" sz="1200" kern="1200" dirty="0" smtClean="0">
+                <a:solidFill>
+                  <a:schemeClr val="tx1"/>
+                </a:solidFill>
+                <a:latin typeface="+mn-lt"/>
+                <a:ea typeface="+mn-ea"/>
+                <a:cs typeface="+mn-cs"/>
+              </a:rPr>
+              <a:t> 1, \</a:t>
+            </a:r>
+            <a:r>
+              <a:rPr lang="pt-BR" sz="1200" kern="1200" dirty="0" err="1" smtClean="0">
+                <a:solidFill>
+                  <a:schemeClr val="tx1"/>
+                </a:solidFill>
+                <a:latin typeface="+mn-lt"/>
+                <a:ea typeface="+mn-ea"/>
+                <a:cs typeface="+mn-cs"/>
+              </a:rPr>
+              <a:t>quad</a:t>
+            </a:r>
+            <a:r>
+              <a:rPr lang="pt-BR" sz="1200" kern="1200" dirty="0" smtClean="0">
+                <a:solidFill>
+                  <a:schemeClr val="tx1"/>
+                </a:solidFill>
+                <a:latin typeface="+mn-lt"/>
+                <a:ea typeface="+mn-ea"/>
+                <a:cs typeface="+mn-cs"/>
+              </a:rPr>
+              <a:t> \</a:t>
+            </a:r>
+            <a:r>
+              <a:rPr lang="pt-BR" sz="1200" kern="1200" dirty="0" err="1" smtClean="0">
+                <a:solidFill>
+                  <a:schemeClr val="tx1"/>
+                </a:solidFill>
+                <a:latin typeface="+mn-lt"/>
+                <a:ea typeface="+mn-ea"/>
+                <a:cs typeface="+mn-cs"/>
+              </a:rPr>
+              <a:t>forall</a:t>
+            </a:r>
+            <a:r>
+              <a:rPr lang="pt-BR" sz="1200" kern="1200" dirty="0" smtClean="0">
+                <a:solidFill>
+                  <a:schemeClr val="tx1"/>
+                </a:solidFill>
+                <a:latin typeface="+mn-lt"/>
+                <a:ea typeface="+mn-ea"/>
+                <a:cs typeface="+mn-cs"/>
+              </a:rPr>
+              <a:t> \, </a:t>
+            </a:r>
+            <a:r>
+              <a:rPr lang="pt-BR" sz="1200" kern="1200" dirty="0" err="1" smtClean="0">
+                <a:solidFill>
+                  <a:schemeClr val="tx1"/>
+                </a:solidFill>
+                <a:latin typeface="+mn-lt"/>
+                <a:ea typeface="+mn-ea"/>
+                <a:cs typeface="+mn-cs"/>
+              </a:rPr>
+              <a:t>i</a:t>
+            </a:r>
+            <a:r>
+              <a:rPr lang="pt-BR" sz="1200" kern="1200" dirty="0" smtClean="0">
+                <a:solidFill>
+                  <a:schemeClr val="tx1"/>
+                </a:solidFill>
+                <a:latin typeface="+mn-lt"/>
+                <a:ea typeface="+mn-ea"/>
+                <a:cs typeface="+mn-cs"/>
+              </a:rPr>
+              <a:t> =1,\</a:t>
+            </a:r>
+            <a:r>
+              <a:rPr lang="pt-BR" sz="1200" kern="1200" dirty="0" err="1" smtClean="0">
+                <a:solidFill>
+                  <a:schemeClr val="tx1"/>
+                </a:solidFill>
+                <a:latin typeface="+mn-lt"/>
+                <a:ea typeface="+mn-ea"/>
+                <a:cs typeface="+mn-cs"/>
+              </a:rPr>
+              <a:t>dots</a:t>
+            </a:r>
+            <a:r>
+              <a:rPr lang="pt-BR" sz="1200" kern="1200" dirty="0" smtClean="0">
+                <a:solidFill>
+                  <a:schemeClr val="tx1"/>
+                </a:solidFill>
+                <a:latin typeface="+mn-lt"/>
+                <a:ea typeface="+mn-ea"/>
+                <a:cs typeface="+mn-cs"/>
+              </a:rPr>
+              <a:t>, M, \ </a:t>
+            </a:r>
+            <a:r>
+              <a:rPr lang="pt-BR" sz="1200" kern="1200" dirty="0" err="1" smtClean="0">
+                <a:solidFill>
+                  <a:schemeClr val="tx1"/>
+                </a:solidFill>
+                <a:latin typeface="+mn-lt"/>
+                <a:ea typeface="+mn-ea"/>
+                <a:cs typeface="+mn-cs"/>
+              </a:rPr>
+              <a:t>j</a:t>
+            </a:r>
+            <a:r>
+              <a:rPr lang="pt-BR" sz="1200" kern="1200" dirty="0" smtClean="0">
+                <a:solidFill>
+                  <a:schemeClr val="tx1"/>
+                </a:solidFill>
+                <a:latin typeface="+mn-lt"/>
+                <a:ea typeface="+mn-ea"/>
+                <a:cs typeface="+mn-cs"/>
+              </a:rPr>
+              <a:t> = 1,\</a:t>
+            </a:r>
+            <a:r>
+              <a:rPr lang="pt-BR" sz="1200" kern="1200" dirty="0" err="1" smtClean="0">
+                <a:solidFill>
+                  <a:schemeClr val="tx1"/>
+                </a:solidFill>
+                <a:latin typeface="+mn-lt"/>
+                <a:ea typeface="+mn-ea"/>
+                <a:cs typeface="+mn-cs"/>
+              </a:rPr>
+              <a:t>dots</a:t>
+            </a:r>
+            <a:r>
+              <a:rPr lang="pt-BR" sz="1200" kern="1200" dirty="0" smtClean="0">
+                <a:solidFill>
+                  <a:schemeClr val="tx1"/>
+                </a:solidFill>
+                <a:latin typeface="+mn-lt"/>
+                <a:ea typeface="+mn-ea"/>
+                <a:cs typeface="+mn-cs"/>
+              </a:rPr>
+              <a:t>, N, \\</a:t>
+            </a:r>
+          </a:p>
+          <a:p>
+            <a:r>
+              <a:rPr lang="pt-BR" sz="1200" kern="1200" dirty="0" smtClean="0">
+                <a:solidFill>
+                  <a:schemeClr val="tx1"/>
+                </a:solidFill>
+                <a:latin typeface="+mn-lt"/>
+                <a:ea typeface="+mn-ea"/>
+                <a:cs typeface="+mn-cs"/>
+              </a:rPr>
+              <a:t>&amp; </a:t>
+            </a:r>
+            <a:r>
+              <a:rPr lang="pt-BR" sz="1200" kern="1200" dirty="0" err="1" smtClean="0">
+                <a:solidFill>
+                  <a:schemeClr val="tx1"/>
+                </a:solidFill>
+                <a:latin typeface="+mn-lt"/>
+                <a:ea typeface="+mn-ea"/>
+                <a:cs typeface="+mn-cs"/>
+              </a:rPr>
+              <a:t>y_j</a:t>
+            </a:r>
+            <a:r>
+              <a:rPr lang="pt-BR" sz="1200" kern="1200" dirty="0" smtClean="0">
+                <a:solidFill>
+                  <a:schemeClr val="tx1"/>
+                </a:solidFill>
+                <a:latin typeface="+mn-lt"/>
+                <a:ea typeface="+mn-ea"/>
+                <a:cs typeface="+mn-cs"/>
+              </a:rPr>
+              <a:t> \in \{ 0, 1\}, \</a:t>
+            </a:r>
+            <a:r>
+              <a:rPr lang="pt-BR" sz="1200" kern="1200" dirty="0" err="1" smtClean="0">
+                <a:solidFill>
+                  <a:schemeClr val="tx1"/>
+                </a:solidFill>
+                <a:latin typeface="+mn-lt"/>
+                <a:ea typeface="+mn-ea"/>
+                <a:cs typeface="+mn-cs"/>
+              </a:rPr>
+              <a:t>quad</a:t>
+            </a:r>
+            <a:r>
+              <a:rPr lang="pt-BR" sz="1200" kern="1200" dirty="0" smtClean="0">
+                <a:solidFill>
+                  <a:schemeClr val="tx1"/>
+                </a:solidFill>
+                <a:latin typeface="+mn-lt"/>
+                <a:ea typeface="+mn-ea"/>
+                <a:cs typeface="+mn-cs"/>
+              </a:rPr>
+              <a:t> \</a:t>
+            </a:r>
+            <a:r>
+              <a:rPr lang="pt-BR" sz="1200" kern="1200" dirty="0" err="1" smtClean="0">
+                <a:solidFill>
+                  <a:schemeClr val="tx1"/>
+                </a:solidFill>
+                <a:latin typeface="+mn-lt"/>
+                <a:ea typeface="+mn-ea"/>
+                <a:cs typeface="+mn-cs"/>
+              </a:rPr>
+              <a:t>forall</a:t>
+            </a:r>
+            <a:r>
+              <a:rPr lang="pt-BR" sz="1200" kern="1200" dirty="0" smtClean="0">
+                <a:solidFill>
+                  <a:schemeClr val="tx1"/>
+                </a:solidFill>
+                <a:latin typeface="+mn-lt"/>
+                <a:ea typeface="+mn-ea"/>
+                <a:cs typeface="+mn-cs"/>
+              </a:rPr>
+              <a:t> \, </a:t>
+            </a:r>
+            <a:r>
+              <a:rPr lang="pt-BR" sz="1200" kern="1200" dirty="0" err="1" smtClean="0">
+                <a:solidFill>
+                  <a:schemeClr val="tx1"/>
+                </a:solidFill>
+                <a:latin typeface="+mn-lt"/>
+                <a:ea typeface="+mn-ea"/>
+                <a:cs typeface="+mn-cs"/>
+              </a:rPr>
+              <a:t>j</a:t>
+            </a:r>
+            <a:r>
+              <a:rPr lang="pt-BR" sz="1200" kern="1200" dirty="0" smtClean="0">
+                <a:solidFill>
+                  <a:schemeClr val="tx1"/>
+                </a:solidFill>
+                <a:latin typeface="+mn-lt"/>
+                <a:ea typeface="+mn-ea"/>
+                <a:cs typeface="+mn-cs"/>
+              </a:rPr>
+              <a:t> =1,\</a:t>
+            </a:r>
+            <a:r>
+              <a:rPr lang="pt-BR" sz="1200" kern="1200" dirty="0" err="1" smtClean="0">
+                <a:solidFill>
+                  <a:schemeClr val="tx1"/>
+                </a:solidFill>
+                <a:latin typeface="+mn-lt"/>
+                <a:ea typeface="+mn-ea"/>
+                <a:cs typeface="+mn-cs"/>
+              </a:rPr>
+              <a:t>dots</a:t>
+            </a:r>
+            <a:r>
+              <a:rPr lang="pt-BR" sz="1200" kern="1200" dirty="0" smtClean="0">
+                <a:solidFill>
+                  <a:schemeClr val="tx1"/>
+                </a:solidFill>
+                <a:latin typeface="+mn-lt"/>
+                <a:ea typeface="+mn-ea"/>
+                <a:cs typeface="+mn-cs"/>
+              </a:rPr>
+              <a:t>, N.</a:t>
             </a:r>
             <a:endParaRPr lang="en-US" dirty="0"/>
           </a:p>
@@ -3588,7 +3844,7 @@
           <a:p>
             <a:fld id="{B15EEDFE-005D-3E4B-A966-9C955210900B}" type="slidenum">
               <a:rPr lang="en-US" smtClean="0"/>
-              <a:t>43</a:t>
+              <a:t>28</a:t>
             </a:fld>
             <a:endParaRPr lang="en-US" dirty="0"/>
           </a:p>
@@ -3597,7 +3853,7 @@
     </p:spTree>
     <p:extLst>
       <p:ext uri="{BB962C8B-B14F-4D97-AF65-F5344CB8AC3E}">
-        <p14:creationId xmlns:p14="http://schemas.microsoft.com/office/powerpoint/2010/main" val="1798321760"/>
+        <p14:creationId xmlns:p14="http://schemas.microsoft.com/office/powerpoint/2010/main" val="2588120924"/>
       </p:ext>
     </p:extLst>
   </p:cSld>
@@ -3795,7 +4051,7 @@
           <a:p>
             <a:fld id="{C1713787-A82E-BF41-ABFC-EDB12EC01593}" type="datetimeFigureOut">
               <a:rPr lang="en-US" smtClean="0"/>
-              <a:t>1/13/14</a:t>
+              <a:t>1/15/14</a:t>
             </a:fld>
             <a:endParaRPr lang="en-US" dirty="0"/>
           </a:p>
@@ -3995,7 +4251,7 @@
           <a:p>
             <a:fld id="{C1713787-A82E-BF41-ABFC-EDB12EC01593}" type="datetimeFigureOut">
               <a:rPr lang="en-US" smtClean="0"/>
-              <a:t>1/13/14</a:t>
+              <a:t>1/15/14</a:t>
             </a:fld>
             <a:endParaRPr lang="en-US" dirty="0"/>
           </a:p>
@@ -4170,7 +4426,7 @@
           <a:p>
             <a:fld id="{C1713787-A82E-BF41-ABFC-EDB12EC01593}" type="datetimeFigureOut">
               <a:rPr lang="en-US" smtClean="0"/>
-              <a:t>1/13/14</a:t>
+              <a:t>1/15/14</a:t>
             </a:fld>
             <a:endParaRPr lang="en-US" dirty="0"/>
           </a:p>
@@ -4335,7 +4591,7 @@
           <a:p>
             <a:fld id="{C1713787-A82E-BF41-ABFC-EDB12EC01593}" type="datetimeFigureOut">
               <a:rPr lang="en-US" smtClean="0"/>
-              <a:t>1/13/14</a:t>
+              <a:t>1/15/14</a:t>
             </a:fld>
             <a:endParaRPr lang="en-US" dirty="0"/>
           </a:p>
@@ -4583,7 +4839,7 @@
           <a:p>
             <a:fld id="{C1713787-A82E-BF41-ABFC-EDB12EC01593}" type="datetimeFigureOut">
               <a:rPr lang="en-US" smtClean="0"/>
-              <a:t>1/13/14</a:t>
+              <a:t>1/15/14</a:t>
             </a:fld>
             <a:endParaRPr lang="en-US" dirty="0"/>
           </a:p>
@@ -4901,7 +5157,7 @@
           <a:p>
             <a:fld id="{C1713787-A82E-BF41-ABFC-EDB12EC01593}" type="datetimeFigureOut">
               <a:rPr lang="en-US" smtClean="0"/>
-              <a:t>1/13/14</a:t>
+              <a:t>1/15/14</a:t>
             </a:fld>
             <a:endParaRPr lang="en-US" dirty="0"/>
           </a:p>
@@ -5367,7 +5623,7 @@
           <a:p>
             <a:fld id="{C1713787-A82E-BF41-ABFC-EDB12EC01593}" type="datetimeFigureOut">
               <a:rPr lang="en-US" smtClean="0"/>
-              <a:t>1/13/14</a:t>
+              <a:t>1/15/14</a:t>
             </a:fld>
             <a:endParaRPr lang="en-US" dirty="0"/>
           </a:p>
@@ -5515,7 +5771,7 @@
           <a:p>
             <a:fld id="{C1713787-A82E-BF41-ABFC-EDB12EC01593}" type="datetimeFigureOut">
               <a:rPr lang="en-US" smtClean="0"/>
-              <a:t>1/13/14</a:t>
+              <a:t>1/15/14</a:t>
             </a:fld>
             <a:endParaRPr lang="en-US" dirty="0"/>
           </a:p>
@@ -5605,7 +5861,7 @@
           <a:p>
             <a:fld id="{C1713787-A82E-BF41-ABFC-EDB12EC01593}" type="datetimeFigureOut">
               <a:rPr lang="en-US" smtClean="0"/>
-              <a:t>1/13/14</a:t>
+              <a:t>1/15/14</a:t>
             </a:fld>
             <a:endParaRPr lang="en-US" dirty="0"/>
           </a:p>
@@ -5879,7 +6135,7 @@
           <a:p>
             <a:fld id="{C1713787-A82E-BF41-ABFC-EDB12EC01593}" type="datetimeFigureOut">
               <a:rPr lang="en-US" smtClean="0"/>
-              <a:t>1/13/14</a:t>
+              <a:t>1/15/14</a:t>
             </a:fld>
             <a:endParaRPr lang="en-US" dirty="0"/>
           </a:p>
@@ -6184,7 +6440,7 @@
           <a:p>
             <a:fld id="{C1713787-A82E-BF41-ABFC-EDB12EC01593}" type="datetimeFigureOut">
               <a:rPr lang="en-US" smtClean="0"/>
-              <a:t>1/13/14</a:t>
+              <a:t>1/15/14</a:t>
             </a:fld>
             <a:endParaRPr lang="en-US" dirty="0"/>
           </a:p>
@@ -6482,7 +6738,7 @@
           <a:p>
             <a:fld id="{C1713787-A82E-BF41-ABFC-EDB12EC01593}" type="datetimeFigureOut">
               <a:rPr lang="en-US" smtClean="0"/>
-              <a:t>1/13/14</a:t>
+              <a:t>1/15/14</a:t>
             </a:fld>
             <a:endParaRPr lang="en-US" dirty="0"/>
           </a:p>
@@ -7055,46 +7311,45 @@
             <a:pPr lvl="1"/>
             <a:r>
               <a:rPr lang="en-US" dirty="0" smtClean="0"/>
-              <a:t>a     # a is back to being [1, 2, 3]</a:t>
-            </a:r>
-          </a:p>
-          <a:p>
-            <a:r>
-              <a:rPr lang="en-US" dirty="0" smtClean="0"/>
-              <a:t>Starting from an empty array:</a:t>
-            </a:r>
-          </a:p>
-          <a:p>
-            <a:pPr lvl="1"/>
-            <a:r>
-              <a:rPr lang="en-US" dirty="0" smtClean="0"/>
-              <a:t>Z = [ ] </a:t>
-            </a:r>
-          </a:p>
-          <a:p>
-            <a:pPr lvl="1"/>
-            <a:r>
-              <a:rPr lang="en-US" dirty="0"/>
-              <a:t>p</a:t>
-            </a:r>
-            <a:r>
-              <a:rPr lang="en-US" dirty="0" smtClean="0"/>
-              <a:t>ush!(z, 5)   # what happens?</a:t>
-            </a:r>
-          </a:p>
-          <a:p>
-            <a:pPr lvl="1"/>
-            <a:r>
-              <a:rPr lang="en-US" dirty="0" smtClean="0"/>
-              <a:t>Z = [Z 3]  # what happens?</a:t>
-            </a:r>
-          </a:p>
-          <a:p>
-            <a:pPr lvl="1"/>
-            <a:r>
-              <a:rPr lang="en-US" dirty="0" smtClean="0"/>
-              <a:t>Z = [Z, 5] # what happens?</a:t>
-            </a:r>
+              <a:t>a     # a is back to being [1, 2, 3</a:t>
+            </a:r>
+            <a:r>
+              <a:rPr lang="en-US" dirty="0" smtClean="0"/>
+              <a:t>]</a:t>
+            </a:r>
+          </a:p>
+          <a:p>
+            <a:pPr lvl="1"/>
+            <a:r>
+              <a:rPr lang="en-US" dirty="0" smtClean="0"/>
+              <a:t>z = [ ]</a:t>
+            </a:r>
+          </a:p>
+          <a:p>
+            <a:pPr lvl="1"/>
+            <a:r>
+              <a:rPr lang="en-US" dirty="0" smtClean="0"/>
+              <a:t>push!(z, 5)  # what happens?</a:t>
+            </a:r>
+          </a:p>
+          <a:p>
+            <a:pPr lvl="1"/>
+            <a:r>
+              <a:rPr lang="en-US" dirty="0" smtClean="0"/>
+              <a:t>z = </a:t>
+            </a:r>
+            <a:r>
+              <a:rPr lang="en-US" dirty="0" smtClean="0"/>
+              <a:t>Int64[ ] </a:t>
+            </a:r>
+          </a:p>
+          <a:p>
+            <a:pPr lvl="1"/>
+            <a:r>
+              <a:rPr lang="en-US" dirty="0" smtClean="0"/>
+              <a:t>push!(z,5) # how about now?</a:t>
+            </a:r>
+            <a:endParaRPr lang="en-US" dirty="0" smtClean="0"/>
           </a:p>
         </p:txBody>
       </p:sp>
@@ -7170,13 +7425,8 @@
           <a:p>
             <a:r>
               <a:rPr lang="en-US" dirty="0" smtClean="0"/>
-              <a:t>Create th</a:t>
-            </a:r>
-            <a:r>
-              <a:rPr lang="en-US" dirty="0" smtClean="0"/>
-              <a:t>e arrays A, x and b as follows:</a:t>
-            </a:r>
-            <a:endParaRPr lang="en-US" dirty="0" smtClean="0"/>
+              <a:t>Create the arrays A, x and b as follows:</a:t>
+            </a:r>
           </a:p>
           <a:p>
             <a:pPr lvl="1"/>
@@ -7344,22 +7594,17 @@
             </a:r>
           </a:p>
           <a:p>
-            <a:r>
-              <a:rPr lang="en-US" dirty="0" smtClean="0"/>
-              <a:t>Another trap:</a:t>
-            </a:r>
-          </a:p>
-          <a:p>
-            <a:pPr lvl="1"/>
-            <a:r>
-              <a:rPr lang="en-US" dirty="0" smtClean="0"/>
-              <a:t>x – x[:] </a:t>
-            </a:r>
-          </a:p>
-          <a:p>
-            <a:r>
-              <a:rPr lang="en-US" dirty="0" smtClean="0"/>
-              <a:t>Yet another trap!</a:t>
+            <a:pPr lvl="1"/>
+            <a:endParaRPr lang="en-US" dirty="0" smtClean="0"/>
+          </a:p>
+          <a:p>
+            <a:r>
+              <a:rPr lang="en-US" dirty="0" smtClean="0"/>
+              <a:t>Yet </a:t>
+            </a:r>
+            <a:r>
+              <a:rPr lang="en-US" dirty="0" smtClean="0"/>
+              <a:t>another trap!</a:t>
             </a:r>
             <a:endParaRPr lang="en-US" dirty="0"/>
           </a:p>
@@ -7511,37 +7756,13 @@
             </a:r>
           </a:p>
           <a:p>
-            <a:pPr lvl="1"/>
-            <a:r>
-              <a:rPr lang="en-US" dirty="0" smtClean="0"/>
-              <a:t>mystery = </a:t>
-            </a:r>
-            <a:r>
-              <a:rPr lang="da-DK" b="1" dirty="0" smtClean="0"/>
-              <a:t> </a:t>
-            </a:r>
-            <a:r>
-              <a:rPr lang="da-DK" dirty="0"/>
-              <a:t>[ </a:t>
-            </a:r>
-            <a:r>
-              <a:rPr lang="da-DK" dirty="0" smtClean="0"/>
-              <a:t>( [</a:t>
-            </a:r>
-            <a:r>
-              <a:rPr lang="da-DK" dirty="0"/>
-              <a:t>1 1; 1 0]^i* [1;1])[1] for i =1:15</a:t>
-            </a:r>
-            <a:r>
-              <a:rPr lang="da-DK" dirty="0" smtClean="0"/>
-              <a:t>]</a:t>
-            </a:r>
-            <a:endParaRPr lang="en-US" dirty="0"/>
-          </a:p>
-          <a:p>
-            <a:r>
-              <a:rPr lang="en-US" dirty="0" smtClean="0"/>
-              <a:t>Can build matrices this way:</a:t>
+            <a:r>
+              <a:rPr lang="en-US" dirty="0" smtClean="0"/>
+              <a:t>Can </a:t>
+            </a:r>
+            <a:r>
+              <a:rPr lang="en-US" dirty="0" smtClean="0"/>
+              <a:t>build matrices this way:</a:t>
             </a:r>
           </a:p>
           <a:p>
@@ -8162,7 +8383,7 @@
           <a:p>
             <a:r>
               <a:rPr lang="en-US" dirty="0" smtClean="0"/>
-              <a:t>Conditionals</a:t>
+              <a:t>Conditionals and loops</a:t>
             </a:r>
             <a:endParaRPr lang="en-US" dirty="0"/>
           </a:p>
@@ -8180,20 +8401,28 @@
         </p:nvSpPr>
         <p:spPr/>
         <p:txBody>
-          <a:bodyPr/>
-          <a:lstStyle/>
-          <a:p>
-            <a:r>
-              <a:rPr lang="en-US" dirty="0" smtClean="0"/>
-              <a:t>Similar to MATLAB:</a:t>
-            </a:r>
-          </a:p>
-          <a:p>
-            <a:pPr lvl="1"/>
-            <a:r>
-              <a:rPr lang="en-US" dirty="0" smtClean="0"/>
-              <a:t>x = 5</a:t>
-            </a:r>
+          <a:bodyPr>
+            <a:normAutofit fontScale="85000" lnSpcReduction="20000"/>
+          </a:bodyPr>
+          <a:lstStyle/>
+          <a:p>
+            <a:r>
+              <a:rPr lang="en-US" dirty="0" smtClean="0"/>
+              <a:t>If-then-else:</a:t>
+            </a:r>
+            <a:endParaRPr lang="en-US" dirty="0" smtClean="0"/>
+          </a:p>
+          <a:p>
+            <a:pPr lvl="1"/>
+            <a:r>
+              <a:rPr lang="en-US" dirty="0" smtClean="0"/>
+              <a:t>x = </a:t>
+            </a:r>
+            <a:r>
+              <a:rPr lang="en-US" dirty="0" smtClean="0"/>
+              <a:t>2</a:t>
+            </a:r>
+            <a:endParaRPr lang="en-US" dirty="0" smtClean="0"/>
           </a:p>
           <a:p>
             <a:pPr lvl="1"/>
@@ -8228,7 +8457,15 @@
             </a:br>
             <a:r>
               <a:rPr lang="en-US" dirty="0" smtClean="0"/>
-              <a:t>	x = factorial(4)</a:t>
+              <a:t>	x = factorial</a:t>
+            </a:r>
+            <a:r>
+              <a:rPr lang="en-US" dirty="0" smtClean="0"/>
+              <a:t>(x)</a:t>
+            </a:r>
+            <a:r>
+              <a:rPr lang="en-US" dirty="0" smtClean="0"/>
+              <a:t/>
             </a:r>
             <a:br>
               <a:rPr lang="en-US" dirty="0" smtClean="0"/>
@@ -8259,6 +8496,89 @@
               <a:rPr lang="en-US" dirty="0" smtClean="0"/>
               <a:t>end</a:t>
             </a:r>
+          </a:p>
+          <a:p>
+            <a:pPr lvl="1"/>
+            <a:endParaRPr lang="en-US" dirty="0" smtClean="0"/>
+          </a:p>
+          <a:p>
+            <a:r>
+              <a:rPr lang="en-US" dirty="0" smtClean="0"/>
+              <a:t>for loops:</a:t>
+            </a:r>
+          </a:p>
+          <a:p>
+            <a:pPr lvl="1"/>
+            <a:r>
+              <a:rPr lang="en-US" dirty="0"/>
+              <a:t>for k =1:5</a:t>
+            </a:r>
+            <a:br>
+              <a:rPr lang="en-US" dirty="0"/>
+            </a:br>
+            <a:r>
+              <a:rPr lang="en-US" dirty="0"/>
+              <a:t>	</a:t>
+            </a:r>
+            <a:r>
+              <a:rPr lang="en-US" dirty="0" err="1"/>
+              <a:t>println</a:t>
+            </a:r>
+            <a:r>
+              <a:rPr lang="en-US" dirty="0"/>
+              <a:t>( k^2 )</a:t>
+            </a:r>
+            <a:br>
+              <a:rPr lang="en-US" dirty="0"/>
+            </a:br>
+            <a:r>
+              <a:rPr lang="en-US" dirty="0" smtClean="0"/>
+              <a:t>end</a:t>
+            </a:r>
+          </a:p>
+          <a:p>
+            <a:pPr lvl="1"/>
+            <a:endParaRPr lang="en-US" dirty="0"/>
+          </a:p>
+          <a:p>
+            <a:r>
+              <a:rPr lang="en-US" dirty="0" smtClean="0"/>
+              <a:t>while loops:</a:t>
+            </a:r>
+          </a:p>
+          <a:p>
+            <a:pPr lvl="1"/>
+            <a:r>
+              <a:rPr lang="en-US" dirty="0" smtClean="0"/>
+              <a:t>while </a:t>
+            </a:r>
+            <a:r>
+              <a:rPr lang="en-US" dirty="0"/>
+              <a:t>x &lt; 2000</a:t>
+            </a:r>
+            <a:br>
+              <a:rPr lang="en-US" dirty="0"/>
+            </a:br>
+            <a:r>
+              <a:rPr lang="en-US" dirty="0"/>
+              <a:t>	print(“*”)</a:t>
+            </a:r>
+            <a:br>
+              <a:rPr lang="en-US" dirty="0"/>
+            </a:br>
+            <a:r>
+              <a:rPr lang="en-US" dirty="0"/>
+              <a:t>	x = 2 * x</a:t>
+            </a:r>
+            <a:br>
+              <a:rPr lang="en-US" dirty="0"/>
+            </a:br>
+            <a:r>
+              <a:rPr lang="en-US" dirty="0"/>
+              <a:t>end</a:t>
+            </a:r>
+          </a:p>
+          <a:p>
             <a:endParaRPr lang="en-US" dirty="0"/>
           </a:p>
         </p:txBody>
@@ -8418,12 +8738,28 @@
               <a:t>for </a:t>
             </a:r>
             <a:r>
+              <a:rPr lang="en-US" dirty="0" smtClean="0"/>
+              <a:t>(</a:t>
+            </a:r>
+            <a:r>
               <a:rPr lang="en-US" dirty="0" err="1" smtClean="0"/>
-              <a:t>k,v</a:t>
-            </a:r>
-            <a:r>
-              <a:rPr lang="en-US" dirty="0" smtClean="0"/>
-              <a:t> in </a:t>
+              <a:t>k</a:t>
+            </a:r>
+            <a:r>
+              <a:rPr lang="en-US" dirty="0" err="1" smtClean="0"/>
+              <a:t>,</a:t>
+            </a:r>
+            <a:r>
+              <a:rPr lang="en-US" dirty="0" err="1" smtClean="0"/>
+              <a:t>v</a:t>
+            </a:r>
+            <a:r>
+              <a:rPr lang="en-US" dirty="0" smtClean="0"/>
+              <a:t>) </a:t>
+            </a:r>
+            <a:r>
+              <a:rPr lang="en-US" dirty="0" smtClean="0"/>
+              <a:t>in </a:t>
             </a:r>
             <a:r>
               <a:rPr lang="en-US" dirty="0" err="1" smtClean="0"/>
@@ -8870,11 +9206,7 @@
           <a:p>
             <a:r>
               <a:rPr lang="en-US" dirty="0" smtClean="0"/>
-              <a:t>Exercise </a:t>
-            </a:r>
-            <a:r>
-              <a:rPr lang="en-US" dirty="0" smtClean="0"/>
-              <a:t>1b</a:t>
+              <a:t>Exercise 1b</a:t>
             </a:r>
             <a:endParaRPr lang="en-US" dirty="0"/>
           </a:p>
@@ -8925,12 +9257,12 @@
           <a:p>
             <a:pPr lvl="1"/>
             <a:r>
-              <a:rPr lang="en-US" dirty="0"/>
-              <a:t>f</a:t>
-            </a:r>
-            <a:r>
-              <a:rPr lang="en-US" dirty="0" smtClean="0"/>
-              <a:t>ind function returns indices of non-zero elements for Int64 or Float64 arrays,  true elements for Bit arrays</a:t>
+              <a:rPr lang="en-US" dirty="0" smtClean="0"/>
+              <a:t>“find” </a:t>
+            </a:r>
+            <a:r>
+              <a:rPr lang="en-US" dirty="0" smtClean="0"/>
+              <a:t>function returns indices of non-zero elements for Int64 or Float64 arrays,  true elements for Bit arrays</a:t>
             </a:r>
           </a:p>
         </p:txBody>
@@ -9281,11 +9613,7 @@
             </a:r>
             <a:r>
               <a:rPr lang="en-US" dirty="0" smtClean="0"/>
-              <a:t>(</a:t>
-            </a:r>
-            <a:r>
-              <a:rPr lang="en-US" dirty="0" smtClean="0"/>
-              <a:t>0.5,0.5</a:t>
+              <a:t>(0.5,0.5</a:t>
             </a:r>
             <a:r>
               <a:rPr lang="en-US" dirty="0"/>
@@ -9565,11 +9893,7 @@
             <a:pPr lvl="1"/>
             <a:r>
               <a:rPr lang="en-US" dirty="0" smtClean="0"/>
-              <a:t>print(m</a:t>
-            </a:r>
-            <a:r>
-              <a:rPr lang="en-US" dirty="0" smtClean="0"/>
-              <a:t>)</a:t>
+              <a:t>print(m)</a:t>
             </a:r>
           </a:p>
           <a:p>
@@ -9580,7 +9904,6 @@
               <a:rPr lang="en-US" dirty="0" smtClean="0"/>
               <a:t>What did we just model?</a:t>
             </a:r>
-            <a:endParaRPr lang="en-US" dirty="0" smtClean="0"/>
           </a:p>
         </p:txBody>
       </p:sp>
@@ -10677,11 +11000,7 @@
             <a:pPr lvl="1"/>
             <a:r>
               <a:rPr lang="en-US" dirty="0" smtClean="0"/>
-              <a:t>Algebraic Modeling Language (AML) for Julia developed by Miles and </a:t>
-            </a:r>
-            <a:r>
-              <a:rPr lang="en-US" dirty="0" smtClean="0"/>
-              <a:t>Iain</a:t>
+              <a:t>Algebraic Modeling Language (AML) for Julia developed by Miles and Iain</a:t>
             </a:r>
           </a:p>
           <a:p>
@@ -11103,11 +11422,7 @@
           <a:p>
             <a:r>
               <a:rPr lang="en-US" dirty="0" smtClean="0"/>
-              <a:t>Suppose we are running an airline that operates the following network</a:t>
-            </a:r>
-            <a:r>
-              <a:rPr lang="en-US" dirty="0" smtClean="0"/>
-              <a:t>:</a:t>
+              <a:t>Suppose we are running an airline that operates the following network:</a:t>
             </a:r>
             <a:endParaRPr lang="en-US" dirty="0"/>
           </a:p>
@@ -11818,11 +12133,7 @@
           <a:p>
             <a:r>
               <a:rPr lang="en-US" dirty="0" smtClean="0"/>
-              <a:t>We </a:t>
-            </a:r>
-            <a:r>
-              <a:rPr lang="en-US" dirty="0" smtClean="0"/>
-              <a:t>sell fares that may use capacity on one or two of the links in the network.</a:t>
+              <a:t>We sell fares that may use capacity on one or two of the links in the network.</a:t>
             </a:r>
           </a:p>
           <a:p>
@@ -11837,11 +12148,7 @@
             </a:r>
             <a:r>
               <a:rPr lang="en-US" dirty="0" smtClean="0"/>
-              <a:t>Chicago</a:t>
-            </a:r>
-            <a:r>
-              <a:rPr lang="en-US" dirty="0" smtClean="0"/>
-              <a:t>.</a:t>
+              <a:t>Chicago.</a:t>
             </a:r>
           </a:p>
           <a:p>
@@ -11851,11 +12158,7 @@
           <a:p>
             <a:r>
               <a:rPr lang="en-US" dirty="0" smtClean="0"/>
-              <a:t>For </a:t>
-            </a:r>
-            <a:r>
-              <a:rPr lang="en-US" dirty="0" smtClean="0"/>
-              <a:t>now, we’d like to decide how many requests of each fare to accept, so as to maximize our revenue, subject to:</a:t>
+              <a:t>For now, we’d like to decide how many requests of each fare to accept, so as to maximize our revenue, subject to:</a:t>
             </a:r>
           </a:p>
           <a:p>
@@ -11869,11 +12172,7 @@
             <a:pPr lvl="1"/>
             <a:r>
               <a:rPr lang="en-US" dirty="0" smtClean="0"/>
-              <a:t>How many requests we expect of each </a:t>
-            </a:r>
-            <a:r>
-              <a:rPr lang="en-US" dirty="0" smtClean="0"/>
-              <a:t>fare, given that we are selling over </a:t>
+              <a:t>How many requests we expect of each fare, given that we are selling over </a:t>
             </a:r>
             <a:r>
               <a:rPr lang="en-US" i="1" dirty="0" smtClean="0"/>
@@ -11883,7 +12182,6 @@
               <a:rPr lang="en-US" dirty="0" smtClean="0"/>
               <a:t> days.</a:t>
             </a:r>
-            <a:endParaRPr lang="en-US" dirty="0" smtClean="0"/>
           </a:p>
         </p:txBody>
       </p:sp>
@@ -12524,11 +12822,7 @@
           <a:p>
             <a:r>
               <a:rPr lang="en-US" dirty="0" smtClean="0"/>
-              <a:t>as inputs</a:t>
-            </a:r>
-            <a:r>
-              <a:rPr lang="en-US" dirty="0" smtClean="0"/>
-              <a:t>.</a:t>
+              <a:t>as inputs.</a:t>
             </a:r>
           </a:p>
           <a:p>
@@ -13121,11 +13415,7 @@
           <a:p>
             <a:r>
               <a:rPr lang="en-US" dirty="0" smtClean="0"/>
-              <a:t>Modify the function from Exercise 5 to return the shadow prices of the leg constraints in an </a:t>
-            </a:r>
-            <a:r>
-              <a:rPr lang="en-US" dirty="0" smtClean="0"/>
-              <a:t>array, as well as the optimal objective.</a:t>
+              <a:t>Modify the function from Exercise 5 to return the shadow prices of the leg constraints in an array, as well as the optimal objective.</a:t>
             </a:r>
           </a:p>
           <a:p>
@@ -14421,14 +14711,11 @@
             <a:pPr lvl="1"/>
             <a:r>
               <a:rPr lang="en-US" dirty="0" smtClean="0"/>
-              <a:t>v2 = [1 2 3]       # NOT the same </a:t>
-            </a:r>
-          </a:p>
-          <a:p>
-            <a:pPr lvl="1"/>
+              <a:t>v</a:t>
+            </a:r>
             <a:r>
               <a:rPr lang="en-US" dirty="0"/>
-              <a:t>v(1) </a:t>
+              <a:t>(1) </a:t>
             </a:r>
             <a:r>
               <a:rPr lang="en-US" dirty="0" smtClean="0"/>
@@ -14461,8 +14748,16 @@
             <a:pPr lvl="1"/>
             <a:r>
               <a:rPr lang="en-US" dirty="0" smtClean="0"/>
-              <a:t>v[end]     # last element</a:t>
-            </a:r>
+              <a:t>v[end]     # last </a:t>
+            </a:r>
+            <a:r>
+              <a:rPr lang="en-US" dirty="0" smtClean="0"/>
+              <a:t>element</a:t>
+            </a:r>
+          </a:p>
+          <a:p>
+            <a:pPr lvl="1"/>
+            <a:endParaRPr lang="en-US" dirty="0" smtClean="0"/>
           </a:p>
           <a:p>
             <a:r>
@@ -14474,8 +14769,13 @@
             <a:pPr lvl="1"/>
             <a:r>
               <a:rPr lang="en-US" dirty="0" smtClean="0"/>
-              <a:t>A = [1 1 1; -1 -1 -2]</a:t>
-            </a:r>
+              <a:t>A = [1 1 1; -1 -1 -</a:t>
+            </a:r>
+            <a:r>
+              <a:rPr lang="en-US" dirty="0" smtClean="0"/>
+              <a:t>2; 0 0 0]</a:t>
+            </a:r>
+            <a:endParaRPr lang="en-US" dirty="0" smtClean="0"/>
           </a:p>
           <a:p>
             <a:pPr lvl="1"/>

--- a/Modelling/LPModeling.pptx
+++ b/Modelling/LPModeling.pptx
@@ -5,7 +5,7 @@
     <p:sldMasterId id="2147483660" r:id="rId1"/>
   </p:sldMasterIdLst>
   <p:notesMasterIdLst>
-    <p:notesMasterId r:id="rId47"/>
+    <p:notesMasterId r:id="rId50"/>
   </p:notesMasterIdLst>
   <p:sldIdLst>
     <p:sldId id="256" r:id="rId2"/>
@@ -21,38 +21,41 @@
     <p:sldId id="271" r:id="rId12"/>
     <p:sldId id="303" r:id="rId13"/>
     <p:sldId id="304" r:id="rId14"/>
-    <p:sldId id="302" r:id="rId15"/>
-    <p:sldId id="265" r:id="rId16"/>
-    <p:sldId id="266" r:id="rId17"/>
-    <p:sldId id="267" r:id="rId18"/>
-    <p:sldId id="268" r:id="rId19"/>
-    <p:sldId id="269" r:id="rId20"/>
-    <p:sldId id="270" r:id="rId21"/>
-    <p:sldId id="273" r:id="rId22"/>
-    <p:sldId id="274" r:id="rId23"/>
-    <p:sldId id="275" r:id="rId24"/>
+    <p:sldId id="265" r:id="rId15"/>
+    <p:sldId id="266" r:id="rId16"/>
+    <p:sldId id="267" r:id="rId17"/>
+    <p:sldId id="269" r:id="rId18"/>
+    <p:sldId id="270" r:id="rId19"/>
+    <p:sldId id="273" r:id="rId20"/>
+    <p:sldId id="274" r:id="rId21"/>
+    <p:sldId id="275" r:id="rId22"/>
+    <p:sldId id="305" r:id="rId23"/>
+    <p:sldId id="309" r:id="rId24"/>
     <p:sldId id="276" r:id="rId25"/>
     <p:sldId id="277" r:id="rId26"/>
-    <p:sldId id="278" r:id="rId27"/>
-    <p:sldId id="294" r:id="rId28"/>
-    <p:sldId id="284" r:id="rId29"/>
-    <p:sldId id="280" r:id="rId30"/>
-    <p:sldId id="292" r:id="rId31"/>
-    <p:sldId id="298" r:id="rId32"/>
-    <p:sldId id="279" r:id="rId33"/>
-    <p:sldId id="281" r:id="rId34"/>
-    <p:sldId id="282" r:id="rId35"/>
-    <p:sldId id="283" r:id="rId36"/>
-    <p:sldId id="285" r:id="rId37"/>
-    <p:sldId id="287" r:id="rId38"/>
-    <p:sldId id="288" r:id="rId39"/>
-    <p:sldId id="290" r:id="rId40"/>
-    <p:sldId id="291" r:id="rId41"/>
-    <p:sldId id="289" r:id="rId42"/>
-    <p:sldId id="299" r:id="rId43"/>
-    <p:sldId id="300" r:id="rId44"/>
-    <p:sldId id="301" r:id="rId45"/>
-    <p:sldId id="296" r:id="rId46"/>
+    <p:sldId id="306" r:id="rId27"/>
+    <p:sldId id="308" r:id="rId28"/>
+    <p:sldId id="278" r:id="rId29"/>
+    <p:sldId id="294" r:id="rId30"/>
+    <p:sldId id="284" r:id="rId31"/>
+    <p:sldId id="307" r:id="rId32"/>
+    <p:sldId id="280" r:id="rId33"/>
+    <p:sldId id="292" r:id="rId34"/>
+    <p:sldId id="298" r:id="rId35"/>
+    <p:sldId id="279" r:id="rId36"/>
+    <p:sldId id="281" r:id="rId37"/>
+    <p:sldId id="282" r:id="rId38"/>
+    <p:sldId id="283" r:id="rId39"/>
+    <p:sldId id="285" r:id="rId40"/>
+    <p:sldId id="287" r:id="rId41"/>
+    <p:sldId id="288" r:id="rId42"/>
+    <p:sldId id="290" r:id="rId43"/>
+    <p:sldId id="291" r:id="rId44"/>
+    <p:sldId id="289" r:id="rId45"/>
+    <p:sldId id="299" r:id="rId46"/>
+    <p:sldId id="300" r:id="rId47"/>
+    <p:sldId id="301" r:id="rId48"/>
+    <p:sldId id="296" r:id="rId49"/>
   </p:sldIdLst>
   <p:sldSz cx="9144000" cy="6858000" type="screen4x3"/>
   <p:notesSz cx="6858000" cy="9144000"/>
@@ -556,7 +559,6 @@
               <a:rPr lang="en-US" baseline="0" dirty="0" smtClean="0"/>
               <a:t> about shift? </a:t>
             </a:r>
-            <a:endParaRPr lang="en-US" baseline="0" dirty="0" smtClean="0"/>
           </a:p>
           <a:p>
             <a:endParaRPr lang="en-US" baseline="0" dirty="0" smtClean="0"/>
@@ -683,231 +685,6 @@
           <a:bodyPr/>
           <a:lstStyle/>
           <a:p>
-            <a:r>
-              <a:rPr lang="en-US" sz="1200" kern="1200" dirty="0" smtClean="0">
-                <a:solidFill>
-                  <a:schemeClr val="tx1"/>
-                </a:solidFill>
-                <a:latin typeface="+mn-lt"/>
-                <a:ea typeface="+mn-ea"/>
-                <a:cs typeface="+mn-cs"/>
-              </a:rPr>
-              <a:t>J_1 = \{ j \ \</a:t>
-            </a:r>
-            <a:r>
-              <a:rPr lang="en-US" sz="1200" kern="1200" dirty="0" err="1" smtClean="0">
-                <a:solidFill>
-                  <a:schemeClr val="tx1"/>
-                </a:solidFill>
-                <a:latin typeface="+mn-lt"/>
-                <a:ea typeface="+mn-ea"/>
-                <a:cs typeface="+mn-cs"/>
-              </a:rPr>
-              <a:t>vline</a:t>
-            </a:r>
-            <a:r>
-              <a:rPr lang="en-US" sz="1200" kern="1200" dirty="0" smtClean="0">
-                <a:solidFill>
-                  <a:schemeClr val="tx1"/>
-                </a:solidFill>
-                <a:latin typeface="+mn-lt"/>
-                <a:ea typeface="+mn-ea"/>
-                <a:cs typeface="+mn-cs"/>
-              </a:rPr>
-              <a:t> \ \bar{y}_j = 1\}</a:t>
-            </a:r>
-            <a:r>
-              <a:rPr lang="en-US" sz="1200" kern="1200" baseline="0" dirty="0" smtClean="0">
-                <a:solidFill>
-                  <a:schemeClr val="tx1"/>
-                </a:solidFill>
-                <a:latin typeface="+mn-lt"/>
-                <a:ea typeface="+mn-ea"/>
-                <a:cs typeface="+mn-cs"/>
-              </a:rPr>
-              <a:t> </a:t>
-            </a:r>
-          </a:p>
-          <a:p>
-            <a:endParaRPr lang="en-US" sz="1200" kern="1200" baseline="0" dirty="0" smtClean="0">
-              <a:solidFill>
-                <a:schemeClr val="tx1"/>
-              </a:solidFill>
-              <a:latin typeface="+mn-lt"/>
-              <a:ea typeface="+mn-ea"/>
-              <a:cs typeface="+mn-cs"/>
-            </a:endParaRPr>
-          </a:p>
-          <a:p>
-            <a:pPr marL="0" marR="0" indent="0" algn="l" defTabSz="457200" rtl="0" eaLnBrk="1" fontAlgn="auto" latinLnBrk="0" hangingPunct="1">
-              <a:lnSpc>
-                <a:spcPct val="100000"/>
-              </a:lnSpc>
-              <a:spcBef>
-                <a:spcPts val="0"/>
-              </a:spcBef>
-              <a:spcAft>
-                <a:spcPts val="0"/>
-              </a:spcAft>
-              <a:buClrTx/>
-              <a:buSzTx/>
-              <a:buFontTx/>
-              <a:buNone/>
-              <a:tabLst/>
-              <a:defRPr/>
-            </a:pPr>
-            <a:r>
-              <a:rPr lang="en-US" sz="1200" kern="1200" dirty="0" smtClean="0">
-                <a:solidFill>
-                  <a:schemeClr val="tx1"/>
-                </a:solidFill>
-                <a:latin typeface="+mn-lt"/>
-                <a:ea typeface="+mn-ea"/>
-                <a:cs typeface="+mn-cs"/>
-              </a:rPr>
-              <a:t>J_0 = \{ j \ \</a:t>
-            </a:r>
-            <a:r>
-              <a:rPr lang="en-US" sz="1200" kern="1200" dirty="0" err="1" smtClean="0">
-                <a:solidFill>
-                  <a:schemeClr val="tx1"/>
-                </a:solidFill>
-                <a:latin typeface="+mn-lt"/>
-                <a:ea typeface="+mn-ea"/>
-                <a:cs typeface="+mn-cs"/>
-              </a:rPr>
-              <a:t>vline</a:t>
-            </a:r>
-            <a:r>
-              <a:rPr lang="en-US" sz="1200" kern="1200" dirty="0" smtClean="0">
-                <a:solidFill>
-                  <a:schemeClr val="tx1"/>
-                </a:solidFill>
-                <a:latin typeface="+mn-lt"/>
-                <a:ea typeface="+mn-ea"/>
-                <a:cs typeface="+mn-cs"/>
-              </a:rPr>
-              <a:t> \ \bar{y}_j = 0\}</a:t>
-            </a:r>
-            <a:r>
-              <a:rPr lang="en-US" sz="1200" kern="1200" baseline="0" dirty="0" smtClean="0">
-                <a:solidFill>
-                  <a:schemeClr val="tx1"/>
-                </a:solidFill>
-                <a:latin typeface="+mn-lt"/>
-                <a:ea typeface="+mn-ea"/>
-                <a:cs typeface="+mn-cs"/>
-              </a:rPr>
-              <a:t> </a:t>
-            </a:r>
-          </a:p>
-          <a:p>
-            <a:endParaRPr lang="en-US" sz="1200" kern="1200" baseline="0" dirty="0" smtClean="0">
-              <a:solidFill>
-                <a:schemeClr val="tx1"/>
-              </a:solidFill>
-              <a:latin typeface="+mn-lt"/>
-              <a:ea typeface="+mn-ea"/>
-              <a:cs typeface="+mn-cs"/>
-            </a:endParaRPr>
-          </a:p>
-          <a:p>
-            <a:endParaRPr lang="en-US" sz="1200" kern="1200" baseline="0" dirty="0" smtClean="0">
-              <a:solidFill>
-                <a:schemeClr val="tx1"/>
-              </a:solidFill>
-              <a:latin typeface="+mn-lt"/>
-              <a:ea typeface="+mn-ea"/>
-              <a:cs typeface="+mn-cs"/>
-            </a:endParaRPr>
-          </a:p>
-          <a:p>
-            <a:endParaRPr lang="en-US" dirty="0" smtClean="0"/>
-          </a:p>
-          <a:p>
-            <a:endParaRPr lang="en-US" dirty="0" smtClean="0"/>
-          </a:p>
-          <a:p>
-            <a:endParaRPr lang="en-US" dirty="0" smtClean="0"/>
-          </a:p>
-          <a:p>
-            <a:r>
-              <a:rPr lang="es-ES_tradnl" sz="1200" kern="1200" dirty="0" smtClean="0">
-                <a:solidFill>
-                  <a:schemeClr val="tx1"/>
-                </a:solidFill>
-                <a:latin typeface="+mn-lt"/>
-                <a:ea typeface="+mn-ea"/>
-                <a:cs typeface="+mn-cs"/>
-              </a:rPr>
-              <a:t>\sum_{j \in J_1} </a:t>
-            </a:r>
-            <a:r>
-              <a:rPr lang="es-ES_tradnl" sz="1200" kern="1200" dirty="0" err="1" smtClean="0">
-                <a:solidFill>
-                  <a:schemeClr val="tx1"/>
-                </a:solidFill>
-                <a:latin typeface="+mn-lt"/>
-                <a:ea typeface="+mn-ea"/>
-                <a:cs typeface="+mn-cs"/>
-              </a:rPr>
-              <a:t>y_j</a:t>
-            </a:r>
-            <a:r>
-              <a:rPr lang="es-ES_tradnl" sz="1200" kern="1200" dirty="0" smtClean="0">
-                <a:solidFill>
-                  <a:schemeClr val="tx1"/>
-                </a:solidFill>
-                <a:latin typeface="+mn-lt"/>
-                <a:ea typeface="+mn-ea"/>
-                <a:cs typeface="+mn-cs"/>
-              </a:rPr>
-              <a:t> + \sum_{j \in J_0} (1 - </a:t>
-            </a:r>
-            <a:r>
-              <a:rPr lang="es-ES_tradnl" sz="1200" kern="1200" dirty="0" err="1" smtClean="0">
-                <a:solidFill>
-                  <a:schemeClr val="tx1"/>
-                </a:solidFill>
-                <a:latin typeface="+mn-lt"/>
-                <a:ea typeface="+mn-ea"/>
-                <a:cs typeface="+mn-cs"/>
-              </a:rPr>
-              <a:t>y_j</a:t>
-            </a:r>
-            <a:r>
-              <a:rPr lang="es-ES_tradnl" sz="1200" kern="1200" dirty="0" smtClean="0">
-                <a:solidFill>
-                  <a:schemeClr val="tx1"/>
-                </a:solidFill>
-                <a:latin typeface="+mn-lt"/>
-                <a:ea typeface="+mn-ea"/>
-                <a:cs typeface="+mn-cs"/>
-              </a:rPr>
-              <a:t>) \</a:t>
-            </a:r>
-            <a:r>
-              <a:rPr lang="es-ES_tradnl" sz="1200" kern="1200" dirty="0" err="1" smtClean="0">
-                <a:solidFill>
-                  <a:schemeClr val="tx1"/>
-                </a:solidFill>
-                <a:latin typeface="+mn-lt"/>
-                <a:ea typeface="+mn-ea"/>
-                <a:cs typeface="+mn-cs"/>
-              </a:rPr>
-              <a:t>leq</a:t>
-            </a:r>
-            <a:r>
-              <a:rPr lang="es-ES_tradnl" sz="1200" kern="1200" dirty="0" smtClean="0">
-                <a:solidFill>
-                  <a:schemeClr val="tx1"/>
-                </a:solidFill>
-                <a:latin typeface="+mn-lt"/>
-                <a:ea typeface="+mn-ea"/>
-                <a:cs typeface="+mn-cs"/>
-              </a:rPr>
-              <a:t> N - 1</a:t>
-            </a:r>
             <a:endParaRPr lang="en-US" dirty="0"/>
           </a:p>
         </p:txBody>
@@ -929,7 +706,7 @@
           <a:p>
             <a:fld id="{B15EEDFE-005D-3E4B-A966-9C955210900B}" type="slidenum">
               <a:rPr lang="en-US" smtClean="0"/>
-              <a:t>31</a:t>
+              <a:t>28</a:t>
             </a:fld>
             <a:endParaRPr lang="en-US" dirty="0"/>
           </a:p>
@@ -938,7 +715,7 @@
     </p:spTree>
     <p:extLst>
       <p:ext uri="{BB962C8B-B14F-4D97-AF65-F5344CB8AC3E}">
-        <p14:creationId xmlns:p14="http://schemas.microsoft.com/office/powerpoint/2010/main" val="2338289984"/>
+        <p14:creationId xmlns:p14="http://schemas.microsoft.com/office/powerpoint/2010/main" val="1296616130"/>
       </p:ext>
     </p:extLst>
   </p:cSld>
@@ -993,6 +770,1219 @@
           <a:lstStyle/>
           <a:p>
             <a:r>
+              <a:rPr lang="hr-HR" sz="1200" kern="1200" dirty="0" smtClean="0">
+                <a:solidFill>
+                  <a:schemeClr val="tx1"/>
+                </a:solidFill>
+                <a:latin typeface="+mn-lt"/>
+                <a:ea typeface="+mn-ea"/>
+                <a:cs typeface="+mn-cs"/>
+              </a:rPr>
+              <a:t>\text{minimize} \qquad &amp; \sum_{i=1}^M \sum_{j=1}^N d_{ij} x_{ij} \\</a:t>
+            </a:r>
+          </a:p>
+          <a:p>
+            <a:r>
+              <a:rPr lang="en-US" sz="1200" kern="1200" dirty="0" smtClean="0">
+                <a:solidFill>
+                  <a:schemeClr val="tx1"/>
+                </a:solidFill>
+                <a:latin typeface="+mn-lt"/>
+                <a:ea typeface="+mn-ea"/>
+                <a:cs typeface="+mn-cs"/>
+              </a:rPr>
+              <a:t>\text{subject to} \</a:t>
+            </a:r>
+            <a:r>
+              <a:rPr lang="en-US" sz="1200" kern="1200" dirty="0" err="1" smtClean="0">
+                <a:solidFill>
+                  <a:schemeClr val="tx1"/>
+                </a:solidFill>
+                <a:latin typeface="+mn-lt"/>
+                <a:ea typeface="+mn-ea"/>
+                <a:cs typeface="+mn-cs"/>
+              </a:rPr>
+              <a:t>qquad</a:t>
+            </a:r>
+            <a:r>
+              <a:rPr lang="en-US" sz="1200" kern="1200" dirty="0" smtClean="0">
+                <a:solidFill>
+                  <a:schemeClr val="tx1"/>
+                </a:solidFill>
+                <a:latin typeface="+mn-lt"/>
+                <a:ea typeface="+mn-ea"/>
+                <a:cs typeface="+mn-cs"/>
+              </a:rPr>
+              <a:t> &amp; x_{</a:t>
+            </a:r>
+            <a:r>
+              <a:rPr lang="en-US" sz="1200" kern="1200" dirty="0" err="1" smtClean="0">
+                <a:solidFill>
+                  <a:schemeClr val="tx1"/>
+                </a:solidFill>
+                <a:latin typeface="+mn-lt"/>
+                <a:ea typeface="+mn-ea"/>
+                <a:cs typeface="+mn-cs"/>
+              </a:rPr>
+              <a:t>ij</a:t>
+            </a:r>
+            <a:r>
+              <a:rPr lang="en-US" sz="1200" kern="1200" dirty="0" smtClean="0">
+                <a:solidFill>
+                  <a:schemeClr val="tx1"/>
+                </a:solidFill>
+                <a:latin typeface="+mn-lt"/>
+                <a:ea typeface="+mn-ea"/>
+                <a:cs typeface="+mn-cs"/>
+              </a:rPr>
+              <a:t>} \</a:t>
+            </a:r>
+            <a:r>
+              <a:rPr lang="en-US" sz="1200" kern="1200" dirty="0" err="1" smtClean="0">
+                <a:solidFill>
+                  <a:schemeClr val="tx1"/>
+                </a:solidFill>
+                <a:latin typeface="+mn-lt"/>
+                <a:ea typeface="+mn-ea"/>
+                <a:cs typeface="+mn-cs"/>
+              </a:rPr>
+              <a:t>leq</a:t>
+            </a:r>
+            <a:r>
+              <a:rPr lang="en-US" sz="1200" kern="1200" dirty="0" smtClean="0">
+                <a:solidFill>
+                  <a:schemeClr val="tx1"/>
+                </a:solidFill>
+                <a:latin typeface="+mn-lt"/>
+                <a:ea typeface="+mn-ea"/>
+                <a:cs typeface="+mn-cs"/>
+              </a:rPr>
+              <a:t> </a:t>
+            </a:r>
+            <a:r>
+              <a:rPr lang="en-US" sz="1200" kern="1200" dirty="0" err="1" smtClean="0">
+                <a:solidFill>
+                  <a:schemeClr val="tx1"/>
+                </a:solidFill>
+                <a:latin typeface="+mn-lt"/>
+                <a:ea typeface="+mn-ea"/>
+                <a:cs typeface="+mn-cs"/>
+              </a:rPr>
+              <a:t>y_i</a:t>
+            </a:r>
+            <a:r>
+              <a:rPr lang="en-US" sz="1200" kern="1200" dirty="0" smtClean="0">
+                <a:solidFill>
+                  <a:schemeClr val="tx1"/>
+                </a:solidFill>
+                <a:latin typeface="+mn-lt"/>
+                <a:ea typeface="+mn-ea"/>
+                <a:cs typeface="+mn-cs"/>
+              </a:rPr>
+              <a:t>, \quad \</a:t>
+            </a:r>
+            <a:r>
+              <a:rPr lang="en-US" sz="1200" kern="1200" dirty="0" err="1" smtClean="0">
+                <a:solidFill>
+                  <a:schemeClr val="tx1"/>
+                </a:solidFill>
+                <a:latin typeface="+mn-lt"/>
+                <a:ea typeface="+mn-ea"/>
+                <a:cs typeface="+mn-cs"/>
+              </a:rPr>
+              <a:t>forall</a:t>
+            </a:r>
+            <a:r>
+              <a:rPr lang="en-US" sz="1200" kern="1200" dirty="0" smtClean="0">
+                <a:solidFill>
+                  <a:schemeClr val="tx1"/>
+                </a:solidFill>
+                <a:latin typeface="+mn-lt"/>
+                <a:ea typeface="+mn-ea"/>
+                <a:cs typeface="+mn-cs"/>
+              </a:rPr>
+              <a:t> \, </a:t>
+            </a:r>
+            <a:r>
+              <a:rPr lang="en-US" sz="1200" kern="1200" dirty="0" err="1" smtClean="0">
+                <a:solidFill>
+                  <a:schemeClr val="tx1"/>
+                </a:solidFill>
+                <a:latin typeface="+mn-lt"/>
+                <a:ea typeface="+mn-ea"/>
+                <a:cs typeface="+mn-cs"/>
+              </a:rPr>
+              <a:t>i</a:t>
+            </a:r>
+            <a:r>
+              <a:rPr lang="en-US" sz="1200" kern="1200" dirty="0" smtClean="0">
+                <a:solidFill>
+                  <a:schemeClr val="tx1"/>
+                </a:solidFill>
+                <a:latin typeface="+mn-lt"/>
+                <a:ea typeface="+mn-ea"/>
+                <a:cs typeface="+mn-cs"/>
+              </a:rPr>
+              <a:t> =1,\dots, M, \ j =1,\dots, N, \\</a:t>
+            </a:r>
+          </a:p>
+          <a:p>
+            <a:r>
+              <a:rPr lang="pt-BR" sz="1200" kern="1200" dirty="0" smtClean="0">
+                <a:solidFill>
+                  <a:schemeClr val="tx1"/>
+                </a:solidFill>
+                <a:latin typeface="+mn-lt"/>
+                <a:ea typeface="+mn-ea"/>
+                <a:cs typeface="+mn-cs"/>
+              </a:rPr>
+              <a:t>&amp; \sum_{</a:t>
+            </a:r>
+            <a:r>
+              <a:rPr lang="pt-BR" sz="1200" kern="1200" dirty="0" err="1" smtClean="0">
+                <a:solidFill>
+                  <a:schemeClr val="tx1"/>
+                </a:solidFill>
+                <a:latin typeface="+mn-lt"/>
+                <a:ea typeface="+mn-ea"/>
+                <a:cs typeface="+mn-cs"/>
+              </a:rPr>
+              <a:t>j</a:t>
+            </a:r>
+            <a:r>
+              <a:rPr lang="pt-BR" sz="1200" kern="1200" dirty="0" smtClean="0">
+                <a:solidFill>
+                  <a:schemeClr val="tx1"/>
+                </a:solidFill>
+                <a:latin typeface="+mn-lt"/>
+                <a:ea typeface="+mn-ea"/>
+                <a:cs typeface="+mn-cs"/>
+              </a:rPr>
+              <a:t>=1}^N </a:t>
+            </a:r>
+            <a:r>
+              <a:rPr lang="pt-BR" sz="1200" kern="1200" dirty="0" err="1" smtClean="0">
+                <a:solidFill>
+                  <a:schemeClr val="tx1"/>
+                </a:solidFill>
+                <a:latin typeface="+mn-lt"/>
+                <a:ea typeface="+mn-ea"/>
+                <a:cs typeface="+mn-cs"/>
+              </a:rPr>
+              <a:t>x</a:t>
+            </a:r>
+            <a:r>
+              <a:rPr lang="pt-BR" sz="1200" kern="1200" dirty="0" smtClean="0">
+                <a:solidFill>
+                  <a:schemeClr val="tx1"/>
+                </a:solidFill>
+                <a:latin typeface="+mn-lt"/>
+                <a:ea typeface="+mn-ea"/>
+                <a:cs typeface="+mn-cs"/>
+              </a:rPr>
+              <a:t>_{</a:t>
+            </a:r>
+            <a:r>
+              <a:rPr lang="pt-BR" sz="1200" kern="1200" dirty="0" err="1" smtClean="0">
+                <a:solidFill>
+                  <a:schemeClr val="tx1"/>
+                </a:solidFill>
+                <a:latin typeface="+mn-lt"/>
+                <a:ea typeface="+mn-ea"/>
+                <a:cs typeface="+mn-cs"/>
+              </a:rPr>
+              <a:t>ij</a:t>
+            </a:r>
+            <a:r>
+              <a:rPr lang="pt-BR" sz="1200" kern="1200" dirty="0" smtClean="0">
+                <a:solidFill>
+                  <a:schemeClr val="tx1"/>
+                </a:solidFill>
+                <a:latin typeface="+mn-lt"/>
+                <a:ea typeface="+mn-ea"/>
+                <a:cs typeface="+mn-cs"/>
+              </a:rPr>
+              <a:t>} = 1, \</a:t>
+            </a:r>
+            <a:r>
+              <a:rPr lang="pt-BR" sz="1200" kern="1200" dirty="0" err="1" smtClean="0">
+                <a:solidFill>
+                  <a:schemeClr val="tx1"/>
+                </a:solidFill>
+                <a:latin typeface="+mn-lt"/>
+                <a:ea typeface="+mn-ea"/>
+                <a:cs typeface="+mn-cs"/>
+              </a:rPr>
+              <a:t>quad</a:t>
+            </a:r>
+            <a:r>
+              <a:rPr lang="pt-BR" sz="1200" kern="1200" dirty="0" smtClean="0">
+                <a:solidFill>
+                  <a:schemeClr val="tx1"/>
+                </a:solidFill>
+                <a:latin typeface="+mn-lt"/>
+                <a:ea typeface="+mn-ea"/>
+                <a:cs typeface="+mn-cs"/>
+              </a:rPr>
+              <a:t> \</a:t>
+            </a:r>
+            <a:r>
+              <a:rPr lang="pt-BR" sz="1200" kern="1200" dirty="0" err="1" smtClean="0">
+                <a:solidFill>
+                  <a:schemeClr val="tx1"/>
+                </a:solidFill>
+                <a:latin typeface="+mn-lt"/>
+                <a:ea typeface="+mn-ea"/>
+                <a:cs typeface="+mn-cs"/>
+              </a:rPr>
+              <a:t>forall</a:t>
+            </a:r>
+            <a:r>
+              <a:rPr lang="pt-BR" sz="1200" kern="1200" dirty="0" smtClean="0">
+                <a:solidFill>
+                  <a:schemeClr val="tx1"/>
+                </a:solidFill>
+                <a:latin typeface="+mn-lt"/>
+                <a:ea typeface="+mn-ea"/>
+                <a:cs typeface="+mn-cs"/>
+              </a:rPr>
+              <a:t> \, </a:t>
+            </a:r>
+            <a:r>
+              <a:rPr lang="pt-BR" sz="1200" kern="1200" dirty="0" err="1" smtClean="0">
+                <a:solidFill>
+                  <a:schemeClr val="tx1"/>
+                </a:solidFill>
+                <a:latin typeface="+mn-lt"/>
+                <a:ea typeface="+mn-ea"/>
+                <a:cs typeface="+mn-cs"/>
+              </a:rPr>
+              <a:t>i</a:t>
+            </a:r>
+            <a:r>
+              <a:rPr lang="pt-BR" sz="1200" kern="1200" dirty="0" smtClean="0">
+                <a:solidFill>
+                  <a:schemeClr val="tx1"/>
+                </a:solidFill>
+                <a:latin typeface="+mn-lt"/>
+                <a:ea typeface="+mn-ea"/>
+                <a:cs typeface="+mn-cs"/>
+              </a:rPr>
+              <a:t> =1,\</a:t>
+            </a:r>
+            <a:r>
+              <a:rPr lang="pt-BR" sz="1200" kern="1200" dirty="0" err="1" smtClean="0">
+                <a:solidFill>
+                  <a:schemeClr val="tx1"/>
+                </a:solidFill>
+                <a:latin typeface="+mn-lt"/>
+                <a:ea typeface="+mn-ea"/>
+                <a:cs typeface="+mn-cs"/>
+              </a:rPr>
+              <a:t>dots,M</a:t>
+            </a:r>
+            <a:r>
+              <a:rPr lang="pt-BR" sz="1200" kern="1200" dirty="0" smtClean="0">
+                <a:solidFill>
+                  <a:schemeClr val="tx1"/>
+                </a:solidFill>
+                <a:latin typeface="+mn-lt"/>
+                <a:ea typeface="+mn-ea"/>
+                <a:cs typeface="+mn-cs"/>
+              </a:rPr>
+              <a:t>,\\</a:t>
+            </a:r>
+          </a:p>
+          <a:p>
+            <a:r>
+              <a:rPr lang="es-ES_tradnl" sz="1200" kern="1200" dirty="0" smtClean="0">
+                <a:solidFill>
+                  <a:schemeClr val="tx1"/>
+                </a:solidFill>
+                <a:latin typeface="+mn-lt"/>
+                <a:ea typeface="+mn-ea"/>
+                <a:cs typeface="+mn-cs"/>
+              </a:rPr>
+              <a:t>&amp; \sum_{j=1}^N </a:t>
+            </a:r>
+            <a:r>
+              <a:rPr lang="es-ES_tradnl" sz="1200" kern="1200" dirty="0" err="1" smtClean="0">
+                <a:solidFill>
+                  <a:schemeClr val="tx1"/>
+                </a:solidFill>
+                <a:latin typeface="+mn-lt"/>
+                <a:ea typeface="+mn-ea"/>
+                <a:cs typeface="+mn-cs"/>
+              </a:rPr>
+              <a:t>y_j</a:t>
+            </a:r>
+            <a:r>
+              <a:rPr lang="es-ES_tradnl" sz="1200" kern="1200" dirty="0" smtClean="0">
+                <a:solidFill>
+                  <a:schemeClr val="tx1"/>
+                </a:solidFill>
+                <a:latin typeface="+mn-lt"/>
+                <a:ea typeface="+mn-ea"/>
+                <a:cs typeface="+mn-cs"/>
+              </a:rPr>
+              <a:t> \</a:t>
+            </a:r>
+            <a:r>
+              <a:rPr lang="es-ES_tradnl" sz="1200" kern="1200" dirty="0" err="1" smtClean="0">
+                <a:solidFill>
+                  <a:schemeClr val="tx1"/>
+                </a:solidFill>
+                <a:latin typeface="+mn-lt"/>
+                <a:ea typeface="+mn-ea"/>
+                <a:cs typeface="+mn-cs"/>
+              </a:rPr>
+              <a:t>leq</a:t>
+            </a:r>
+            <a:r>
+              <a:rPr lang="es-ES_tradnl" sz="1200" kern="1200" dirty="0" smtClean="0">
+                <a:solidFill>
+                  <a:schemeClr val="tx1"/>
+                </a:solidFill>
+                <a:latin typeface="+mn-lt"/>
+                <a:ea typeface="+mn-ea"/>
+                <a:cs typeface="+mn-cs"/>
+              </a:rPr>
+              <a:t> K, \\</a:t>
+            </a:r>
+          </a:p>
+          <a:p>
+            <a:r>
+              <a:rPr lang="pt-BR" sz="1200" kern="1200" dirty="0" smtClean="0">
+                <a:solidFill>
+                  <a:schemeClr val="tx1"/>
+                </a:solidFill>
+                <a:latin typeface="+mn-lt"/>
+                <a:ea typeface="+mn-ea"/>
+                <a:cs typeface="+mn-cs"/>
+              </a:rPr>
+              <a:t>&amp; 0 \</a:t>
+            </a:r>
+            <a:r>
+              <a:rPr lang="pt-BR" sz="1200" kern="1200" dirty="0" err="1" smtClean="0">
+                <a:solidFill>
+                  <a:schemeClr val="tx1"/>
+                </a:solidFill>
+                <a:latin typeface="+mn-lt"/>
+                <a:ea typeface="+mn-ea"/>
+                <a:cs typeface="+mn-cs"/>
+              </a:rPr>
+              <a:t>leq</a:t>
+            </a:r>
+            <a:r>
+              <a:rPr lang="pt-BR" sz="1200" kern="1200" dirty="0" smtClean="0">
+                <a:solidFill>
+                  <a:schemeClr val="tx1"/>
+                </a:solidFill>
+                <a:latin typeface="+mn-lt"/>
+                <a:ea typeface="+mn-ea"/>
+                <a:cs typeface="+mn-cs"/>
+              </a:rPr>
+              <a:t> </a:t>
+            </a:r>
+            <a:r>
+              <a:rPr lang="pt-BR" sz="1200" kern="1200" dirty="0" err="1" smtClean="0">
+                <a:solidFill>
+                  <a:schemeClr val="tx1"/>
+                </a:solidFill>
+                <a:latin typeface="+mn-lt"/>
+                <a:ea typeface="+mn-ea"/>
+                <a:cs typeface="+mn-cs"/>
+              </a:rPr>
+              <a:t>x</a:t>
+            </a:r>
+            <a:r>
+              <a:rPr lang="pt-BR" sz="1200" kern="1200" dirty="0" smtClean="0">
+                <a:solidFill>
+                  <a:schemeClr val="tx1"/>
+                </a:solidFill>
+                <a:latin typeface="+mn-lt"/>
+                <a:ea typeface="+mn-ea"/>
+                <a:cs typeface="+mn-cs"/>
+              </a:rPr>
+              <a:t>_{</a:t>
+            </a:r>
+            <a:r>
+              <a:rPr lang="pt-BR" sz="1200" kern="1200" dirty="0" err="1" smtClean="0">
+                <a:solidFill>
+                  <a:schemeClr val="tx1"/>
+                </a:solidFill>
+                <a:latin typeface="+mn-lt"/>
+                <a:ea typeface="+mn-ea"/>
+                <a:cs typeface="+mn-cs"/>
+              </a:rPr>
+              <a:t>ij</a:t>
+            </a:r>
+            <a:r>
+              <a:rPr lang="pt-BR" sz="1200" kern="1200" dirty="0" smtClean="0">
+                <a:solidFill>
+                  <a:schemeClr val="tx1"/>
+                </a:solidFill>
+                <a:latin typeface="+mn-lt"/>
+                <a:ea typeface="+mn-ea"/>
+                <a:cs typeface="+mn-cs"/>
+              </a:rPr>
+              <a:t>} \</a:t>
+            </a:r>
+            <a:r>
+              <a:rPr lang="pt-BR" sz="1200" kern="1200" dirty="0" err="1" smtClean="0">
+                <a:solidFill>
+                  <a:schemeClr val="tx1"/>
+                </a:solidFill>
+                <a:latin typeface="+mn-lt"/>
+                <a:ea typeface="+mn-ea"/>
+                <a:cs typeface="+mn-cs"/>
+              </a:rPr>
+              <a:t>leq</a:t>
+            </a:r>
+            <a:r>
+              <a:rPr lang="pt-BR" sz="1200" kern="1200" dirty="0" smtClean="0">
+                <a:solidFill>
+                  <a:schemeClr val="tx1"/>
+                </a:solidFill>
+                <a:latin typeface="+mn-lt"/>
+                <a:ea typeface="+mn-ea"/>
+                <a:cs typeface="+mn-cs"/>
+              </a:rPr>
+              <a:t> 1, \</a:t>
+            </a:r>
+            <a:r>
+              <a:rPr lang="pt-BR" sz="1200" kern="1200" dirty="0" err="1" smtClean="0">
+                <a:solidFill>
+                  <a:schemeClr val="tx1"/>
+                </a:solidFill>
+                <a:latin typeface="+mn-lt"/>
+                <a:ea typeface="+mn-ea"/>
+                <a:cs typeface="+mn-cs"/>
+              </a:rPr>
+              <a:t>quad</a:t>
+            </a:r>
+            <a:r>
+              <a:rPr lang="pt-BR" sz="1200" kern="1200" dirty="0" smtClean="0">
+                <a:solidFill>
+                  <a:schemeClr val="tx1"/>
+                </a:solidFill>
+                <a:latin typeface="+mn-lt"/>
+                <a:ea typeface="+mn-ea"/>
+                <a:cs typeface="+mn-cs"/>
+              </a:rPr>
+              <a:t> \</a:t>
+            </a:r>
+            <a:r>
+              <a:rPr lang="pt-BR" sz="1200" kern="1200" dirty="0" err="1" smtClean="0">
+                <a:solidFill>
+                  <a:schemeClr val="tx1"/>
+                </a:solidFill>
+                <a:latin typeface="+mn-lt"/>
+                <a:ea typeface="+mn-ea"/>
+                <a:cs typeface="+mn-cs"/>
+              </a:rPr>
+              <a:t>forall</a:t>
+            </a:r>
+            <a:r>
+              <a:rPr lang="pt-BR" sz="1200" kern="1200" dirty="0" smtClean="0">
+                <a:solidFill>
+                  <a:schemeClr val="tx1"/>
+                </a:solidFill>
+                <a:latin typeface="+mn-lt"/>
+                <a:ea typeface="+mn-ea"/>
+                <a:cs typeface="+mn-cs"/>
+              </a:rPr>
+              <a:t> \, </a:t>
+            </a:r>
+            <a:r>
+              <a:rPr lang="pt-BR" sz="1200" kern="1200" dirty="0" err="1" smtClean="0">
+                <a:solidFill>
+                  <a:schemeClr val="tx1"/>
+                </a:solidFill>
+                <a:latin typeface="+mn-lt"/>
+                <a:ea typeface="+mn-ea"/>
+                <a:cs typeface="+mn-cs"/>
+              </a:rPr>
+              <a:t>i</a:t>
+            </a:r>
+            <a:r>
+              <a:rPr lang="pt-BR" sz="1200" kern="1200" dirty="0" smtClean="0">
+                <a:solidFill>
+                  <a:schemeClr val="tx1"/>
+                </a:solidFill>
+                <a:latin typeface="+mn-lt"/>
+                <a:ea typeface="+mn-ea"/>
+                <a:cs typeface="+mn-cs"/>
+              </a:rPr>
+              <a:t> =1,\</a:t>
+            </a:r>
+            <a:r>
+              <a:rPr lang="pt-BR" sz="1200" kern="1200" dirty="0" err="1" smtClean="0">
+                <a:solidFill>
+                  <a:schemeClr val="tx1"/>
+                </a:solidFill>
+                <a:latin typeface="+mn-lt"/>
+                <a:ea typeface="+mn-ea"/>
+                <a:cs typeface="+mn-cs"/>
+              </a:rPr>
+              <a:t>dots</a:t>
+            </a:r>
+            <a:r>
+              <a:rPr lang="pt-BR" sz="1200" kern="1200" dirty="0" smtClean="0">
+                <a:solidFill>
+                  <a:schemeClr val="tx1"/>
+                </a:solidFill>
+                <a:latin typeface="+mn-lt"/>
+                <a:ea typeface="+mn-ea"/>
+                <a:cs typeface="+mn-cs"/>
+              </a:rPr>
+              <a:t>, M, \ </a:t>
+            </a:r>
+            <a:r>
+              <a:rPr lang="pt-BR" sz="1200" kern="1200" dirty="0" err="1" smtClean="0">
+                <a:solidFill>
+                  <a:schemeClr val="tx1"/>
+                </a:solidFill>
+                <a:latin typeface="+mn-lt"/>
+                <a:ea typeface="+mn-ea"/>
+                <a:cs typeface="+mn-cs"/>
+              </a:rPr>
+              <a:t>j</a:t>
+            </a:r>
+            <a:r>
+              <a:rPr lang="pt-BR" sz="1200" kern="1200" dirty="0" smtClean="0">
+                <a:solidFill>
+                  <a:schemeClr val="tx1"/>
+                </a:solidFill>
+                <a:latin typeface="+mn-lt"/>
+                <a:ea typeface="+mn-ea"/>
+                <a:cs typeface="+mn-cs"/>
+              </a:rPr>
+              <a:t> = 1,\</a:t>
+            </a:r>
+            <a:r>
+              <a:rPr lang="pt-BR" sz="1200" kern="1200" dirty="0" err="1" smtClean="0">
+                <a:solidFill>
+                  <a:schemeClr val="tx1"/>
+                </a:solidFill>
+                <a:latin typeface="+mn-lt"/>
+                <a:ea typeface="+mn-ea"/>
+                <a:cs typeface="+mn-cs"/>
+              </a:rPr>
+              <a:t>dots</a:t>
+            </a:r>
+            <a:r>
+              <a:rPr lang="pt-BR" sz="1200" kern="1200" dirty="0" smtClean="0">
+                <a:solidFill>
+                  <a:schemeClr val="tx1"/>
+                </a:solidFill>
+                <a:latin typeface="+mn-lt"/>
+                <a:ea typeface="+mn-ea"/>
+                <a:cs typeface="+mn-cs"/>
+              </a:rPr>
+              <a:t>, N, \\</a:t>
+            </a:r>
+          </a:p>
+          <a:p>
+            <a:r>
+              <a:rPr lang="pt-BR" sz="1200" kern="1200" dirty="0" smtClean="0">
+                <a:solidFill>
+                  <a:schemeClr val="tx1"/>
+                </a:solidFill>
+                <a:latin typeface="+mn-lt"/>
+                <a:ea typeface="+mn-ea"/>
+                <a:cs typeface="+mn-cs"/>
+              </a:rPr>
+              <a:t>&amp; </a:t>
+            </a:r>
+            <a:r>
+              <a:rPr lang="pt-BR" sz="1200" kern="1200" dirty="0" err="1" smtClean="0">
+                <a:solidFill>
+                  <a:schemeClr val="tx1"/>
+                </a:solidFill>
+                <a:latin typeface="+mn-lt"/>
+                <a:ea typeface="+mn-ea"/>
+                <a:cs typeface="+mn-cs"/>
+              </a:rPr>
+              <a:t>y_j</a:t>
+            </a:r>
+            <a:r>
+              <a:rPr lang="pt-BR" sz="1200" kern="1200" dirty="0" smtClean="0">
+                <a:solidFill>
+                  <a:schemeClr val="tx1"/>
+                </a:solidFill>
+                <a:latin typeface="+mn-lt"/>
+                <a:ea typeface="+mn-ea"/>
+                <a:cs typeface="+mn-cs"/>
+              </a:rPr>
+              <a:t> \in \{ 0, 1\}, \</a:t>
+            </a:r>
+            <a:r>
+              <a:rPr lang="pt-BR" sz="1200" kern="1200" dirty="0" err="1" smtClean="0">
+                <a:solidFill>
+                  <a:schemeClr val="tx1"/>
+                </a:solidFill>
+                <a:latin typeface="+mn-lt"/>
+                <a:ea typeface="+mn-ea"/>
+                <a:cs typeface="+mn-cs"/>
+              </a:rPr>
+              <a:t>quad</a:t>
+            </a:r>
+            <a:r>
+              <a:rPr lang="pt-BR" sz="1200" kern="1200" dirty="0" smtClean="0">
+                <a:solidFill>
+                  <a:schemeClr val="tx1"/>
+                </a:solidFill>
+                <a:latin typeface="+mn-lt"/>
+                <a:ea typeface="+mn-ea"/>
+                <a:cs typeface="+mn-cs"/>
+              </a:rPr>
+              <a:t> \</a:t>
+            </a:r>
+            <a:r>
+              <a:rPr lang="pt-BR" sz="1200" kern="1200" dirty="0" err="1" smtClean="0">
+                <a:solidFill>
+                  <a:schemeClr val="tx1"/>
+                </a:solidFill>
+                <a:latin typeface="+mn-lt"/>
+                <a:ea typeface="+mn-ea"/>
+                <a:cs typeface="+mn-cs"/>
+              </a:rPr>
+              <a:t>forall</a:t>
+            </a:r>
+            <a:r>
+              <a:rPr lang="pt-BR" sz="1200" kern="1200" dirty="0" smtClean="0">
+                <a:solidFill>
+                  <a:schemeClr val="tx1"/>
+                </a:solidFill>
+                <a:latin typeface="+mn-lt"/>
+                <a:ea typeface="+mn-ea"/>
+                <a:cs typeface="+mn-cs"/>
+              </a:rPr>
+              <a:t> \, </a:t>
+            </a:r>
+            <a:r>
+              <a:rPr lang="pt-BR" sz="1200" kern="1200" dirty="0" err="1" smtClean="0">
+                <a:solidFill>
+                  <a:schemeClr val="tx1"/>
+                </a:solidFill>
+                <a:latin typeface="+mn-lt"/>
+                <a:ea typeface="+mn-ea"/>
+                <a:cs typeface="+mn-cs"/>
+              </a:rPr>
+              <a:t>j</a:t>
+            </a:r>
+            <a:r>
+              <a:rPr lang="pt-BR" sz="1200" kern="1200" dirty="0" smtClean="0">
+                <a:solidFill>
+                  <a:schemeClr val="tx1"/>
+                </a:solidFill>
+                <a:latin typeface="+mn-lt"/>
+                <a:ea typeface="+mn-ea"/>
+                <a:cs typeface="+mn-cs"/>
+              </a:rPr>
+              <a:t> =1,\</a:t>
+            </a:r>
+            <a:r>
+              <a:rPr lang="pt-BR" sz="1200" kern="1200" dirty="0" err="1" smtClean="0">
+                <a:solidFill>
+                  <a:schemeClr val="tx1"/>
+                </a:solidFill>
+                <a:latin typeface="+mn-lt"/>
+                <a:ea typeface="+mn-ea"/>
+                <a:cs typeface="+mn-cs"/>
+              </a:rPr>
+              <a:t>dots</a:t>
+            </a:r>
+            <a:r>
+              <a:rPr lang="pt-BR" sz="1200" kern="1200" dirty="0" smtClean="0">
+                <a:solidFill>
+                  <a:schemeClr val="tx1"/>
+                </a:solidFill>
+                <a:latin typeface="+mn-lt"/>
+                <a:ea typeface="+mn-ea"/>
+                <a:cs typeface="+mn-cs"/>
+              </a:rPr>
+              <a:t>, N.</a:t>
+            </a:r>
+            <a:endParaRPr lang="en-US" dirty="0"/>
+          </a:p>
+        </p:txBody>
+      </p:sp>
+      <p:sp>
+        <p:nvSpPr>
+          <p:cNvPr id="4" name="Slide Number Placeholder 3"/>
+          <p:cNvSpPr>
+            <a:spLocks noGrp="1"/>
+          </p:cNvSpPr>
+          <p:nvPr>
+            <p:ph type="sldNum" sz="quarter" idx="10"/>
+          </p:nvPr>
+        </p:nvSpPr>
+        <p:spPr/>
+        <p:txBody>
+          <a:bodyPr/>
+          <a:lstStyle/>
+          <a:p>
+            <a:fld id="{B15EEDFE-005D-3E4B-A966-9C955210900B}" type="slidenum">
+              <a:rPr lang="en-US" smtClean="0"/>
+              <a:t>30</a:t>
+            </a:fld>
+            <a:endParaRPr lang="en-US" dirty="0"/>
+          </a:p>
+        </p:txBody>
+      </p:sp>
+    </p:spTree>
+    <p:extLst>
+      <p:ext uri="{BB962C8B-B14F-4D97-AF65-F5344CB8AC3E}">
+        <p14:creationId xmlns:p14="http://schemas.microsoft.com/office/powerpoint/2010/main" val="2588120924"/>
+      </p:ext>
+    </p:extLst>
+  </p:cSld>
+  <p:clrMapOvr>
+    <a:masterClrMapping/>
+  </p:clrMapOvr>
+</p:notes>
+</file>
+
+<file path=ppt/notesSlides/notesSlide12.xml><?xml version="1.0" encoding="utf-8"?>
+<p:notes xmlns:a="http://schemas.openxmlformats.org/drawingml/2006/main" xmlns:r="http://schemas.openxmlformats.org/officeDocument/2006/relationships" xmlns:p="http://schemas.openxmlformats.org/presentationml/2006/main">
+  <p:cSld>
+    <p:spTree>
+      <p:nvGrpSpPr>
+        <p:cNvPr id="1" name=""/>
+        <p:cNvGrpSpPr/>
+        <p:nvPr/>
+      </p:nvGrpSpPr>
+      <p:grpSpPr>
+        <a:xfrm>
+          <a:off x="0" y="0"/>
+          <a:ext cx="0" cy="0"/>
+          <a:chOff x="0" y="0"/>
+          <a:chExt cx="0" cy="0"/>
+        </a:xfrm>
+      </p:grpSpPr>
+      <p:sp>
+        <p:nvSpPr>
+          <p:cNvPr id="2" name="Slide Image Placeholder 1"/>
+          <p:cNvSpPr>
+            <a:spLocks noGrp="1" noRot="1" noChangeAspect="1"/>
+          </p:cNvSpPr>
+          <p:nvPr>
+            <p:ph type="sldImg"/>
+          </p:nvPr>
+        </p:nvSpPr>
+        <p:spPr/>
+      </p:sp>
+      <p:sp>
+        <p:nvSpPr>
+          <p:cNvPr id="3" name="Notes Placeholder 2"/>
+          <p:cNvSpPr>
+            <a:spLocks noGrp="1"/>
+          </p:cNvSpPr>
+          <p:nvPr>
+            <p:ph type="body" idx="1"/>
+          </p:nvPr>
+        </p:nvSpPr>
+        <p:spPr/>
+        <p:txBody>
+          <a:bodyPr/>
+          <a:lstStyle/>
+          <a:p>
+            <a:endParaRPr lang="en-US" dirty="0"/>
+          </a:p>
+        </p:txBody>
+      </p:sp>
+      <p:sp>
+        <p:nvSpPr>
+          <p:cNvPr id="4" name="Slide Number Placeholder 3"/>
+          <p:cNvSpPr>
+            <a:spLocks noGrp="1"/>
+          </p:cNvSpPr>
+          <p:nvPr>
+            <p:ph type="sldNum" sz="quarter" idx="10"/>
+          </p:nvPr>
+        </p:nvSpPr>
+        <p:spPr/>
+        <p:txBody>
+          <a:bodyPr/>
+          <a:lstStyle/>
+          <a:p>
+            <a:fld id="{B15EEDFE-005D-3E4B-A966-9C955210900B}" type="slidenum">
+              <a:rPr lang="en-US" smtClean="0"/>
+              <a:t>31</a:t>
+            </a:fld>
+            <a:endParaRPr lang="en-US" dirty="0"/>
+          </a:p>
+        </p:txBody>
+      </p:sp>
+    </p:spTree>
+    <p:extLst>
+      <p:ext uri="{BB962C8B-B14F-4D97-AF65-F5344CB8AC3E}">
+        <p14:creationId xmlns:p14="http://schemas.microsoft.com/office/powerpoint/2010/main" val="582879613"/>
+      </p:ext>
+    </p:extLst>
+  </p:cSld>
+  <p:clrMapOvr>
+    <a:masterClrMapping/>
+  </p:clrMapOvr>
+</p:notes>
+</file>
+
+<file path=ppt/notesSlides/notesSlide13.xml><?xml version="1.0" encoding="utf-8"?>
+<p:notes xmlns:a="http://schemas.openxmlformats.org/drawingml/2006/main" xmlns:r="http://schemas.openxmlformats.org/officeDocument/2006/relationships" xmlns:p="http://schemas.openxmlformats.org/presentationml/2006/main">
+  <p:cSld>
+    <p:spTree>
+      <p:nvGrpSpPr>
+        <p:cNvPr id="1" name=""/>
+        <p:cNvGrpSpPr/>
+        <p:nvPr/>
+      </p:nvGrpSpPr>
+      <p:grpSpPr>
+        <a:xfrm>
+          <a:off x="0" y="0"/>
+          <a:ext cx="0" cy="0"/>
+          <a:chOff x="0" y="0"/>
+          <a:chExt cx="0" cy="0"/>
+        </a:xfrm>
+      </p:grpSpPr>
+      <p:sp>
+        <p:nvSpPr>
+          <p:cNvPr id="2" name="Slide Image Placeholder 1"/>
+          <p:cNvSpPr>
+            <a:spLocks noGrp="1" noRot="1" noChangeAspect="1"/>
+          </p:cNvSpPr>
+          <p:nvPr>
+            <p:ph type="sldImg"/>
+          </p:nvPr>
+        </p:nvSpPr>
+        <p:spPr/>
+      </p:sp>
+      <p:sp>
+        <p:nvSpPr>
+          <p:cNvPr id="3" name="Notes Placeholder 2"/>
+          <p:cNvSpPr>
+            <a:spLocks noGrp="1"/>
+          </p:cNvSpPr>
+          <p:nvPr>
+            <p:ph type="body" idx="1"/>
+          </p:nvPr>
+        </p:nvSpPr>
+        <p:spPr/>
+        <p:txBody>
+          <a:bodyPr/>
+          <a:lstStyle/>
+          <a:p>
+            <a:r>
+              <a:rPr lang="en-US" sz="1200" kern="1200" dirty="0" smtClean="0">
+                <a:solidFill>
+                  <a:schemeClr val="tx1"/>
+                </a:solidFill>
+                <a:latin typeface="+mn-lt"/>
+                <a:ea typeface="+mn-ea"/>
+                <a:cs typeface="+mn-cs"/>
+              </a:rPr>
+              <a:t>J_1 = \{ j \ \</a:t>
+            </a:r>
+            <a:r>
+              <a:rPr lang="en-US" sz="1200" kern="1200" dirty="0" err="1" smtClean="0">
+                <a:solidFill>
+                  <a:schemeClr val="tx1"/>
+                </a:solidFill>
+                <a:latin typeface="+mn-lt"/>
+                <a:ea typeface="+mn-ea"/>
+                <a:cs typeface="+mn-cs"/>
+              </a:rPr>
+              <a:t>vline</a:t>
+            </a:r>
+            <a:r>
+              <a:rPr lang="en-US" sz="1200" kern="1200" dirty="0" smtClean="0">
+                <a:solidFill>
+                  <a:schemeClr val="tx1"/>
+                </a:solidFill>
+                <a:latin typeface="+mn-lt"/>
+                <a:ea typeface="+mn-ea"/>
+                <a:cs typeface="+mn-cs"/>
+              </a:rPr>
+              <a:t> \ \bar{y}_j = 1\}</a:t>
+            </a:r>
+            <a:r>
+              <a:rPr lang="en-US" sz="1200" kern="1200" baseline="0" dirty="0" smtClean="0">
+                <a:solidFill>
+                  <a:schemeClr val="tx1"/>
+                </a:solidFill>
+                <a:latin typeface="+mn-lt"/>
+                <a:ea typeface="+mn-ea"/>
+                <a:cs typeface="+mn-cs"/>
+              </a:rPr>
+              <a:t> </a:t>
+            </a:r>
+          </a:p>
+          <a:p>
+            <a:endParaRPr lang="en-US" sz="1200" kern="1200" baseline="0" dirty="0" smtClean="0">
+              <a:solidFill>
+                <a:schemeClr val="tx1"/>
+              </a:solidFill>
+              <a:latin typeface="+mn-lt"/>
+              <a:ea typeface="+mn-ea"/>
+              <a:cs typeface="+mn-cs"/>
+            </a:endParaRPr>
+          </a:p>
+          <a:p>
+            <a:pPr marL="0" marR="0" indent="0" algn="l" defTabSz="457200" rtl="0" eaLnBrk="1" fontAlgn="auto" latinLnBrk="0" hangingPunct="1">
+              <a:lnSpc>
+                <a:spcPct val="100000"/>
+              </a:lnSpc>
+              <a:spcBef>
+                <a:spcPts val="0"/>
+              </a:spcBef>
+              <a:spcAft>
+                <a:spcPts val="0"/>
+              </a:spcAft>
+              <a:buClrTx/>
+              <a:buSzTx/>
+              <a:buFontTx/>
+              <a:buNone/>
+              <a:tabLst/>
+              <a:defRPr/>
+            </a:pPr>
+            <a:r>
+              <a:rPr lang="en-US" sz="1200" kern="1200" dirty="0" smtClean="0">
+                <a:solidFill>
+                  <a:schemeClr val="tx1"/>
+                </a:solidFill>
+                <a:latin typeface="+mn-lt"/>
+                <a:ea typeface="+mn-ea"/>
+                <a:cs typeface="+mn-cs"/>
+              </a:rPr>
+              <a:t>J_0 = \{ j \ \</a:t>
+            </a:r>
+            <a:r>
+              <a:rPr lang="en-US" sz="1200" kern="1200" dirty="0" err="1" smtClean="0">
+                <a:solidFill>
+                  <a:schemeClr val="tx1"/>
+                </a:solidFill>
+                <a:latin typeface="+mn-lt"/>
+                <a:ea typeface="+mn-ea"/>
+                <a:cs typeface="+mn-cs"/>
+              </a:rPr>
+              <a:t>vline</a:t>
+            </a:r>
+            <a:r>
+              <a:rPr lang="en-US" sz="1200" kern="1200" dirty="0" smtClean="0">
+                <a:solidFill>
+                  <a:schemeClr val="tx1"/>
+                </a:solidFill>
+                <a:latin typeface="+mn-lt"/>
+                <a:ea typeface="+mn-ea"/>
+                <a:cs typeface="+mn-cs"/>
+              </a:rPr>
+              <a:t> \ \bar{y}_j = 0\}</a:t>
+            </a:r>
+            <a:r>
+              <a:rPr lang="en-US" sz="1200" kern="1200" baseline="0" dirty="0" smtClean="0">
+                <a:solidFill>
+                  <a:schemeClr val="tx1"/>
+                </a:solidFill>
+                <a:latin typeface="+mn-lt"/>
+                <a:ea typeface="+mn-ea"/>
+                <a:cs typeface="+mn-cs"/>
+              </a:rPr>
+              <a:t> </a:t>
+            </a:r>
+          </a:p>
+          <a:p>
+            <a:endParaRPr lang="en-US" sz="1200" kern="1200" baseline="0" dirty="0" smtClean="0">
+              <a:solidFill>
+                <a:schemeClr val="tx1"/>
+              </a:solidFill>
+              <a:latin typeface="+mn-lt"/>
+              <a:ea typeface="+mn-ea"/>
+              <a:cs typeface="+mn-cs"/>
+            </a:endParaRPr>
+          </a:p>
+          <a:p>
+            <a:endParaRPr lang="en-US" sz="1200" kern="1200" baseline="0" dirty="0" smtClean="0">
+              <a:solidFill>
+                <a:schemeClr val="tx1"/>
+              </a:solidFill>
+              <a:latin typeface="+mn-lt"/>
+              <a:ea typeface="+mn-ea"/>
+              <a:cs typeface="+mn-cs"/>
+            </a:endParaRPr>
+          </a:p>
+          <a:p>
+            <a:endParaRPr lang="en-US" dirty="0" smtClean="0"/>
+          </a:p>
+          <a:p>
+            <a:endParaRPr lang="en-US" dirty="0" smtClean="0"/>
+          </a:p>
+          <a:p>
+            <a:endParaRPr lang="en-US" dirty="0" smtClean="0"/>
+          </a:p>
+          <a:p>
+            <a:r>
+              <a:rPr lang="es-ES_tradnl" sz="1200" kern="1200" dirty="0" smtClean="0">
+                <a:solidFill>
+                  <a:schemeClr val="tx1"/>
+                </a:solidFill>
+                <a:latin typeface="+mn-lt"/>
+                <a:ea typeface="+mn-ea"/>
+                <a:cs typeface="+mn-cs"/>
+              </a:rPr>
+              <a:t>\sum_{j \in J_1} </a:t>
+            </a:r>
+            <a:r>
+              <a:rPr lang="es-ES_tradnl" sz="1200" kern="1200" dirty="0" err="1" smtClean="0">
+                <a:solidFill>
+                  <a:schemeClr val="tx1"/>
+                </a:solidFill>
+                <a:latin typeface="+mn-lt"/>
+                <a:ea typeface="+mn-ea"/>
+                <a:cs typeface="+mn-cs"/>
+              </a:rPr>
+              <a:t>y_j</a:t>
+            </a:r>
+            <a:r>
+              <a:rPr lang="es-ES_tradnl" sz="1200" kern="1200" dirty="0" smtClean="0">
+                <a:solidFill>
+                  <a:schemeClr val="tx1"/>
+                </a:solidFill>
+                <a:latin typeface="+mn-lt"/>
+                <a:ea typeface="+mn-ea"/>
+                <a:cs typeface="+mn-cs"/>
+              </a:rPr>
+              <a:t> + \sum_{j \in J_0} (1 - </a:t>
+            </a:r>
+            <a:r>
+              <a:rPr lang="es-ES_tradnl" sz="1200" kern="1200" dirty="0" err="1" smtClean="0">
+                <a:solidFill>
+                  <a:schemeClr val="tx1"/>
+                </a:solidFill>
+                <a:latin typeface="+mn-lt"/>
+                <a:ea typeface="+mn-ea"/>
+                <a:cs typeface="+mn-cs"/>
+              </a:rPr>
+              <a:t>y_j</a:t>
+            </a:r>
+            <a:r>
+              <a:rPr lang="es-ES_tradnl" sz="1200" kern="1200" dirty="0" smtClean="0">
+                <a:solidFill>
+                  <a:schemeClr val="tx1"/>
+                </a:solidFill>
+                <a:latin typeface="+mn-lt"/>
+                <a:ea typeface="+mn-ea"/>
+                <a:cs typeface="+mn-cs"/>
+              </a:rPr>
+              <a:t>) \</a:t>
+            </a:r>
+            <a:r>
+              <a:rPr lang="es-ES_tradnl" sz="1200" kern="1200" dirty="0" err="1" smtClean="0">
+                <a:solidFill>
+                  <a:schemeClr val="tx1"/>
+                </a:solidFill>
+                <a:latin typeface="+mn-lt"/>
+                <a:ea typeface="+mn-ea"/>
+                <a:cs typeface="+mn-cs"/>
+              </a:rPr>
+              <a:t>leq</a:t>
+            </a:r>
+            <a:r>
+              <a:rPr lang="es-ES_tradnl" sz="1200" kern="1200" dirty="0" smtClean="0">
+                <a:solidFill>
+                  <a:schemeClr val="tx1"/>
+                </a:solidFill>
+                <a:latin typeface="+mn-lt"/>
+                <a:ea typeface="+mn-ea"/>
+                <a:cs typeface="+mn-cs"/>
+              </a:rPr>
+              <a:t> N - 1</a:t>
+            </a:r>
+            <a:endParaRPr lang="en-US" dirty="0"/>
+          </a:p>
+        </p:txBody>
+      </p:sp>
+      <p:sp>
+        <p:nvSpPr>
+          <p:cNvPr id="4" name="Slide Number Placeholder 3"/>
+          <p:cNvSpPr>
+            <a:spLocks noGrp="1"/>
+          </p:cNvSpPr>
+          <p:nvPr>
+            <p:ph type="sldNum" sz="quarter" idx="10"/>
+          </p:nvPr>
+        </p:nvSpPr>
+        <p:spPr/>
+        <p:txBody>
+          <a:bodyPr/>
+          <a:lstStyle/>
+          <a:p>
+            <a:fld id="{B15EEDFE-005D-3E4B-A966-9C955210900B}" type="slidenum">
+              <a:rPr lang="en-US" smtClean="0"/>
+              <a:t>34</a:t>
+            </a:fld>
+            <a:endParaRPr lang="en-US" dirty="0"/>
+          </a:p>
+        </p:txBody>
+      </p:sp>
+    </p:spTree>
+    <p:extLst>
+      <p:ext uri="{BB962C8B-B14F-4D97-AF65-F5344CB8AC3E}">
+        <p14:creationId xmlns:p14="http://schemas.microsoft.com/office/powerpoint/2010/main" val="2338289984"/>
+      </p:ext>
+    </p:extLst>
+  </p:cSld>
+  <p:clrMapOvr>
+    <a:masterClrMapping/>
+  </p:clrMapOvr>
+</p:notes>
+</file>
+
+<file path=ppt/notesSlides/notesSlide14.xml><?xml version="1.0" encoding="utf-8"?>
+<p:notes xmlns:a="http://schemas.openxmlformats.org/drawingml/2006/main" xmlns:r="http://schemas.openxmlformats.org/officeDocument/2006/relationships" xmlns:p="http://schemas.openxmlformats.org/presentationml/2006/main">
+  <p:cSld>
+    <p:spTree>
+      <p:nvGrpSpPr>
+        <p:cNvPr id="1" name=""/>
+        <p:cNvGrpSpPr/>
+        <p:nvPr/>
+      </p:nvGrpSpPr>
+      <p:grpSpPr>
+        <a:xfrm>
+          <a:off x="0" y="0"/>
+          <a:ext cx="0" cy="0"/>
+          <a:chOff x="0" y="0"/>
+          <a:chExt cx="0" cy="0"/>
+        </a:xfrm>
+      </p:grpSpPr>
+      <p:sp>
+        <p:nvSpPr>
+          <p:cNvPr id="2" name="Slide Image Placeholder 1"/>
+          <p:cNvSpPr>
+            <a:spLocks noGrp="1" noRot="1" noChangeAspect="1"/>
+          </p:cNvSpPr>
+          <p:nvPr>
+            <p:ph type="sldImg"/>
+          </p:nvPr>
+        </p:nvSpPr>
+        <p:spPr/>
+      </p:sp>
+      <p:sp>
+        <p:nvSpPr>
+          <p:cNvPr id="3" name="Notes Placeholder 2"/>
+          <p:cNvSpPr>
+            <a:spLocks noGrp="1"/>
+          </p:cNvSpPr>
+          <p:nvPr>
+            <p:ph type="body" idx="1"/>
+          </p:nvPr>
+        </p:nvSpPr>
+        <p:spPr/>
+        <p:txBody>
+          <a:bodyPr/>
+          <a:lstStyle/>
+          <a:p>
+            <a:r>
               <a:rPr lang="en-US" sz="1200" kern="1200" dirty="0" smtClean="0">
                 <a:solidFill>
                   <a:schemeClr val="tx1"/>
@@ -1296,7 +2286,7 @@
           <a:p>
             <a:fld id="{B15EEDFE-005D-3E4B-A966-9C955210900B}" type="slidenum">
               <a:rPr lang="en-US" smtClean="0"/>
-              <a:t>43</a:t>
+              <a:t>46</a:t>
             </a:fld>
             <a:endParaRPr lang="en-US" dirty="0"/>
           </a:p>
@@ -1676,23 +2666,85 @@
           <a:bodyPr/>
           <a:lstStyle/>
           <a:p>
-            <a:r>
-              <a:rPr lang="en-US" dirty="0" smtClean="0"/>
-              <a:t>dot function provides dot product of two one-dimensional arrays</a:t>
-            </a:r>
-          </a:p>
-          <a:p>
-            <a:pPr lvl="1"/>
-            <a:r>
-              <a:rPr lang="en-US" dirty="0" smtClean="0"/>
-              <a:t>dot(A[4,:], x) – b[4] &lt; 0   # does this work?</a:t>
-            </a:r>
-          </a:p>
-          <a:p>
-            <a:pPr lvl="1"/>
-            <a:r>
-              <a:rPr lang="en-US" dirty="0" smtClean="0"/>
-              <a:t>dot(A[4,:][:], x[:]) – b[4] &lt; 0   # how about now?</a:t>
+            <a:pPr lvl="1"/>
+            <a:r>
+              <a:rPr lang="en-US" dirty="0" smtClean="0"/>
+              <a:t>for v in keys(</a:t>
+            </a:r>
+            <a:r>
+              <a:rPr lang="en-US" dirty="0" err="1" smtClean="0"/>
+              <a:t>myotherdict</a:t>
+            </a:r>
+            <a:r>
+              <a:rPr lang="en-US" dirty="0" smtClean="0"/>
+              <a:t>)</a:t>
+            </a:r>
+            <a:br>
+              <a:rPr lang="en-US" dirty="0" smtClean="0"/>
+            </a:br>
+            <a:r>
+              <a:rPr lang="en-US" dirty="0" smtClean="0"/>
+              <a:t>	</a:t>
+            </a:r>
+            <a:r>
+              <a:rPr lang="en-US" dirty="0" err="1" smtClean="0"/>
+              <a:t>println</a:t>
+            </a:r>
+            <a:r>
+              <a:rPr lang="en-US" dirty="0" smtClean="0"/>
+              <a:t>(“$v is cool”)</a:t>
+            </a:r>
+            <a:br>
+              <a:rPr lang="en-US" dirty="0" smtClean="0"/>
+            </a:br>
+            <a:r>
+              <a:rPr lang="en-US" dirty="0" smtClean="0"/>
+              <a:t>end</a:t>
+            </a:r>
+          </a:p>
+          <a:p>
+            <a:pPr lvl="1"/>
+            <a:r>
+              <a:rPr lang="en-US" dirty="0" smtClean="0"/>
+              <a:t>for (</a:t>
+            </a:r>
+            <a:r>
+              <a:rPr lang="en-US" dirty="0" err="1" smtClean="0"/>
+              <a:t>k,v</a:t>
+            </a:r>
+            <a:r>
+              <a:rPr lang="en-US" dirty="0" smtClean="0"/>
+              <a:t>) in </a:t>
+            </a:r>
+            <a:r>
+              <a:rPr lang="en-US" dirty="0" err="1" smtClean="0"/>
+              <a:t>myotherdict</a:t>
+            </a:r>
+            <a:r>
+              <a:rPr lang="en-US" dirty="0" smtClean="0"/>
+              <a:t/>
+            </a:r>
+            <a:br>
+              <a:rPr lang="en-US" dirty="0" smtClean="0"/>
+            </a:br>
+            <a:r>
+              <a:rPr lang="en-US" dirty="0" smtClean="0"/>
+              <a:t>	</a:t>
+            </a:r>
+            <a:r>
+              <a:rPr lang="en-US" dirty="0" err="1" smtClean="0"/>
+              <a:t>println</a:t>
+            </a:r>
+            <a:r>
+              <a:rPr lang="en-US" dirty="0" smtClean="0"/>
+              <a:t>(“$k’s squared value is $(v^2)”)</a:t>
+            </a:r>
+            <a:br>
+              <a:rPr lang="en-US" dirty="0" smtClean="0"/>
+            </a:br>
+            <a:r>
+              <a:rPr lang="en-US" dirty="0" smtClean="0"/>
+              <a:t>end</a:t>
             </a:r>
           </a:p>
           <a:p>
@@ -1717,16 +2769,16 @@
           <a:p>
             <a:fld id="{B15EEDFE-005D-3E4B-A966-9C955210900B}" type="slidenum">
               <a:rPr lang="en-US" smtClean="0"/>
-              <a:t>14</a:t>
+              <a:t>16</a:t>
             </a:fld>
-            <a:endParaRPr lang="en-US"/>
+            <a:endParaRPr lang="en-US" dirty="0"/>
           </a:p>
         </p:txBody>
       </p:sp>
     </p:spTree>
     <p:extLst>
       <p:ext uri="{BB962C8B-B14F-4D97-AF65-F5344CB8AC3E}">
-        <p14:creationId xmlns:p14="http://schemas.microsoft.com/office/powerpoint/2010/main" val="3439368375"/>
+        <p14:creationId xmlns:p14="http://schemas.microsoft.com/office/powerpoint/2010/main" val="1460834587"/>
       </p:ext>
     </p:extLst>
   </p:cSld>
@@ -2848,7 +3900,7 @@
           <a:p>
             <a:fld id="{B15EEDFE-005D-3E4B-A966-9C955210900B}" type="slidenum">
               <a:rPr lang="en-US" smtClean="0"/>
-              <a:t>20</a:t>
+              <a:t>18</a:t>
             </a:fld>
             <a:endParaRPr lang="en-US"/>
           </a:p>
@@ -2911,14 +3963,6 @@
           <a:bodyPr/>
           <a:lstStyle/>
           <a:p>
-            <a:r>
-              <a:rPr lang="en-US" dirty="0" smtClean="0"/>
-              <a:t>Maybe</a:t>
-            </a:r>
-            <a:r>
-              <a:rPr lang="en-US" baseline="0" dirty="0" smtClean="0"/>
-              <a:t> take a moment /</a:t>
-            </a:r>
             <a:endParaRPr lang="en-US" dirty="0"/>
           </a:p>
         </p:txBody>
@@ -2940,7 +3984,7 @@
           <a:p>
             <a:fld id="{B15EEDFE-005D-3E4B-A966-9C955210900B}" type="slidenum">
               <a:rPr lang="en-US" smtClean="0"/>
-              <a:t>24</a:t>
+              <a:t>22</a:t>
             </a:fld>
             <a:endParaRPr lang="en-US" dirty="0"/>
           </a:p>
@@ -2949,7 +3993,7 @@
     </p:spTree>
     <p:extLst>
       <p:ext uri="{BB962C8B-B14F-4D97-AF65-F5344CB8AC3E}">
-        <p14:creationId xmlns:p14="http://schemas.microsoft.com/office/powerpoint/2010/main" val="1761512579"/>
+        <p14:creationId xmlns:p14="http://schemas.microsoft.com/office/powerpoint/2010/main" val="1629884049"/>
       </p:ext>
     </p:extLst>
   </p:cSld>
@@ -3003,6 +4047,14 @@
           <a:bodyPr/>
           <a:lstStyle/>
           <a:p>
+            <a:r>
+              <a:rPr lang="en-US" dirty="0" smtClean="0"/>
+              <a:t>Maybe</a:t>
+            </a:r>
+            <a:r>
+              <a:rPr lang="en-US" baseline="0" dirty="0" smtClean="0"/>
+              <a:t> take a moment /</a:t>
+            </a:r>
             <a:endParaRPr lang="en-US" dirty="0"/>
           </a:p>
         </p:txBody>
@@ -3024,7 +4076,7 @@
           <a:p>
             <a:fld id="{B15EEDFE-005D-3E4B-A966-9C955210900B}" type="slidenum">
               <a:rPr lang="en-US" smtClean="0"/>
-              <a:t>26</a:t>
+              <a:t>24</a:t>
             </a:fld>
             <a:endParaRPr lang="en-US" dirty="0"/>
           </a:p>
@@ -3033,7 +4085,7 @@
     </p:spTree>
     <p:extLst>
       <p:ext uri="{BB962C8B-B14F-4D97-AF65-F5344CB8AC3E}">
-        <p14:creationId xmlns:p14="http://schemas.microsoft.com/office/powerpoint/2010/main" val="1296616130"/>
+        <p14:creationId xmlns:p14="http://schemas.microsoft.com/office/powerpoint/2010/main" val="1761512579"/>
       </p:ext>
     </p:extLst>
   </p:cSld>
@@ -3088,741 +4140,11 @@
           <a:lstStyle/>
           <a:p>
             <a:r>
-              <a:rPr lang="hr-HR" sz="1200" kern="1200" dirty="0" smtClean="0">
-                <a:solidFill>
-                  <a:schemeClr val="tx1"/>
-                </a:solidFill>
-                <a:latin typeface="+mn-lt"/>
-                <a:ea typeface="+mn-ea"/>
-                <a:cs typeface="+mn-cs"/>
-              </a:rPr>
-              <a:t>\text{minimize} \qquad &amp; \sum_{i=1}^M \sum_{j=1}^N d_{ij} x_{ij} \\</a:t>
-            </a:r>
-          </a:p>
-          <a:p>
-            <a:r>
-              <a:rPr lang="en-US" sz="1200" kern="1200" dirty="0" smtClean="0">
-                <a:solidFill>
-                  <a:schemeClr val="tx1"/>
-                </a:solidFill>
-                <a:latin typeface="+mn-lt"/>
-                <a:ea typeface="+mn-ea"/>
-                <a:cs typeface="+mn-cs"/>
-              </a:rPr>
-              <a:t>\text{subject to} \</a:t>
-            </a:r>
-            <a:r>
-              <a:rPr lang="en-US" sz="1200" kern="1200" dirty="0" err="1" smtClean="0">
-                <a:solidFill>
-                  <a:schemeClr val="tx1"/>
-                </a:solidFill>
-                <a:latin typeface="+mn-lt"/>
-                <a:ea typeface="+mn-ea"/>
-                <a:cs typeface="+mn-cs"/>
-              </a:rPr>
-              <a:t>qquad</a:t>
-            </a:r>
-            <a:r>
-              <a:rPr lang="en-US" sz="1200" kern="1200" dirty="0" smtClean="0">
-                <a:solidFill>
-                  <a:schemeClr val="tx1"/>
-                </a:solidFill>
-                <a:latin typeface="+mn-lt"/>
-                <a:ea typeface="+mn-ea"/>
-                <a:cs typeface="+mn-cs"/>
-              </a:rPr>
-              <a:t> &amp; x_{</a:t>
-            </a:r>
-            <a:r>
-              <a:rPr lang="en-US" sz="1200" kern="1200" dirty="0" err="1" smtClean="0">
-                <a:solidFill>
-                  <a:schemeClr val="tx1"/>
-                </a:solidFill>
-                <a:latin typeface="+mn-lt"/>
-                <a:ea typeface="+mn-ea"/>
-                <a:cs typeface="+mn-cs"/>
-              </a:rPr>
-              <a:t>ij</a:t>
-            </a:r>
-            <a:r>
-              <a:rPr lang="en-US" sz="1200" kern="1200" dirty="0" smtClean="0">
-                <a:solidFill>
-                  <a:schemeClr val="tx1"/>
-                </a:solidFill>
-                <a:latin typeface="+mn-lt"/>
-                <a:ea typeface="+mn-ea"/>
-                <a:cs typeface="+mn-cs"/>
-              </a:rPr>
-              <a:t>} \</a:t>
-            </a:r>
-            <a:r>
-              <a:rPr lang="en-US" sz="1200" kern="1200" dirty="0" err="1" smtClean="0">
-                <a:solidFill>
-                  <a:schemeClr val="tx1"/>
-                </a:solidFill>
-                <a:latin typeface="+mn-lt"/>
-                <a:ea typeface="+mn-ea"/>
-                <a:cs typeface="+mn-cs"/>
-              </a:rPr>
-              <a:t>leq</a:t>
-            </a:r>
-            <a:r>
-              <a:rPr lang="en-US" sz="1200" kern="1200" dirty="0" smtClean="0">
-                <a:solidFill>
-                  <a:schemeClr val="tx1"/>
-                </a:solidFill>
-                <a:latin typeface="+mn-lt"/>
-                <a:ea typeface="+mn-ea"/>
-                <a:cs typeface="+mn-cs"/>
-              </a:rPr>
-              <a:t> </a:t>
-            </a:r>
-            <a:r>
-              <a:rPr lang="en-US" sz="1200" kern="1200" dirty="0" err="1" smtClean="0">
-                <a:solidFill>
-                  <a:schemeClr val="tx1"/>
-                </a:solidFill>
-                <a:latin typeface="+mn-lt"/>
-                <a:ea typeface="+mn-ea"/>
-                <a:cs typeface="+mn-cs"/>
-              </a:rPr>
-              <a:t>y_i</a:t>
-            </a:r>
-            <a:r>
-              <a:rPr lang="en-US" sz="1200" kern="1200" dirty="0" smtClean="0">
-                <a:solidFill>
-                  <a:schemeClr val="tx1"/>
-                </a:solidFill>
-                <a:latin typeface="+mn-lt"/>
-                <a:ea typeface="+mn-ea"/>
-                <a:cs typeface="+mn-cs"/>
-              </a:rPr>
-              <a:t>, \quad \</a:t>
-            </a:r>
-            <a:r>
-              <a:rPr lang="en-US" sz="1200" kern="1200" dirty="0" err="1" smtClean="0">
-                <a:solidFill>
-                  <a:schemeClr val="tx1"/>
-                </a:solidFill>
-                <a:latin typeface="+mn-lt"/>
-                <a:ea typeface="+mn-ea"/>
-                <a:cs typeface="+mn-cs"/>
-              </a:rPr>
-              <a:t>forall</a:t>
-            </a:r>
-            <a:r>
-              <a:rPr lang="en-US" sz="1200" kern="1200" dirty="0" smtClean="0">
-                <a:solidFill>
-                  <a:schemeClr val="tx1"/>
-                </a:solidFill>
-                <a:latin typeface="+mn-lt"/>
-                <a:ea typeface="+mn-ea"/>
-                <a:cs typeface="+mn-cs"/>
-              </a:rPr>
-              <a:t> \, </a:t>
-            </a:r>
-            <a:r>
-              <a:rPr lang="en-US" sz="1200" kern="1200" dirty="0" err="1" smtClean="0">
-                <a:solidFill>
-                  <a:schemeClr val="tx1"/>
-                </a:solidFill>
-                <a:latin typeface="+mn-lt"/>
-                <a:ea typeface="+mn-ea"/>
-                <a:cs typeface="+mn-cs"/>
-              </a:rPr>
-              <a:t>i</a:t>
-            </a:r>
-            <a:r>
-              <a:rPr lang="en-US" sz="1200" kern="1200" dirty="0" smtClean="0">
-                <a:solidFill>
-                  <a:schemeClr val="tx1"/>
-                </a:solidFill>
-                <a:latin typeface="+mn-lt"/>
-                <a:ea typeface="+mn-ea"/>
-                <a:cs typeface="+mn-cs"/>
-              </a:rPr>
-              <a:t> =1,\dots, M, \ j =1,\dots, N, \\</a:t>
-            </a:r>
-          </a:p>
-          <a:p>
-            <a:r>
-              <a:rPr lang="pt-BR" sz="1200" kern="1200" dirty="0" smtClean="0">
-                <a:solidFill>
-                  <a:schemeClr val="tx1"/>
-                </a:solidFill>
-                <a:latin typeface="+mn-lt"/>
-                <a:ea typeface="+mn-ea"/>
-                <a:cs typeface="+mn-cs"/>
-              </a:rPr>
-              <a:t>&amp; \sum_{</a:t>
-            </a:r>
-            <a:r>
-              <a:rPr lang="pt-BR" sz="1200" kern="1200" dirty="0" err="1" smtClean="0">
-                <a:solidFill>
-                  <a:schemeClr val="tx1"/>
-                </a:solidFill>
-                <a:latin typeface="+mn-lt"/>
-                <a:ea typeface="+mn-ea"/>
-                <a:cs typeface="+mn-cs"/>
-              </a:rPr>
-              <a:t>j</a:t>
-            </a:r>
-            <a:r>
-              <a:rPr lang="pt-BR" sz="1200" kern="1200" dirty="0" smtClean="0">
-                <a:solidFill>
-                  <a:schemeClr val="tx1"/>
-                </a:solidFill>
-                <a:latin typeface="+mn-lt"/>
-                <a:ea typeface="+mn-ea"/>
-                <a:cs typeface="+mn-cs"/>
-              </a:rPr>
-              <a:t>=1}^N </a:t>
-            </a:r>
-            <a:r>
-              <a:rPr lang="pt-BR" sz="1200" kern="1200" dirty="0" err="1" smtClean="0">
-                <a:solidFill>
-                  <a:schemeClr val="tx1"/>
-                </a:solidFill>
-                <a:latin typeface="+mn-lt"/>
-                <a:ea typeface="+mn-ea"/>
-                <a:cs typeface="+mn-cs"/>
-              </a:rPr>
-              <a:t>x</a:t>
-            </a:r>
-            <a:r>
-              <a:rPr lang="pt-BR" sz="1200" kern="1200" dirty="0" smtClean="0">
-                <a:solidFill>
-                  <a:schemeClr val="tx1"/>
-                </a:solidFill>
-                <a:latin typeface="+mn-lt"/>
-                <a:ea typeface="+mn-ea"/>
-                <a:cs typeface="+mn-cs"/>
-              </a:rPr>
-              <a:t>_{</a:t>
-            </a:r>
-            <a:r>
-              <a:rPr lang="pt-BR" sz="1200" kern="1200" dirty="0" err="1" smtClean="0">
-                <a:solidFill>
-                  <a:schemeClr val="tx1"/>
-                </a:solidFill>
-                <a:latin typeface="+mn-lt"/>
-                <a:ea typeface="+mn-ea"/>
-                <a:cs typeface="+mn-cs"/>
-              </a:rPr>
-              <a:t>ij</a:t>
-            </a:r>
-            <a:r>
-              <a:rPr lang="pt-BR" sz="1200" kern="1200" dirty="0" smtClean="0">
-                <a:solidFill>
-                  <a:schemeClr val="tx1"/>
-                </a:solidFill>
-                <a:latin typeface="+mn-lt"/>
-                <a:ea typeface="+mn-ea"/>
-                <a:cs typeface="+mn-cs"/>
-              </a:rPr>
-              <a:t>} = 1, \</a:t>
-            </a:r>
-            <a:r>
-              <a:rPr lang="pt-BR" sz="1200" kern="1200" dirty="0" err="1" smtClean="0">
-                <a:solidFill>
-                  <a:schemeClr val="tx1"/>
-                </a:solidFill>
-                <a:latin typeface="+mn-lt"/>
-                <a:ea typeface="+mn-ea"/>
-                <a:cs typeface="+mn-cs"/>
-              </a:rPr>
-              <a:t>quad</a:t>
-            </a:r>
-            <a:r>
-              <a:rPr lang="pt-BR" sz="1200" kern="1200" dirty="0" smtClean="0">
-                <a:solidFill>
-                  <a:schemeClr val="tx1"/>
-                </a:solidFill>
-                <a:latin typeface="+mn-lt"/>
-                <a:ea typeface="+mn-ea"/>
-                <a:cs typeface="+mn-cs"/>
-              </a:rPr>
-              <a:t> \</a:t>
-            </a:r>
-            <a:r>
-              <a:rPr lang="pt-BR" sz="1200" kern="1200" dirty="0" err="1" smtClean="0">
-                <a:solidFill>
-                  <a:schemeClr val="tx1"/>
-                </a:solidFill>
-                <a:latin typeface="+mn-lt"/>
-                <a:ea typeface="+mn-ea"/>
-                <a:cs typeface="+mn-cs"/>
-              </a:rPr>
-              <a:t>forall</a:t>
-            </a:r>
-            <a:r>
-              <a:rPr lang="pt-BR" sz="1200" kern="1200" dirty="0" smtClean="0">
-                <a:solidFill>
-                  <a:schemeClr val="tx1"/>
-                </a:solidFill>
-                <a:latin typeface="+mn-lt"/>
-                <a:ea typeface="+mn-ea"/>
-                <a:cs typeface="+mn-cs"/>
-              </a:rPr>
-              <a:t> \, </a:t>
-            </a:r>
-            <a:r>
-              <a:rPr lang="pt-BR" sz="1200" kern="1200" dirty="0" err="1" smtClean="0">
-                <a:solidFill>
-                  <a:schemeClr val="tx1"/>
-                </a:solidFill>
-                <a:latin typeface="+mn-lt"/>
-                <a:ea typeface="+mn-ea"/>
-                <a:cs typeface="+mn-cs"/>
-              </a:rPr>
-              <a:t>i</a:t>
-            </a:r>
-            <a:r>
-              <a:rPr lang="pt-BR" sz="1200" kern="1200" dirty="0" smtClean="0">
-                <a:solidFill>
-                  <a:schemeClr val="tx1"/>
-                </a:solidFill>
-                <a:latin typeface="+mn-lt"/>
-                <a:ea typeface="+mn-ea"/>
-                <a:cs typeface="+mn-cs"/>
-              </a:rPr>
-              <a:t> =1,\</a:t>
-            </a:r>
-            <a:r>
-              <a:rPr lang="pt-BR" sz="1200" kern="1200" dirty="0" err="1" smtClean="0">
-                <a:solidFill>
-                  <a:schemeClr val="tx1"/>
-                </a:solidFill>
-                <a:latin typeface="+mn-lt"/>
-                <a:ea typeface="+mn-ea"/>
-                <a:cs typeface="+mn-cs"/>
-              </a:rPr>
-              <a:t>dots,M</a:t>
-            </a:r>
-            <a:r>
-              <a:rPr lang="pt-BR" sz="1200" kern="1200" dirty="0" smtClean="0">
-                <a:solidFill>
-                  <a:schemeClr val="tx1"/>
-                </a:solidFill>
-                <a:latin typeface="+mn-lt"/>
-                <a:ea typeface="+mn-ea"/>
-                <a:cs typeface="+mn-cs"/>
-              </a:rPr>
-              <a:t>,\\</a:t>
-            </a:r>
-          </a:p>
-          <a:p>
-            <a:r>
-              <a:rPr lang="es-ES_tradnl" sz="1200" kern="1200" dirty="0" smtClean="0">
-                <a:solidFill>
-                  <a:schemeClr val="tx1"/>
-                </a:solidFill>
-                <a:latin typeface="+mn-lt"/>
-                <a:ea typeface="+mn-ea"/>
-                <a:cs typeface="+mn-cs"/>
-              </a:rPr>
-              <a:t>&amp; \sum_{j=1}^N </a:t>
-            </a:r>
-            <a:r>
-              <a:rPr lang="es-ES_tradnl" sz="1200" kern="1200" dirty="0" err="1" smtClean="0">
-                <a:solidFill>
-                  <a:schemeClr val="tx1"/>
-                </a:solidFill>
-                <a:latin typeface="+mn-lt"/>
-                <a:ea typeface="+mn-ea"/>
-                <a:cs typeface="+mn-cs"/>
-              </a:rPr>
-              <a:t>y_j</a:t>
-            </a:r>
-            <a:r>
-              <a:rPr lang="es-ES_tradnl" sz="1200" kern="1200" dirty="0" smtClean="0">
-                <a:solidFill>
-                  <a:schemeClr val="tx1"/>
-                </a:solidFill>
-                <a:latin typeface="+mn-lt"/>
-                <a:ea typeface="+mn-ea"/>
-                <a:cs typeface="+mn-cs"/>
-              </a:rPr>
-              <a:t> \</a:t>
-            </a:r>
-            <a:r>
-              <a:rPr lang="es-ES_tradnl" sz="1200" kern="1200" dirty="0" err="1" smtClean="0">
-                <a:solidFill>
-                  <a:schemeClr val="tx1"/>
-                </a:solidFill>
-                <a:latin typeface="+mn-lt"/>
-                <a:ea typeface="+mn-ea"/>
-                <a:cs typeface="+mn-cs"/>
-              </a:rPr>
-              <a:t>leq</a:t>
-            </a:r>
-            <a:r>
-              <a:rPr lang="es-ES_tradnl" sz="1200" kern="1200" dirty="0" smtClean="0">
-                <a:solidFill>
-                  <a:schemeClr val="tx1"/>
-                </a:solidFill>
-                <a:latin typeface="+mn-lt"/>
-                <a:ea typeface="+mn-ea"/>
-                <a:cs typeface="+mn-cs"/>
-              </a:rPr>
-              <a:t> K, \\</a:t>
-            </a:r>
-          </a:p>
-          <a:p>
-            <a:r>
-              <a:rPr lang="pt-BR" sz="1200" kern="1200" dirty="0" smtClean="0">
-                <a:solidFill>
-                  <a:schemeClr val="tx1"/>
-                </a:solidFill>
-                <a:latin typeface="+mn-lt"/>
-                <a:ea typeface="+mn-ea"/>
-                <a:cs typeface="+mn-cs"/>
-              </a:rPr>
-              <a:t>&amp; 0 \</a:t>
-            </a:r>
-            <a:r>
-              <a:rPr lang="pt-BR" sz="1200" kern="1200" dirty="0" err="1" smtClean="0">
-                <a:solidFill>
-                  <a:schemeClr val="tx1"/>
-                </a:solidFill>
-                <a:latin typeface="+mn-lt"/>
-                <a:ea typeface="+mn-ea"/>
-                <a:cs typeface="+mn-cs"/>
-              </a:rPr>
-              <a:t>leq</a:t>
-            </a:r>
-            <a:r>
-              <a:rPr lang="pt-BR" sz="1200" kern="1200" dirty="0" smtClean="0">
-                <a:solidFill>
-                  <a:schemeClr val="tx1"/>
-                </a:solidFill>
-                <a:latin typeface="+mn-lt"/>
-                <a:ea typeface="+mn-ea"/>
-                <a:cs typeface="+mn-cs"/>
-              </a:rPr>
-              <a:t> </a:t>
-            </a:r>
-            <a:r>
-              <a:rPr lang="pt-BR" sz="1200" kern="1200" dirty="0" err="1" smtClean="0">
-                <a:solidFill>
-                  <a:schemeClr val="tx1"/>
-                </a:solidFill>
-                <a:latin typeface="+mn-lt"/>
-                <a:ea typeface="+mn-ea"/>
-                <a:cs typeface="+mn-cs"/>
-              </a:rPr>
-              <a:t>x</a:t>
-            </a:r>
-            <a:r>
-              <a:rPr lang="pt-BR" sz="1200" kern="1200" dirty="0" smtClean="0">
-                <a:solidFill>
-                  <a:schemeClr val="tx1"/>
-                </a:solidFill>
-                <a:latin typeface="+mn-lt"/>
-                <a:ea typeface="+mn-ea"/>
-                <a:cs typeface="+mn-cs"/>
-              </a:rPr>
-              <a:t>_{</a:t>
-            </a:r>
-            <a:r>
-              <a:rPr lang="pt-BR" sz="1200" kern="1200" dirty="0" err="1" smtClean="0">
-                <a:solidFill>
-                  <a:schemeClr val="tx1"/>
-                </a:solidFill>
-                <a:latin typeface="+mn-lt"/>
-                <a:ea typeface="+mn-ea"/>
-                <a:cs typeface="+mn-cs"/>
-              </a:rPr>
-              <a:t>ij</a:t>
-            </a:r>
-            <a:r>
-              <a:rPr lang="pt-BR" sz="1200" kern="1200" dirty="0" smtClean="0">
-                <a:solidFill>
-                  <a:schemeClr val="tx1"/>
-                </a:solidFill>
-                <a:latin typeface="+mn-lt"/>
-                <a:ea typeface="+mn-ea"/>
-                <a:cs typeface="+mn-cs"/>
-              </a:rPr>
-              <a:t>} \</a:t>
-            </a:r>
-            <a:r>
-              <a:rPr lang="pt-BR" sz="1200" kern="1200" dirty="0" err="1" smtClean="0">
-                <a:solidFill>
-                  <a:schemeClr val="tx1"/>
-                </a:solidFill>
-                <a:latin typeface="+mn-lt"/>
-                <a:ea typeface="+mn-ea"/>
-                <a:cs typeface="+mn-cs"/>
-              </a:rPr>
-              <a:t>leq</a:t>
-            </a:r>
-            <a:r>
-              <a:rPr lang="pt-BR" sz="1200" kern="1200" dirty="0" smtClean="0">
-                <a:solidFill>
-                  <a:schemeClr val="tx1"/>
-                </a:solidFill>
-                <a:latin typeface="+mn-lt"/>
-                <a:ea typeface="+mn-ea"/>
-                <a:cs typeface="+mn-cs"/>
-              </a:rPr>
-              <a:t> 1, \</a:t>
-            </a:r>
-            <a:r>
-              <a:rPr lang="pt-BR" sz="1200" kern="1200" dirty="0" err="1" smtClean="0">
-                <a:solidFill>
-                  <a:schemeClr val="tx1"/>
-                </a:solidFill>
-                <a:latin typeface="+mn-lt"/>
-                <a:ea typeface="+mn-ea"/>
-                <a:cs typeface="+mn-cs"/>
-              </a:rPr>
-              <a:t>quad</a:t>
-            </a:r>
-            <a:r>
-              <a:rPr lang="pt-BR" sz="1200" kern="1200" dirty="0" smtClean="0">
-                <a:solidFill>
-                  <a:schemeClr val="tx1"/>
-                </a:solidFill>
-                <a:latin typeface="+mn-lt"/>
-                <a:ea typeface="+mn-ea"/>
-                <a:cs typeface="+mn-cs"/>
-              </a:rPr>
-              <a:t> \</a:t>
-            </a:r>
-            <a:r>
-              <a:rPr lang="pt-BR" sz="1200" kern="1200" dirty="0" err="1" smtClean="0">
-                <a:solidFill>
-                  <a:schemeClr val="tx1"/>
-                </a:solidFill>
-                <a:latin typeface="+mn-lt"/>
-                <a:ea typeface="+mn-ea"/>
-                <a:cs typeface="+mn-cs"/>
-              </a:rPr>
-              <a:t>forall</a:t>
-            </a:r>
-            <a:r>
-              <a:rPr lang="pt-BR" sz="1200" kern="1200" dirty="0" smtClean="0">
-                <a:solidFill>
-                  <a:schemeClr val="tx1"/>
-                </a:solidFill>
-                <a:latin typeface="+mn-lt"/>
-                <a:ea typeface="+mn-ea"/>
-                <a:cs typeface="+mn-cs"/>
-              </a:rPr>
-              <a:t> \, </a:t>
-            </a:r>
-            <a:r>
-              <a:rPr lang="pt-BR" sz="1200" kern="1200" dirty="0" err="1" smtClean="0">
-                <a:solidFill>
-                  <a:schemeClr val="tx1"/>
-                </a:solidFill>
-                <a:latin typeface="+mn-lt"/>
-                <a:ea typeface="+mn-ea"/>
-                <a:cs typeface="+mn-cs"/>
-              </a:rPr>
-              <a:t>i</a:t>
-            </a:r>
-            <a:r>
-              <a:rPr lang="pt-BR" sz="1200" kern="1200" dirty="0" smtClean="0">
-                <a:solidFill>
-                  <a:schemeClr val="tx1"/>
-                </a:solidFill>
-                <a:latin typeface="+mn-lt"/>
-                <a:ea typeface="+mn-ea"/>
-                <a:cs typeface="+mn-cs"/>
-              </a:rPr>
-              <a:t> =1,\</a:t>
-            </a:r>
-            <a:r>
-              <a:rPr lang="pt-BR" sz="1200" kern="1200" dirty="0" err="1" smtClean="0">
-                <a:solidFill>
-                  <a:schemeClr val="tx1"/>
-                </a:solidFill>
-                <a:latin typeface="+mn-lt"/>
-                <a:ea typeface="+mn-ea"/>
-                <a:cs typeface="+mn-cs"/>
-              </a:rPr>
-              <a:t>dots</a:t>
-            </a:r>
-            <a:r>
-              <a:rPr lang="pt-BR" sz="1200" kern="1200" dirty="0" smtClean="0">
-                <a:solidFill>
-                  <a:schemeClr val="tx1"/>
-                </a:solidFill>
-                <a:latin typeface="+mn-lt"/>
-                <a:ea typeface="+mn-ea"/>
-                <a:cs typeface="+mn-cs"/>
-              </a:rPr>
-              <a:t>, M, \ </a:t>
-            </a:r>
-            <a:r>
-              <a:rPr lang="pt-BR" sz="1200" kern="1200" dirty="0" err="1" smtClean="0">
-                <a:solidFill>
-                  <a:schemeClr val="tx1"/>
-                </a:solidFill>
-                <a:latin typeface="+mn-lt"/>
-                <a:ea typeface="+mn-ea"/>
-                <a:cs typeface="+mn-cs"/>
-              </a:rPr>
-              <a:t>j</a:t>
-            </a:r>
-            <a:r>
-              <a:rPr lang="pt-BR" sz="1200" kern="1200" dirty="0" smtClean="0">
-                <a:solidFill>
-                  <a:schemeClr val="tx1"/>
-                </a:solidFill>
-                <a:latin typeface="+mn-lt"/>
-                <a:ea typeface="+mn-ea"/>
-                <a:cs typeface="+mn-cs"/>
-              </a:rPr>
-              <a:t> = 1,\</a:t>
-            </a:r>
-            <a:r>
-              <a:rPr lang="pt-BR" sz="1200" kern="1200" dirty="0" err="1" smtClean="0">
-                <a:solidFill>
-                  <a:schemeClr val="tx1"/>
-                </a:solidFill>
-                <a:latin typeface="+mn-lt"/>
-                <a:ea typeface="+mn-ea"/>
-                <a:cs typeface="+mn-cs"/>
-              </a:rPr>
-              <a:t>dots</a:t>
-            </a:r>
-            <a:r>
-              <a:rPr lang="pt-BR" sz="1200" kern="1200" dirty="0" smtClean="0">
-                <a:solidFill>
-                  <a:schemeClr val="tx1"/>
-                </a:solidFill>
-                <a:latin typeface="+mn-lt"/>
-                <a:ea typeface="+mn-ea"/>
-                <a:cs typeface="+mn-cs"/>
-              </a:rPr>
-              <a:t>, N, \\</a:t>
-            </a:r>
-          </a:p>
-          <a:p>
-            <a:r>
-              <a:rPr lang="pt-BR" sz="1200" kern="1200" dirty="0" smtClean="0">
-                <a:solidFill>
-                  <a:schemeClr val="tx1"/>
-                </a:solidFill>
-                <a:latin typeface="+mn-lt"/>
-                <a:ea typeface="+mn-ea"/>
-                <a:cs typeface="+mn-cs"/>
-              </a:rPr>
-              <a:t>&amp; </a:t>
-            </a:r>
-            <a:r>
-              <a:rPr lang="pt-BR" sz="1200" kern="1200" dirty="0" err="1" smtClean="0">
-                <a:solidFill>
-                  <a:schemeClr val="tx1"/>
-                </a:solidFill>
-                <a:latin typeface="+mn-lt"/>
-                <a:ea typeface="+mn-ea"/>
-                <a:cs typeface="+mn-cs"/>
-              </a:rPr>
-              <a:t>y_j</a:t>
-            </a:r>
-            <a:r>
-              <a:rPr lang="pt-BR" sz="1200" kern="1200" dirty="0" smtClean="0">
-                <a:solidFill>
-                  <a:schemeClr val="tx1"/>
-                </a:solidFill>
-                <a:latin typeface="+mn-lt"/>
-                <a:ea typeface="+mn-ea"/>
-                <a:cs typeface="+mn-cs"/>
-              </a:rPr>
-              <a:t> \in \{ 0, 1\}, \</a:t>
-            </a:r>
-            <a:r>
-              <a:rPr lang="pt-BR" sz="1200" kern="1200" dirty="0" err="1" smtClean="0">
-                <a:solidFill>
-                  <a:schemeClr val="tx1"/>
-                </a:solidFill>
-                <a:latin typeface="+mn-lt"/>
-                <a:ea typeface="+mn-ea"/>
-                <a:cs typeface="+mn-cs"/>
-              </a:rPr>
-              <a:t>quad</a:t>
-            </a:r>
-            <a:r>
-              <a:rPr lang="pt-BR" sz="1200" kern="1200" dirty="0" smtClean="0">
-                <a:solidFill>
-                  <a:schemeClr val="tx1"/>
-                </a:solidFill>
-                <a:latin typeface="+mn-lt"/>
-                <a:ea typeface="+mn-ea"/>
-                <a:cs typeface="+mn-cs"/>
-              </a:rPr>
-              <a:t> \</a:t>
-            </a:r>
-            <a:r>
-              <a:rPr lang="pt-BR" sz="1200" kern="1200" dirty="0" err="1" smtClean="0">
-                <a:solidFill>
-                  <a:schemeClr val="tx1"/>
-                </a:solidFill>
-                <a:latin typeface="+mn-lt"/>
-                <a:ea typeface="+mn-ea"/>
-                <a:cs typeface="+mn-cs"/>
-              </a:rPr>
-              <a:t>forall</a:t>
-            </a:r>
-            <a:r>
-              <a:rPr lang="pt-BR" sz="1200" kern="1200" dirty="0" smtClean="0">
-                <a:solidFill>
-                  <a:schemeClr val="tx1"/>
-                </a:solidFill>
-                <a:latin typeface="+mn-lt"/>
-                <a:ea typeface="+mn-ea"/>
-                <a:cs typeface="+mn-cs"/>
-              </a:rPr>
-              <a:t> \, </a:t>
-            </a:r>
-            <a:r>
-              <a:rPr lang="pt-BR" sz="1200" kern="1200" dirty="0" err="1" smtClean="0">
-                <a:solidFill>
-                  <a:schemeClr val="tx1"/>
-                </a:solidFill>
-                <a:latin typeface="+mn-lt"/>
-                <a:ea typeface="+mn-ea"/>
-                <a:cs typeface="+mn-cs"/>
-              </a:rPr>
-              <a:t>j</a:t>
-            </a:r>
-            <a:r>
-              <a:rPr lang="pt-BR" sz="1200" kern="1200" dirty="0" smtClean="0">
-                <a:solidFill>
-                  <a:schemeClr val="tx1"/>
-                </a:solidFill>
-                <a:latin typeface="+mn-lt"/>
-                <a:ea typeface="+mn-ea"/>
-                <a:cs typeface="+mn-cs"/>
-              </a:rPr>
-              <a:t> =1,\</a:t>
-            </a:r>
-            <a:r>
-              <a:rPr lang="pt-BR" sz="1200" kern="1200" dirty="0" err="1" smtClean="0">
-                <a:solidFill>
-                  <a:schemeClr val="tx1"/>
-                </a:solidFill>
-                <a:latin typeface="+mn-lt"/>
-                <a:ea typeface="+mn-ea"/>
-                <a:cs typeface="+mn-cs"/>
-              </a:rPr>
-              <a:t>dots</a:t>
-            </a:r>
-            <a:r>
-              <a:rPr lang="pt-BR" sz="1200" kern="1200" dirty="0" smtClean="0">
-                <a:solidFill>
-                  <a:schemeClr val="tx1"/>
-                </a:solidFill>
-                <a:latin typeface="+mn-lt"/>
-                <a:ea typeface="+mn-ea"/>
-                <a:cs typeface="+mn-cs"/>
-              </a:rPr>
-              <a:t>, N.</a:t>
-            </a:r>
+              <a:rPr lang="en-US" dirty="0" smtClean="0"/>
+              <a:t>SHOW THE MATRIX</a:t>
+            </a:r>
+          </a:p>
+          <a:p>
             <a:endParaRPr lang="en-US" dirty="0"/>
           </a:p>
         </p:txBody>
@@ -3844,7 +4166,7 @@
           <a:p>
             <a:fld id="{B15EEDFE-005D-3E4B-A966-9C955210900B}" type="slidenum">
               <a:rPr lang="en-US" smtClean="0"/>
-              <a:t>28</a:t>
+              <a:t>26</a:t>
             </a:fld>
             <a:endParaRPr lang="en-US" dirty="0"/>
           </a:p>
@@ -3853,7 +4175,7 @@
     </p:spTree>
     <p:extLst>
       <p:ext uri="{BB962C8B-B14F-4D97-AF65-F5344CB8AC3E}">
-        <p14:creationId xmlns:p14="http://schemas.microsoft.com/office/powerpoint/2010/main" val="2588120924"/>
+        <p14:creationId xmlns:p14="http://schemas.microsoft.com/office/powerpoint/2010/main" val="139735369"/>
       </p:ext>
     </p:extLst>
   </p:cSld>
@@ -7206,6 +7528,13 @@
   <p:clrMapOvr>
     <a:masterClrMapping/>
   </p:clrMapOvr>
+  <p:timing>
+    <p:tnLst>
+      <p:par>
+        <p:cTn xmlns:p14="http://schemas.microsoft.com/office/powerpoint/2010/main" id="1" dur="indefinite" restart="never" nodeType="tmRoot"/>
+      </p:par>
+    </p:tnLst>
+  </p:timing>
 </p:sld>
 </file>
 
@@ -7311,11 +7640,7 @@
             <a:pPr lvl="1"/>
             <a:r>
               <a:rPr lang="en-US" dirty="0" smtClean="0"/>
-              <a:t>a     # a is back to being [1, 2, 3</a:t>
-            </a:r>
-            <a:r>
-              <a:rPr lang="en-US" dirty="0" smtClean="0"/>
-              <a:t>]</a:t>
+              <a:t>a     # a is back to being [1, 2, 3]</a:t>
             </a:r>
           </a:p>
           <a:p>
@@ -7336,11 +7661,7 @@
             <a:pPr lvl="1"/>
             <a:r>
               <a:rPr lang="en-US" dirty="0" smtClean="0"/>
-              <a:t>z = </a:t>
-            </a:r>
-            <a:r>
-              <a:rPr lang="en-US" dirty="0" smtClean="0"/>
-              <a:t>Int64[ ] </a:t>
+              <a:t>z = Int64[ ] </a:t>
             </a:r>
           </a:p>
           <a:p>
@@ -7349,7 +7670,6 @@
               <a:rPr lang="en-US" dirty="0" smtClean="0"/>
               <a:t>push!(z,5) # how about now?</a:t>
             </a:r>
-            <a:endParaRPr lang="en-US" dirty="0" smtClean="0"/>
           </a:p>
         </p:txBody>
       </p:sp>
@@ -7363,6 +7683,13 @@
   <p:clrMapOvr>
     <a:masterClrMapping/>
   </p:clrMapOvr>
+  <p:timing>
+    <p:tnLst>
+      <p:par>
+        <p:cTn xmlns:p14="http://schemas.microsoft.com/office/powerpoint/2010/main" id="1" dur="indefinite" restart="never" nodeType="tmRoot"/>
+      </p:par>
+    </p:tnLst>
+  </p:timing>
 </p:sld>
 </file>
 
@@ -7600,11 +7927,7 @@
           <a:p>
             <a:r>
               <a:rPr lang="en-US" dirty="0" smtClean="0"/>
-              <a:t>Yet </a:t>
-            </a:r>
-            <a:r>
-              <a:rPr lang="en-US" dirty="0" smtClean="0"/>
-              <a:t>another trap!</a:t>
+              <a:t>Yet another trap!</a:t>
             </a:r>
             <a:endParaRPr lang="en-US" dirty="0"/>
           </a:p>
@@ -7646,6 +7969,13 @@
   <p:clrMapOvr>
     <a:masterClrMapping/>
   </p:clrMapOvr>
+  <p:timing>
+    <p:tnLst>
+      <p:par>
+        <p:cTn xmlns:p14="http://schemas.microsoft.com/office/powerpoint/2010/main" id="1" dur="indefinite" restart="never" nodeType="tmRoot"/>
+      </p:par>
+    </p:tnLst>
+  </p:timing>
 </p:sld>
 </file>
 
@@ -7758,11 +8088,7 @@
           <a:p>
             <a:r>
               <a:rPr lang="en-US" dirty="0" smtClean="0"/>
-              <a:t>Can </a:t>
-            </a:r>
-            <a:r>
-              <a:rPr lang="en-US" dirty="0" smtClean="0"/>
-              <a:t>build matrices this way:</a:t>
+              <a:t>Can build matrices this way:</a:t>
             </a:r>
           </a:p>
           <a:p>
@@ -7800,11 +8126,18 @@
   <p:clrMapOvr>
     <a:masterClrMapping/>
   </p:clrMapOvr>
+  <p:timing>
+    <p:tnLst>
+      <p:par>
+        <p:cTn xmlns:p14="http://schemas.microsoft.com/office/powerpoint/2010/main" id="1" dur="indefinite" restart="never" nodeType="tmRoot"/>
+      </p:par>
+    </p:tnLst>
+  </p:timing>
 </p:sld>
 </file>
 
 <file path=ppt/slides/slide14.xml><?xml version="1.0" encoding="utf-8"?>
-<p:sld xmlns:a="http://schemas.openxmlformats.org/drawingml/2006/main" xmlns:r="http://schemas.openxmlformats.org/officeDocument/2006/relationships" xmlns:p="http://schemas.openxmlformats.org/presentationml/2006/main" show="0">
+<p:sld xmlns:a="http://schemas.openxmlformats.org/drawingml/2006/main" xmlns:r="http://schemas.openxmlformats.org/officeDocument/2006/relationships" xmlns:p="http://schemas.openxmlformats.org/presentationml/2006/main">
   <p:cSld>
     <p:spTree>
       <p:nvGrpSpPr>
@@ -7837,7 +8170,7 @@
           <a:p>
             <a:r>
               <a:rPr lang="en-US" dirty="0" smtClean="0"/>
-              <a:t>Beware…</a:t>
+              <a:t>Tuples</a:t>
             </a:r>
             <a:endParaRPr lang="en-US" dirty="0"/>
           </a:p>
@@ -7855,114 +8188,85 @@
         </p:nvSpPr>
         <p:spPr/>
         <p:txBody>
-          <a:bodyPr>
-            <a:normAutofit/>
-          </a:bodyPr>
-          <a:lstStyle/>
-          <a:p>
-            <a:r>
-              <a:rPr lang="en-US" dirty="0" smtClean="0"/>
-              <a:t>Julia is much stricter with arrays than MATLAB!</a:t>
-            </a:r>
-          </a:p>
-          <a:p>
-            <a:r>
-              <a:rPr lang="en-US" dirty="0" smtClean="0"/>
-              <a:t>For example:</a:t>
-            </a:r>
-          </a:p>
-          <a:p>
-            <a:pPr lvl="1"/>
-            <a:r>
-              <a:rPr lang="en-US" dirty="0" smtClean="0"/>
-              <a:t>A = rand(10,3); x = rand(3,1); b = rand(10,1)</a:t>
-            </a:r>
-          </a:p>
-          <a:p>
-            <a:pPr lvl="1"/>
-            <a:r>
-              <a:rPr lang="en-US" dirty="0" smtClean="0"/>
-              <a:t>A[4,:] * x – b[4]</a:t>
-            </a:r>
-          </a:p>
-          <a:p>
-            <a:pPr lvl="1"/>
-            <a:r>
-              <a:rPr lang="en-US" dirty="0" smtClean="0"/>
-              <a:t>A[4,:] * x – b[4] &lt; 0    # what happens?</a:t>
-            </a:r>
-          </a:p>
-          <a:p>
-            <a:pPr lvl="1"/>
-            <a:r>
-              <a:rPr lang="en-US" dirty="0" smtClean="0"/>
-              <a:t>(A[4,:] * x – b[4])[1] &lt; 0  # how about now?</a:t>
-            </a:r>
-          </a:p>
-          <a:p>
-            <a:r>
-              <a:rPr lang="en-US" dirty="0" smtClean="0"/>
-              <a:t>What is the type of x? Try this:</a:t>
-            </a:r>
-          </a:p>
-          <a:p>
-            <a:pPr lvl="1"/>
-            <a:r>
-              <a:rPr lang="en-US" dirty="0" smtClean="0"/>
-              <a:t>x[:]  # how is this different?</a:t>
-            </a:r>
-          </a:p>
-          <a:p>
-            <a:r>
-              <a:rPr lang="en-US" dirty="0" smtClean="0"/>
-              <a:t>Try this:</a:t>
+          <a:bodyPr/>
+          <a:lstStyle/>
+          <a:p>
+            <a:r>
+              <a:rPr lang="en-US" dirty="0" smtClean="0"/>
+              <a:t>Tuples are “fixed” arrays:</a:t>
+            </a:r>
+          </a:p>
+          <a:p>
+            <a:pPr lvl="1"/>
+            <a:r>
+              <a:rPr lang="en-US" dirty="0" smtClean="0"/>
+              <a:t>t = (1, 2, 3)</a:t>
+            </a:r>
+          </a:p>
+          <a:p>
+            <a:r>
+              <a:rPr lang="en-US" dirty="0" smtClean="0"/>
+              <a:t>Can access them like arrays, but can’t change them:</a:t>
+            </a:r>
+          </a:p>
+          <a:p>
+            <a:pPr lvl="1"/>
+            <a:r>
+              <a:rPr lang="en-US" dirty="0" smtClean="0"/>
+              <a:t>t[1]    # gives back 1</a:t>
+            </a:r>
+          </a:p>
+          <a:p>
+            <a:pPr lvl="1"/>
+            <a:r>
+              <a:rPr lang="en-US" dirty="0" smtClean="0"/>
+              <a:t>t[1] = 5  # error!</a:t>
+            </a:r>
+          </a:p>
+          <a:p>
+            <a:r>
+              <a:rPr lang="en-US" dirty="0" smtClean="0"/>
+              <a:t>Tuples can be initialized in other ways:</a:t>
             </a:r>
           </a:p>
           <a:p>
             <a:pPr lvl="1"/>
             <a:r>
               <a:rPr lang="en-US" dirty="0"/>
-              <a:t>z</a:t>
-            </a:r>
-            <a:r>
-              <a:rPr lang="en-US" dirty="0" smtClean="0"/>
-              <a:t> = [1:1:3]  # what is it? </a:t>
-            </a:r>
-          </a:p>
-          <a:p>
-            <a:pPr lvl="1"/>
-            <a:r>
-              <a:rPr lang="en-US" dirty="0" smtClean="0"/>
-              <a:t>z[:]   # what do you get?</a:t>
-            </a:r>
-          </a:p>
-          <a:p>
-            <a:pPr lvl="1"/>
-            <a:r>
-              <a:rPr lang="en-US" dirty="0" smtClean="0"/>
-              <a:t>z[:,:]  # how about now?</a:t>
-            </a:r>
+              <a:t>x</a:t>
+            </a:r>
+            <a:r>
+              <a:rPr lang="en-US" dirty="0" smtClean="0"/>
+              <a:t> = tuple(1, 2, 3)</a:t>
+            </a:r>
+          </a:p>
+          <a:p>
+            <a:pPr lvl="1"/>
+            <a:r>
+              <a:rPr lang="en-US" dirty="0" smtClean="0"/>
+              <a:t>y = [1:5]</a:t>
+            </a:r>
+          </a:p>
+          <a:p>
+            <a:pPr lvl="1"/>
+            <a:r>
+              <a:rPr lang="en-US" dirty="0" smtClean="0"/>
+              <a:t>z = tuple( y... )</a:t>
+            </a:r>
+            <a:endParaRPr lang="en-US" dirty="0"/>
           </a:p>
         </p:txBody>
       </p:sp>
     </p:spTree>
     <p:extLst>
       <p:ext uri="{BB962C8B-B14F-4D97-AF65-F5344CB8AC3E}">
-        <p14:creationId xmlns:p14="http://schemas.microsoft.com/office/powerpoint/2010/main" val="2476400423"/>
+        <p14:creationId xmlns:p14="http://schemas.microsoft.com/office/powerpoint/2010/main" val="3812498582"/>
       </p:ext>
     </p:extLst>
   </p:cSld>
   <p:clrMapOvr>
     <a:masterClrMapping/>
   </p:clrMapOvr>
-  <mc:AlternateContent xmlns:mc="http://schemas.openxmlformats.org/markup-compatibility/2006">
-    <mc:Choice xmlns:p14="http://schemas.microsoft.com/office/powerpoint/2010/main" Requires="p14">
-      <p:transition spd="slow" p14:dur="2000"/>
-    </mc:Choice>
-    <mc:Fallback>
-      <p:transition xmlns:p14="http://schemas.microsoft.com/office/powerpoint/2010/main" spd="slow"/>
-    </mc:Fallback>
-  </mc:AlternateContent>
   <p:timing>
     <p:tnLst>
       <p:par>
@@ -8007,7 +8311,7 @@
           <a:p>
             <a:r>
               <a:rPr lang="en-US" dirty="0" smtClean="0"/>
-              <a:t>Tuples</a:t>
+              <a:t>Dictionaries</a:t>
             </a:r>
             <a:endParaRPr lang="en-US" dirty="0"/>
           </a:p>
@@ -8030,74 +8334,168 @@
           <a:p>
             <a:r>
               <a:rPr lang="en-US" dirty="0" smtClean="0"/>
-              <a:t>Tuples are “fixed” arrays:</a:t>
-            </a:r>
-          </a:p>
-          <a:p>
-            <a:pPr lvl="1"/>
-            <a:r>
-              <a:rPr lang="en-US" dirty="0" smtClean="0"/>
-              <a:t>t = (1, 2, 3)</a:t>
-            </a:r>
-          </a:p>
-          <a:p>
-            <a:r>
-              <a:rPr lang="en-US" dirty="0" smtClean="0"/>
-              <a:t>Can access them like arrays, but can’t change them:</a:t>
-            </a:r>
-          </a:p>
-          <a:p>
-            <a:pPr lvl="1"/>
-            <a:r>
-              <a:rPr lang="en-US" dirty="0" smtClean="0"/>
-              <a:t>t[1]    # gives back 1</a:t>
-            </a:r>
-          </a:p>
-          <a:p>
-            <a:pPr lvl="1"/>
-            <a:r>
-              <a:rPr lang="en-US" dirty="0" smtClean="0"/>
-              <a:t>t[1] = 5  # error!</a:t>
-            </a:r>
-          </a:p>
-          <a:p>
-            <a:r>
-              <a:rPr lang="en-US" dirty="0" smtClean="0"/>
-              <a:t>Tuples can be initialized in other ways:</a:t>
+              <a:t>Dictionaries are like arrays, except they can be indexed by arbitrary objects:</a:t>
+            </a:r>
+          </a:p>
+          <a:p>
+            <a:pPr lvl="1"/>
+            <a:r>
+              <a:rPr lang="en-US" dirty="0" err="1"/>
+              <a:t>m</a:t>
+            </a:r>
+            <a:r>
+              <a:rPr lang="en-US" dirty="0" err="1" smtClean="0"/>
+              <a:t>ydict</a:t>
+            </a:r>
+            <a:r>
+              <a:rPr lang="en-US" dirty="0" smtClean="0"/>
+              <a:t> = </a:t>
+            </a:r>
+            <a:r>
+              <a:rPr lang="en-US" dirty="0" err="1" smtClean="0"/>
+              <a:t>Dict</a:t>
+            </a:r>
+            <a:r>
+              <a:rPr lang="en-US" dirty="0" smtClean="0"/>
+              <a:t>()    # makes an empty dictionary.</a:t>
+            </a:r>
+          </a:p>
+          <a:p>
+            <a:pPr lvl="1"/>
+            <a:r>
+              <a:rPr lang="en-US" dirty="0" err="1"/>
+              <a:t>m</a:t>
+            </a:r>
+            <a:r>
+              <a:rPr lang="en-US" dirty="0" err="1" smtClean="0"/>
+              <a:t>ydict</a:t>
+            </a:r>
+            <a:r>
+              <a:rPr lang="en-US" dirty="0" smtClean="0"/>
+              <a:t>[“Velibor”] = “is alright”    # add key-value pairs…</a:t>
+            </a:r>
+          </a:p>
+          <a:p>
+            <a:pPr lvl="1"/>
+            <a:r>
+              <a:rPr lang="en-US" dirty="0" err="1"/>
+              <a:t>m</a:t>
+            </a:r>
+            <a:r>
+              <a:rPr lang="en-US" dirty="0" err="1" smtClean="0"/>
+              <a:t>ydict</a:t>
+            </a:r>
+            <a:r>
+              <a:rPr lang="en-US" dirty="0" smtClean="0"/>
+              <a:t>[“Vishal”] = “is awesome!”</a:t>
+            </a:r>
+          </a:p>
+          <a:p>
+            <a:pPr lvl="1"/>
+            <a:r>
+              <a:rPr lang="en-US" dirty="0" err="1" smtClean="0"/>
+              <a:t>myotherdict</a:t>
+            </a:r>
+            <a:r>
+              <a:rPr lang="en-US" dirty="0" smtClean="0"/>
+              <a:t> = [“King’s Landing”=&gt; 1, “</a:t>
+            </a:r>
+            <a:r>
+              <a:rPr lang="en-US" dirty="0" err="1" smtClean="0"/>
+              <a:t>Winterfell</a:t>
+            </a:r>
+            <a:r>
+              <a:rPr lang="en-US" dirty="0" smtClean="0"/>
+              <a:t>”=&gt; 2, “</a:t>
+            </a:r>
+            <a:r>
+              <a:rPr lang="en-US" dirty="0" err="1" smtClean="0"/>
+              <a:t>Qarth</a:t>
+            </a:r>
+            <a:r>
+              <a:rPr lang="en-US" dirty="0" smtClean="0"/>
+              <a:t>”=&gt;3]</a:t>
+            </a:r>
+          </a:p>
+          <a:p>
+            <a:pPr lvl="1"/>
+            <a:r>
+              <a:rPr lang="en-US" dirty="0" err="1"/>
+              <a:t>m</a:t>
+            </a:r>
+            <a:r>
+              <a:rPr lang="en-US" dirty="0" err="1" smtClean="0"/>
+              <a:t>yotherdict</a:t>
+            </a:r>
+            <a:r>
+              <a:rPr lang="en-US" dirty="0" smtClean="0"/>
+              <a:t>[“</a:t>
+            </a:r>
+            <a:r>
+              <a:rPr lang="en-US" dirty="0" err="1" smtClean="0"/>
+              <a:t>Pyke</a:t>
+            </a:r>
+            <a:r>
+              <a:rPr lang="en-US" dirty="0" smtClean="0"/>
+              <a:t>”]   # gives an error</a:t>
+            </a:r>
+          </a:p>
+          <a:p>
+            <a:r>
+              <a:rPr lang="en-US" dirty="0" smtClean="0"/>
+              <a:t>Keys of dictionary:</a:t>
             </a:r>
           </a:p>
           <a:p>
             <a:pPr lvl="1"/>
             <a:r>
               <a:rPr lang="en-US" dirty="0"/>
-              <a:t>x</a:t>
-            </a:r>
-            <a:r>
-              <a:rPr lang="en-US" dirty="0" smtClean="0"/>
-              <a:t> = tuple(1, 2, 3)</a:t>
-            </a:r>
-          </a:p>
-          <a:p>
-            <a:pPr lvl="1"/>
-            <a:r>
-              <a:rPr lang="en-US" dirty="0" smtClean="0"/>
-              <a:t>y = [1:5]</a:t>
-            </a:r>
-          </a:p>
-          <a:p>
-            <a:pPr lvl="1"/>
-            <a:r>
-              <a:rPr lang="en-US" dirty="0" smtClean="0"/>
-              <a:t>z = tuple( y... )</a:t>
-            </a:r>
-            <a:endParaRPr lang="en-US" dirty="0"/>
+              <a:t>k</a:t>
+            </a:r>
+            <a:r>
+              <a:rPr lang="en-US" dirty="0" smtClean="0"/>
+              <a:t>eys(</a:t>
+            </a:r>
+            <a:r>
+              <a:rPr lang="en-US" dirty="0" err="1" smtClean="0"/>
+              <a:t>mydict</a:t>
+            </a:r>
+            <a:r>
+              <a:rPr lang="en-US" dirty="0" smtClean="0"/>
+              <a:t>)</a:t>
+            </a:r>
+          </a:p>
+          <a:p>
+            <a:r>
+              <a:rPr lang="en-US" dirty="0" smtClean="0"/>
+              <a:t>Values of dictionary:</a:t>
+            </a:r>
+          </a:p>
+          <a:p>
+            <a:pPr lvl="1"/>
+            <a:r>
+              <a:rPr lang="en-US" dirty="0"/>
+              <a:t>v</a:t>
+            </a:r>
+            <a:r>
+              <a:rPr lang="en-US" dirty="0" smtClean="0"/>
+              <a:t>alues(</a:t>
+            </a:r>
+            <a:r>
+              <a:rPr lang="en-US" dirty="0" err="1" smtClean="0"/>
+              <a:t>mydict</a:t>
+            </a:r>
+            <a:r>
+              <a:rPr lang="en-US" dirty="0" smtClean="0"/>
+              <a:t>)</a:t>
+            </a:r>
           </a:p>
         </p:txBody>
       </p:sp>
     </p:spTree>
     <p:extLst>
       <p:ext uri="{BB962C8B-B14F-4D97-AF65-F5344CB8AC3E}">
-        <p14:creationId xmlns:p14="http://schemas.microsoft.com/office/powerpoint/2010/main" val="3812498582"/>
+        <p14:creationId xmlns:p14="http://schemas.microsoft.com/office/powerpoint/2010/main" val="2543911914"/>
       </p:ext>
     </p:extLst>
   </p:cSld>
@@ -8148,7 +8546,7 @@
           <a:p>
             <a:r>
               <a:rPr lang="en-US" dirty="0" smtClean="0"/>
-              <a:t>Dictionaries</a:t>
+              <a:t>Conditionals and loops</a:t>
             </a:r>
             <a:endParaRPr lang="en-US" dirty="0"/>
           </a:p>
@@ -8166,173 +8564,178 @@
         </p:nvSpPr>
         <p:spPr/>
         <p:txBody>
-          <a:bodyPr/>
-          <a:lstStyle/>
-          <a:p>
-            <a:r>
-              <a:rPr lang="en-US" dirty="0" smtClean="0"/>
-              <a:t>Dictionaries are like arrays, except they can be indexed by arbitrary objects:</a:t>
-            </a:r>
-          </a:p>
-          <a:p>
-            <a:pPr lvl="1"/>
+          <a:bodyPr>
+            <a:normAutofit fontScale="85000" lnSpcReduction="20000"/>
+          </a:bodyPr>
+          <a:lstStyle/>
+          <a:p>
+            <a:r>
+              <a:rPr lang="en-US" dirty="0" smtClean="0"/>
+              <a:t>If-then-else:</a:t>
+            </a:r>
+          </a:p>
+          <a:p>
+            <a:pPr lvl="1"/>
+            <a:r>
+              <a:rPr lang="en-US" dirty="0" smtClean="0"/>
+              <a:t>x = 2</a:t>
+            </a:r>
+          </a:p>
+          <a:p>
+            <a:pPr lvl="1"/>
+            <a:r>
+              <a:rPr lang="en-US" dirty="0"/>
+              <a:t>i</a:t>
+            </a:r>
+            <a:r>
+              <a:rPr lang="en-US" dirty="0" smtClean="0"/>
+              <a:t>f x &gt; 6</a:t>
+            </a:r>
+            <a:br>
+              <a:rPr lang="en-US" dirty="0" smtClean="0"/>
+            </a:br>
+            <a:r>
+              <a:rPr lang="en-US" dirty="0" smtClean="0"/>
+              <a:t>	x = x + 20</a:t>
+            </a:r>
+            <a:br>
+              <a:rPr lang="en-US" dirty="0" smtClean="0"/>
+            </a:br>
+            <a:r>
+              <a:rPr lang="en-US" dirty="0" err="1" smtClean="0"/>
+              <a:t>elseif</a:t>
+            </a:r>
+            <a:r>
+              <a:rPr lang="en-US" dirty="0" smtClean="0"/>
+              <a:t> (x &lt; 5) </a:t>
+            </a:r>
+            <a:br>
+              <a:rPr lang="en-US" dirty="0" smtClean="0"/>
+            </a:br>
+            <a:r>
+              <a:rPr lang="en-US" dirty="0" smtClean="0"/>
+              <a:t>	x = factorial(x)</a:t>
+            </a:r>
+            <a:br>
+              <a:rPr lang="en-US" dirty="0" smtClean="0"/>
+            </a:br>
+            <a:r>
+              <a:rPr lang="en-US" dirty="0" smtClean="0"/>
+              <a:t>else </a:t>
+            </a:r>
+            <a:br>
+              <a:rPr lang="en-US" dirty="0" smtClean="0"/>
+            </a:br>
+            <a:r>
+              <a:rPr lang="en-US" dirty="0" smtClean="0"/>
+              <a:t>	</a:t>
+            </a:r>
+            <a:r>
+              <a:rPr lang="en-US" dirty="0" err="1" smtClean="0"/>
+              <a:t>println</a:t>
+            </a:r>
+            <a:r>
+              <a:rPr lang="en-US" dirty="0" smtClean="0"/>
+              <a:t>(“Not changing x”)</a:t>
+            </a:r>
+            <a:br>
+              <a:rPr lang="en-US" dirty="0" smtClean="0"/>
+            </a:br>
+            <a:r>
+              <a:rPr lang="en-US" dirty="0" smtClean="0"/>
+              <a:t>end</a:t>
+            </a:r>
+          </a:p>
+          <a:p>
+            <a:pPr lvl="1"/>
+            <a:endParaRPr lang="en-US" dirty="0" smtClean="0"/>
+          </a:p>
+          <a:p>
+            <a:r>
+              <a:rPr lang="en-US" dirty="0" smtClean="0"/>
+              <a:t>for loops:</a:t>
+            </a:r>
+          </a:p>
+          <a:p>
+            <a:pPr lvl="1"/>
+            <a:r>
+              <a:rPr lang="en-US" dirty="0"/>
+              <a:t>for k =1:5</a:t>
+            </a:r>
+            <a:br>
+              <a:rPr lang="en-US" dirty="0"/>
+            </a:br>
+            <a:r>
+              <a:rPr lang="en-US" dirty="0"/>
+              <a:t>	</a:t>
+            </a:r>
             <a:r>
               <a:rPr lang="en-US" dirty="0" err="1"/>
-              <a:t>m</a:t>
-            </a:r>
-            <a:r>
-              <a:rPr lang="en-US" dirty="0" err="1" smtClean="0"/>
-              <a:t>ydict</a:t>
-            </a:r>
-            <a:r>
-              <a:rPr lang="en-US" dirty="0" smtClean="0"/>
-              <a:t> = </a:t>
-            </a:r>
-            <a:r>
-              <a:rPr lang="en-US" dirty="0" err="1" smtClean="0"/>
-              <a:t>Dict</a:t>
-            </a:r>
-            <a:r>
-              <a:rPr lang="en-US" dirty="0" smtClean="0"/>
-              <a:t>()    # makes an empty dictionary.</a:t>
-            </a:r>
-          </a:p>
-          <a:p>
-            <a:pPr lvl="1"/>
-            <a:r>
-              <a:rPr lang="en-US" dirty="0" err="1"/>
-              <a:t>m</a:t>
-            </a:r>
-            <a:r>
-              <a:rPr lang="en-US" dirty="0" err="1" smtClean="0"/>
-              <a:t>ydict</a:t>
-            </a:r>
-            <a:r>
-              <a:rPr lang="en-US" dirty="0" smtClean="0"/>
-              <a:t>[“Velibor”] = “is alright”    # add key-value pairs…</a:t>
-            </a:r>
-          </a:p>
-          <a:p>
-            <a:pPr lvl="1"/>
-            <a:r>
-              <a:rPr lang="en-US" dirty="0" err="1"/>
-              <a:t>m</a:t>
-            </a:r>
-            <a:r>
-              <a:rPr lang="en-US" dirty="0" err="1" smtClean="0"/>
-              <a:t>ydict</a:t>
-            </a:r>
-            <a:r>
-              <a:rPr lang="en-US" dirty="0" smtClean="0"/>
-              <a:t>[“Vishal”] = “is awesome!”</a:t>
-            </a:r>
-          </a:p>
-          <a:p>
-            <a:pPr lvl="1"/>
-            <a:r>
-              <a:rPr lang="en-US" dirty="0" err="1" smtClean="0"/>
-              <a:t>myotherdict</a:t>
-            </a:r>
-            <a:r>
-              <a:rPr lang="en-US" dirty="0" smtClean="0"/>
-              <a:t> = [“King’s Landing”=&gt; 1, “</a:t>
-            </a:r>
-            <a:r>
-              <a:rPr lang="en-US" dirty="0" err="1" smtClean="0"/>
-              <a:t>Winterfell</a:t>
-            </a:r>
-            <a:r>
-              <a:rPr lang="en-US" dirty="0" smtClean="0"/>
-              <a:t>”=&gt; 2, “</a:t>
-            </a:r>
-            <a:r>
-              <a:rPr lang="en-US" dirty="0" err="1" smtClean="0"/>
-              <a:t>Qarth</a:t>
-            </a:r>
-            <a:r>
-              <a:rPr lang="en-US" dirty="0" smtClean="0"/>
-              <a:t>”=&gt;3]</a:t>
-            </a:r>
-          </a:p>
-          <a:p>
-            <a:pPr lvl="1"/>
-            <a:r>
-              <a:rPr lang="en-US" dirty="0" err="1"/>
-              <a:t>m</a:t>
-            </a:r>
-            <a:r>
-              <a:rPr lang="en-US" dirty="0" err="1" smtClean="0"/>
-              <a:t>yotherdict</a:t>
-            </a:r>
-            <a:r>
-              <a:rPr lang="en-US" dirty="0" smtClean="0"/>
-              <a:t>[“</a:t>
-            </a:r>
-            <a:r>
-              <a:rPr lang="en-US" dirty="0" err="1" smtClean="0"/>
-              <a:t>Pyke</a:t>
-            </a:r>
-            <a:r>
-              <a:rPr lang="en-US" dirty="0" smtClean="0"/>
-              <a:t>”]   # gives an error</a:t>
-            </a:r>
-          </a:p>
-          <a:p>
-            <a:r>
-              <a:rPr lang="en-US" dirty="0" smtClean="0"/>
-              <a:t>Keys of dictionary:</a:t>
-            </a:r>
-          </a:p>
-          <a:p>
-            <a:pPr lvl="1"/>
+              <a:t>println</a:t>
+            </a:r>
             <a:r>
               <a:rPr lang="en-US" dirty="0"/>
-              <a:t>k</a:t>
-            </a:r>
-            <a:r>
-              <a:rPr lang="en-US" dirty="0" smtClean="0"/>
-              <a:t>eys(</a:t>
-            </a:r>
-            <a:r>
-              <a:rPr lang="en-US" dirty="0" err="1" smtClean="0"/>
-              <a:t>mydict</a:t>
-            </a:r>
-            <a:r>
-              <a:rPr lang="en-US" dirty="0" smtClean="0"/>
-              <a:t>)</a:t>
-            </a:r>
-          </a:p>
-          <a:p>
-            <a:r>
-              <a:rPr lang="en-US" dirty="0" smtClean="0"/>
-              <a:t>Values of dictionary:</a:t>
-            </a:r>
-          </a:p>
-          <a:p>
-            <a:pPr lvl="1"/>
-            <a:r>
+              <a:t>( k^2 )</a:t>
+            </a:r>
+            <a:br>
               <a:rPr lang="en-US" dirty="0"/>
-              <a:t>v</a:t>
-            </a:r>
-            <a:r>
-              <a:rPr lang="en-US" dirty="0" smtClean="0"/>
-              <a:t>alues(</a:t>
-            </a:r>
-            <a:r>
-              <a:rPr lang="en-US" dirty="0" err="1" smtClean="0"/>
-              <a:t>mydict</a:t>
-            </a:r>
-            <a:r>
-              <a:rPr lang="en-US" dirty="0" smtClean="0"/>
-              <a:t>)</a:t>
-            </a:r>
+            </a:br>
+            <a:r>
+              <a:rPr lang="en-US" dirty="0" smtClean="0"/>
+              <a:t>end</a:t>
+            </a:r>
+          </a:p>
+          <a:p>
+            <a:pPr lvl="1"/>
+            <a:endParaRPr lang="en-US" dirty="0"/>
+          </a:p>
+          <a:p>
+            <a:r>
+              <a:rPr lang="en-US" dirty="0" smtClean="0"/>
+              <a:t>while loops:</a:t>
+            </a:r>
+          </a:p>
+          <a:p>
+            <a:pPr lvl="1"/>
+            <a:r>
+              <a:rPr lang="en-US" dirty="0" smtClean="0"/>
+              <a:t>while </a:t>
+            </a:r>
+            <a:r>
+              <a:rPr lang="en-US" dirty="0"/>
+              <a:t>x &lt; 2000</a:t>
+            </a:r>
+            <a:br>
+              <a:rPr lang="en-US" dirty="0"/>
+            </a:br>
+            <a:r>
+              <a:rPr lang="en-US" dirty="0"/>
+              <a:t>	print(“*”)</a:t>
+            </a:r>
+            <a:br>
+              <a:rPr lang="en-US" dirty="0"/>
+            </a:br>
+            <a:r>
+              <a:rPr lang="en-US" dirty="0"/>
+              <a:t>	x = 2 * x</a:t>
+            </a:r>
+            <a:br>
+              <a:rPr lang="en-US" dirty="0"/>
+            </a:br>
+            <a:r>
+              <a:rPr lang="en-US" dirty="0"/>
+              <a:t>end</a:t>
+            </a:r>
+          </a:p>
+          <a:p>
+            <a:endParaRPr lang="en-US" dirty="0"/>
           </a:p>
         </p:txBody>
       </p:sp>
     </p:spTree>
     <p:extLst>
       <p:ext uri="{BB962C8B-B14F-4D97-AF65-F5344CB8AC3E}">
-        <p14:creationId xmlns:p14="http://schemas.microsoft.com/office/powerpoint/2010/main" val="2543911914"/>
+        <p14:creationId xmlns:p14="http://schemas.microsoft.com/office/powerpoint/2010/main" val="3865934545"/>
       </p:ext>
     </p:extLst>
   </p:cSld>
@@ -8383,7 +8786,7 @@
           <a:p>
             <a:r>
               <a:rPr lang="en-US" dirty="0" smtClean="0"/>
-              <a:t>Conditionals and loops</a:t>
+              <a:t>Functions</a:t>
             </a:r>
             <a:endParaRPr lang="en-US" dirty="0"/>
           </a:p>
@@ -8401,192 +8804,132 @@
         </p:nvSpPr>
         <p:spPr/>
         <p:txBody>
-          <a:bodyPr>
-            <a:normAutofit fontScale="85000" lnSpcReduction="20000"/>
-          </a:bodyPr>
-          <a:lstStyle/>
-          <a:p>
-            <a:r>
-              <a:rPr lang="en-US" dirty="0" smtClean="0"/>
-              <a:t>If-then-else:</a:t>
-            </a:r>
-            <a:endParaRPr lang="en-US" dirty="0" smtClean="0"/>
-          </a:p>
-          <a:p>
-            <a:pPr lvl="1"/>
-            <a:r>
-              <a:rPr lang="en-US" dirty="0" smtClean="0"/>
-              <a:t>x = </a:t>
-            </a:r>
-            <a:r>
-              <a:rPr lang="en-US" dirty="0" smtClean="0"/>
-              <a:t>2</a:t>
-            </a:r>
-            <a:endParaRPr lang="en-US" dirty="0" smtClean="0"/>
+          <a:bodyPr/>
+          <a:lstStyle/>
+          <a:p>
+            <a:r>
+              <a:rPr lang="en-US" dirty="0" smtClean="0"/>
+              <a:t>Functions are defined using the keyword function:</a:t>
+            </a:r>
+          </a:p>
+          <a:p>
+            <a:pPr lvl="1"/>
+            <a:r>
+              <a:rPr lang="en-US" dirty="0" smtClean="0"/>
+              <a:t>function </a:t>
+            </a:r>
+            <a:r>
+              <a:rPr lang="en-US" dirty="0" err="1" smtClean="0"/>
+              <a:t>convexcomb</a:t>
+            </a:r>
+            <a:r>
+              <a:rPr lang="en-US" dirty="0" smtClean="0"/>
+              <a:t>(</a:t>
+            </a:r>
+            <a:r>
+              <a:rPr lang="en-US" dirty="0" err="1" smtClean="0"/>
+              <a:t>x,y</a:t>
+            </a:r>
+            <a:r>
+              <a:rPr lang="en-US" dirty="0" smtClean="0"/>
+              <a:t>, theta)</a:t>
+            </a:r>
+            <a:br>
+              <a:rPr lang="en-US" dirty="0" smtClean="0"/>
+            </a:br>
+            <a:r>
+              <a:rPr lang="en-US" dirty="0" smtClean="0"/>
+              <a:t>	(1 – theta) * x + theta * y</a:t>
+            </a:r>
+            <a:br>
+              <a:rPr lang="en-US" dirty="0" smtClean="0"/>
+            </a:br>
+            <a:r>
+              <a:rPr lang="en-US" dirty="0" smtClean="0"/>
+              <a:t>end</a:t>
+            </a:r>
+          </a:p>
+          <a:p>
+            <a:r>
+              <a:rPr lang="en-US" dirty="0" smtClean="0"/>
+              <a:t>Functions by default return the last statement, but you can also use return:</a:t>
+            </a:r>
           </a:p>
           <a:p>
             <a:pPr lvl="1"/>
             <a:r>
               <a:rPr lang="en-US" dirty="0"/>
-              <a:t>i</a:t>
-            </a:r>
-            <a:r>
-              <a:rPr lang="en-US" dirty="0" smtClean="0"/>
-              <a:t>f x &gt; 6</a:t>
+              <a:t>f</a:t>
+            </a:r>
+            <a:r>
+              <a:rPr lang="en-US" dirty="0" smtClean="0"/>
+              <a:t>unction convexcomb2(x, y, theta)</a:t>
             </a:r>
             <a:br>
               <a:rPr lang="en-US" dirty="0" smtClean="0"/>
             </a:br>
             <a:r>
               <a:rPr lang="en-US" dirty="0" smtClean="0"/>
-              <a:t>	x = x + 20</a:t>
-            </a:r>
-            <a:br>
-              <a:rPr lang="en-US" dirty="0" smtClean="0"/>
-            </a:br>
-            <a:r>
-              <a:rPr lang="en-US" dirty="0" err="1" smtClean="0"/>
-              <a:t>elseif</a:t>
-            </a:r>
-            <a:r>
-              <a:rPr lang="en-US" dirty="0" smtClean="0"/>
-              <a:t> (x &lt; 5) </a:t>
-            </a:r>
-            <a:br>
-              <a:rPr lang="en-US" dirty="0" smtClean="0"/>
-            </a:br>
-            <a:r>
-              <a:rPr lang="en-US" dirty="0" smtClean="0"/>
-              <a:t>	x = factorial</a:t>
-            </a:r>
-            <a:r>
-              <a:rPr lang="en-US" dirty="0" smtClean="0"/>
-              <a:t>(x)</a:t>
-            </a:r>
-            <a:r>
-              <a:rPr lang="en-US" dirty="0" smtClean="0"/>
+              <a:t>	if (theta &lt; 0 || theta &gt; 1)</a:t>
+            </a:r>
+            <a:r>
+              <a:rPr lang="en-US" dirty="0"/>
               <a:t/>
-            </a:r>
-            <a:br>
-              <a:rPr lang="en-US" dirty="0" smtClean="0"/>
-            </a:br>
-            <a:r>
-              <a:rPr lang="en-US" dirty="0" smtClean="0"/>
-              <a:t>else </a:t>
-            </a:r>
-            <a:br>
-              <a:rPr lang="en-US" dirty="0" smtClean="0"/>
-            </a:br>
-            <a:r>
-              <a:rPr lang="en-US" dirty="0" smtClean="0"/>
-              <a:t>	</a:t>
-            </a:r>
-            <a:r>
-              <a:rPr lang="en-US" dirty="0" err="1" smtClean="0"/>
-              <a:t>println</a:t>
-            </a:r>
-            <a:r>
-              <a:rPr lang="en-US" dirty="0" smtClean="0"/>
-              <a:t>(“Not changing x”)</a:t>
-            </a:r>
-            <a:br>
-              <a:rPr lang="en-US" dirty="0" smtClean="0"/>
-            </a:br>
-            <a:r>
-              <a:rPr lang="en-US" dirty="0" smtClean="0"/>
-              <a:t>end</a:t>
-            </a:r>
-          </a:p>
-          <a:p>
-            <a:pPr lvl="1"/>
-            <a:endParaRPr lang="en-US" dirty="0" smtClean="0"/>
-          </a:p>
-          <a:p>
-            <a:r>
-              <a:rPr lang="en-US" dirty="0" smtClean="0"/>
-              <a:t>for loops:</a:t>
-            </a:r>
-          </a:p>
-          <a:p>
-            <a:pPr lvl="1"/>
-            <a:r>
-              <a:rPr lang="en-US" dirty="0"/>
-              <a:t>for k =1:5</a:t>
             </a:r>
             <a:br>
               <a:rPr lang="en-US" dirty="0"/>
             </a:br>
             <a:r>
+              <a:rPr lang="en-US" dirty="0" smtClean="0"/>
+              <a:t>		</a:t>
+            </a:r>
+            <a:r>
+              <a:rPr lang="en-US" dirty="0" err="1" smtClean="0"/>
+              <a:t>println</a:t>
+            </a:r>
+            <a:r>
+              <a:rPr lang="en-US" dirty="0" smtClean="0"/>
+              <a:t>(“Bad theta!!!”)</a:t>
+            </a:r>
+            <a:br>
+              <a:rPr lang="en-US" dirty="0" smtClean="0"/>
+            </a:br>
+            <a:r>
+              <a:rPr lang="en-US" dirty="0" smtClean="0"/>
+              <a:t>	else</a:t>
+            </a:r>
+            <a:br>
+              <a:rPr lang="en-US" dirty="0" smtClean="0"/>
+            </a:br>
+            <a:r>
+              <a:rPr lang="en-US" dirty="0" smtClean="0"/>
+              <a:t>		return </a:t>
+            </a:r>
+            <a:r>
               <a:rPr lang="en-US" dirty="0"/>
-              <a:t>	</a:t>
-            </a:r>
-            <a:r>
-              <a:rPr lang="en-US" dirty="0" err="1"/>
-              <a:t>println</a:t>
-            </a:r>
-            <a:r>
-              <a:rPr lang="en-US" dirty="0"/>
-              <a:t>( k^2 )</a:t>
+              <a:t>(1 – theta) * x + theta * y</a:t>
             </a:r>
             <a:br>
               <a:rPr lang="en-US" dirty="0"/>
             </a:br>
             <a:r>
               <a:rPr lang="en-US" dirty="0" smtClean="0"/>
+              <a:t>	end</a:t>
+            </a:r>
+            <a:br>
+              <a:rPr lang="en-US" dirty="0" smtClean="0"/>
+            </a:br>
+            <a:r>
+              <a:rPr lang="en-US" dirty="0" smtClean="0"/>
               <a:t>end</a:t>
             </a:r>
-          </a:p>
-          <a:p>
-            <a:pPr lvl="1"/>
-            <a:endParaRPr lang="en-US" dirty="0"/>
-          </a:p>
-          <a:p>
-            <a:r>
-              <a:rPr lang="en-US" dirty="0" smtClean="0"/>
-              <a:t>while loops:</a:t>
-            </a:r>
-          </a:p>
-          <a:p>
-            <a:pPr lvl="1"/>
-            <a:r>
-              <a:rPr lang="en-US" dirty="0" smtClean="0"/>
-              <a:t>while </a:t>
-            </a:r>
-            <a:r>
-              <a:rPr lang="en-US" dirty="0"/>
-              <a:t>x &lt; 2000</a:t>
-            </a:r>
-            <a:br>
-              <a:rPr lang="en-US" dirty="0"/>
-            </a:br>
-            <a:r>
-              <a:rPr lang="en-US" dirty="0"/>
-              <a:t>	print(“*”)</a:t>
-            </a:r>
-            <a:br>
-              <a:rPr lang="en-US" dirty="0"/>
-            </a:br>
-            <a:r>
-              <a:rPr lang="en-US" dirty="0"/>
-              <a:t>	x = 2 * x</a:t>
-            </a:r>
-            <a:br>
-              <a:rPr lang="en-US" dirty="0"/>
-            </a:br>
-            <a:r>
-              <a:rPr lang="en-US" dirty="0"/>
-              <a:t>end</a:t>
-            </a:r>
-          </a:p>
-          <a:p>
-            <a:endParaRPr lang="en-US" dirty="0"/>
           </a:p>
         </p:txBody>
       </p:sp>
     </p:spTree>
     <p:extLst>
       <p:ext uri="{BB962C8B-B14F-4D97-AF65-F5344CB8AC3E}">
-        <p14:creationId xmlns:p14="http://schemas.microsoft.com/office/powerpoint/2010/main" val="3865934545"/>
+        <p14:creationId xmlns:p14="http://schemas.microsoft.com/office/powerpoint/2010/main" val="3201358750"/>
       </p:ext>
     </p:extLst>
   </p:cSld>
@@ -8637,7 +8980,7 @@
           <a:p>
             <a:r>
               <a:rPr lang="en-US" dirty="0" smtClean="0"/>
-              <a:t>Loops</a:t>
+              <a:t>Exercise 1b</a:t>
             </a:r>
             <a:endParaRPr lang="en-US" dirty="0"/>
           </a:p>
@@ -8655,187 +8998,41 @@
         </p:nvSpPr>
         <p:spPr/>
         <p:txBody>
-          <a:bodyPr>
-            <a:normAutofit fontScale="92500" lnSpcReduction="10000"/>
-          </a:bodyPr>
-          <a:lstStyle/>
-          <a:p>
-            <a:r>
-              <a:rPr lang="en-US" dirty="0" smtClean="0"/>
-              <a:t>for loops:</a:t>
-            </a:r>
-          </a:p>
-          <a:p>
-            <a:pPr lvl="1"/>
-            <a:r>
-              <a:rPr lang="en-US" dirty="0" smtClean="0"/>
-              <a:t>for k =1:5</a:t>
-            </a:r>
-            <a:br>
-              <a:rPr lang="en-US" dirty="0" smtClean="0"/>
-            </a:br>
-            <a:r>
-              <a:rPr lang="en-US" dirty="0" smtClean="0"/>
-              <a:t>	</a:t>
-            </a:r>
-            <a:r>
-              <a:rPr lang="en-US" dirty="0" err="1" smtClean="0"/>
-              <a:t>println</a:t>
-            </a:r>
-            <a:r>
-              <a:rPr lang="en-US" dirty="0" smtClean="0"/>
-              <a:t>( k^2 )</a:t>
-            </a:r>
-            <a:br>
-              <a:rPr lang="en-US" dirty="0" smtClean="0"/>
-            </a:br>
-            <a:r>
-              <a:rPr lang="en-US" dirty="0" smtClean="0"/>
-              <a:t>end</a:t>
-            </a:r>
-          </a:p>
-          <a:p>
-            <a:pPr lvl="1"/>
-            <a:r>
-              <a:rPr lang="en-US" dirty="0" smtClean="0"/>
-              <a:t>for v in keys(</a:t>
-            </a:r>
-            <a:r>
-              <a:rPr lang="en-US" dirty="0" err="1" smtClean="0"/>
-              <a:t>myotherdict</a:t>
-            </a:r>
-            <a:r>
-              <a:rPr lang="en-US" dirty="0" smtClean="0"/>
-              <a:t>)</a:t>
-            </a:r>
-            <a:br>
-              <a:rPr lang="en-US" dirty="0" smtClean="0"/>
-            </a:br>
-            <a:r>
-              <a:rPr lang="en-US" dirty="0" smtClean="0"/>
-              <a:t>	</a:t>
-            </a:r>
-            <a:r>
-              <a:rPr lang="en-US" dirty="0" err="1" smtClean="0"/>
-              <a:t>println</a:t>
-            </a:r>
-            <a:r>
-              <a:rPr lang="en-US" dirty="0" smtClean="0"/>
-              <a:t>(“$v is cool”)</a:t>
-            </a:r>
-            <a:br>
-              <a:rPr lang="en-US" dirty="0" smtClean="0"/>
-            </a:br>
-            <a:r>
-              <a:rPr lang="en-US" dirty="0" smtClean="0"/>
-              <a:t>end</a:t>
-            </a:r>
-          </a:p>
-          <a:p>
-            <a:pPr lvl="1"/>
-            <a:r>
-              <a:rPr lang="en-US" dirty="0" smtClean="0"/>
-              <a:t>for </a:t>
-            </a:r>
-            <a:r>
-              <a:rPr lang="en-US" dirty="0" smtClean="0"/>
-              <a:t>(</a:t>
-            </a:r>
-            <a:r>
-              <a:rPr lang="en-US" dirty="0" err="1" smtClean="0"/>
-              <a:t>k</a:t>
-            </a:r>
-            <a:r>
-              <a:rPr lang="en-US" dirty="0" err="1" smtClean="0"/>
-              <a:t>,</a:t>
-            </a:r>
-            <a:r>
-              <a:rPr lang="en-US" dirty="0" err="1" smtClean="0"/>
-              <a:t>v</a:t>
-            </a:r>
-            <a:r>
-              <a:rPr lang="en-US" dirty="0" smtClean="0"/>
-              <a:t>) </a:t>
-            </a:r>
-            <a:r>
-              <a:rPr lang="en-US" dirty="0" smtClean="0"/>
-              <a:t>in </a:t>
-            </a:r>
-            <a:r>
-              <a:rPr lang="en-US" dirty="0" err="1" smtClean="0"/>
-              <a:t>myotherdict</a:t>
-            </a:r>
-            <a:r>
-              <a:rPr lang="en-US" dirty="0" smtClean="0"/>
-              <a:t/>
-            </a:r>
-            <a:br>
-              <a:rPr lang="en-US" dirty="0" smtClean="0"/>
-            </a:br>
-            <a:r>
-              <a:rPr lang="en-US" dirty="0" smtClean="0"/>
-              <a:t>	</a:t>
-            </a:r>
-            <a:r>
-              <a:rPr lang="en-US" dirty="0" err="1" smtClean="0"/>
-              <a:t>println</a:t>
-            </a:r>
-            <a:r>
-              <a:rPr lang="en-US" dirty="0" smtClean="0"/>
-              <a:t>(“$k’s squared value is $(v^2)”)</a:t>
-            </a:r>
-            <a:br>
-              <a:rPr lang="en-US" dirty="0" smtClean="0"/>
-            </a:br>
-            <a:r>
-              <a:rPr lang="en-US" dirty="0" smtClean="0"/>
-              <a:t>end</a:t>
-            </a:r>
-            <a:endParaRPr lang="en-US" dirty="0"/>
-          </a:p>
-          <a:p>
-            <a:r>
-              <a:rPr lang="en-US" dirty="0"/>
-              <a:t>w</a:t>
-            </a:r>
-            <a:r>
-              <a:rPr lang="en-US" dirty="0" smtClean="0"/>
-              <a:t>hile loops:</a:t>
-            </a:r>
-          </a:p>
-          <a:p>
-            <a:pPr lvl="1"/>
-            <a:r>
-              <a:rPr lang="en-US" dirty="0" smtClean="0"/>
-              <a:t>x = 2</a:t>
-            </a:r>
-          </a:p>
-          <a:p>
-            <a:pPr lvl="1"/>
-            <a:r>
-              <a:rPr lang="en-US" dirty="0" smtClean="0"/>
-              <a:t>while x &lt; 2000</a:t>
-            </a:r>
-            <a:br>
-              <a:rPr lang="en-US" dirty="0" smtClean="0"/>
-            </a:br>
-            <a:r>
-              <a:rPr lang="en-US" dirty="0" smtClean="0"/>
-              <a:t>	print(“*”)</a:t>
-            </a:r>
-            <a:br>
-              <a:rPr lang="en-US" dirty="0" smtClean="0"/>
-            </a:br>
-            <a:r>
-              <a:rPr lang="en-US" dirty="0" smtClean="0"/>
-              <a:t>	x = 2 * x</a:t>
-            </a:r>
-            <a:br>
-              <a:rPr lang="en-US" dirty="0" smtClean="0"/>
-            </a:br>
-            <a:r>
-              <a:rPr lang="en-US" dirty="0" smtClean="0"/>
-              <a:t>end</a:t>
+          <a:bodyPr/>
+          <a:lstStyle/>
+          <a:p>
+            <a:r>
+              <a:rPr lang="en-US" dirty="0" smtClean="0"/>
+              <a:t>Write a function that takes a matrix A, vectors x and b, and returns a vector containing the row indices for which Ax &gt;= b does not hold.</a:t>
+            </a:r>
+          </a:p>
+          <a:p>
+            <a:r>
+              <a:rPr lang="en-US" dirty="0" smtClean="0"/>
+              <a:t>There are many ways to do this!</a:t>
+            </a:r>
+          </a:p>
+          <a:p>
+            <a:endParaRPr lang="en-US" dirty="0"/>
+          </a:p>
+          <a:p>
+            <a:r>
+              <a:rPr lang="en-US" dirty="0" smtClean="0"/>
+              <a:t>Hints:</a:t>
+            </a:r>
+          </a:p>
+          <a:p>
+            <a:pPr lvl="1"/>
+            <a:r>
+              <a:rPr lang="en-US" dirty="0" smtClean="0"/>
+              <a:t>.&lt; performs element-wise comparisons</a:t>
+            </a:r>
+          </a:p>
+          <a:p>
+            <a:pPr lvl="1"/>
+            <a:r>
+              <a:rPr lang="en-US" dirty="0" smtClean="0"/>
+              <a:t>“find” function returns indices of non-zero elements for Int64 or Float64 arrays,  true elements for Bit arrays</a:t>
             </a:r>
           </a:p>
         </p:txBody>
@@ -8843,7 +9040,7 @@
     </p:spTree>
     <p:extLst>
       <p:ext uri="{BB962C8B-B14F-4D97-AF65-F5344CB8AC3E}">
-        <p14:creationId xmlns:p14="http://schemas.microsoft.com/office/powerpoint/2010/main" val="384083896"/>
+        <p14:creationId xmlns:p14="http://schemas.microsoft.com/office/powerpoint/2010/main" val="2970267816"/>
       </p:ext>
     </p:extLst>
   </p:cSld>
@@ -8894,7 +9091,7 @@
           <a:p>
             <a:r>
               <a:rPr lang="en-US" dirty="0" smtClean="0"/>
-              <a:t>Functions</a:t>
+              <a:t>Scripts in Julia</a:t>
             </a:r>
             <a:endParaRPr lang="en-US" dirty="0"/>
           </a:p>
@@ -8917,127 +9114,60 @@
           <a:p>
             <a:r>
               <a:rPr lang="en-US" dirty="0" smtClean="0"/>
-              <a:t>Functions are defined using the keyword function:</a:t>
-            </a:r>
-          </a:p>
-          <a:p>
-            <a:pPr lvl="1"/>
-            <a:r>
-              <a:rPr lang="en-US" dirty="0" smtClean="0"/>
-              <a:t>function </a:t>
+              <a:t>Julia scripts are plain text files with the extension “.</a:t>
             </a:r>
             <a:r>
               <a:rPr lang="en-US" dirty="0" err="1" smtClean="0"/>
-              <a:t>convexcomb</a:t>
-            </a:r>
-            <a:r>
-              <a:rPr lang="en-US" dirty="0" smtClean="0"/>
-              <a:t>(</a:t>
+              <a:t>jl</a:t>
+            </a:r>
+            <a:r>
+              <a:rPr lang="en-US" dirty="0" smtClean="0"/>
+              <a:t>”.</a:t>
+            </a:r>
+          </a:p>
+          <a:p>
+            <a:r>
+              <a:rPr lang="en-US" dirty="0" smtClean="0"/>
+              <a:t>In a terminal window, you can run one (say </a:t>
             </a:r>
             <a:r>
               <a:rPr lang="en-US" dirty="0" err="1" smtClean="0"/>
-              <a:t>x,y</a:t>
-            </a:r>
-            <a:r>
-              <a:rPr lang="en-US" dirty="0" smtClean="0"/>
-              <a:t>, theta)</a:t>
-            </a:r>
-            <a:br>
-              <a:rPr lang="en-US" dirty="0" smtClean="0"/>
-            </a:br>
-            <a:r>
-              <a:rPr lang="en-US" dirty="0" smtClean="0"/>
-              <a:t>	(1 – theta) * x + theta * y</a:t>
-            </a:r>
-            <a:br>
-              <a:rPr lang="en-US" dirty="0" smtClean="0"/>
-            </a:br>
-            <a:r>
-              <a:rPr lang="en-US" dirty="0" smtClean="0"/>
-              <a:t>end</a:t>
-            </a:r>
-          </a:p>
-          <a:p>
-            <a:r>
-              <a:rPr lang="en-US" dirty="0" smtClean="0"/>
-              <a:t>Functions by default return the last statement, but you can also use return:</a:t>
-            </a:r>
-          </a:p>
-          <a:p>
-            <a:pPr lvl="1"/>
-            <a:r>
-              <a:rPr lang="en-US" dirty="0"/>
-              <a:t>f</a:t>
-            </a:r>
-            <a:r>
-              <a:rPr lang="en-US" dirty="0" smtClean="0"/>
-              <a:t>unction convexcomb2(x, y, theta)</a:t>
-            </a:r>
-            <a:br>
-              <a:rPr lang="en-US" dirty="0" smtClean="0"/>
-            </a:br>
-            <a:r>
-              <a:rPr lang="en-US" dirty="0" smtClean="0"/>
-              <a:t>	if (theta &lt; 0 || theta &gt; 1)</a:t>
-            </a:r>
-            <a:r>
-              <a:rPr lang="en-US" dirty="0"/>
-              <a:t/>
-            </a:r>
-            <a:br>
-              <a:rPr lang="en-US" dirty="0"/>
-            </a:br>
-            <a:r>
-              <a:rPr lang="en-US" dirty="0" smtClean="0"/>
-              <a:t>		</a:t>
-            </a:r>
+              <a:t>script.jl</a:t>
+            </a:r>
+            <a:r>
+              <a:rPr lang="en-US" dirty="0" smtClean="0"/>
+              <a:t>) by passing it as a command line argument to Julia – e.g., </a:t>
+            </a:r>
+          </a:p>
+          <a:p>
+            <a:pPr lvl="1"/>
             <a:r>
               <a:rPr lang="en-US" dirty="0" err="1" smtClean="0"/>
-              <a:t>println</a:t>
-            </a:r>
-            <a:r>
-              <a:rPr lang="en-US" dirty="0" smtClean="0"/>
-              <a:t>(“Bad theta!!!”)</a:t>
-            </a:r>
-            <a:br>
-              <a:rPr lang="en-US" dirty="0" smtClean="0"/>
-            </a:br>
-            <a:r>
-              <a:rPr lang="en-US" dirty="0" smtClean="0"/>
-              <a:t>	else</a:t>
-            </a:r>
-            <a:br>
-              <a:rPr lang="en-US" dirty="0" smtClean="0"/>
-            </a:br>
-            <a:r>
-              <a:rPr lang="en-US" dirty="0" smtClean="0"/>
-              <a:t>		return </a:t>
-            </a:r>
-            <a:r>
-              <a:rPr lang="en-US" dirty="0"/>
-              <a:t>(1 – theta) * x + theta * y</a:t>
-            </a:r>
-            <a:br>
-              <a:rPr lang="en-US" dirty="0"/>
-            </a:br>
-            <a:r>
-              <a:rPr lang="en-US" dirty="0" smtClean="0"/>
-              <a:t>	end</a:t>
-            </a:r>
-            <a:br>
-              <a:rPr lang="en-US" dirty="0" smtClean="0"/>
-            </a:br>
-            <a:r>
-              <a:rPr lang="en-US" dirty="0" smtClean="0"/>
-              <a:t>end</a:t>
-            </a:r>
+              <a:t>julia</a:t>
+            </a:r>
+            <a:r>
+              <a:rPr lang="en-US" dirty="0" smtClean="0"/>
+              <a:t> </a:t>
+            </a:r>
+            <a:r>
+              <a:rPr lang="en-US" dirty="0" err="1" smtClean="0"/>
+              <a:t>script.jl</a:t>
+            </a:r>
+            <a:endParaRPr lang="en-US" dirty="0" smtClean="0"/>
+          </a:p>
+          <a:p>
+            <a:pPr lvl="1"/>
+            <a:endParaRPr lang="en-US" dirty="0" smtClean="0"/>
+          </a:p>
+          <a:p>
+            <a:endParaRPr lang="en-US" dirty="0" smtClean="0"/>
           </a:p>
         </p:txBody>
       </p:sp>
     </p:spTree>
     <p:extLst>
       <p:ext uri="{BB962C8B-B14F-4D97-AF65-F5344CB8AC3E}">
-        <p14:creationId xmlns:p14="http://schemas.microsoft.com/office/powerpoint/2010/main" val="3201358750"/>
+        <p14:creationId xmlns:p14="http://schemas.microsoft.com/office/powerpoint/2010/main" val="2782711762"/>
       </p:ext>
     </p:extLst>
   </p:cSld>
@@ -9169,6 +9299,13 @@
   <p:clrMapOvr>
     <a:masterClrMapping/>
   </p:clrMapOvr>
+  <p:timing>
+    <p:tnLst>
+      <p:par>
+        <p:cTn xmlns:p14="http://schemas.microsoft.com/office/powerpoint/2010/main" id="1" dur="indefinite" restart="never" nodeType="tmRoot"/>
+      </p:par>
+    </p:tnLst>
+  </p:timing>
 </p:sld>
 </file>
 
@@ -9206,7 +9343,7 @@
           <a:p>
             <a:r>
               <a:rPr lang="en-US" dirty="0" smtClean="0"/>
-              <a:t>Exercise 1b</a:t>
+              <a:t>Scripts continued</a:t>
             </a:r>
             <a:endParaRPr lang="en-US" dirty="0"/>
           </a:p>
@@ -9224,53 +9361,167 @@
         </p:nvSpPr>
         <p:spPr/>
         <p:txBody>
-          <a:bodyPr/>
-          <a:lstStyle/>
-          <a:p>
-            <a:r>
-              <a:rPr lang="en-US" dirty="0" smtClean="0"/>
-              <a:t>Write a function that takes a matrix A, vectors x and b, and returns a vector containing the row indices for which Ax &gt;= b does not hold.</a:t>
-            </a:r>
-          </a:p>
-          <a:p>
-            <a:r>
-              <a:rPr lang="en-US" dirty="0" smtClean="0"/>
-              <a:t>There are many ways to do this!</a:t>
-            </a:r>
-          </a:p>
-          <a:p>
-            <a:endParaRPr lang="en-US" dirty="0"/>
-          </a:p>
-          <a:p>
-            <a:r>
-              <a:rPr lang="en-US" dirty="0" smtClean="0"/>
-              <a:t>Hints:</a:t>
-            </a:r>
-          </a:p>
-          <a:p>
-            <a:pPr lvl="1"/>
-            <a:r>
-              <a:rPr lang="en-US" dirty="0" smtClean="0"/>
-              <a:t>.&lt; performs element-wise comparisons</a:t>
-            </a:r>
-          </a:p>
-          <a:p>
-            <a:pPr lvl="1"/>
-            <a:r>
-              <a:rPr lang="en-US" dirty="0" smtClean="0"/>
-              <a:t>“find” </a:t>
-            </a:r>
-            <a:r>
-              <a:rPr lang="en-US" dirty="0" smtClean="0"/>
-              <a:t>function returns indices of non-zero elements for Int64 or Float64 arrays,  true elements for Bit arrays</a:t>
-            </a:r>
+          <a:bodyPr>
+            <a:normAutofit/>
+          </a:bodyPr>
+          <a:lstStyle/>
+          <a:p>
+            <a:r>
+              <a:rPr lang="en-US" dirty="0"/>
+              <a:t>Within a session, you can use the keyword ‘using’ to </a:t>
+            </a:r>
+            <a:r>
+              <a:rPr lang="en-US" dirty="0" smtClean="0"/>
+              <a:t>load everything in a script.</a:t>
+            </a:r>
+          </a:p>
+          <a:p>
+            <a:r>
+              <a:rPr lang="en-US" dirty="0" smtClean="0"/>
+              <a:t>E.g</a:t>
+            </a:r>
+            <a:r>
+              <a:rPr lang="en-US" dirty="0"/>
+              <a:t>. </a:t>
+            </a:r>
+            <a:r>
+              <a:rPr lang="en-US" dirty="0" smtClean="0"/>
+              <a:t>suppose </a:t>
+            </a:r>
+            <a:r>
+              <a:rPr lang="en-US" dirty="0" err="1" smtClean="0"/>
+              <a:t>test.jl</a:t>
+            </a:r>
+            <a:r>
+              <a:rPr lang="en-US" dirty="0" smtClean="0"/>
+              <a:t> was:</a:t>
+            </a:r>
+            <a:endParaRPr lang="en-US" dirty="0"/>
+          </a:p>
+          <a:p>
+            <a:pPr lvl="1"/>
+            <a:r>
+              <a:rPr lang="en-US" dirty="0"/>
+              <a:t>function </a:t>
+            </a:r>
+            <a:r>
+              <a:rPr lang="en-US" dirty="0" err="1"/>
+              <a:t>VeliborsFunction</a:t>
+            </a:r>
+            <a:r>
+              <a:rPr lang="en-US" dirty="0"/>
+              <a:t>(x, y)</a:t>
+            </a:r>
+            <a:br>
+              <a:rPr lang="en-US" dirty="0"/>
+            </a:br>
+            <a:r>
+              <a:rPr lang="en-US" dirty="0"/>
+              <a:t>	return gamma(x)*gamma(y)/gamma(</a:t>
+            </a:r>
+            <a:r>
+              <a:rPr lang="en-US" dirty="0" err="1"/>
+              <a:t>x+y</a:t>
+            </a:r>
+            <a:r>
+              <a:rPr lang="en-US" dirty="0"/>
+              <a:t>)</a:t>
+            </a:r>
+            <a:br>
+              <a:rPr lang="en-US" dirty="0"/>
+            </a:br>
+            <a:r>
+              <a:rPr lang="en-US" dirty="0" smtClean="0"/>
+              <a:t>end</a:t>
+            </a:r>
+          </a:p>
+          <a:p>
+            <a:pPr lvl="1"/>
+            <a:r>
+              <a:rPr lang="en-US" dirty="0" err="1"/>
+              <a:t>p</a:t>
+            </a:r>
+            <a:r>
+              <a:rPr lang="en-US" dirty="0" err="1" smtClean="0"/>
+              <a:t>rintln</a:t>
+            </a:r>
+            <a:r>
+              <a:rPr lang="en-US" dirty="0" smtClean="0"/>
+              <a:t>(“</a:t>
+            </a:r>
+            <a:r>
+              <a:rPr lang="en-US" dirty="0" err="1" smtClean="0"/>
+              <a:t>Velibor’s</a:t>
+            </a:r>
+            <a:r>
+              <a:rPr lang="en-US" dirty="0" smtClean="0"/>
+              <a:t> function loaded!”)</a:t>
+            </a:r>
+            <a:endParaRPr lang="en-US" dirty="0"/>
+          </a:p>
+          <a:p>
+            <a:r>
+              <a:rPr lang="en-US" dirty="0" smtClean="0"/>
+              <a:t>In </a:t>
+            </a:r>
+            <a:r>
+              <a:rPr lang="en-US" dirty="0"/>
+              <a:t>J</a:t>
+            </a:r>
+            <a:r>
+              <a:rPr lang="en-US" dirty="0" smtClean="0"/>
+              <a:t>ulia session:</a:t>
+            </a:r>
+          </a:p>
+          <a:p>
+            <a:pPr lvl="1"/>
+            <a:r>
+              <a:rPr lang="en-US" dirty="0"/>
+              <a:t>u</a:t>
+            </a:r>
+            <a:r>
+              <a:rPr lang="en-US" dirty="0" smtClean="0"/>
+              <a:t>sing </a:t>
+            </a:r>
+            <a:r>
+              <a:rPr lang="en-US" dirty="0" err="1" smtClean="0"/>
+              <a:t>test.jl</a:t>
+            </a:r>
+            <a:endParaRPr lang="en-US" dirty="0" smtClean="0"/>
+          </a:p>
+          <a:p>
+            <a:pPr lvl="1"/>
+            <a:r>
+              <a:rPr lang="en-US" dirty="0" err="1" smtClean="0"/>
+              <a:t>VeliborsFunction</a:t>
+            </a:r>
+            <a:r>
+              <a:rPr lang="en-US" dirty="0" smtClean="0"/>
+              <a:t>(1,2)</a:t>
+            </a:r>
+          </a:p>
+          <a:p>
+            <a:pPr lvl="1"/>
+            <a:r>
+              <a:rPr lang="en-US" dirty="0" err="1" smtClean="0"/>
+              <a:t>VeliborsFunction</a:t>
+            </a:r>
+            <a:r>
+              <a:rPr lang="en-US" dirty="0" smtClean="0"/>
+              <a:t>(0.5,0.5</a:t>
+            </a:r>
+            <a:r>
+              <a:rPr lang="en-US" dirty="0"/>
+              <a:t>)</a:t>
+            </a:r>
+            <a:endParaRPr lang="en-US" dirty="0" smtClean="0"/>
           </a:p>
         </p:txBody>
       </p:sp>
     </p:spTree>
     <p:extLst>
       <p:ext uri="{BB962C8B-B14F-4D97-AF65-F5344CB8AC3E}">
-        <p14:creationId xmlns:p14="http://schemas.microsoft.com/office/powerpoint/2010/main" val="2970267816"/>
+        <p14:creationId xmlns:p14="http://schemas.microsoft.com/office/powerpoint/2010/main" val="4257867437"/>
       </p:ext>
     </p:extLst>
   </p:cSld>
@@ -9321,7 +9572,15 @@
           <a:p>
             <a:r>
               <a:rPr lang="en-US" dirty="0" smtClean="0"/>
-              <a:t>Scripts in Julia</a:t>
+              <a:t>Time to </a:t>
+            </a:r>
+            <a:r>
+              <a:rPr lang="en-US" dirty="0" err="1" smtClean="0"/>
+              <a:t>JuMP</a:t>
+            </a:r>
+            <a:r>
+              <a:rPr lang="en-US" dirty="0" smtClean="0"/>
+              <a:t>!</a:t>
             </a:r>
             <a:endParaRPr lang="en-US" dirty="0"/>
           </a:p>
@@ -9342,62 +9601,14 @@
           <a:bodyPr/>
           <a:lstStyle/>
           <a:p>
-            <a:r>
-              <a:rPr lang="en-US" dirty="0" smtClean="0"/>
-              <a:t>Julia scripts are plain text files with the extension “.</a:t>
-            </a:r>
-            <a:r>
-              <a:rPr lang="en-US" dirty="0" err="1" smtClean="0"/>
-              <a:t>jl</a:t>
-            </a:r>
-            <a:r>
-              <a:rPr lang="en-US" dirty="0" smtClean="0"/>
-              <a:t>”.</a:t>
-            </a:r>
-          </a:p>
-          <a:p>
-            <a:r>
-              <a:rPr lang="en-US" dirty="0" smtClean="0"/>
-              <a:t>In a terminal window, you can run one (say </a:t>
-            </a:r>
-            <a:r>
-              <a:rPr lang="en-US" dirty="0" err="1" smtClean="0"/>
-              <a:t>script.jl</a:t>
-            </a:r>
-            <a:r>
-              <a:rPr lang="en-US" dirty="0" smtClean="0"/>
-              <a:t>) by passing it as a command line argument to Julia – e.g., </a:t>
-            </a:r>
-          </a:p>
-          <a:p>
-            <a:pPr lvl="1"/>
-            <a:r>
-              <a:rPr lang="en-US" dirty="0" err="1" smtClean="0"/>
-              <a:t>julia</a:t>
-            </a:r>
-            <a:r>
-              <a:rPr lang="en-US" dirty="0" smtClean="0"/>
-              <a:t> </a:t>
-            </a:r>
-            <a:r>
-              <a:rPr lang="en-US" dirty="0" err="1" smtClean="0"/>
-              <a:t>script.jl</a:t>
-            </a:r>
-            <a:endParaRPr lang="en-US" dirty="0" smtClean="0"/>
-          </a:p>
-          <a:p>
-            <a:pPr lvl="1"/>
-            <a:endParaRPr lang="en-US" dirty="0" smtClean="0"/>
-          </a:p>
-          <a:p>
-            <a:endParaRPr lang="en-US" dirty="0" smtClean="0"/>
+            <a:endParaRPr lang="en-US" dirty="0"/>
           </a:p>
         </p:txBody>
       </p:sp>
     </p:spTree>
     <p:extLst>
       <p:ext uri="{BB962C8B-B14F-4D97-AF65-F5344CB8AC3E}">
-        <p14:creationId xmlns:p14="http://schemas.microsoft.com/office/powerpoint/2010/main" val="2782711762"/>
+        <p14:creationId xmlns:p14="http://schemas.microsoft.com/office/powerpoint/2010/main" val="718618786"/>
       </p:ext>
     </p:extLst>
   </p:cSld>
@@ -9443,190 +9654,115 @@
         </p:nvSpPr>
         <p:spPr/>
         <p:txBody>
-          <a:bodyPr/>
-          <a:lstStyle/>
-          <a:p>
-            <a:r>
-              <a:rPr lang="en-US" dirty="0" smtClean="0"/>
-              <a:t>Scripts continued</a:t>
-            </a:r>
-            <a:endParaRPr lang="en-US" dirty="0"/>
-          </a:p>
-        </p:txBody>
-      </p:sp>
-      <p:sp>
-        <p:nvSpPr>
-          <p:cNvPr id="3" name="Content Placeholder 2"/>
-          <p:cNvSpPr>
-            <a:spLocks noGrp="1"/>
-          </p:cNvSpPr>
-          <p:nvPr>
-            <p:ph idx="1"/>
-          </p:nvPr>
-        </p:nvSpPr>
-        <p:spPr/>
-        <p:txBody>
           <a:bodyPr>
             <a:normAutofit/>
           </a:bodyPr>
           <a:lstStyle/>
           <a:p>
             <a:r>
-              <a:rPr lang="en-US" dirty="0"/>
-              <a:t>Within a session, you can use the keyword ‘using’ to </a:t>
-            </a:r>
-            <a:r>
-              <a:rPr lang="en-US" dirty="0" smtClean="0"/>
-              <a:t>load everything in a script.</a:t>
-            </a:r>
-          </a:p>
-          <a:p>
-            <a:r>
-              <a:rPr lang="en-US" dirty="0" smtClean="0"/>
-              <a:t>E.g</a:t>
-            </a:r>
-            <a:r>
-              <a:rPr lang="en-US" dirty="0"/>
-              <a:t>. </a:t>
-            </a:r>
-            <a:r>
-              <a:rPr lang="en-US" dirty="0" smtClean="0"/>
-              <a:t>suppose </a:t>
+              <a:rPr lang="en-US" dirty="0" smtClean="0"/>
+              <a:t>Why an AML?</a:t>
+            </a:r>
+            <a:endParaRPr lang="en-US" dirty="0"/>
+          </a:p>
+        </p:txBody>
+      </p:sp>
+      <p:sp>
+        <p:nvSpPr>
+          <p:cNvPr id="3" name="Content Placeholder 2"/>
+          <p:cNvSpPr>
+            <a:spLocks noGrp="1"/>
+          </p:cNvSpPr>
+          <p:nvPr>
+            <p:ph idx="1"/>
+          </p:nvPr>
+        </p:nvSpPr>
+        <p:spPr/>
+        <p:txBody>
+          <a:bodyPr>
+            <a:normAutofit fontScale="92500"/>
+          </a:bodyPr>
+          <a:lstStyle/>
+          <a:p>
+            <a:r>
+              <a:rPr lang="en-US" dirty="0" smtClean="0"/>
+              <a:t>Algorithms like simplex work with an optimization problem that is expressed in the form</a:t>
+            </a:r>
+          </a:p>
+          <a:p>
+            <a:endParaRPr lang="en-US" dirty="0"/>
+          </a:p>
+          <a:p>
+            <a:endParaRPr lang="en-US" dirty="0" smtClean="0"/>
+          </a:p>
+          <a:p>
+            <a:endParaRPr lang="en-US" dirty="0" smtClean="0"/>
+          </a:p>
+          <a:p>
+            <a:pPr marL="0" indent="0">
+              <a:buNone/>
+            </a:pPr>
+            <a:endParaRPr lang="en-US" dirty="0" smtClean="0"/>
+          </a:p>
+          <a:p>
+            <a:r>
+              <a:rPr lang="en-US" dirty="0" smtClean="0"/>
+              <a:t>Functions like </a:t>
             </a:r>
             <a:r>
               <a:rPr lang="en-US" dirty="0" err="1" smtClean="0"/>
-              <a:t>test.jl</a:t>
-            </a:r>
-            <a:r>
-              <a:rPr lang="en-US" dirty="0" smtClean="0"/>
-              <a:t> was:</a:t>
-            </a:r>
-            <a:endParaRPr lang="en-US" dirty="0"/>
-          </a:p>
-          <a:p>
-            <a:pPr lvl="1"/>
-            <a:r>
-              <a:rPr lang="en-US" dirty="0"/>
-              <a:t>function </a:t>
-            </a:r>
-            <a:r>
-              <a:rPr lang="en-US" dirty="0" err="1"/>
-              <a:t>VeliborsFunction</a:t>
-            </a:r>
-            <a:r>
-              <a:rPr lang="en-US" dirty="0"/>
-              <a:t>(x, y)</a:t>
-            </a:r>
-            <a:br>
-              <a:rPr lang="en-US" dirty="0"/>
-            </a:br>
-            <a:r>
-              <a:rPr lang="en-US" dirty="0"/>
-              <a:t>	return gamma(x)*gamma(y)/gamma(</a:t>
-            </a:r>
-            <a:r>
-              <a:rPr lang="en-US" dirty="0" err="1"/>
-              <a:t>x+y</a:t>
-            </a:r>
-            <a:r>
-              <a:rPr lang="en-US" dirty="0"/>
-              <a:t>)</a:t>
-            </a:r>
-            <a:br>
-              <a:rPr lang="en-US" dirty="0"/>
-            </a:br>
-            <a:r>
-              <a:rPr lang="en-US" dirty="0" smtClean="0"/>
-              <a:t>end</a:t>
-            </a:r>
-          </a:p>
-          <a:p>
-            <a:pPr lvl="1"/>
-            <a:r>
-              <a:rPr lang="en-US" dirty="0" err="1"/>
-              <a:t>p</a:t>
-            </a:r>
-            <a:r>
-              <a:rPr lang="en-US" dirty="0" err="1" smtClean="0"/>
-              <a:t>rintln</a:t>
-            </a:r>
-            <a:r>
-              <a:rPr lang="en-US" dirty="0" smtClean="0"/>
-              <a:t>(“</a:t>
-            </a:r>
-            <a:r>
-              <a:rPr lang="en-US" dirty="0" err="1" smtClean="0"/>
-              <a:t>Velibor’s</a:t>
-            </a:r>
-            <a:r>
-              <a:rPr lang="en-US" dirty="0" smtClean="0"/>
-              <a:t> function loaded!”)</a:t>
-            </a:r>
-            <a:endParaRPr lang="en-US" dirty="0"/>
-          </a:p>
-          <a:p>
-            <a:r>
-              <a:rPr lang="en-US" dirty="0" smtClean="0"/>
-              <a:t>In </a:t>
-            </a:r>
-            <a:r>
-              <a:rPr lang="en-US" dirty="0"/>
-              <a:t>J</a:t>
-            </a:r>
-            <a:r>
-              <a:rPr lang="en-US" dirty="0" smtClean="0"/>
-              <a:t>ulia session:</a:t>
-            </a:r>
-          </a:p>
-          <a:p>
-            <a:pPr lvl="1"/>
-            <a:r>
-              <a:rPr lang="en-US" dirty="0"/>
-              <a:t>u</a:t>
-            </a:r>
-            <a:r>
-              <a:rPr lang="en-US" dirty="0" smtClean="0"/>
-              <a:t>sing </a:t>
-            </a:r>
-            <a:r>
-              <a:rPr lang="en-US" dirty="0" err="1" smtClean="0"/>
-              <a:t>test.jl</a:t>
-            </a:r>
+              <a:t>linprog</a:t>
+            </a:r>
+            <a:r>
+              <a:rPr lang="en-US" dirty="0" smtClean="0"/>
+              <a:t> take A, b, c explicitly as inputs, solve this problem and return an optimal x.</a:t>
+            </a:r>
+          </a:p>
+          <a:p>
             <a:endParaRPr lang="en-US" dirty="0" smtClean="0"/>
           </a:p>
           <a:p>
-            <a:pPr lvl="1"/>
-            <a:r>
-              <a:rPr lang="en-US" dirty="0" err="1" smtClean="0"/>
-              <a:t>VeliborsFunction</a:t>
-            </a:r>
-            <a:r>
-              <a:rPr lang="en-US" dirty="0" smtClean="0"/>
-              <a:t>(1,2)</a:t>
-            </a:r>
-          </a:p>
-          <a:p>
-            <a:pPr lvl="1"/>
-            <a:r>
-              <a:rPr lang="en-US" dirty="0" err="1" smtClean="0"/>
-              <a:t>VeliborsFunction</a:t>
-            </a:r>
-            <a:r>
-              <a:rPr lang="en-US" dirty="0" smtClean="0"/>
-              <a:t>(0.5,0.5</a:t>
-            </a:r>
-            <a:r>
-              <a:rPr lang="en-US" dirty="0"/>
-              <a:t>)</a:t>
-            </a:r>
-            <a:endParaRPr lang="en-US" dirty="0" smtClean="0"/>
-          </a:p>
-        </p:txBody>
-      </p:sp>
+            <a:r>
+              <a:rPr lang="en-US" dirty="0" smtClean="0"/>
+              <a:t>While it is possible to represent the data A, b, c explicitly for any given model, doing the conversion – from a mathematical description, to solver-ready form – can be quite laborious.</a:t>
+            </a:r>
+          </a:p>
+        </p:txBody>
+      </p:sp>
+      <p:pic>
+        <p:nvPicPr>
+          <p:cNvPr id="5" name="Picture 4" descr="latex-image-1.pdf"/>
+          <p:cNvPicPr>
+            <a:picLocks noChangeAspect="1"/>
+          </p:cNvPicPr>
+          <p:nvPr/>
+        </p:nvPicPr>
+        <p:blipFill>
+          <a:blip r:embed="rId3">
+            <a:extLst>
+              <a:ext uri="{28A0092B-C50C-407E-A947-70E740481C1C}">
+                <a14:useLocalDpi xmlns:a14="http://schemas.microsoft.com/office/drawing/2010/main" val="0"/>
+              </a:ext>
+            </a:extLst>
+          </a:blip>
+          <a:stretch>
+            <a:fillRect/>
+          </a:stretch>
+        </p:blipFill>
+        <p:spPr>
+          <a:xfrm>
+            <a:off x="3025292" y="2526562"/>
+            <a:ext cx="2681819" cy="1150484"/>
+          </a:xfrm>
+          <a:prstGeom prst="rect">
+            <a:avLst/>
+          </a:prstGeom>
+        </p:spPr>
+      </p:pic>
     </p:spTree>
     <p:extLst>
       <p:ext uri="{BB962C8B-B14F-4D97-AF65-F5344CB8AC3E}">
-        <p14:creationId xmlns:p14="http://schemas.microsoft.com/office/powerpoint/2010/main" val="4257867437"/>
+        <p14:creationId xmlns:p14="http://schemas.microsoft.com/office/powerpoint/2010/main" val="8360952"/>
       </p:ext>
     </p:extLst>
   </p:cSld>
@@ -9670,15 +9806,7 @@
           <a:p>
             <a:r>
               <a:rPr lang="en-US" dirty="0" smtClean="0"/>
-              <a:t>Time to </a:t>
-            </a:r>
-            <a:r>
-              <a:rPr lang="en-US" dirty="0" err="1" smtClean="0"/>
-              <a:t>JuMP</a:t>
-            </a:r>
-            <a:r>
-              <a:rPr lang="en-US" dirty="0" smtClean="0"/>
-              <a:t>!</a:t>
+              <a:t>Why an AML? (continued)</a:t>
             </a:r>
             <a:endParaRPr lang="en-US" dirty="0"/>
           </a:p>
@@ -9699,14 +9827,60 @@
           <a:bodyPr/>
           <a:lstStyle/>
           <a:p>
-            <a:endParaRPr lang="en-US" dirty="0"/>
+            <a:r>
+              <a:rPr lang="en-US" dirty="0"/>
+              <a:t>An AML allows you to specify an </a:t>
+            </a:r>
+            <a:r>
+              <a:rPr lang="en-US" dirty="0" smtClean="0"/>
+              <a:t>optimization problem in a compact way that you, as a human being, can understand.</a:t>
+            </a:r>
+          </a:p>
+          <a:p>
+            <a:pPr lvl="1"/>
+            <a:r>
+              <a:rPr lang="en-US" dirty="0" smtClean="0"/>
+              <a:t>Optimization variables are represented by programming variables.</a:t>
+            </a:r>
+          </a:p>
+          <a:p>
+            <a:pPr lvl="1"/>
+            <a:r>
+              <a:rPr lang="en-US" dirty="0" smtClean="0"/>
+              <a:t>Constraints are built with expressions resemble.</a:t>
+            </a:r>
+          </a:p>
+          <a:p>
+            <a:pPr lvl="1"/>
+            <a:r>
+              <a:rPr lang="en-US" dirty="0" smtClean="0"/>
+              <a:t>Throughout, we can use all of the tools available to us from programming languages – conditionals, loops, functions, etc. – to build our model.</a:t>
+            </a:r>
+          </a:p>
+          <a:p>
+            <a:pPr lvl="1"/>
+            <a:endParaRPr lang="en-US" dirty="0" smtClean="0"/>
+          </a:p>
+          <a:p>
+            <a:r>
+              <a:rPr lang="en-US" dirty="0" smtClean="0"/>
+              <a:t>Once the model is built in this way, the AML takes care of converting your description to solver-ready data (A,</a:t>
+            </a:r>
+            <a:r>
+              <a:rPr lang="en-US" dirty="0"/>
+              <a:t> </a:t>
+            </a:r>
+            <a:r>
+              <a:rPr lang="en-US" dirty="0" smtClean="0"/>
+              <a:t>b, c). </a:t>
+            </a:r>
           </a:p>
         </p:txBody>
       </p:sp>
     </p:spTree>
     <p:extLst>
       <p:ext uri="{BB962C8B-B14F-4D97-AF65-F5344CB8AC3E}">
-        <p14:creationId xmlns:p14="http://schemas.microsoft.com/office/powerpoint/2010/main" val="718618786"/>
+        <p14:creationId xmlns:p14="http://schemas.microsoft.com/office/powerpoint/2010/main" val="1572269813"/>
       </p:ext>
     </p:extLst>
   </p:cSld>
@@ -9917,6 +10091,13 @@
   <p:clrMapOvr>
     <a:masterClrMapping/>
   </p:clrMapOvr>
+  <p:timing>
+    <p:tnLst>
+      <p:par>
+        <p:cTn xmlns:p14="http://schemas.microsoft.com/office/powerpoint/2010/main" id="1" dur="indefinite" restart="never" nodeType="tmRoot"/>
+      </p:par>
+    </p:tnLst>
+  </p:timing>
 </p:sld>
 </file>
 
@@ -10101,6 +10282,13 @@
   <p:clrMapOvr>
     <a:masterClrMapping/>
   </p:clrMapOvr>
+  <p:timing>
+    <p:tnLst>
+      <p:par>
+        <p:cTn xmlns:p14="http://schemas.microsoft.com/office/powerpoint/2010/main" id="1" dur="indefinite" restart="never" nodeType="tmRoot"/>
+      </p:par>
+    </p:tnLst>
+  </p:timing>
 </p:sld>
 </file>
 
@@ -10133,14 +10321,12 @@
         </p:nvSpPr>
         <p:spPr/>
         <p:txBody>
-          <a:bodyPr>
-            <a:normAutofit/>
-          </a:bodyPr>
-          <a:lstStyle/>
-          <a:p>
-            <a:r>
-              <a:rPr lang="en-US" dirty="0" smtClean="0"/>
-              <a:t>Building more general models</a:t>
+          <a:bodyPr/>
+          <a:lstStyle/>
+          <a:p>
+            <a:r>
+              <a:rPr lang="en-US" dirty="0" smtClean="0"/>
+              <a:t>Without an AML, in MATLAB</a:t>
             </a:r>
             <a:endParaRPr lang="en-US" dirty="0"/>
           </a:p>
@@ -10163,240 +10349,75 @@
           <a:p>
             <a:r>
               <a:rPr lang="en-US" dirty="0" smtClean="0"/>
-              <a:t>More general ways to build things:</a:t>
-            </a:r>
-          </a:p>
-          <a:p>
-            <a:pPr lvl="1"/>
-            <a:r>
-              <a:rPr lang="en-US" dirty="0" smtClean="0"/>
-              <a:t>m2 = Model()</a:t>
-            </a:r>
-          </a:p>
-          <a:p>
-            <a:pPr lvl="1"/>
-            <a:r>
-              <a:rPr lang="en-US" dirty="0" smtClean="0"/>
-              <a:t>@</a:t>
+              <a:t>In MATLAB, with </a:t>
             </a:r>
             <a:r>
               <a:rPr lang="en-US" dirty="0" err="1" smtClean="0"/>
-              <a:t>defVar</a:t>
-            </a:r>
-            <a:r>
-              <a:rPr lang="en-US" dirty="0" smtClean="0"/>
-              <a:t>(m2, x[1:10, 1:2] &gt;= 0)</a:t>
-            </a:r>
-          </a:p>
-          <a:p>
-            <a:pPr lvl="1"/>
-            <a:r>
-              <a:rPr lang="en-US" dirty="0" smtClean="0"/>
-              <a:t>@</a:t>
-            </a:r>
-            <a:r>
-              <a:rPr lang="en-US" dirty="0" err="1" smtClean="0"/>
-              <a:t>addConstraint</a:t>
-            </a:r>
-            <a:r>
-              <a:rPr lang="en-US" dirty="0" smtClean="0"/>
-              <a:t>(m2, sum{ x[</a:t>
-            </a:r>
-            <a:r>
-              <a:rPr lang="en-US" dirty="0" err="1" smtClean="0"/>
-              <a:t>i,j</a:t>
-            </a:r>
-            <a:r>
-              <a:rPr lang="en-US" dirty="0" smtClean="0"/>
-              <a:t>] , </a:t>
-            </a:r>
-            <a:r>
-              <a:rPr lang="en-US" dirty="0" err="1" smtClean="0"/>
-              <a:t>i</a:t>
-            </a:r>
-            <a:r>
-              <a:rPr lang="en-US" dirty="0" smtClean="0"/>
-              <a:t> =1:10, j=1:2} &lt;= 1)</a:t>
-            </a:r>
-          </a:p>
-          <a:p>
-            <a:pPr lvl="1"/>
-            <a:endParaRPr lang="en-US" dirty="0"/>
-          </a:p>
-          <a:p>
-            <a:pPr lvl="1"/>
-            <a:r>
-              <a:rPr lang="en-US" dirty="0" smtClean="0"/>
-              <a:t>primes = [2, 3, 5, 7]</a:t>
-            </a:r>
-          </a:p>
-          <a:p>
-            <a:pPr lvl="1"/>
-            <a:r>
-              <a:rPr lang="en-US" dirty="0" smtClean="0"/>
-              <a:t>@</a:t>
-            </a:r>
-            <a:r>
-              <a:rPr lang="en-US" dirty="0" err="1" smtClean="0"/>
-              <a:t>addConstraint</a:t>
-            </a:r>
-            <a:r>
-              <a:rPr lang="en-US" dirty="0" smtClean="0"/>
-              <a:t>(m2, sum{x[</a:t>
-            </a:r>
-            <a:r>
-              <a:rPr lang="en-US" dirty="0" err="1" smtClean="0"/>
-              <a:t>i,j</a:t>
-            </a:r>
-            <a:r>
-              <a:rPr lang="en-US" dirty="0" smtClean="0"/>
-              <a:t>] , </a:t>
-            </a:r>
-            <a:r>
-              <a:rPr lang="en-US" dirty="0" err="1" smtClean="0"/>
-              <a:t>i</a:t>
-            </a:r>
-            <a:r>
-              <a:rPr lang="en-US" dirty="0" smtClean="0"/>
-              <a:t> in primes, j = 1:2} &gt;=0.2)</a:t>
-            </a:r>
-          </a:p>
-          <a:p>
-            <a:pPr lvl="1"/>
-            <a:endParaRPr lang="en-US" dirty="0" smtClean="0"/>
-          </a:p>
-          <a:p>
-            <a:pPr lvl="1"/>
-            <a:r>
-              <a:rPr lang="en-US" dirty="0"/>
-              <a:t>@</a:t>
-            </a:r>
-            <a:r>
-              <a:rPr lang="en-US" dirty="0" err="1"/>
-              <a:t>addConstraint</a:t>
-            </a:r>
-            <a:r>
-              <a:rPr lang="en-US" dirty="0"/>
-              <a:t>(m2, sum{x[</a:t>
-            </a:r>
-            <a:r>
-              <a:rPr lang="en-US" dirty="0" err="1"/>
-              <a:t>i,j</a:t>
-            </a:r>
-            <a:r>
-              <a:rPr lang="en-US" dirty="0"/>
-              <a:t>], </a:t>
-            </a:r>
-            <a:r>
-              <a:rPr lang="en-US" dirty="0" err="1"/>
-              <a:t>i</a:t>
-            </a:r>
-            <a:r>
-              <a:rPr lang="en-US" dirty="0"/>
-              <a:t> =1:10, j =1:2; </a:t>
-            </a:r>
-            <a:r>
-              <a:rPr lang="en-US" dirty="0" err="1"/>
-              <a:t>i</a:t>
-            </a:r>
-            <a:r>
-              <a:rPr lang="en-US" dirty="0"/>
-              <a:t> + j &lt;= 5} &gt;= </a:t>
-            </a:r>
-            <a:r>
-              <a:rPr lang="en-US" dirty="0" smtClean="0"/>
-              <a:t>0.05)</a:t>
-            </a:r>
-          </a:p>
-          <a:p>
-            <a:pPr lvl="1"/>
-            <a:endParaRPr lang="en-US" dirty="0" smtClean="0"/>
-          </a:p>
-          <a:p>
-            <a:pPr lvl="1"/>
-            <a:r>
-              <a:rPr lang="en-US" dirty="0" err="1" smtClean="0"/>
-              <a:t>myTest</a:t>
-            </a:r>
-            <a:r>
-              <a:rPr lang="en-US" dirty="0" smtClean="0"/>
-              <a:t>(</a:t>
-            </a:r>
-            <a:r>
-              <a:rPr lang="en-US" dirty="0" err="1" smtClean="0"/>
-              <a:t>i,j</a:t>
-            </a:r>
-            <a:r>
-              <a:rPr lang="en-US" dirty="0" smtClean="0"/>
-              <a:t>) = </a:t>
-            </a:r>
-            <a:r>
-              <a:rPr lang="en-US" dirty="0" err="1" smtClean="0"/>
-              <a:t>i</a:t>
-            </a:r>
-            <a:r>
-              <a:rPr lang="en-US" dirty="0" smtClean="0"/>
-              <a:t> + j &lt;= 5     # what did we do here?</a:t>
-            </a:r>
-            <a:endParaRPr lang="en-US" dirty="0"/>
-          </a:p>
-          <a:p>
-            <a:pPr lvl="1"/>
-            <a:r>
-              <a:rPr lang="en-US" dirty="0" smtClean="0"/>
-              <a:t>@</a:t>
-            </a:r>
-            <a:r>
-              <a:rPr lang="en-US" dirty="0" err="1" smtClean="0"/>
-              <a:t>addConstraint</a:t>
-            </a:r>
-            <a:r>
-              <a:rPr lang="en-US" dirty="0" smtClean="0"/>
-              <a:t>(m2, sum{x[</a:t>
-            </a:r>
-            <a:r>
-              <a:rPr lang="en-US" dirty="0" err="1" smtClean="0"/>
-              <a:t>i,j</a:t>
-            </a:r>
-            <a:r>
-              <a:rPr lang="en-US" dirty="0" smtClean="0"/>
-              <a:t>], </a:t>
-            </a:r>
-            <a:r>
-              <a:rPr lang="en-US" dirty="0" err="1" smtClean="0"/>
-              <a:t>i</a:t>
-            </a:r>
-            <a:r>
-              <a:rPr lang="en-US" dirty="0" smtClean="0"/>
-              <a:t> = 1:10, j=1:2; </a:t>
-            </a:r>
-            <a:r>
-              <a:rPr lang="en-US" dirty="0" err="1" smtClean="0"/>
-              <a:t>myTest</a:t>
-            </a:r>
-            <a:r>
-              <a:rPr lang="en-US" dirty="0" smtClean="0"/>
-              <a:t>(</a:t>
-            </a:r>
-            <a:r>
-              <a:rPr lang="en-US" dirty="0" err="1" smtClean="0"/>
-              <a:t>i,j</a:t>
-            </a:r>
-            <a:r>
-              <a:rPr lang="en-US" dirty="0" smtClean="0"/>
-              <a:t>)} &gt;= 0.05)</a:t>
-            </a:r>
-          </a:p>
-          <a:p>
-            <a:pPr lvl="1"/>
-            <a:endParaRPr lang="en-US" dirty="0" smtClean="0"/>
+              <a:t>linprog</a:t>
+            </a:r>
+            <a:r>
+              <a:rPr lang="en-US" dirty="0" smtClean="0"/>
+              <a:t>:</a:t>
+            </a:r>
+          </a:p>
+          <a:p>
+            <a:pPr lvl="1"/>
+            <a:r>
+              <a:rPr lang="fr-FR" dirty="0"/>
+              <a:t>c = [-1; -4];</a:t>
+            </a:r>
+          </a:p>
+          <a:p>
+            <a:pPr lvl="1"/>
+            <a:r>
+              <a:rPr lang="fr-FR" dirty="0"/>
+              <a:t>A = [1 1; 5 3];</a:t>
+            </a:r>
+          </a:p>
+          <a:p>
+            <a:pPr lvl="1"/>
+            <a:r>
+              <a:rPr lang="fr-FR" dirty="0"/>
+              <a:t>b = [3; 11];</a:t>
+            </a:r>
+          </a:p>
+          <a:p>
+            <a:pPr lvl="1"/>
+            <a:r>
+              <a:rPr lang="fr-FR" dirty="0"/>
+              <a:t>x = </a:t>
+            </a:r>
+            <a:r>
+              <a:rPr lang="fr-FR" dirty="0" err="1"/>
+              <a:t>linprog</a:t>
+            </a:r>
+            <a:r>
+              <a:rPr lang="fr-FR" dirty="0"/>
+              <a:t>(c, A, b, [], [], [0;0], [</a:t>
+            </a:r>
+            <a:r>
+              <a:rPr lang="fr-FR" dirty="0" err="1"/>
+              <a:t>inf</a:t>
+            </a:r>
+            <a:r>
+              <a:rPr lang="fr-FR" dirty="0"/>
+              <a:t>; 3</a:t>
+            </a:r>
+            <a:r>
+              <a:rPr lang="fr-FR" dirty="0" smtClean="0"/>
+              <a:t>])</a:t>
+            </a:r>
+          </a:p>
+          <a:p>
+            <a:pPr lvl="1"/>
+            <a:endParaRPr lang="fr-FR" dirty="0" smtClean="0"/>
           </a:p>
         </p:txBody>
       </p:sp>
     </p:spTree>
     <p:extLst>
       <p:ext uri="{BB962C8B-B14F-4D97-AF65-F5344CB8AC3E}">
-        <p14:creationId xmlns:p14="http://schemas.microsoft.com/office/powerpoint/2010/main" val="933528740"/>
+        <p14:creationId xmlns:p14="http://schemas.microsoft.com/office/powerpoint/2010/main" val="1119725980"/>
       </p:ext>
     </p:extLst>
   </p:cSld>
@@ -10440,134 +10461,40 @@
           <a:p>
             <a:r>
               <a:rPr lang="en-US" dirty="0" smtClean="0"/>
-              <a:t>Solver options</a:t>
-            </a:r>
-            <a:endParaRPr lang="en-US" dirty="0"/>
-          </a:p>
-        </p:txBody>
-      </p:sp>
-      <p:sp>
-        <p:nvSpPr>
-          <p:cNvPr id="3" name="Content Placeholder 2"/>
-          <p:cNvSpPr>
-            <a:spLocks noGrp="1"/>
-          </p:cNvSpPr>
-          <p:nvPr>
-            <p:ph idx="1"/>
-          </p:nvPr>
-        </p:nvSpPr>
-        <p:spPr/>
-        <p:txBody>
-          <a:bodyPr/>
-          <a:lstStyle/>
-          <a:p>
-            <a:r>
-              <a:rPr lang="en-US" dirty="0" smtClean="0"/>
-              <a:t>The Model() constructor accepts a specification of a solver – e.g.,</a:t>
-            </a:r>
-          </a:p>
-          <a:p>
-            <a:pPr lvl="1"/>
-            <a:r>
-              <a:rPr lang="en-US" dirty="0" smtClean="0"/>
-              <a:t>using </a:t>
-            </a:r>
-            <a:r>
-              <a:rPr lang="en-US" dirty="0" err="1" smtClean="0"/>
-              <a:t>JuMP</a:t>
-            </a:r>
-            <a:r>
-              <a:rPr lang="en-US" dirty="0" smtClean="0"/>
-              <a:t>, </a:t>
-            </a:r>
-            <a:r>
-              <a:rPr lang="en-US" dirty="0" err="1" smtClean="0"/>
-              <a:t>Gurobi</a:t>
-            </a:r>
-            <a:endParaRPr lang="en-US" dirty="0" smtClean="0"/>
-          </a:p>
-          <a:p>
-            <a:pPr lvl="1"/>
-            <a:r>
-              <a:rPr lang="en-US" dirty="0" smtClean="0"/>
-              <a:t>m = Model(solver = </a:t>
-            </a:r>
-            <a:r>
-              <a:rPr lang="en-US" dirty="0" err="1" smtClean="0"/>
-              <a:t>GurobiSolver</a:t>
-            </a:r>
-            <a:r>
-              <a:rPr lang="en-US" dirty="0" smtClean="0"/>
-              <a:t>() ) </a:t>
-            </a:r>
-          </a:p>
-          <a:p>
-            <a:pPr lvl="1"/>
-            <a:endParaRPr lang="en-US" dirty="0" smtClean="0"/>
-          </a:p>
-          <a:p>
-            <a:r>
-              <a:rPr lang="en-US" dirty="0" smtClean="0"/>
-              <a:t>The solver constructor (</a:t>
-            </a:r>
-            <a:r>
-              <a:rPr lang="en-US" dirty="0" err="1" smtClean="0"/>
-              <a:t>GurobiSolver</a:t>
-            </a:r>
-            <a:r>
-              <a:rPr lang="en-US" dirty="0" smtClean="0"/>
-              <a:t>()) accepts parameters. Parameter names/values follow the same naming/meaning as within the solver – e.g.,</a:t>
-            </a:r>
-          </a:p>
-          <a:p>
-            <a:pPr lvl="1"/>
-            <a:r>
-              <a:rPr lang="en-US" dirty="0" smtClean="0"/>
-              <a:t>m = Model(solver = </a:t>
-            </a:r>
-            <a:r>
-              <a:rPr lang="en-US" dirty="0" err="1" smtClean="0"/>
-              <a:t>GurobiSolver</a:t>
-            </a:r>
-            <a:r>
-              <a:rPr lang="en-US" dirty="0" smtClean="0"/>
-              <a:t>(Method = 2, Crossover = 0) ) </a:t>
-            </a:r>
-            <a:endParaRPr lang="en-US" dirty="0"/>
-          </a:p>
-          <a:p>
-            <a:pPr lvl="1"/>
-            <a:r>
-              <a:rPr lang="en-US" dirty="0" smtClean="0"/>
-              <a:t>m = Model(solver = </a:t>
-            </a:r>
-            <a:r>
-              <a:rPr lang="en-US" dirty="0" err="1" smtClean="0"/>
-              <a:t>GurobiSolver</a:t>
-            </a:r>
-            <a:r>
-              <a:rPr lang="en-US" dirty="0" smtClean="0"/>
-              <a:t>(</a:t>
-            </a:r>
-            <a:r>
-              <a:rPr lang="en-US" dirty="0" err="1" smtClean="0"/>
-              <a:t>Presolve</a:t>
-            </a:r>
-            <a:r>
-              <a:rPr lang="en-US" dirty="0" smtClean="0"/>
-              <a:t> = 0)) </a:t>
-            </a:r>
-          </a:p>
-          <a:p>
-            <a:pPr lvl="1"/>
-            <a:endParaRPr lang="en-US" dirty="0" smtClean="0"/>
-          </a:p>
-        </p:txBody>
-      </p:sp>
+              <a:t>Without an AML, in Excel</a:t>
+            </a:r>
+            <a:endParaRPr lang="en-US" dirty="0"/>
+          </a:p>
+        </p:txBody>
+      </p:sp>
+      <p:pic>
+        <p:nvPicPr>
+          <p:cNvPr id="4" name="Picture 3"/>
+          <p:cNvPicPr>
+            <a:picLocks noChangeAspect="1"/>
+          </p:cNvPicPr>
+          <p:nvPr/>
+        </p:nvPicPr>
+        <p:blipFill>
+          <a:blip r:embed="rId2"/>
+          <a:stretch>
+            <a:fillRect/>
+          </a:stretch>
+        </p:blipFill>
+        <p:spPr>
+          <a:xfrm>
+            <a:off x="914113" y="1524000"/>
+            <a:ext cx="7772687" cy="4549067"/>
+          </a:xfrm>
+          <a:prstGeom prst="rect">
+            <a:avLst/>
+          </a:prstGeom>
+        </p:spPr>
+      </p:pic>
     </p:spTree>
     <p:extLst>
       <p:ext uri="{BB962C8B-B14F-4D97-AF65-F5344CB8AC3E}">
-        <p14:creationId xmlns:p14="http://schemas.microsoft.com/office/powerpoint/2010/main" val="880043614"/>
+        <p14:creationId xmlns:p14="http://schemas.microsoft.com/office/powerpoint/2010/main" val="425979394"/>
       </p:ext>
     </p:extLst>
   </p:cSld>
@@ -10606,6 +10533,664 @@
         </p:nvSpPr>
         <p:spPr/>
         <p:txBody>
+          <a:bodyPr>
+            <a:normAutofit/>
+          </a:bodyPr>
+          <a:lstStyle/>
+          <a:p>
+            <a:r>
+              <a:rPr lang="en-US" dirty="0" smtClean="0"/>
+              <a:t>Building more general models</a:t>
+            </a:r>
+            <a:endParaRPr lang="en-US" dirty="0"/>
+          </a:p>
+        </p:txBody>
+      </p:sp>
+      <p:sp>
+        <p:nvSpPr>
+          <p:cNvPr id="3" name="Content Placeholder 2"/>
+          <p:cNvSpPr>
+            <a:spLocks noGrp="1"/>
+          </p:cNvSpPr>
+          <p:nvPr>
+            <p:ph idx="1"/>
+          </p:nvPr>
+        </p:nvSpPr>
+        <p:spPr/>
+        <p:txBody>
+          <a:bodyPr/>
+          <a:lstStyle/>
+          <a:p>
+            <a:r>
+              <a:rPr lang="en-US" dirty="0" smtClean="0"/>
+              <a:t>More general ways to build things:</a:t>
+            </a:r>
+          </a:p>
+          <a:p>
+            <a:pPr lvl="1"/>
+            <a:r>
+              <a:rPr lang="en-US" dirty="0" smtClean="0"/>
+              <a:t>m2 = Model()</a:t>
+            </a:r>
+          </a:p>
+          <a:p>
+            <a:pPr lvl="1"/>
+            <a:r>
+              <a:rPr lang="en-US" dirty="0" smtClean="0"/>
+              <a:t>@</a:t>
+            </a:r>
+            <a:r>
+              <a:rPr lang="en-US" dirty="0" err="1" smtClean="0"/>
+              <a:t>defVar</a:t>
+            </a:r>
+            <a:r>
+              <a:rPr lang="en-US" dirty="0" smtClean="0"/>
+              <a:t>(m2, x[1:10, 1:2] &gt;= 0)</a:t>
+            </a:r>
+          </a:p>
+          <a:p>
+            <a:pPr lvl="1"/>
+            <a:r>
+              <a:rPr lang="en-US" dirty="0" smtClean="0"/>
+              <a:t>@</a:t>
+            </a:r>
+            <a:r>
+              <a:rPr lang="en-US" dirty="0" err="1" smtClean="0"/>
+              <a:t>addConstraint</a:t>
+            </a:r>
+            <a:r>
+              <a:rPr lang="en-US" dirty="0" smtClean="0"/>
+              <a:t>(m2, sum{ x[</a:t>
+            </a:r>
+            <a:r>
+              <a:rPr lang="en-US" dirty="0" err="1" smtClean="0"/>
+              <a:t>i,j</a:t>
+            </a:r>
+            <a:r>
+              <a:rPr lang="en-US" dirty="0" smtClean="0"/>
+              <a:t>] , </a:t>
+            </a:r>
+            <a:r>
+              <a:rPr lang="en-US" dirty="0" err="1" smtClean="0"/>
+              <a:t>i</a:t>
+            </a:r>
+            <a:r>
+              <a:rPr lang="en-US" dirty="0" smtClean="0"/>
+              <a:t> =1:10, j=1:2} &lt;= 1)</a:t>
+            </a:r>
+          </a:p>
+          <a:p>
+            <a:pPr lvl="1"/>
+            <a:endParaRPr lang="en-US" dirty="0"/>
+          </a:p>
+          <a:p>
+            <a:pPr lvl="1"/>
+            <a:r>
+              <a:rPr lang="en-US" dirty="0" smtClean="0"/>
+              <a:t>primes = [2, 3, 5, 7]</a:t>
+            </a:r>
+          </a:p>
+          <a:p>
+            <a:pPr lvl="1"/>
+            <a:r>
+              <a:rPr lang="en-US" dirty="0" smtClean="0"/>
+              <a:t>@</a:t>
+            </a:r>
+            <a:r>
+              <a:rPr lang="en-US" dirty="0" err="1" smtClean="0"/>
+              <a:t>addConstraint</a:t>
+            </a:r>
+            <a:r>
+              <a:rPr lang="en-US" dirty="0" smtClean="0"/>
+              <a:t>(m2, sum{x[</a:t>
+            </a:r>
+            <a:r>
+              <a:rPr lang="en-US" dirty="0" err="1" smtClean="0"/>
+              <a:t>i,j</a:t>
+            </a:r>
+            <a:r>
+              <a:rPr lang="en-US" dirty="0" smtClean="0"/>
+              <a:t>] , </a:t>
+            </a:r>
+            <a:r>
+              <a:rPr lang="en-US" dirty="0" err="1" smtClean="0"/>
+              <a:t>i</a:t>
+            </a:r>
+            <a:r>
+              <a:rPr lang="en-US" dirty="0" smtClean="0"/>
+              <a:t> in primes, j = 1:2} &gt;=0.2)</a:t>
+            </a:r>
+          </a:p>
+          <a:p>
+            <a:pPr lvl="1"/>
+            <a:endParaRPr lang="en-US" dirty="0" smtClean="0"/>
+          </a:p>
+          <a:p>
+            <a:pPr lvl="1"/>
+            <a:r>
+              <a:rPr lang="en-US" dirty="0"/>
+              <a:t>@</a:t>
+            </a:r>
+            <a:r>
+              <a:rPr lang="en-US" dirty="0" err="1"/>
+              <a:t>addConstraint</a:t>
+            </a:r>
+            <a:r>
+              <a:rPr lang="en-US" dirty="0"/>
+              <a:t>(m2, sum{x[</a:t>
+            </a:r>
+            <a:r>
+              <a:rPr lang="en-US" dirty="0" err="1"/>
+              <a:t>i,j</a:t>
+            </a:r>
+            <a:r>
+              <a:rPr lang="en-US" dirty="0"/>
+              <a:t>], </a:t>
+            </a:r>
+            <a:r>
+              <a:rPr lang="en-US" dirty="0" err="1"/>
+              <a:t>i</a:t>
+            </a:r>
+            <a:r>
+              <a:rPr lang="en-US" dirty="0"/>
+              <a:t> =1:10, j =1:2; </a:t>
+            </a:r>
+            <a:r>
+              <a:rPr lang="en-US" dirty="0" err="1"/>
+              <a:t>i</a:t>
+            </a:r>
+            <a:r>
+              <a:rPr lang="en-US" dirty="0"/>
+              <a:t> + j &lt;= 5} &gt;= </a:t>
+            </a:r>
+            <a:r>
+              <a:rPr lang="en-US" dirty="0" smtClean="0"/>
+              <a:t>0.05)</a:t>
+            </a:r>
+          </a:p>
+          <a:p>
+            <a:pPr lvl="1"/>
+            <a:endParaRPr lang="en-US" dirty="0" smtClean="0"/>
+          </a:p>
+          <a:p>
+            <a:pPr lvl="1"/>
+            <a:r>
+              <a:rPr lang="en-US" dirty="0" err="1" smtClean="0"/>
+              <a:t>myTest</a:t>
+            </a:r>
+            <a:r>
+              <a:rPr lang="en-US" dirty="0" smtClean="0"/>
+              <a:t>(</a:t>
+            </a:r>
+            <a:r>
+              <a:rPr lang="en-US" dirty="0" err="1" smtClean="0"/>
+              <a:t>i,j</a:t>
+            </a:r>
+            <a:r>
+              <a:rPr lang="en-US" dirty="0" smtClean="0"/>
+              <a:t>) = </a:t>
+            </a:r>
+            <a:r>
+              <a:rPr lang="en-US" dirty="0" err="1" smtClean="0"/>
+              <a:t>i</a:t>
+            </a:r>
+            <a:r>
+              <a:rPr lang="en-US" dirty="0" smtClean="0"/>
+              <a:t> + j &lt;= 5     # what did we do here?</a:t>
+            </a:r>
+            <a:endParaRPr lang="en-US" dirty="0"/>
+          </a:p>
+          <a:p>
+            <a:pPr lvl="1"/>
+            <a:r>
+              <a:rPr lang="en-US" dirty="0" smtClean="0"/>
+              <a:t>@</a:t>
+            </a:r>
+            <a:r>
+              <a:rPr lang="en-US" dirty="0" err="1" smtClean="0"/>
+              <a:t>addConstraint</a:t>
+            </a:r>
+            <a:r>
+              <a:rPr lang="en-US" dirty="0" smtClean="0"/>
+              <a:t>(m2, sum{x[</a:t>
+            </a:r>
+            <a:r>
+              <a:rPr lang="en-US" dirty="0" err="1" smtClean="0"/>
+              <a:t>i,j</a:t>
+            </a:r>
+            <a:r>
+              <a:rPr lang="en-US" dirty="0" smtClean="0"/>
+              <a:t>], </a:t>
+            </a:r>
+            <a:r>
+              <a:rPr lang="en-US" dirty="0" err="1" smtClean="0"/>
+              <a:t>i</a:t>
+            </a:r>
+            <a:r>
+              <a:rPr lang="en-US" dirty="0" smtClean="0"/>
+              <a:t> = 1:10, j=1:2; </a:t>
+            </a:r>
+            <a:r>
+              <a:rPr lang="en-US" dirty="0" err="1" smtClean="0"/>
+              <a:t>myTest</a:t>
+            </a:r>
+            <a:r>
+              <a:rPr lang="en-US" dirty="0" smtClean="0"/>
+              <a:t>(</a:t>
+            </a:r>
+            <a:r>
+              <a:rPr lang="en-US" dirty="0" err="1" smtClean="0"/>
+              <a:t>i,j</a:t>
+            </a:r>
+            <a:r>
+              <a:rPr lang="en-US" dirty="0" smtClean="0"/>
+              <a:t>)} &gt;= 0.05)</a:t>
+            </a:r>
+          </a:p>
+          <a:p>
+            <a:pPr lvl="1"/>
+            <a:endParaRPr lang="en-US" dirty="0" smtClean="0"/>
+          </a:p>
+        </p:txBody>
+      </p:sp>
+    </p:spTree>
+    <p:extLst>
+      <p:ext uri="{BB962C8B-B14F-4D97-AF65-F5344CB8AC3E}">
+        <p14:creationId xmlns:p14="http://schemas.microsoft.com/office/powerpoint/2010/main" val="933528740"/>
+      </p:ext>
+    </p:extLst>
+  </p:cSld>
+  <p:clrMapOvr>
+    <a:masterClrMapping/>
+  </p:clrMapOvr>
+  <p:timing>
+    <p:tnLst>
+      <p:par>
+        <p:cTn xmlns:p14="http://schemas.microsoft.com/office/powerpoint/2010/main" id="1" dur="indefinite" restart="never" nodeType="tmRoot"/>
+      </p:par>
+    </p:tnLst>
+  </p:timing>
+</p:sld>
+</file>
+
+<file path=ppt/slides/slide29.xml><?xml version="1.0" encoding="utf-8"?>
+<p:sld xmlns:a="http://schemas.openxmlformats.org/drawingml/2006/main" xmlns:r="http://schemas.openxmlformats.org/officeDocument/2006/relationships" xmlns:p="http://schemas.openxmlformats.org/presentationml/2006/main">
+  <p:cSld>
+    <p:spTree>
+      <p:nvGrpSpPr>
+        <p:cNvPr id="1" name=""/>
+        <p:cNvGrpSpPr/>
+        <p:nvPr/>
+      </p:nvGrpSpPr>
+      <p:grpSpPr>
+        <a:xfrm>
+          <a:off x="0" y="0"/>
+          <a:ext cx="0" cy="0"/>
+          <a:chOff x="0" y="0"/>
+          <a:chExt cx="0" cy="0"/>
+        </a:xfrm>
+      </p:grpSpPr>
+      <p:sp>
+        <p:nvSpPr>
+          <p:cNvPr id="2" name="Title 1"/>
+          <p:cNvSpPr>
+            <a:spLocks noGrp="1"/>
+          </p:cNvSpPr>
+          <p:nvPr>
+            <p:ph type="title"/>
+          </p:nvPr>
+        </p:nvSpPr>
+        <p:spPr/>
+        <p:txBody>
+          <a:bodyPr/>
+          <a:lstStyle/>
+          <a:p>
+            <a:r>
+              <a:rPr lang="en-US" dirty="0" smtClean="0"/>
+              <a:t>Solver options</a:t>
+            </a:r>
+            <a:endParaRPr lang="en-US" dirty="0"/>
+          </a:p>
+        </p:txBody>
+      </p:sp>
+      <p:sp>
+        <p:nvSpPr>
+          <p:cNvPr id="3" name="Content Placeholder 2"/>
+          <p:cNvSpPr>
+            <a:spLocks noGrp="1"/>
+          </p:cNvSpPr>
+          <p:nvPr>
+            <p:ph idx="1"/>
+          </p:nvPr>
+        </p:nvSpPr>
+        <p:spPr/>
+        <p:txBody>
+          <a:bodyPr/>
+          <a:lstStyle/>
+          <a:p>
+            <a:r>
+              <a:rPr lang="en-US" dirty="0" smtClean="0"/>
+              <a:t>The Model() constructor accepts a specification of a solver – e.g.,</a:t>
+            </a:r>
+          </a:p>
+          <a:p>
+            <a:pPr lvl="1"/>
+            <a:r>
+              <a:rPr lang="en-US" dirty="0" smtClean="0"/>
+              <a:t>using </a:t>
+            </a:r>
+            <a:r>
+              <a:rPr lang="en-US" dirty="0" err="1" smtClean="0"/>
+              <a:t>JuMP</a:t>
+            </a:r>
+            <a:r>
+              <a:rPr lang="en-US" dirty="0" smtClean="0"/>
+              <a:t>, </a:t>
+            </a:r>
+            <a:r>
+              <a:rPr lang="en-US" dirty="0" err="1" smtClean="0"/>
+              <a:t>Gurobi</a:t>
+            </a:r>
+            <a:endParaRPr lang="en-US" dirty="0" smtClean="0"/>
+          </a:p>
+          <a:p>
+            <a:pPr lvl="1"/>
+            <a:r>
+              <a:rPr lang="en-US" dirty="0" smtClean="0"/>
+              <a:t>m = Model(solver = </a:t>
+            </a:r>
+            <a:r>
+              <a:rPr lang="en-US" dirty="0" err="1" smtClean="0"/>
+              <a:t>GurobiSolver</a:t>
+            </a:r>
+            <a:r>
+              <a:rPr lang="en-US" dirty="0" smtClean="0"/>
+              <a:t>() ) </a:t>
+            </a:r>
+          </a:p>
+          <a:p>
+            <a:pPr lvl="1"/>
+            <a:endParaRPr lang="en-US" dirty="0" smtClean="0"/>
+          </a:p>
+          <a:p>
+            <a:r>
+              <a:rPr lang="en-US" dirty="0" smtClean="0"/>
+              <a:t>The solver constructor (</a:t>
+            </a:r>
+            <a:r>
+              <a:rPr lang="en-US" dirty="0" err="1" smtClean="0"/>
+              <a:t>GurobiSolver</a:t>
+            </a:r>
+            <a:r>
+              <a:rPr lang="en-US" dirty="0" smtClean="0"/>
+              <a:t>()) accepts parameters. Parameter names/values follow the same naming/meaning as within the solver – e.g.,</a:t>
+            </a:r>
+          </a:p>
+          <a:p>
+            <a:pPr lvl="1"/>
+            <a:r>
+              <a:rPr lang="en-US" dirty="0" smtClean="0"/>
+              <a:t>m = Model(solver = </a:t>
+            </a:r>
+            <a:r>
+              <a:rPr lang="en-US" dirty="0" err="1" smtClean="0"/>
+              <a:t>GurobiSolver</a:t>
+            </a:r>
+            <a:r>
+              <a:rPr lang="en-US" dirty="0" smtClean="0"/>
+              <a:t>(Method = 2, Crossover = 0) ) </a:t>
+            </a:r>
+            <a:endParaRPr lang="en-US" dirty="0"/>
+          </a:p>
+          <a:p>
+            <a:pPr lvl="1"/>
+            <a:r>
+              <a:rPr lang="en-US" dirty="0" smtClean="0"/>
+              <a:t>m = Model(solver = </a:t>
+            </a:r>
+            <a:r>
+              <a:rPr lang="en-US" dirty="0" err="1" smtClean="0"/>
+              <a:t>GurobiSolver</a:t>
+            </a:r>
+            <a:r>
+              <a:rPr lang="en-US" dirty="0" smtClean="0"/>
+              <a:t>(</a:t>
+            </a:r>
+            <a:r>
+              <a:rPr lang="en-US" dirty="0" err="1" smtClean="0"/>
+              <a:t>Presolve</a:t>
+            </a:r>
+            <a:r>
+              <a:rPr lang="en-US" dirty="0" smtClean="0"/>
+              <a:t> = 0)) </a:t>
+            </a:r>
+          </a:p>
+          <a:p>
+            <a:pPr lvl="1"/>
+            <a:endParaRPr lang="en-US" dirty="0" smtClean="0"/>
+          </a:p>
+        </p:txBody>
+      </p:sp>
+    </p:spTree>
+    <p:extLst>
+      <p:ext uri="{BB962C8B-B14F-4D97-AF65-F5344CB8AC3E}">
+        <p14:creationId xmlns:p14="http://schemas.microsoft.com/office/powerpoint/2010/main" val="880043614"/>
+      </p:ext>
+    </p:extLst>
+  </p:cSld>
+  <p:clrMapOvr>
+    <a:masterClrMapping/>
+  </p:clrMapOvr>
+</p:sld>
+</file>
+
+<file path=ppt/slides/slide3.xml><?xml version="1.0" encoding="utf-8"?>
+<p:sld xmlns:a="http://schemas.openxmlformats.org/drawingml/2006/main" xmlns:r="http://schemas.openxmlformats.org/officeDocument/2006/relationships" xmlns:p="http://schemas.openxmlformats.org/presentationml/2006/main">
+  <p:cSld>
+    <p:spTree>
+      <p:nvGrpSpPr>
+        <p:cNvPr id="1" name=""/>
+        <p:cNvGrpSpPr/>
+        <p:nvPr/>
+      </p:nvGrpSpPr>
+      <p:grpSpPr>
+        <a:xfrm>
+          <a:off x="0" y="0"/>
+          <a:ext cx="0" cy="0"/>
+          <a:chOff x="0" y="0"/>
+          <a:chExt cx="0" cy="0"/>
+        </a:xfrm>
+      </p:grpSpPr>
+      <p:sp>
+        <p:nvSpPr>
+          <p:cNvPr id="2" name="Title 1"/>
+          <p:cNvSpPr>
+            <a:spLocks noGrp="1"/>
+          </p:cNvSpPr>
+          <p:nvPr>
+            <p:ph type="title"/>
+          </p:nvPr>
+        </p:nvSpPr>
+        <p:spPr/>
+        <p:txBody>
+          <a:bodyPr/>
+          <a:lstStyle/>
+          <a:p>
+            <a:r>
+              <a:rPr lang="en-US" dirty="0" smtClean="0"/>
+              <a:t>Background of Julia and </a:t>
+            </a:r>
+            <a:r>
+              <a:rPr lang="en-US" dirty="0" err="1" smtClean="0"/>
+              <a:t>JuMP</a:t>
+            </a:r>
+            <a:endParaRPr lang="en-US" dirty="0"/>
+          </a:p>
+        </p:txBody>
+      </p:sp>
+      <p:sp>
+        <p:nvSpPr>
+          <p:cNvPr id="3" name="Content Placeholder 2"/>
+          <p:cNvSpPr>
+            <a:spLocks noGrp="1"/>
+          </p:cNvSpPr>
+          <p:nvPr>
+            <p:ph idx="1"/>
+          </p:nvPr>
+        </p:nvSpPr>
+        <p:spPr/>
+        <p:txBody>
+          <a:bodyPr/>
+          <a:lstStyle/>
+          <a:p>
+            <a:r>
+              <a:rPr lang="en-US" dirty="0" smtClean="0"/>
+              <a:t>Julia:</a:t>
+            </a:r>
+          </a:p>
+          <a:p>
+            <a:pPr lvl="1"/>
+            <a:r>
+              <a:rPr lang="en-US" dirty="0" smtClean="0"/>
+              <a:t>“high-level, high-performance, open-source dynamic language for technical computing”</a:t>
+            </a:r>
+          </a:p>
+          <a:p>
+            <a:pPr lvl="1"/>
+            <a:r>
+              <a:rPr lang="en-US" dirty="0" smtClean="0"/>
+              <a:t>Dynamic nature allows rapid development, but Julia is also </a:t>
+            </a:r>
+            <a:r>
+              <a:rPr lang="en-US" i="1" dirty="0" smtClean="0"/>
+              <a:t>fast</a:t>
+            </a:r>
+            <a:endParaRPr lang="en-US" dirty="0" smtClean="0"/>
+          </a:p>
+          <a:p>
+            <a:pPr lvl="2"/>
+            <a:r>
+              <a:rPr lang="en-US" dirty="0" smtClean="0"/>
+              <a:t>Within factor of 2 of C/C++</a:t>
+            </a:r>
+          </a:p>
+          <a:p>
+            <a:pPr lvl="1"/>
+            <a:r>
+              <a:rPr lang="en-US" dirty="0" smtClean="0"/>
+              <a:t>See </a:t>
+            </a:r>
+            <a:r>
+              <a:rPr lang="en-US" dirty="0" err="1" smtClean="0"/>
+              <a:t>Lubin</a:t>
+            </a:r>
+            <a:r>
+              <a:rPr lang="en-US" dirty="0" smtClean="0"/>
+              <a:t> </a:t>
+            </a:r>
+            <a:r>
+              <a:rPr lang="en-US" dirty="0"/>
+              <a:t>and Dunning (2013</a:t>
+            </a:r>
+            <a:r>
+              <a:rPr lang="en-US" dirty="0" smtClean="0"/>
+              <a:t>) (</a:t>
+            </a:r>
+            <a:r>
+              <a:rPr lang="en-US" dirty="0" smtClean="0">
+                <a:hlinkClick r:id="rId2"/>
+              </a:rPr>
+              <a:t>http</a:t>
+            </a:r>
+            <a:r>
+              <a:rPr lang="en-US" dirty="0">
+                <a:hlinkClick r:id="rId2"/>
+              </a:rPr>
+              <a:t>://arxiv.org/abs/</a:t>
+            </a:r>
+            <a:r>
+              <a:rPr lang="en-US" dirty="0" smtClean="0">
+                <a:hlinkClick r:id="rId2"/>
+              </a:rPr>
+              <a:t>1312.1431</a:t>
+            </a:r>
+            <a:r>
+              <a:rPr lang="en-US" dirty="0" smtClean="0"/>
+              <a:t>) for comprehensive experiments</a:t>
+            </a:r>
+          </a:p>
+          <a:p>
+            <a:r>
+              <a:rPr lang="en-US" dirty="0" err="1" smtClean="0"/>
+              <a:t>JuMP</a:t>
+            </a:r>
+            <a:r>
+              <a:rPr lang="en-US" dirty="0" smtClean="0"/>
+              <a:t>:</a:t>
+            </a:r>
+          </a:p>
+          <a:p>
+            <a:pPr lvl="1"/>
+            <a:r>
+              <a:rPr lang="en-US" dirty="0" smtClean="0"/>
+              <a:t>Algebraic Modeling Language (AML) for Julia developed by Miles and Iain</a:t>
+            </a:r>
+          </a:p>
+          <a:p>
+            <a:pPr lvl="1"/>
+            <a:endParaRPr lang="en-US" dirty="0" smtClean="0"/>
+          </a:p>
+        </p:txBody>
+      </p:sp>
+    </p:spTree>
+    <p:extLst>
+      <p:ext uri="{BB962C8B-B14F-4D97-AF65-F5344CB8AC3E}">
+        <p14:creationId xmlns:p14="http://schemas.microsoft.com/office/powerpoint/2010/main" val="830502430"/>
+      </p:ext>
+    </p:extLst>
+  </p:cSld>
+  <p:clrMapOvr>
+    <a:masterClrMapping/>
+  </p:clrMapOvr>
+  <p:timing>
+    <p:tnLst>
+      <p:par>
+        <p:cTn xmlns:p14="http://schemas.microsoft.com/office/powerpoint/2010/main" id="1" dur="indefinite" restart="never" nodeType="tmRoot"/>
+      </p:par>
+    </p:tnLst>
+  </p:timing>
+</p:sld>
+</file>
+
+<file path=ppt/slides/slide30.xml><?xml version="1.0" encoding="utf-8"?>
+<p:sld xmlns:a="http://schemas.openxmlformats.org/drawingml/2006/main" xmlns:r="http://schemas.openxmlformats.org/officeDocument/2006/relationships" xmlns:p="http://schemas.openxmlformats.org/presentationml/2006/main">
+  <p:cSld>
+    <p:spTree>
+      <p:nvGrpSpPr>
+        <p:cNvPr id="1" name=""/>
+        <p:cNvGrpSpPr/>
+        <p:nvPr/>
+      </p:nvGrpSpPr>
+      <p:grpSpPr>
+        <a:xfrm>
+          <a:off x="0" y="0"/>
+          <a:ext cx="0" cy="0"/>
+          <a:chOff x="0" y="0"/>
+          <a:chExt cx="0" cy="0"/>
+        </a:xfrm>
+      </p:grpSpPr>
+      <p:sp>
+        <p:nvSpPr>
+          <p:cNvPr id="2" name="Title 1"/>
+          <p:cNvSpPr>
+            <a:spLocks noGrp="1"/>
+          </p:cNvSpPr>
+          <p:nvPr>
+            <p:ph type="title"/>
+          </p:nvPr>
+        </p:nvSpPr>
+        <p:spPr/>
+        <p:txBody>
           <a:bodyPr/>
           <a:lstStyle/>
           <a:p>
@@ -10619,7 +11204,7 @@
       </p:sp>
       <p:pic>
         <p:nvPicPr>
-          <p:cNvPr id="3" name="Picture 2" descr="latex-image-1.pdf"/>
+          <p:cNvPr id="4" name="Picture 3" descr="latex-image-1.pdf"/>
           <p:cNvPicPr>
             <a:picLocks noChangeAspect="1"/>
           </p:cNvPicPr>
@@ -10639,8 +11224,8 @@
         </p:blipFill>
         <p:spPr>
           <a:xfrm>
-            <a:off x="851233" y="1695568"/>
-            <a:ext cx="7364272" cy="4397430"/>
+            <a:off x="457200" y="1524000"/>
+            <a:ext cx="7889354" cy="4710972"/>
           </a:xfrm>
           <a:prstGeom prst="rect">
             <a:avLst/>
@@ -10668,7 +11253,164 @@
 </p:sld>
 </file>
 
-<file path=ppt/slides/slide29.xml><?xml version="1.0" encoding="utf-8"?>
+<file path=ppt/slides/slide31.xml><?xml version="1.0" encoding="utf-8"?>
+<p:sld xmlns:a="http://schemas.openxmlformats.org/drawingml/2006/main" xmlns:r="http://schemas.openxmlformats.org/officeDocument/2006/relationships" xmlns:p="http://schemas.openxmlformats.org/presentationml/2006/main">
+  <p:cSld>
+    <p:spTree>
+      <p:nvGrpSpPr>
+        <p:cNvPr id="1" name=""/>
+        <p:cNvGrpSpPr/>
+        <p:nvPr/>
+      </p:nvGrpSpPr>
+      <p:grpSpPr>
+        <a:xfrm>
+          <a:off x="0" y="0"/>
+          <a:ext cx="0" cy="0"/>
+          <a:chOff x="0" y="0"/>
+          <a:chExt cx="0" cy="0"/>
+        </a:xfrm>
+      </p:grpSpPr>
+      <p:sp>
+        <p:nvSpPr>
+          <p:cNvPr id="2" name="Title 1"/>
+          <p:cNvSpPr>
+            <a:spLocks noGrp="1"/>
+          </p:cNvSpPr>
+          <p:nvPr>
+            <p:ph type="title"/>
+          </p:nvPr>
+        </p:nvSpPr>
+        <p:spPr/>
+        <p:txBody>
+          <a:bodyPr/>
+          <a:lstStyle/>
+          <a:p>
+            <a:r>
+              <a:rPr lang="en-US" dirty="0" smtClean="0"/>
+              <a:t>Without an AML...</a:t>
+            </a:r>
+            <a:endParaRPr lang="en-US" dirty="0"/>
+          </a:p>
+        </p:txBody>
+      </p:sp>
+      <p:sp>
+        <p:nvSpPr>
+          <p:cNvPr id="3" name="Content Placeholder 2"/>
+          <p:cNvSpPr>
+            <a:spLocks noGrp="1"/>
+          </p:cNvSpPr>
+          <p:nvPr>
+            <p:ph idx="1"/>
+          </p:nvPr>
+        </p:nvSpPr>
+        <p:spPr/>
+        <p:txBody>
+          <a:bodyPr/>
+          <a:lstStyle/>
+          <a:p>
+            <a:r>
+              <a:rPr lang="en-US" dirty="0"/>
+              <a:t>I</a:t>
+            </a:r>
+            <a:r>
+              <a:rPr lang="en-US" dirty="0" smtClean="0"/>
+              <a:t>n MATLAB, using </a:t>
+            </a:r>
+            <a:r>
+              <a:rPr lang="en-US" dirty="0" err="1" smtClean="0"/>
+              <a:t>linprog</a:t>
+            </a:r>
+            <a:r>
+              <a:rPr lang="en-US" dirty="0" smtClean="0"/>
+              <a:t>?</a:t>
+            </a:r>
+          </a:p>
+          <a:p>
+            <a:pPr lvl="1"/>
+            <a:r>
+              <a:rPr lang="en-US" dirty="0" smtClean="0"/>
+              <a:t>Think about how you would need to keep track of indices of many rows and columns of A matrix will have double indices (rows because of </a:t>
+            </a:r>
+            <a:r>
+              <a:rPr lang="en-US" dirty="0" err="1" smtClean="0"/>
+              <a:t>x_ij</a:t>
+            </a:r>
+            <a:r>
+              <a:rPr lang="en-US" dirty="0" smtClean="0"/>
+              <a:t> &lt;= </a:t>
+            </a:r>
+            <a:r>
+              <a:rPr lang="en-US" dirty="0" err="1" smtClean="0"/>
+              <a:t>y_j</a:t>
+            </a:r>
+            <a:r>
+              <a:rPr lang="en-US" dirty="0" smtClean="0"/>
+              <a:t>, columns because of </a:t>
+            </a:r>
+            <a:r>
+              <a:rPr lang="en-US" dirty="0" err="1" smtClean="0"/>
+              <a:t>x_ij</a:t>
+            </a:r>
+            <a:r>
+              <a:rPr lang="en-US" dirty="0" smtClean="0"/>
+              <a:t>).</a:t>
+            </a:r>
+          </a:p>
+          <a:p>
+            <a:pPr lvl="1"/>
+            <a:r>
+              <a:rPr lang="en-US" dirty="0" smtClean="0"/>
+              <a:t>This can be nasty to debug (trust me).</a:t>
+            </a:r>
+          </a:p>
+          <a:p>
+            <a:endParaRPr lang="en-US" dirty="0"/>
+          </a:p>
+          <a:p>
+            <a:r>
+              <a:rPr lang="en-US" dirty="0" smtClean="0"/>
+              <a:t>In Excel, using Solver?</a:t>
+            </a:r>
+          </a:p>
+          <a:p>
+            <a:pPr lvl="1"/>
+            <a:r>
+              <a:rPr lang="en-US" dirty="0" smtClean="0"/>
+              <a:t>Could potentially handle it – have large plots of spreadsheet space where rows and columns correspond to </a:t>
+            </a:r>
+            <a:r>
+              <a:rPr lang="en-US" dirty="0" err="1" smtClean="0"/>
+              <a:t>i</a:t>
+            </a:r>
+            <a:r>
+              <a:rPr lang="en-US" dirty="0" smtClean="0"/>
+              <a:t> and j.</a:t>
+            </a:r>
+          </a:p>
+          <a:p>
+            <a:pPr lvl="1"/>
+            <a:r>
+              <a:rPr lang="en-US" dirty="0" smtClean="0"/>
+              <a:t>But what if you have new data? What if the dimensions of the problem change? </a:t>
+            </a:r>
+            <a:endParaRPr lang="en-US" dirty="0"/>
+          </a:p>
+        </p:txBody>
+      </p:sp>
+    </p:spTree>
+    <p:extLst>
+      <p:ext uri="{BB962C8B-B14F-4D97-AF65-F5344CB8AC3E}">
+        <p14:creationId xmlns:p14="http://schemas.microsoft.com/office/powerpoint/2010/main" val="2421647829"/>
+      </p:ext>
+    </p:extLst>
+  </p:cSld>
+  <p:clrMapOvr>
+    <a:masterClrMapping/>
+  </p:clrMapOvr>
+</p:sld>
+</file>
+
+<file path=ppt/slides/slide32.xml><?xml version="1.0" encoding="utf-8"?>
 <p:sld xmlns:a="http://schemas.openxmlformats.org/drawingml/2006/main" xmlns:r="http://schemas.openxmlformats.org/officeDocument/2006/relationships" xmlns:p="http://schemas.openxmlformats.org/presentationml/2006/main">
   <p:cSld>
     <p:spTree>
@@ -10851,178 +11593,7 @@
 </p:sld>
 </file>
 
-<file path=ppt/slides/slide3.xml><?xml version="1.0" encoding="utf-8"?>
-<p:sld xmlns:a="http://schemas.openxmlformats.org/drawingml/2006/main" xmlns:r="http://schemas.openxmlformats.org/officeDocument/2006/relationships" xmlns:p="http://schemas.openxmlformats.org/presentationml/2006/main">
-  <p:cSld>
-    <p:spTree>
-      <p:nvGrpSpPr>
-        <p:cNvPr id="1" name=""/>
-        <p:cNvGrpSpPr/>
-        <p:nvPr/>
-      </p:nvGrpSpPr>
-      <p:grpSpPr>
-        <a:xfrm>
-          <a:off x="0" y="0"/>
-          <a:ext cx="0" cy="0"/>
-          <a:chOff x="0" y="0"/>
-          <a:chExt cx="0" cy="0"/>
-        </a:xfrm>
-      </p:grpSpPr>
-      <p:sp>
-        <p:nvSpPr>
-          <p:cNvPr id="2" name="Title 1"/>
-          <p:cNvSpPr>
-            <a:spLocks noGrp="1"/>
-          </p:cNvSpPr>
-          <p:nvPr>
-            <p:ph type="title"/>
-          </p:nvPr>
-        </p:nvSpPr>
-        <p:spPr/>
-        <p:txBody>
-          <a:bodyPr/>
-          <a:lstStyle/>
-          <a:p>
-            <a:r>
-              <a:rPr lang="en-US" dirty="0" smtClean="0"/>
-              <a:t>Background of Julia and </a:t>
-            </a:r>
-            <a:r>
-              <a:rPr lang="en-US" dirty="0" err="1" smtClean="0"/>
-              <a:t>JuMP</a:t>
-            </a:r>
-            <a:endParaRPr lang="en-US" dirty="0"/>
-          </a:p>
-        </p:txBody>
-      </p:sp>
-      <p:sp>
-        <p:nvSpPr>
-          <p:cNvPr id="3" name="Content Placeholder 2"/>
-          <p:cNvSpPr>
-            <a:spLocks noGrp="1"/>
-          </p:cNvSpPr>
-          <p:nvPr>
-            <p:ph idx="1"/>
-          </p:nvPr>
-        </p:nvSpPr>
-        <p:spPr/>
-        <p:txBody>
-          <a:bodyPr/>
-          <a:lstStyle/>
-          <a:p>
-            <a:r>
-              <a:rPr lang="en-US" dirty="0" smtClean="0"/>
-              <a:t>Julia:</a:t>
-            </a:r>
-          </a:p>
-          <a:p>
-            <a:pPr lvl="1"/>
-            <a:r>
-              <a:rPr lang="en-US" dirty="0" smtClean="0"/>
-              <a:t>“high-level, high-performance, open-source dynamic language for technical computing”</a:t>
-            </a:r>
-          </a:p>
-          <a:p>
-            <a:pPr lvl="1"/>
-            <a:r>
-              <a:rPr lang="en-US" dirty="0" smtClean="0"/>
-              <a:t>Dynamic nature allows rapid development, but Julia is also </a:t>
-            </a:r>
-            <a:r>
-              <a:rPr lang="en-US" i="1" dirty="0" smtClean="0"/>
-              <a:t>fast</a:t>
-            </a:r>
-            <a:endParaRPr lang="en-US" dirty="0" smtClean="0"/>
-          </a:p>
-          <a:p>
-            <a:pPr lvl="2"/>
-            <a:r>
-              <a:rPr lang="en-US" dirty="0" smtClean="0"/>
-              <a:t>Within factor of 2 of C/C++</a:t>
-            </a:r>
-          </a:p>
-          <a:p>
-            <a:pPr lvl="1"/>
-            <a:r>
-              <a:rPr lang="en-US" dirty="0" smtClean="0"/>
-              <a:t>See </a:t>
-            </a:r>
-            <a:r>
-              <a:rPr lang="en-US" dirty="0" err="1" smtClean="0"/>
-              <a:t>Lubin</a:t>
-            </a:r>
-            <a:r>
-              <a:rPr lang="en-US" dirty="0" smtClean="0"/>
-              <a:t> </a:t>
-            </a:r>
-            <a:r>
-              <a:rPr lang="en-US" dirty="0"/>
-              <a:t>and Dunning (2013</a:t>
-            </a:r>
-            <a:r>
-              <a:rPr lang="en-US" dirty="0" smtClean="0"/>
-              <a:t>) (</a:t>
-            </a:r>
-            <a:r>
-              <a:rPr lang="en-US" dirty="0" smtClean="0">
-                <a:hlinkClick r:id="rId2"/>
-              </a:rPr>
-              <a:t>http</a:t>
-            </a:r>
-            <a:r>
-              <a:rPr lang="en-US" dirty="0">
-                <a:hlinkClick r:id="rId2"/>
-              </a:rPr>
-              <a:t>://arxiv.org/abs/</a:t>
-            </a:r>
-            <a:r>
-              <a:rPr lang="en-US" dirty="0" smtClean="0">
-                <a:hlinkClick r:id="rId2"/>
-              </a:rPr>
-              <a:t>1312.1431</a:t>
-            </a:r>
-            <a:r>
-              <a:rPr lang="en-US" dirty="0" smtClean="0"/>
-              <a:t>) for comprehensive experiments</a:t>
-            </a:r>
-          </a:p>
-          <a:p>
-            <a:r>
-              <a:rPr lang="en-US" dirty="0" err="1" smtClean="0"/>
-              <a:t>JuMP</a:t>
-            </a:r>
-            <a:r>
-              <a:rPr lang="en-US" dirty="0" smtClean="0"/>
-              <a:t>:</a:t>
-            </a:r>
-          </a:p>
-          <a:p>
-            <a:pPr lvl="1"/>
-            <a:r>
-              <a:rPr lang="en-US" dirty="0" smtClean="0"/>
-              <a:t>Algebraic Modeling Language (AML) for Julia developed by Miles and Iain</a:t>
-            </a:r>
-          </a:p>
-          <a:p>
-            <a:pPr lvl="1"/>
-            <a:endParaRPr lang="en-US" dirty="0" smtClean="0"/>
-          </a:p>
-        </p:txBody>
-      </p:sp>
-    </p:spTree>
-    <p:extLst>
-      <p:ext uri="{BB962C8B-B14F-4D97-AF65-F5344CB8AC3E}">
-        <p14:creationId xmlns:p14="http://schemas.microsoft.com/office/powerpoint/2010/main" val="830502430"/>
-      </p:ext>
-    </p:extLst>
-  </p:cSld>
-  <p:clrMapOvr>
-    <a:masterClrMapping/>
-  </p:clrMapOvr>
-</p:sld>
-</file>
-
-<file path=ppt/slides/slide30.xml><?xml version="1.0" encoding="utf-8"?>
+<file path=ppt/slides/slide33.xml><?xml version="1.0" encoding="utf-8"?>
 <p:sld xmlns:a="http://schemas.openxmlformats.org/drawingml/2006/main" xmlns:r="http://schemas.openxmlformats.org/officeDocument/2006/relationships" xmlns:p="http://schemas.openxmlformats.org/presentationml/2006/main">
   <p:cSld>
     <p:spTree>
@@ -11122,7 +11693,7 @@
 </p:sld>
 </file>
 
-<file path=ppt/slides/slide31.xml><?xml version="1.0" encoding="utf-8"?>
+<file path=ppt/slides/slide34.xml><?xml version="1.0" encoding="utf-8"?>
 <p:sld xmlns:a="http://schemas.openxmlformats.org/drawingml/2006/main" xmlns:r="http://schemas.openxmlformats.org/officeDocument/2006/relationships" xmlns:p="http://schemas.openxmlformats.org/presentationml/2006/main">
   <p:cSld>
     <p:spTree>
@@ -11360,7 +11931,7 @@
 </p:sld>
 </file>
 
-<file path=ppt/slides/slide32.xml><?xml version="1.0" encoding="utf-8"?>
+<file path=ppt/slides/slide35.xml><?xml version="1.0" encoding="utf-8"?>
 <p:sld xmlns:a="http://schemas.openxmlformats.org/drawingml/2006/main" xmlns:r="http://schemas.openxmlformats.org/officeDocument/2006/relationships" xmlns:p="http://schemas.openxmlformats.org/presentationml/2006/main">
   <p:cSld>
     <p:spTree>
@@ -12076,7 +12647,7 @@
 </p:sld>
 </file>
 
-<file path=ppt/slides/slide33.xml><?xml version="1.0" encoding="utf-8"?>
+<file path=ppt/slides/slide36.xml><?xml version="1.0" encoding="utf-8"?>
 <p:sld xmlns:a="http://schemas.openxmlformats.org/drawingml/2006/main" xmlns:r="http://schemas.openxmlformats.org/officeDocument/2006/relationships" xmlns:p="http://schemas.openxmlformats.org/presentationml/2006/main">
   <p:cSld>
     <p:spTree>
@@ -12205,7 +12776,7 @@
 </p:sld>
 </file>
 
-<file path=ppt/slides/slide34.xml><?xml version="1.0" encoding="utf-8"?>
+<file path=ppt/slides/slide37.xml><?xml version="1.0" encoding="utf-8"?>
 <p:sld xmlns:a="http://schemas.openxmlformats.org/drawingml/2006/main" xmlns:r="http://schemas.openxmlformats.org/officeDocument/2006/relationships" xmlns:p="http://schemas.openxmlformats.org/presentationml/2006/main">
   <p:cSld>
     <p:spTree>
@@ -12378,7 +12949,7 @@
 </p:sld>
 </file>
 
-<file path=ppt/slides/slide35.xml><?xml version="1.0" encoding="utf-8"?>
+<file path=ppt/slides/slide38.xml><?xml version="1.0" encoding="utf-8"?>
 <p:sld xmlns:a="http://schemas.openxmlformats.org/drawingml/2006/main" xmlns:r="http://schemas.openxmlformats.org/officeDocument/2006/relationships" xmlns:p="http://schemas.openxmlformats.org/presentationml/2006/main">
   <p:cSld>
     <p:spTree>
@@ -12461,406 +13032,6 @@
 </p:sld>
 </file>
 
-<file path=ppt/slides/slide36.xml><?xml version="1.0" encoding="utf-8"?>
-<p:sld xmlns:a="http://schemas.openxmlformats.org/drawingml/2006/main" xmlns:r="http://schemas.openxmlformats.org/officeDocument/2006/relationships" xmlns:p="http://schemas.openxmlformats.org/presentationml/2006/main">
-  <p:cSld>
-    <p:spTree>
-      <p:nvGrpSpPr>
-        <p:cNvPr id="1" name=""/>
-        <p:cNvGrpSpPr/>
-        <p:nvPr/>
-      </p:nvGrpSpPr>
-      <p:grpSpPr>
-        <a:xfrm>
-          <a:off x="0" y="0"/>
-          <a:ext cx="0" cy="0"/>
-          <a:chOff x="0" y="0"/>
-          <a:chExt cx="0" cy="0"/>
-        </a:xfrm>
-      </p:grpSpPr>
-      <p:sp>
-        <p:nvSpPr>
-          <p:cNvPr id="2" name="Title 1"/>
-          <p:cNvSpPr>
-            <a:spLocks noGrp="1"/>
-          </p:cNvSpPr>
-          <p:nvPr>
-            <p:ph type="title"/>
-          </p:nvPr>
-        </p:nvSpPr>
-        <p:spPr/>
-        <p:txBody>
-          <a:bodyPr/>
-          <a:lstStyle/>
-          <a:p>
-            <a:r>
-              <a:rPr lang="en-US" dirty="0" smtClean="0"/>
-              <a:t>Data</a:t>
-            </a:r>
-            <a:endParaRPr lang="en-US" dirty="0"/>
-          </a:p>
-        </p:txBody>
-      </p:sp>
-      <p:sp>
-        <p:nvSpPr>
-          <p:cNvPr id="3" name="Content Placeholder 2"/>
-          <p:cNvSpPr>
-            <a:spLocks noGrp="1"/>
-          </p:cNvSpPr>
-          <p:nvPr>
-            <p:ph idx="1"/>
-          </p:nvPr>
-        </p:nvSpPr>
-        <p:spPr/>
-        <p:txBody>
-          <a:bodyPr/>
-          <a:lstStyle/>
-          <a:p>
-            <a:r>
-              <a:rPr lang="en-US" dirty="0" smtClean="0"/>
-              <a:t>We have the following data:</a:t>
-            </a:r>
-          </a:p>
-          <a:p>
-            <a:pPr lvl="1"/>
-            <a:r>
-              <a:rPr lang="en-US" dirty="0" smtClean="0"/>
-              <a:t>legs = [1, 2, 3, 4, 5, 6]</a:t>
-            </a:r>
-          </a:p>
-          <a:p>
-            <a:pPr lvl="1"/>
-            <a:r>
-              <a:rPr lang="en-US" dirty="0" err="1" smtClean="0"/>
-              <a:t>fareLegs</a:t>
-            </a:r>
-            <a:r>
-              <a:rPr lang="en-US" dirty="0" smtClean="0"/>
-              <a:t> = [ (1), (2), (3), (4), (5), (6), (1,4), (1,5), (1,6), (2,4), (2,5), (2,6), (3,4), (3,5), (3,6)]</a:t>
-            </a:r>
-          </a:p>
-          <a:p>
-            <a:pPr lvl="1"/>
-            <a:r>
-              <a:rPr lang="en-US" dirty="0" err="1" smtClean="0"/>
-              <a:t>fareProbabilities</a:t>
-            </a:r>
-            <a:r>
-              <a:rPr lang="en-US" dirty="0" smtClean="0"/>
-              <a:t> = [0.06, 0.096, 0.046, 0.073, 0.159, 0.067, 0.043, 0.019, 0.112, 0.075, 0.031, 0.044, 0.012, 0.0210, 0.1130]</a:t>
-            </a:r>
-          </a:p>
-          <a:p>
-            <a:pPr lvl="1"/>
-            <a:r>
-              <a:rPr lang="en-US" dirty="0" err="1" smtClean="0"/>
-              <a:t>fareRevenues</a:t>
-            </a:r>
-            <a:r>
-              <a:rPr lang="en-US" dirty="0" smtClean="0"/>
-              <a:t> = [40, 30, 30, 10, 40, 10, 190, 80, 90, 70, 60, 190, 60, 50, 10]</a:t>
-            </a:r>
-          </a:p>
-          <a:p>
-            <a:pPr lvl="1"/>
-            <a:r>
-              <a:rPr lang="en-US" dirty="0" err="1" smtClean="0"/>
-              <a:t>legCapacities</a:t>
-            </a:r>
-            <a:r>
-              <a:rPr lang="en-US" dirty="0" smtClean="0"/>
-              <a:t> = [20, 20, 20, 20, 20, 20]</a:t>
-            </a:r>
-          </a:p>
-          <a:p>
-            <a:pPr lvl="1"/>
-            <a:r>
-              <a:rPr lang="en-US" dirty="0" smtClean="0"/>
-              <a:t>T = 100</a:t>
-            </a:r>
-          </a:p>
-        </p:txBody>
-      </p:sp>
-    </p:spTree>
-    <p:extLst>
-      <p:ext uri="{BB962C8B-B14F-4D97-AF65-F5344CB8AC3E}">
-        <p14:creationId xmlns:p14="http://schemas.microsoft.com/office/powerpoint/2010/main" val="319728877"/>
-      </p:ext>
-    </p:extLst>
-  </p:cSld>
-  <p:clrMapOvr>
-    <a:masterClrMapping/>
-  </p:clrMapOvr>
-</p:sld>
-</file>
-
-<file path=ppt/slides/slide37.xml><?xml version="1.0" encoding="utf-8"?>
-<p:sld xmlns:a="http://schemas.openxmlformats.org/drawingml/2006/main" xmlns:r="http://schemas.openxmlformats.org/officeDocument/2006/relationships" xmlns:p="http://schemas.openxmlformats.org/presentationml/2006/main">
-  <p:cSld>
-    <p:spTree>
-      <p:nvGrpSpPr>
-        <p:cNvPr id="1" name=""/>
-        <p:cNvGrpSpPr/>
-        <p:nvPr/>
-      </p:nvGrpSpPr>
-      <p:grpSpPr>
-        <a:xfrm>
-          <a:off x="0" y="0"/>
-          <a:ext cx="0" cy="0"/>
-          <a:chOff x="0" y="0"/>
-          <a:chExt cx="0" cy="0"/>
-        </a:xfrm>
-      </p:grpSpPr>
-      <p:sp>
-        <p:nvSpPr>
-          <p:cNvPr id="2" name="Title 1"/>
-          <p:cNvSpPr>
-            <a:spLocks noGrp="1"/>
-          </p:cNvSpPr>
-          <p:nvPr>
-            <p:ph type="title"/>
-          </p:nvPr>
-        </p:nvSpPr>
-        <p:spPr/>
-        <p:txBody>
-          <a:bodyPr/>
-          <a:lstStyle/>
-          <a:p>
-            <a:r>
-              <a:rPr lang="en-US" dirty="0" smtClean="0"/>
-              <a:t>Exercise 4</a:t>
-            </a:r>
-            <a:endParaRPr lang="en-US" dirty="0"/>
-          </a:p>
-        </p:txBody>
-      </p:sp>
-      <p:sp>
-        <p:nvSpPr>
-          <p:cNvPr id="3" name="Content Placeholder 2"/>
-          <p:cNvSpPr>
-            <a:spLocks noGrp="1"/>
-          </p:cNvSpPr>
-          <p:nvPr>
-            <p:ph idx="1"/>
-          </p:nvPr>
-        </p:nvSpPr>
-        <p:spPr/>
-        <p:txBody>
-          <a:bodyPr/>
-          <a:lstStyle/>
-          <a:p>
-            <a:r>
-              <a:rPr lang="en-US" dirty="0"/>
-              <a:t>Formulate the LO problem in Julia and </a:t>
-            </a:r>
-            <a:r>
-              <a:rPr lang="en-US" dirty="0" err="1"/>
-              <a:t>JuMP</a:t>
-            </a:r>
-            <a:r>
-              <a:rPr lang="en-US" dirty="0"/>
-              <a:t>, and solve </a:t>
-            </a:r>
-            <a:r>
-              <a:rPr lang="en-US" dirty="0" smtClean="0"/>
-              <a:t>it. What </a:t>
-            </a:r>
-            <a:r>
-              <a:rPr lang="en-US" dirty="0"/>
-              <a:t>is the optimal revenue?  </a:t>
-            </a:r>
-            <a:endParaRPr lang="en-US" dirty="0" smtClean="0"/>
-          </a:p>
-          <a:p>
-            <a:endParaRPr lang="en-US" dirty="0"/>
-          </a:p>
-          <a:p>
-            <a:r>
-              <a:rPr lang="en-US" dirty="0" smtClean="0"/>
-              <a:t>Hint: what happens when you try this:</a:t>
-            </a:r>
-          </a:p>
-          <a:p>
-            <a:pPr lvl="1"/>
-            <a:r>
-              <a:rPr lang="en-US" dirty="0" smtClean="0"/>
-              <a:t>z = (1, 2, 3) # what is the type of z?</a:t>
-            </a:r>
-          </a:p>
-          <a:p>
-            <a:pPr lvl="1"/>
-            <a:r>
-              <a:rPr lang="en-US" dirty="0" smtClean="0"/>
-              <a:t>2 in z   # what happens?</a:t>
-            </a:r>
-          </a:p>
-          <a:p>
-            <a:pPr lvl="1"/>
-            <a:r>
-              <a:rPr lang="en-US" dirty="0" smtClean="0"/>
-              <a:t>4 in z   # what happens?</a:t>
-            </a:r>
-            <a:endParaRPr lang="en-US" dirty="0"/>
-          </a:p>
-        </p:txBody>
-      </p:sp>
-    </p:spTree>
-    <p:extLst>
-      <p:ext uri="{BB962C8B-B14F-4D97-AF65-F5344CB8AC3E}">
-        <p14:creationId xmlns:p14="http://schemas.microsoft.com/office/powerpoint/2010/main" val="3905882888"/>
-      </p:ext>
-    </p:extLst>
-  </p:cSld>
-  <p:clrMapOvr>
-    <a:masterClrMapping/>
-  </p:clrMapOvr>
-</p:sld>
-</file>
-
-<file path=ppt/slides/slide38.xml><?xml version="1.0" encoding="utf-8"?>
-<p:sld xmlns:a="http://schemas.openxmlformats.org/drawingml/2006/main" xmlns:r="http://schemas.openxmlformats.org/officeDocument/2006/relationships" xmlns:p="http://schemas.openxmlformats.org/presentationml/2006/main">
-  <p:cSld>
-    <p:spTree>
-      <p:nvGrpSpPr>
-        <p:cNvPr id="1" name=""/>
-        <p:cNvGrpSpPr/>
-        <p:nvPr/>
-      </p:nvGrpSpPr>
-      <p:grpSpPr>
-        <a:xfrm>
-          <a:off x="0" y="0"/>
-          <a:ext cx="0" cy="0"/>
-          <a:chOff x="0" y="0"/>
-          <a:chExt cx="0" cy="0"/>
-        </a:xfrm>
-      </p:grpSpPr>
-      <p:sp>
-        <p:nvSpPr>
-          <p:cNvPr id="2" name="Title 1"/>
-          <p:cNvSpPr>
-            <a:spLocks noGrp="1"/>
-          </p:cNvSpPr>
-          <p:nvPr>
-            <p:ph type="title"/>
-          </p:nvPr>
-        </p:nvSpPr>
-        <p:spPr/>
-        <p:txBody>
-          <a:bodyPr/>
-          <a:lstStyle/>
-          <a:p>
-            <a:r>
-              <a:rPr lang="en-US" dirty="0" smtClean="0"/>
-              <a:t>Exercise </a:t>
-            </a:r>
-            <a:r>
-              <a:rPr lang="en-US" dirty="0"/>
-              <a:t>5</a:t>
-            </a:r>
-          </a:p>
-        </p:txBody>
-      </p:sp>
-      <p:sp>
-        <p:nvSpPr>
-          <p:cNvPr id="3" name="Content Placeholder 2"/>
-          <p:cNvSpPr>
-            <a:spLocks noGrp="1"/>
-          </p:cNvSpPr>
-          <p:nvPr>
-            <p:ph idx="1"/>
-          </p:nvPr>
-        </p:nvSpPr>
-        <p:spPr/>
-        <p:txBody>
-          <a:bodyPr/>
-          <a:lstStyle/>
-          <a:p>
-            <a:r>
-              <a:rPr lang="en-US" dirty="0" smtClean="0"/>
-              <a:t>Create a function to solve the problem, that takes</a:t>
-            </a:r>
-          </a:p>
-          <a:p>
-            <a:pPr lvl="1"/>
-            <a:r>
-              <a:rPr lang="en-US" dirty="0" smtClean="0"/>
-              <a:t>legs, </a:t>
-            </a:r>
-            <a:r>
-              <a:rPr lang="en-US" dirty="0" err="1" smtClean="0"/>
-              <a:t>fareLegs</a:t>
-            </a:r>
-            <a:r>
-              <a:rPr lang="en-US" dirty="0" smtClean="0"/>
-              <a:t>, </a:t>
-            </a:r>
-            <a:r>
-              <a:rPr lang="en-US" dirty="0" err="1" smtClean="0"/>
-              <a:t>fareProbabilities</a:t>
-            </a:r>
-            <a:r>
-              <a:rPr lang="en-US" dirty="0" smtClean="0"/>
-              <a:t>, </a:t>
-            </a:r>
-            <a:r>
-              <a:rPr lang="en-US" dirty="0" err="1" smtClean="0"/>
-              <a:t>fareRevenues</a:t>
-            </a:r>
-            <a:r>
-              <a:rPr lang="en-US" dirty="0" smtClean="0"/>
-              <a:t>, </a:t>
-            </a:r>
-            <a:r>
-              <a:rPr lang="en-US" dirty="0" err="1" smtClean="0"/>
-              <a:t>legCapacities</a:t>
-            </a:r>
-            <a:r>
-              <a:rPr lang="en-US" dirty="0" smtClean="0"/>
-              <a:t>, T</a:t>
-            </a:r>
-          </a:p>
-          <a:p>
-            <a:r>
-              <a:rPr lang="en-US" dirty="0" smtClean="0"/>
-              <a:t>as inputs.</a:t>
-            </a:r>
-          </a:p>
-          <a:p>
-            <a:r>
-              <a:rPr lang="en-US" dirty="0"/>
-              <a:t>You may use </a:t>
-            </a:r>
-            <a:r>
-              <a:rPr lang="en-US" dirty="0" smtClean="0"/>
-              <a:t>Ex5_NRM_Function_test.jl </a:t>
-            </a:r>
-            <a:r>
-              <a:rPr lang="en-US" dirty="0"/>
-              <a:t>to test it. </a:t>
-            </a:r>
-            <a:endParaRPr lang="en-US" dirty="0" smtClean="0"/>
-          </a:p>
-          <a:p>
-            <a:endParaRPr lang="en-US" dirty="0"/>
-          </a:p>
-          <a:p>
-            <a:endParaRPr lang="en-US" dirty="0"/>
-          </a:p>
-        </p:txBody>
-      </p:sp>
-    </p:spTree>
-    <p:extLst>
-      <p:ext uri="{BB962C8B-B14F-4D97-AF65-F5344CB8AC3E}">
-        <p14:creationId xmlns:p14="http://schemas.microsoft.com/office/powerpoint/2010/main" val="1676554351"/>
-      </p:ext>
-    </p:extLst>
-  </p:cSld>
-  <p:clrMapOvr>
-    <a:masterClrMapping/>
-  </p:clrMapOvr>
-</p:sld>
-</file>
-
 <file path=ppt/slides/slide39.xml><?xml version="1.0" encoding="utf-8"?>
 <p:sld xmlns:a="http://schemas.openxmlformats.org/drawingml/2006/main" xmlns:r="http://schemas.openxmlformats.org/officeDocument/2006/relationships" xmlns:p="http://schemas.openxmlformats.org/presentationml/2006/main">
   <p:cSld>
@@ -12895,7 +13066,7 @@
           <a:p>
             <a:r>
               <a:rPr lang="en-US" dirty="0" smtClean="0"/>
-              <a:t>Constraint references</a:t>
+              <a:t>Data</a:t>
             </a:r>
             <a:endParaRPr lang="en-US" dirty="0"/>
           </a:p>
@@ -12918,180 +13089,73 @@
           <a:p>
             <a:r>
               <a:rPr lang="en-US" dirty="0" smtClean="0"/>
-              <a:t>Like variables, constraints can have a “name” – in </a:t>
-            </a:r>
+              <a:t>We have the following data:</a:t>
+            </a:r>
+          </a:p>
+          <a:p>
+            <a:pPr lvl="1"/>
+            <a:r>
+              <a:rPr lang="en-US" dirty="0" smtClean="0"/>
+              <a:t>legs = [1, 2, 3, 4, 5, 6]</a:t>
+            </a:r>
+          </a:p>
+          <a:p>
+            <a:pPr lvl="1"/>
             <a:r>
               <a:rPr lang="en-US" dirty="0" err="1" smtClean="0"/>
-              <a:t>JuMP</a:t>
-            </a:r>
-            <a:r>
-              <a:rPr lang="en-US" dirty="0" smtClean="0"/>
-              <a:t>, this is a </a:t>
-            </a:r>
-            <a:r>
-              <a:rPr lang="en-US" i="1" dirty="0" smtClean="0"/>
-              <a:t>constraint reference</a:t>
-            </a:r>
-            <a:r>
-              <a:rPr lang="en-US" dirty="0" smtClean="0"/>
-              <a:t>.</a:t>
-            </a:r>
-          </a:p>
-          <a:p>
-            <a:r>
-              <a:rPr lang="en-US" dirty="0" smtClean="0"/>
-              <a:t>Constraint references are created using the @</a:t>
-            </a:r>
+              <a:t>fareLegs</a:t>
+            </a:r>
+            <a:r>
+              <a:rPr lang="en-US" dirty="0" smtClean="0"/>
+              <a:t> = [ (1), (2), (3), (4), (5), (6), (1,4), (1,5), (1,6), (2,4), (2,5), (2,6), (3,4), (3,5), (3,6)]</a:t>
+            </a:r>
+          </a:p>
+          <a:p>
+            <a:pPr lvl="1"/>
             <a:r>
               <a:rPr lang="en-US" dirty="0" err="1" smtClean="0"/>
-              <a:t>defConstrRef</a:t>
-            </a:r>
-            <a:r>
-              <a:rPr lang="en-US" dirty="0" smtClean="0"/>
-              <a:t> macro.</a:t>
-            </a:r>
-          </a:p>
-          <a:p>
-            <a:r>
-              <a:rPr lang="en-US" dirty="0" smtClean="0"/>
-              <a:t>The output of @</a:t>
-            </a:r>
+              <a:t>fareProbabilities</a:t>
+            </a:r>
+            <a:r>
+              <a:rPr lang="en-US" dirty="0" smtClean="0"/>
+              <a:t> = [0.06, 0.096, 0.046, 0.073, 0.159, 0.067, 0.043, 0.019, 0.112, 0.075, 0.031, 0.044, 0.012, 0.0210, 0.1130]</a:t>
+            </a:r>
+          </a:p>
+          <a:p>
+            <a:pPr lvl="1"/>
             <a:r>
               <a:rPr lang="en-US" dirty="0" err="1" smtClean="0"/>
-              <a:t>addConstraint</a:t>
-            </a:r>
-            <a:r>
-              <a:rPr lang="en-US" dirty="0" smtClean="0"/>
-              <a:t> can then be assigned to a constraint reference.</a:t>
-            </a:r>
-            <a:endParaRPr lang="en-US" dirty="0"/>
-          </a:p>
-          <a:p>
-            <a:r>
-              <a:rPr lang="en-US" dirty="0" smtClean="0"/>
-              <a:t>Example:</a:t>
-            </a:r>
-          </a:p>
-          <a:p>
-            <a:pPr lvl="1"/>
-            <a:r>
-              <a:rPr lang="en-US" dirty="0" smtClean="0"/>
-              <a:t>m = Model(:Max)</a:t>
-            </a:r>
-          </a:p>
-          <a:p>
-            <a:pPr lvl="1"/>
-            <a:r>
-              <a:rPr lang="en-US" dirty="0" smtClean="0"/>
-              <a:t>@</a:t>
-            </a:r>
+              <a:t>fareRevenues</a:t>
+            </a:r>
+            <a:r>
+              <a:rPr lang="en-US" dirty="0" smtClean="0"/>
+              <a:t> = [40, 30, 30, 10, 40, 10, 190, 80, 90, 70, 60, 190, 60, 50, 10]</a:t>
+            </a:r>
+          </a:p>
+          <a:p>
+            <a:pPr lvl="1"/>
             <a:r>
               <a:rPr lang="en-US" dirty="0" err="1" smtClean="0"/>
-              <a:t>defVar</a:t>
-            </a:r>
-            <a:r>
-              <a:rPr lang="en-US" dirty="0" smtClean="0"/>
-              <a:t>(m, x[1:4] &gt;= 0)</a:t>
-            </a:r>
-          </a:p>
-          <a:p>
-            <a:pPr lvl="1"/>
-            <a:r>
-              <a:rPr lang="en-US" dirty="0" smtClean="0"/>
-              <a:t>@</a:t>
-            </a:r>
-            <a:r>
-              <a:rPr lang="en-US" dirty="0" err="1" smtClean="0"/>
-              <a:t>defConstrRef</a:t>
-            </a:r>
-            <a:r>
-              <a:rPr lang="en-US" dirty="0"/>
-              <a:t> </a:t>
-            </a:r>
-            <a:r>
-              <a:rPr lang="en-US" dirty="0" err="1" smtClean="0"/>
-              <a:t>myCons</a:t>
-            </a:r>
-            <a:r>
-              <a:rPr lang="en-US" dirty="0" smtClean="0"/>
-              <a:t>[1:4]</a:t>
-            </a:r>
-          </a:p>
-          <a:p>
-            <a:pPr lvl="1"/>
-            <a:r>
-              <a:rPr lang="en-US" dirty="0" smtClean="0"/>
-              <a:t>for </a:t>
-            </a:r>
-            <a:r>
-              <a:rPr lang="en-US" dirty="0" err="1" smtClean="0"/>
-              <a:t>i</a:t>
-            </a:r>
-            <a:r>
-              <a:rPr lang="en-US" dirty="0" smtClean="0"/>
-              <a:t> =1:4</a:t>
-            </a:r>
-            <a:br>
-              <a:rPr lang="en-US" dirty="0" smtClean="0"/>
-            </a:br>
-            <a:r>
-              <a:rPr lang="en-US" dirty="0" smtClean="0"/>
-              <a:t>	</a:t>
-            </a:r>
-            <a:r>
-              <a:rPr lang="en-US" dirty="0" err="1" smtClean="0"/>
-              <a:t>myCons</a:t>
-            </a:r>
-            <a:r>
-              <a:rPr lang="en-US" dirty="0" smtClean="0"/>
-              <a:t>[</a:t>
-            </a:r>
-            <a:r>
-              <a:rPr lang="en-US" dirty="0" err="1" smtClean="0"/>
-              <a:t>i</a:t>
-            </a:r>
-            <a:r>
-              <a:rPr lang="en-US" dirty="0" smtClean="0"/>
-              <a:t>] = @</a:t>
-            </a:r>
-            <a:r>
-              <a:rPr lang="en-US" dirty="0" err="1" smtClean="0"/>
-              <a:t>addConstraint</a:t>
-            </a:r>
-            <a:r>
-              <a:rPr lang="en-US" dirty="0" smtClean="0"/>
-              <a:t>(m, x[</a:t>
-            </a:r>
-            <a:r>
-              <a:rPr lang="en-US" dirty="0" err="1" smtClean="0"/>
-              <a:t>i</a:t>
-            </a:r>
-            <a:r>
-              <a:rPr lang="en-US" dirty="0" smtClean="0"/>
-              <a:t>] &lt;= 10)</a:t>
-            </a:r>
-          </a:p>
-          <a:p>
-            <a:pPr lvl="1"/>
-            <a:endParaRPr lang="en-US" dirty="0"/>
-          </a:p>
-          <a:p>
-            <a:pPr lvl="1"/>
-            <a:endParaRPr lang="en-US" dirty="0" smtClean="0"/>
-          </a:p>
-          <a:p>
-            <a:pPr lvl="1"/>
-            <a:endParaRPr lang="en-US" dirty="0"/>
-          </a:p>
-          <a:p>
-            <a:endParaRPr lang="en-US" dirty="0"/>
+              <a:t>legCapacities</a:t>
+            </a:r>
+            <a:r>
+              <a:rPr lang="en-US" dirty="0" smtClean="0"/>
+              <a:t> = [20, 20, 20, 20, 20, 20]</a:t>
+            </a:r>
+          </a:p>
+          <a:p>
+            <a:pPr lvl="1"/>
+            <a:r>
+              <a:rPr lang="en-US" dirty="0" smtClean="0"/>
+              <a:t>T = 100</a:t>
+            </a:r>
           </a:p>
         </p:txBody>
       </p:sp>
     </p:spTree>
     <p:extLst>
       <p:ext uri="{BB962C8B-B14F-4D97-AF65-F5344CB8AC3E}">
-        <p14:creationId xmlns:p14="http://schemas.microsoft.com/office/powerpoint/2010/main" val="1258550543"/>
+        <p14:creationId xmlns:p14="http://schemas.microsoft.com/office/powerpoint/2010/main" val="319728877"/>
       </p:ext>
     </p:extLst>
   </p:cSld>
@@ -13158,10 +13222,17 @@
           <a:p>
             <a:r>
               <a:rPr lang="en-US" dirty="0" smtClean="0"/>
-              <a:t>Julia basics</a:t>
-            </a:r>
-          </a:p>
-          <a:p>
+              <a:t>Julia </a:t>
+            </a:r>
+            <a:r>
+              <a:rPr lang="en-US" dirty="0" smtClean="0"/>
+              <a:t>basics</a:t>
+            </a:r>
+          </a:p>
+          <a:p>
+            <a:pPr marL="0" indent="0">
+              <a:buNone/>
+            </a:pPr>
             <a:endParaRPr lang="en-US" dirty="0" smtClean="0"/>
           </a:p>
           <a:p>
@@ -13171,7 +13242,11 @@
             </a:r>
             <a:r>
               <a:rPr lang="en-US" dirty="0" smtClean="0"/>
-              <a:t> basics</a:t>
+              <a:t> </a:t>
+            </a:r>
+            <a:r>
+              <a:rPr lang="en-US" dirty="0" smtClean="0"/>
+              <a:t>basics</a:t>
             </a:r>
           </a:p>
           <a:p>
@@ -13205,6 +13280,13 @@
   <p:clrMapOvr>
     <a:masterClrMapping/>
   </p:clrMapOvr>
+  <p:timing>
+    <p:tnLst>
+      <p:par>
+        <p:cTn xmlns:p14="http://schemas.microsoft.com/office/powerpoint/2010/main" id="1" dur="indefinite" restart="never" nodeType="tmRoot"/>
+      </p:par>
+    </p:tnLst>
+  </p:timing>
 </p:sld>
 </file>
 
@@ -13242,7 +13324,7 @@
           <a:p>
             <a:r>
               <a:rPr lang="en-US" dirty="0" smtClean="0"/>
-              <a:t>Dual information</a:t>
+              <a:t>Exercise 4</a:t>
             </a:r>
             <a:endParaRPr lang="en-US" dirty="0"/>
           </a:p>
@@ -13264,91 +13346,64 @@
           <a:lstStyle/>
           <a:p>
             <a:r>
-              <a:rPr lang="en-US" dirty="0" err="1" smtClean="0"/>
+              <a:rPr lang="en-US" dirty="0"/>
+              <a:t>Formulate the LO problem in Julia and </a:t>
+            </a:r>
+            <a:r>
+              <a:rPr lang="en-US" dirty="0" err="1"/>
               <a:t>JuMP</a:t>
             </a:r>
             <a:r>
-              <a:rPr lang="en-US" dirty="0" smtClean="0"/>
-              <a:t> also provides a function, </a:t>
-            </a:r>
-            <a:r>
-              <a:rPr lang="en-US" dirty="0" err="1" smtClean="0"/>
-              <a:t>getDual</a:t>
-            </a:r>
-            <a:r>
-              <a:rPr lang="en-US" dirty="0" smtClean="0"/>
-              <a:t>, for obtaining dual information.</a:t>
-            </a:r>
-          </a:p>
-          <a:p>
-            <a:r>
-              <a:rPr lang="en-US" dirty="0" smtClean="0"/>
-              <a:t>If </a:t>
-            </a:r>
-            <a:r>
-              <a:rPr lang="en-US" dirty="0" err="1" smtClean="0"/>
-              <a:t>cRef</a:t>
-            </a:r>
-            <a:r>
-              <a:rPr lang="en-US" dirty="0" smtClean="0"/>
-              <a:t> is a constraint reference, then </a:t>
-            </a:r>
-            <a:r>
-              <a:rPr lang="en-US" dirty="0" err="1" smtClean="0"/>
-              <a:t>getDual</a:t>
-            </a:r>
-            <a:r>
-              <a:rPr lang="en-US" dirty="0" smtClean="0"/>
-              <a:t>(</a:t>
-            </a:r>
-            <a:r>
-              <a:rPr lang="en-US" dirty="0" err="1" smtClean="0"/>
-              <a:t>cRef</a:t>
-            </a:r>
-            <a:r>
-              <a:rPr lang="en-US" dirty="0" smtClean="0"/>
-              <a:t>) returns the shadow price of the constraint.</a:t>
-            </a:r>
-          </a:p>
-          <a:p>
-            <a:r>
-              <a:rPr lang="en-US" dirty="0" smtClean="0"/>
-              <a:t>If </a:t>
-            </a:r>
-            <a:r>
-              <a:rPr lang="en-US" dirty="0" err="1" smtClean="0"/>
-              <a:t>var</a:t>
-            </a:r>
-            <a:r>
-              <a:rPr lang="en-US" dirty="0" smtClean="0"/>
-              <a:t> is a variable, then </a:t>
-            </a:r>
-            <a:r>
-              <a:rPr lang="en-US" dirty="0" err="1" smtClean="0"/>
-              <a:t>getDual</a:t>
-            </a:r>
-            <a:r>
-              <a:rPr lang="en-US" dirty="0" smtClean="0"/>
-              <a:t>(</a:t>
-            </a:r>
-            <a:r>
-              <a:rPr lang="en-US" dirty="0" err="1" smtClean="0"/>
-              <a:t>var</a:t>
-            </a:r>
-            <a:r>
-              <a:rPr lang="en-US" dirty="0" smtClean="0"/>
-              <a:t>) returns the reduced cost of the variable.</a:t>
-            </a:r>
-          </a:p>
-          <a:p>
+              <a:rPr lang="en-US" dirty="0"/>
+              <a:t>, and solve </a:t>
+            </a:r>
+            <a:r>
+              <a:rPr lang="en-US" dirty="0" smtClean="0"/>
+              <a:t>it. What </a:t>
+            </a:r>
+            <a:r>
+              <a:rPr lang="en-US" dirty="0"/>
+              <a:t>is the optimal revenue?  </a:t>
+            </a:r>
             <a:endParaRPr lang="en-US" dirty="0" smtClean="0"/>
+          </a:p>
+          <a:p>
+            <a:endParaRPr lang="en-US" dirty="0"/>
+          </a:p>
+          <a:p>
+            <a:r>
+              <a:rPr lang="en-US" dirty="0" smtClean="0"/>
+              <a:t>Hint: what happens when you try this:</a:t>
+            </a:r>
+          </a:p>
+          <a:p>
+            <a:pPr lvl="1"/>
+            <a:r>
+              <a:rPr lang="en-US" dirty="0" smtClean="0"/>
+              <a:t>z = (1, 2, 3) # what is the type of z?</a:t>
+            </a:r>
+          </a:p>
+          <a:p>
+            <a:pPr lvl="1"/>
+            <a:r>
+              <a:rPr lang="en-US" dirty="0" smtClean="0"/>
+              <a:t>2 in z   # what happens?</a:t>
+            </a:r>
+          </a:p>
+          <a:p>
+            <a:pPr lvl="1"/>
+            <a:r>
+              <a:rPr lang="en-US" dirty="0" smtClean="0"/>
+              <a:t>4 in z   # what happens?</a:t>
+            </a:r>
+            <a:endParaRPr lang="en-US" dirty="0"/>
           </a:p>
         </p:txBody>
       </p:sp>
     </p:spTree>
     <p:extLst>
       <p:ext uri="{BB962C8B-B14F-4D97-AF65-F5344CB8AC3E}">
-        <p14:creationId xmlns:p14="http://schemas.microsoft.com/office/powerpoint/2010/main" val="3330655338"/>
+        <p14:creationId xmlns:p14="http://schemas.microsoft.com/office/powerpoint/2010/main" val="3905882888"/>
       </p:ext>
     </p:extLst>
   </p:cSld>
@@ -13392,9 +13447,12 @@
           <a:p>
             <a:r>
               <a:rPr lang="en-US" dirty="0" smtClean="0"/>
-              <a:t>Exercise 6</a:t>
-            </a:r>
-            <a:endParaRPr lang="en-US" dirty="0"/>
+              <a:t>Exercise </a:t>
+            </a:r>
+            <a:r>
+              <a:rPr lang="en-US" dirty="0"/>
+              <a:t>5</a:t>
+            </a:r>
           </a:p>
         </p:txBody>
       </p:sp>
@@ -13415,7 +13473,52 @@
           <a:p>
             <a:r>
               <a:rPr lang="en-US" dirty="0" smtClean="0"/>
-              <a:t>Modify the function from Exercise 5 to return the shadow prices of the leg constraints in an array, as well as the optimal objective.</a:t>
+              <a:t>Create a function to solve the problem, that takes</a:t>
+            </a:r>
+          </a:p>
+          <a:p>
+            <a:pPr lvl="1"/>
+            <a:r>
+              <a:rPr lang="en-US" dirty="0" smtClean="0"/>
+              <a:t>legs, </a:t>
+            </a:r>
+            <a:r>
+              <a:rPr lang="en-US" dirty="0" err="1" smtClean="0"/>
+              <a:t>fareLegs</a:t>
+            </a:r>
+            <a:r>
+              <a:rPr lang="en-US" dirty="0" smtClean="0"/>
+              <a:t>, </a:t>
+            </a:r>
+            <a:r>
+              <a:rPr lang="en-US" dirty="0" err="1" smtClean="0"/>
+              <a:t>fareProbabilities</a:t>
+            </a:r>
+            <a:r>
+              <a:rPr lang="en-US" dirty="0" smtClean="0"/>
+              <a:t>, </a:t>
+            </a:r>
+            <a:r>
+              <a:rPr lang="en-US" dirty="0" err="1" smtClean="0"/>
+              <a:t>fareRevenues</a:t>
+            </a:r>
+            <a:r>
+              <a:rPr lang="en-US" dirty="0" smtClean="0"/>
+              <a:t>, </a:t>
+            </a:r>
+            <a:r>
+              <a:rPr lang="en-US" dirty="0" err="1" smtClean="0"/>
+              <a:t>legCapacities</a:t>
+            </a:r>
+            <a:r>
+              <a:rPr lang="en-US" dirty="0" smtClean="0"/>
+              <a:t>, T</a:t>
+            </a:r>
+          </a:p>
+          <a:p>
+            <a:r>
+              <a:rPr lang="en-US" dirty="0" smtClean="0"/>
+              <a:t>as inputs.</a:t>
             </a:r>
           </a:p>
           <a:p>
@@ -13425,8 +13528,18 @@
             </a:r>
             <a:r>
               <a:rPr lang="en-US" dirty="0" smtClean="0"/>
-              <a:t>Ex6_NRM_DualFunction_test.jl to test it.</a:t>
-            </a:r>
+              <a:t>Ex5_NRM_Function_test.jl </a:t>
+            </a:r>
+            <a:r>
+              <a:rPr lang="en-US" dirty="0"/>
+              <a:t>to test it. </a:t>
+            </a:r>
+            <a:endParaRPr lang="en-US" dirty="0" smtClean="0"/>
+          </a:p>
+          <a:p>
+            <a:endParaRPr lang="en-US" dirty="0"/>
+          </a:p>
+          <a:p>
             <a:endParaRPr lang="en-US" dirty="0"/>
           </a:p>
         </p:txBody>
@@ -13434,7 +13547,7 @@
     </p:spTree>
     <p:extLst>
       <p:ext uri="{BB962C8B-B14F-4D97-AF65-F5344CB8AC3E}">
-        <p14:creationId xmlns:p14="http://schemas.microsoft.com/office/powerpoint/2010/main" val="1078685114"/>
+        <p14:creationId xmlns:p14="http://schemas.microsoft.com/office/powerpoint/2010/main" val="1676554351"/>
       </p:ext>
     </p:extLst>
   </p:cSld>
@@ -13478,6 +13591,482 @@
           <a:p>
             <a:r>
               <a:rPr lang="en-US" dirty="0" smtClean="0"/>
+              <a:t>Constraint references</a:t>
+            </a:r>
+            <a:endParaRPr lang="en-US" dirty="0"/>
+          </a:p>
+        </p:txBody>
+      </p:sp>
+      <p:sp>
+        <p:nvSpPr>
+          <p:cNvPr id="3" name="Content Placeholder 2"/>
+          <p:cNvSpPr>
+            <a:spLocks noGrp="1"/>
+          </p:cNvSpPr>
+          <p:nvPr>
+            <p:ph idx="1"/>
+          </p:nvPr>
+        </p:nvSpPr>
+        <p:spPr/>
+        <p:txBody>
+          <a:bodyPr/>
+          <a:lstStyle/>
+          <a:p>
+            <a:r>
+              <a:rPr lang="en-US" dirty="0" smtClean="0"/>
+              <a:t>Like variables, constraints can have a “name” – in </a:t>
+            </a:r>
+            <a:r>
+              <a:rPr lang="en-US" dirty="0" err="1" smtClean="0"/>
+              <a:t>JuMP</a:t>
+            </a:r>
+            <a:r>
+              <a:rPr lang="en-US" dirty="0" smtClean="0"/>
+              <a:t>, this is a </a:t>
+            </a:r>
+            <a:r>
+              <a:rPr lang="en-US" i="1" dirty="0" smtClean="0"/>
+              <a:t>constraint reference</a:t>
+            </a:r>
+            <a:r>
+              <a:rPr lang="en-US" dirty="0" smtClean="0"/>
+              <a:t>.</a:t>
+            </a:r>
+          </a:p>
+          <a:p>
+            <a:r>
+              <a:rPr lang="en-US" dirty="0" smtClean="0"/>
+              <a:t>Constraint references are created using the @</a:t>
+            </a:r>
+            <a:r>
+              <a:rPr lang="en-US" dirty="0" err="1" smtClean="0"/>
+              <a:t>defConstrRef</a:t>
+            </a:r>
+            <a:r>
+              <a:rPr lang="en-US" dirty="0" smtClean="0"/>
+              <a:t> macro.</a:t>
+            </a:r>
+          </a:p>
+          <a:p>
+            <a:r>
+              <a:rPr lang="en-US" dirty="0" smtClean="0"/>
+              <a:t>The output of @</a:t>
+            </a:r>
+            <a:r>
+              <a:rPr lang="en-US" dirty="0" err="1" smtClean="0"/>
+              <a:t>addConstraint</a:t>
+            </a:r>
+            <a:r>
+              <a:rPr lang="en-US" dirty="0" smtClean="0"/>
+              <a:t> can then be assigned to a constraint reference.</a:t>
+            </a:r>
+            <a:endParaRPr lang="en-US" dirty="0"/>
+          </a:p>
+          <a:p>
+            <a:r>
+              <a:rPr lang="en-US" dirty="0" smtClean="0"/>
+              <a:t>Example:</a:t>
+            </a:r>
+          </a:p>
+          <a:p>
+            <a:pPr lvl="1"/>
+            <a:r>
+              <a:rPr lang="en-US" dirty="0" smtClean="0"/>
+              <a:t>m = Model(:Max)</a:t>
+            </a:r>
+          </a:p>
+          <a:p>
+            <a:pPr lvl="1"/>
+            <a:r>
+              <a:rPr lang="en-US" dirty="0" smtClean="0"/>
+              <a:t>@</a:t>
+            </a:r>
+            <a:r>
+              <a:rPr lang="en-US" dirty="0" err="1" smtClean="0"/>
+              <a:t>defVar</a:t>
+            </a:r>
+            <a:r>
+              <a:rPr lang="en-US" dirty="0" smtClean="0"/>
+              <a:t>(m, x[1:4] &gt;= 0)</a:t>
+            </a:r>
+          </a:p>
+          <a:p>
+            <a:pPr lvl="1"/>
+            <a:r>
+              <a:rPr lang="en-US" dirty="0" smtClean="0"/>
+              <a:t>@</a:t>
+            </a:r>
+            <a:r>
+              <a:rPr lang="en-US" dirty="0" err="1" smtClean="0"/>
+              <a:t>defConstrRef</a:t>
+            </a:r>
+            <a:r>
+              <a:rPr lang="en-US" dirty="0"/>
+              <a:t> </a:t>
+            </a:r>
+            <a:r>
+              <a:rPr lang="en-US" dirty="0" err="1" smtClean="0"/>
+              <a:t>myCons</a:t>
+            </a:r>
+            <a:r>
+              <a:rPr lang="en-US" dirty="0" smtClean="0"/>
+              <a:t>[1:4]</a:t>
+            </a:r>
+          </a:p>
+          <a:p>
+            <a:pPr lvl="1"/>
+            <a:r>
+              <a:rPr lang="en-US" dirty="0" smtClean="0"/>
+              <a:t>for </a:t>
+            </a:r>
+            <a:r>
+              <a:rPr lang="en-US" dirty="0" err="1" smtClean="0"/>
+              <a:t>i</a:t>
+            </a:r>
+            <a:r>
+              <a:rPr lang="en-US" dirty="0" smtClean="0"/>
+              <a:t> =1:4</a:t>
+            </a:r>
+            <a:br>
+              <a:rPr lang="en-US" dirty="0" smtClean="0"/>
+            </a:br>
+            <a:r>
+              <a:rPr lang="en-US" dirty="0" smtClean="0"/>
+              <a:t>	</a:t>
+            </a:r>
+            <a:r>
+              <a:rPr lang="en-US" dirty="0" err="1" smtClean="0"/>
+              <a:t>myCons</a:t>
+            </a:r>
+            <a:r>
+              <a:rPr lang="en-US" dirty="0" smtClean="0"/>
+              <a:t>[</a:t>
+            </a:r>
+            <a:r>
+              <a:rPr lang="en-US" dirty="0" err="1" smtClean="0"/>
+              <a:t>i</a:t>
+            </a:r>
+            <a:r>
+              <a:rPr lang="en-US" dirty="0" smtClean="0"/>
+              <a:t>] = @</a:t>
+            </a:r>
+            <a:r>
+              <a:rPr lang="en-US" dirty="0" err="1" smtClean="0"/>
+              <a:t>addConstraint</a:t>
+            </a:r>
+            <a:r>
+              <a:rPr lang="en-US" dirty="0" smtClean="0"/>
+              <a:t>(m, x[</a:t>
+            </a:r>
+            <a:r>
+              <a:rPr lang="en-US" dirty="0" err="1" smtClean="0"/>
+              <a:t>i</a:t>
+            </a:r>
+            <a:r>
+              <a:rPr lang="en-US" dirty="0" smtClean="0"/>
+              <a:t>] &lt;= 10)</a:t>
+            </a:r>
+          </a:p>
+          <a:p>
+            <a:pPr lvl="1"/>
+            <a:endParaRPr lang="en-US" dirty="0"/>
+          </a:p>
+          <a:p>
+            <a:pPr lvl="1"/>
+            <a:endParaRPr lang="en-US" dirty="0" smtClean="0"/>
+          </a:p>
+          <a:p>
+            <a:pPr lvl="1"/>
+            <a:endParaRPr lang="en-US" dirty="0"/>
+          </a:p>
+          <a:p>
+            <a:endParaRPr lang="en-US" dirty="0"/>
+          </a:p>
+        </p:txBody>
+      </p:sp>
+    </p:spTree>
+    <p:extLst>
+      <p:ext uri="{BB962C8B-B14F-4D97-AF65-F5344CB8AC3E}">
+        <p14:creationId xmlns:p14="http://schemas.microsoft.com/office/powerpoint/2010/main" val="1258550543"/>
+      </p:ext>
+    </p:extLst>
+  </p:cSld>
+  <p:clrMapOvr>
+    <a:masterClrMapping/>
+  </p:clrMapOvr>
+</p:sld>
+</file>
+
+<file path=ppt/slides/slide43.xml><?xml version="1.0" encoding="utf-8"?>
+<p:sld xmlns:a="http://schemas.openxmlformats.org/drawingml/2006/main" xmlns:r="http://schemas.openxmlformats.org/officeDocument/2006/relationships" xmlns:p="http://schemas.openxmlformats.org/presentationml/2006/main">
+  <p:cSld>
+    <p:spTree>
+      <p:nvGrpSpPr>
+        <p:cNvPr id="1" name=""/>
+        <p:cNvGrpSpPr/>
+        <p:nvPr/>
+      </p:nvGrpSpPr>
+      <p:grpSpPr>
+        <a:xfrm>
+          <a:off x="0" y="0"/>
+          <a:ext cx="0" cy="0"/>
+          <a:chOff x="0" y="0"/>
+          <a:chExt cx="0" cy="0"/>
+        </a:xfrm>
+      </p:grpSpPr>
+      <p:sp>
+        <p:nvSpPr>
+          <p:cNvPr id="2" name="Title 1"/>
+          <p:cNvSpPr>
+            <a:spLocks noGrp="1"/>
+          </p:cNvSpPr>
+          <p:nvPr>
+            <p:ph type="title"/>
+          </p:nvPr>
+        </p:nvSpPr>
+        <p:spPr/>
+        <p:txBody>
+          <a:bodyPr/>
+          <a:lstStyle/>
+          <a:p>
+            <a:r>
+              <a:rPr lang="en-US" dirty="0" smtClean="0"/>
+              <a:t>Dual information</a:t>
+            </a:r>
+            <a:endParaRPr lang="en-US" dirty="0"/>
+          </a:p>
+        </p:txBody>
+      </p:sp>
+      <p:sp>
+        <p:nvSpPr>
+          <p:cNvPr id="3" name="Content Placeholder 2"/>
+          <p:cNvSpPr>
+            <a:spLocks noGrp="1"/>
+          </p:cNvSpPr>
+          <p:nvPr>
+            <p:ph idx="1"/>
+          </p:nvPr>
+        </p:nvSpPr>
+        <p:spPr/>
+        <p:txBody>
+          <a:bodyPr/>
+          <a:lstStyle/>
+          <a:p>
+            <a:r>
+              <a:rPr lang="en-US" dirty="0" err="1" smtClean="0"/>
+              <a:t>JuMP</a:t>
+            </a:r>
+            <a:r>
+              <a:rPr lang="en-US" dirty="0" smtClean="0"/>
+              <a:t> also provides a function, </a:t>
+            </a:r>
+            <a:r>
+              <a:rPr lang="en-US" dirty="0" err="1" smtClean="0"/>
+              <a:t>getDual</a:t>
+            </a:r>
+            <a:r>
+              <a:rPr lang="en-US" dirty="0" smtClean="0"/>
+              <a:t>, for obtaining dual information.</a:t>
+            </a:r>
+          </a:p>
+          <a:p>
+            <a:r>
+              <a:rPr lang="en-US" dirty="0" smtClean="0"/>
+              <a:t>If </a:t>
+            </a:r>
+            <a:r>
+              <a:rPr lang="en-US" dirty="0" err="1" smtClean="0"/>
+              <a:t>cRef</a:t>
+            </a:r>
+            <a:r>
+              <a:rPr lang="en-US" dirty="0" smtClean="0"/>
+              <a:t> is a constraint reference, then </a:t>
+            </a:r>
+            <a:r>
+              <a:rPr lang="en-US" dirty="0" err="1" smtClean="0"/>
+              <a:t>getDual</a:t>
+            </a:r>
+            <a:r>
+              <a:rPr lang="en-US" dirty="0" smtClean="0"/>
+              <a:t>(</a:t>
+            </a:r>
+            <a:r>
+              <a:rPr lang="en-US" dirty="0" err="1" smtClean="0"/>
+              <a:t>cRef</a:t>
+            </a:r>
+            <a:r>
+              <a:rPr lang="en-US" dirty="0" smtClean="0"/>
+              <a:t>) returns the shadow price of the constraint.</a:t>
+            </a:r>
+          </a:p>
+          <a:p>
+            <a:r>
+              <a:rPr lang="en-US" dirty="0" smtClean="0"/>
+              <a:t>If </a:t>
+            </a:r>
+            <a:r>
+              <a:rPr lang="en-US" dirty="0" err="1" smtClean="0"/>
+              <a:t>var</a:t>
+            </a:r>
+            <a:r>
+              <a:rPr lang="en-US" dirty="0" smtClean="0"/>
+              <a:t> is a variable, then </a:t>
+            </a:r>
+            <a:r>
+              <a:rPr lang="en-US" dirty="0" err="1" smtClean="0"/>
+              <a:t>getDual</a:t>
+            </a:r>
+            <a:r>
+              <a:rPr lang="en-US" dirty="0" smtClean="0"/>
+              <a:t>(</a:t>
+            </a:r>
+            <a:r>
+              <a:rPr lang="en-US" dirty="0" err="1" smtClean="0"/>
+              <a:t>var</a:t>
+            </a:r>
+            <a:r>
+              <a:rPr lang="en-US" dirty="0" smtClean="0"/>
+              <a:t>) returns the reduced cost of the variable.</a:t>
+            </a:r>
+          </a:p>
+          <a:p>
+            <a:endParaRPr lang="en-US" dirty="0" smtClean="0"/>
+          </a:p>
+        </p:txBody>
+      </p:sp>
+    </p:spTree>
+    <p:extLst>
+      <p:ext uri="{BB962C8B-B14F-4D97-AF65-F5344CB8AC3E}">
+        <p14:creationId xmlns:p14="http://schemas.microsoft.com/office/powerpoint/2010/main" val="3330655338"/>
+      </p:ext>
+    </p:extLst>
+  </p:cSld>
+  <p:clrMapOvr>
+    <a:masterClrMapping/>
+  </p:clrMapOvr>
+</p:sld>
+</file>
+
+<file path=ppt/slides/slide44.xml><?xml version="1.0" encoding="utf-8"?>
+<p:sld xmlns:a="http://schemas.openxmlformats.org/drawingml/2006/main" xmlns:r="http://schemas.openxmlformats.org/officeDocument/2006/relationships" xmlns:p="http://schemas.openxmlformats.org/presentationml/2006/main">
+  <p:cSld>
+    <p:spTree>
+      <p:nvGrpSpPr>
+        <p:cNvPr id="1" name=""/>
+        <p:cNvGrpSpPr/>
+        <p:nvPr/>
+      </p:nvGrpSpPr>
+      <p:grpSpPr>
+        <a:xfrm>
+          <a:off x="0" y="0"/>
+          <a:ext cx="0" cy="0"/>
+          <a:chOff x="0" y="0"/>
+          <a:chExt cx="0" cy="0"/>
+        </a:xfrm>
+      </p:grpSpPr>
+      <p:sp>
+        <p:nvSpPr>
+          <p:cNvPr id="2" name="Title 1"/>
+          <p:cNvSpPr>
+            <a:spLocks noGrp="1"/>
+          </p:cNvSpPr>
+          <p:nvPr>
+            <p:ph type="title"/>
+          </p:nvPr>
+        </p:nvSpPr>
+        <p:spPr/>
+        <p:txBody>
+          <a:bodyPr/>
+          <a:lstStyle/>
+          <a:p>
+            <a:r>
+              <a:rPr lang="en-US" dirty="0" smtClean="0"/>
+              <a:t>Exercise 6</a:t>
+            </a:r>
+            <a:endParaRPr lang="en-US" dirty="0"/>
+          </a:p>
+        </p:txBody>
+      </p:sp>
+      <p:sp>
+        <p:nvSpPr>
+          <p:cNvPr id="3" name="Content Placeholder 2"/>
+          <p:cNvSpPr>
+            <a:spLocks noGrp="1"/>
+          </p:cNvSpPr>
+          <p:nvPr>
+            <p:ph idx="1"/>
+          </p:nvPr>
+        </p:nvSpPr>
+        <p:spPr/>
+        <p:txBody>
+          <a:bodyPr/>
+          <a:lstStyle/>
+          <a:p>
+            <a:r>
+              <a:rPr lang="en-US" dirty="0" smtClean="0"/>
+              <a:t>Modify the function from Exercise 5 to return the shadow prices of the leg constraints in an array, as well as the optimal objective.</a:t>
+            </a:r>
+          </a:p>
+          <a:p>
+            <a:r>
+              <a:rPr lang="en-US" dirty="0"/>
+              <a:t>You may use </a:t>
+            </a:r>
+            <a:r>
+              <a:rPr lang="en-US" dirty="0" smtClean="0"/>
+              <a:t>Ex6_NRM_DualFunction_test.jl to test it.</a:t>
+            </a:r>
+            <a:endParaRPr lang="en-US" dirty="0"/>
+          </a:p>
+        </p:txBody>
+      </p:sp>
+    </p:spTree>
+    <p:extLst>
+      <p:ext uri="{BB962C8B-B14F-4D97-AF65-F5344CB8AC3E}">
+        <p14:creationId xmlns:p14="http://schemas.microsoft.com/office/powerpoint/2010/main" val="1078685114"/>
+      </p:ext>
+    </p:extLst>
+  </p:cSld>
+  <p:clrMapOvr>
+    <a:masterClrMapping/>
+  </p:clrMapOvr>
+</p:sld>
+</file>
+
+<file path=ppt/slides/slide45.xml><?xml version="1.0" encoding="utf-8"?>
+<p:sld xmlns:a="http://schemas.openxmlformats.org/drawingml/2006/main" xmlns:r="http://schemas.openxmlformats.org/officeDocument/2006/relationships" xmlns:p="http://schemas.openxmlformats.org/presentationml/2006/main">
+  <p:cSld>
+    <p:spTree>
+      <p:nvGrpSpPr>
+        <p:cNvPr id="1" name=""/>
+        <p:cNvGrpSpPr/>
+        <p:nvPr/>
+      </p:nvGrpSpPr>
+      <p:grpSpPr>
+        <a:xfrm>
+          <a:off x="0" y="0"/>
+          <a:ext cx="0" cy="0"/>
+          <a:chOff x="0" y="0"/>
+          <a:chExt cx="0" cy="0"/>
+        </a:xfrm>
+      </p:grpSpPr>
+      <p:sp>
+        <p:nvSpPr>
+          <p:cNvPr id="2" name="Title 1"/>
+          <p:cNvSpPr>
+            <a:spLocks noGrp="1"/>
+          </p:cNvSpPr>
+          <p:nvPr>
+            <p:ph type="title"/>
+          </p:nvPr>
+        </p:nvSpPr>
+        <p:spPr/>
+        <p:txBody>
+          <a:bodyPr/>
+          <a:lstStyle/>
+          <a:p>
+            <a:r>
+              <a:rPr lang="en-US" dirty="0" smtClean="0"/>
               <a:t>Online NRM</a:t>
             </a:r>
             <a:endParaRPr lang="en-US" dirty="0"/>
@@ -13557,7 +14146,7 @@
 </p:sld>
 </file>
 
-<file path=ppt/slides/slide43.xml><?xml version="1.0" encoding="utf-8"?>
+<file path=ppt/slides/slide46.xml><?xml version="1.0" encoding="utf-8"?>
 <p:sld xmlns:a="http://schemas.openxmlformats.org/drawingml/2006/main" xmlns:r="http://schemas.openxmlformats.org/officeDocument/2006/relationships" xmlns:p="http://schemas.openxmlformats.org/presentationml/2006/main">
   <p:cSld>
     <p:spTree>
@@ -13710,7 +14299,7 @@
 </p:sld>
 </file>
 
-<file path=ppt/slides/slide44.xml><?xml version="1.0" encoding="utf-8"?>
+<file path=ppt/slides/slide47.xml><?xml version="1.0" encoding="utf-8"?>
 <p:sld xmlns:a="http://schemas.openxmlformats.org/drawingml/2006/main" xmlns:r="http://schemas.openxmlformats.org/officeDocument/2006/relationships" xmlns:p="http://schemas.openxmlformats.org/presentationml/2006/main">
   <p:cSld>
     <p:spTree>
@@ -13801,7 +14390,7 @@
 </p:sld>
 </file>
 
-<file path=ppt/slides/slide45.xml><?xml version="1.0" encoding="utf-8"?>
+<file path=ppt/slides/slide48.xml><?xml version="1.0" encoding="utf-8"?>
 <p:sld xmlns:a="http://schemas.openxmlformats.org/drawingml/2006/main" xmlns:r="http://schemas.openxmlformats.org/officeDocument/2006/relationships" xmlns:p="http://schemas.openxmlformats.org/presentationml/2006/main">
   <p:cSld>
     <p:spTree>
@@ -14178,6 +14767,13 @@
   <p:clrMapOvr>
     <a:masterClrMapping/>
   </p:clrMapOvr>
+  <p:timing>
+    <p:tnLst>
+      <p:par>
+        <p:cTn xmlns:p14="http://schemas.microsoft.com/office/powerpoint/2010/main" id="1" dur="indefinite" restart="never" nodeType="tmRoot"/>
+      </p:par>
+    </p:tnLst>
+  </p:timing>
 </p:sld>
 </file>
 
@@ -14267,6 +14863,13 @@
   <p:clrMapOvr>
     <a:masterClrMapping/>
   </p:clrMapOvr>
+  <p:timing>
+    <p:tnLst>
+      <p:par>
+        <p:cTn xmlns:p14="http://schemas.microsoft.com/office/powerpoint/2010/main" id="1" dur="indefinite" restart="never" nodeType="tmRoot"/>
+      </p:par>
+    </p:tnLst>
+  </p:timing>
 </p:sld>
 </file>
 
@@ -14472,6 +15075,13 @@
   <p:clrMapOvr>
     <a:masterClrMapping/>
   </p:clrMapOvr>
+  <p:timing>
+    <p:tnLst>
+      <p:par>
+        <p:cTn xmlns:p14="http://schemas.microsoft.com/office/powerpoint/2010/main" id="1" dur="indefinite" restart="never" nodeType="tmRoot"/>
+      </p:par>
+    </p:tnLst>
+  </p:timing>
 </p:sld>
 </file>
 
@@ -14635,6 +15245,13 @@
   <p:clrMapOvr>
     <a:masterClrMapping/>
   </p:clrMapOvr>
+  <p:timing>
+    <p:tnLst>
+      <p:par>
+        <p:cTn xmlns:p14="http://schemas.microsoft.com/office/powerpoint/2010/main" id="1" dur="indefinite" restart="never" nodeType="tmRoot"/>
+      </p:par>
+    </p:tnLst>
+  </p:timing>
 </p:sld>
 </file>
 
@@ -14748,11 +15365,7 @@
             <a:pPr lvl="1"/>
             <a:r>
               <a:rPr lang="en-US" dirty="0" smtClean="0"/>
-              <a:t>v[end]     # last </a:t>
-            </a:r>
-            <a:r>
-              <a:rPr lang="en-US" dirty="0" smtClean="0"/>
-              <a:t>element</a:t>
+              <a:t>v[end]     # last element</a:t>
             </a:r>
           </a:p>
           <a:p>
@@ -14769,13 +15382,8 @@
             <a:pPr lvl="1"/>
             <a:r>
               <a:rPr lang="en-US" dirty="0" smtClean="0"/>
-              <a:t>A = [1 1 1; -1 -1 -</a:t>
-            </a:r>
-            <a:r>
-              <a:rPr lang="en-US" dirty="0" smtClean="0"/>
-              <a:t>2; 0 0 0]</a:t>
-            </a:r>
-            <a:endParaRPr lang="en-US" dirty="0" smtClean="0"/>
+              <a:t>A = [1 1 1; -1 -1 -2; 0 0 0]</a:t>
+            </a:r>
           </a:p>
           <a:p>
             <a:pPr lvl="1"/>
@@ -14843,6 +15451,13 @@
   <p:clrMapOvr>
     <a:masterClrMapping/>
   </p:clrMapOvr>
+  <p:timing>
+    <p:tnLst>
+      <p:par>
+        <p:cTn xmlns:p14="http://schemas.microsoft.com/office/powerpoint/2010/main" id="1" dur="indefinite" restart="never" nodeType="tmRoot"/>
+      </p:par>
+    </p:tnLst>
+  </p:timing>
 </p:sld>
 </file>
 

--- a/Modelling/LPModeling.pptx
+++ b/Modelling/LPModeling.pptx
@@ -239,7 +239,7 @@
           <a:p>
             <a:fld id="{D5BCEE79-424C-8148-857B-994F3757E1E0}" type="datetimeFigureOut">
               <a:rPr lang="en-US" smtClean="0"/>
-              <a:t>1/15/14</a:t>
+              <a:t>5/8/14</a:t>
             </a:fld>
             <a:endParaRPr lang="en-US" dirty="0"/>
           </a:p>
@@ -4373,7 +4373,7 @@
           <a:p>
             <a:fld id="{C1713787-A82E-BF41-ABFC-EDB12EC01593}" type="datetimeFigureOut">
               <a:rPr lang="en-US" smtClean="0"/>
-              <a:t>1/15/14</a:t>
+              <a:t>5/8/14</a:t>
             </a:fld>
             <a:endParaRPr lang="en-US" dirty="0"/>
           </a:p>
@@ -4573,7 +4573,7 @@
           <a:p>
             <a:fld id="{C1713787-A82E-BF41-ABFC-EDB12EC01593}" type="datetimeFigureOut">
               <a:rPr lang="en-US" smtClean="0"/>
-              <a:t>1/15/14</a:t>
+              <a:t>5/8/14</a:t>
             </a:fld>
             <a:endParaRPr lang="en-US" dirty="0"/>
           </a:p>
@@ -4748,7 +4748,7 @@
           <a:p>
             <a:fld id="{C1713787-A82E-BF41-ABFC-EDB12EC01593}" type="datetimeFigureOut">
               <a:rPr lang="en-US" smtClean="0"/>
-              <a:t>1/15/14</a:t>
+              <a:t>5/8/14</a:t>
             </a:fld>
             <a:endParaRPr lang="en-US" dirty="0"/>
           </a:p>
@@ -4913,7 +4913,7 @@
           <a:p>
             <a:fld id="{C1713787-A82E-BF41-ABFC-EDB12EC01593}" type="datetimeFigureOut">
               <a:rPr lang="en-US" smtClean="0"/>
-              <a:t>1/15/14</a:t>
+              <a:t>5/8/14</a:t>
             </a:fld>
             <a:endParaRPr lang="en-US" dirty="0"/>
           </a:p>
@@ -5161,7 +5161,7 @@
           <a:p>
             <a:fld id="{C1713787-A82E-BF41-ABFC-EDB12EC01593}" type="datetimeFigureOut">
               <a:rPr lang="en-US" smtClean="0"/>
-              <a:t>1/15/14</a:t>
+              <a:t>5/8/14</a:t>
             </a:fld>
             <a:endParaRPr lang="en-US" dirty="0"/>
           </a:p>
@@ -5479,7 +5479,7 @@
           <a:p>
             <a:fld id="{C1713787-A82E-BF41-ABFC-EDB12EC01593}" type="datetimeFigureOut">
               <a:rPr lang="en-US" smtClean="0"/>
-              <a:t>1/15/14</a:t>
+              <a:t>5/8/14</a:t>
             </a:fld>
             <a:endParaRPr lang="en-US" dirty="0"/>
           </a:p>
@@ -5945,7 +5945,7 @@
           <a:p>
             <a:fld id="{C1713787-A82E-BF41-ABFC-EDB12EC01593}" type="datetimeFigureOut">
               <a:rPr lang="en-US" smtClean="0"/>
-              <a:t>1/15/14</a:t>
+              <a:t>5/8/14</a:t>
             </a:fld>
             <a:endParaRPr lang="en-US" dirty="0"/>
           </a:p>
@@ -6093,7 +6093,7 @@
           <a:p>
             <a:fld id="{C1713787-A82E-BF41-ABFC-EDB12EC01593}" type="datetimeFigureOut">
               <a:rPr lang="en-US" smtClean="0"/>
-              <a:t>1/15/14</a:t>
+              <a:t>5/8/14</a:t>
             </a:fld>
             <a:endParaRPr lang="en-US" dirty="0"/>
           </a:p>
@@ -6183,7 +6183,7 @@
           <a:p>
             <a:fld id="{C1713787-A82E-BF41-ABFC-EDB12EC01593}" type="datetimeFigureOut">
               <a:rPr lang="en-US" smtClean="0"/>
-              <a:t>1/15/14</a:t>
+              <a:t>5/8/14</a:t>
             </a:fld>
             <a:endParaRPr lang="en-US" dirty="0"/>
           </a:p>
@@ -6457,7 +6457,7 @@
           <a:p>
             <a:fld id="{C1713787-A82E-BF41-ABFC-EDB12EC01593}" type="datetimeFigureOut">
               <a:rPr lang="en-US" smtClean="0"/>
-              <a:t>1/15/14</a:t>
+              <a:t>5/8/14</a:t>
             </a:fld>
             <a:endParaRPr lang="en-US" dirty="0"/>
           </a:p>
@@ -6762,7 +6762,7 @@
           <a:p>
             <a:fld id="{C1713787-A82E-BF41-ABFC-EDB12EC01593}" type="datetimeFigureOut">
               <a:rPr lang="en-US" smtClean="0"/>
-              <a:t>1/15/14</a:t>
+              <a:t>5/8/14</a:t>
             </a:fld>
             <a:endParaRPr lang="en-US" dirty="0"/>
           </a:p>
@@ -7060,7 +7060,7 @@
           <a:p>
             <a:fld id="{C1713787-A82E-BF41-ABFC-EDB12EC01593}" type="datetimeFigureOut">
               <a:rPr lang="en-US" smtClean="0"/>
-              <a:t>1/15/14</a:t>
+              <a:t>5/8/14</a:t>
             </a:fld>
             <a:endParaRPr lang="en-US" dirty="0"/>
           </a:p>
@@ -7511,10 +7511,9 @@
           </a:p>
           <a:p>
             <a:r>
-              <a:rPr lang="en-US" dirty="0" smtClean="0"/>
-              <a:t>Velibor Misic</a:t>
-            </a:r>
-            <a:endParaRPr lang="en-US" dirty="0"/>
+              <a:rPr lang="en-US" i="1" dirty="0" smtClean="0"/>
+              <a:t>Author redacted for anonymous submission</a:t>
+            </a:r>
           </a:p>
         </p:txBody>
       </p:sp>
@@ -8372,7 +8371,7 @@
             </a:r>
             <a:r>
               <a:rPr lang="en-US" dirty="0" smtClean="0"/>
-              <a:t>[“Velibor”] = “is alright”    # add key-value pairs…</a:t>
+              <a:t>[“Cats”] = “are alright”    # add key-value pairs…</a:t>
             </a:r>
           </a:p>
           <a:p>
@@ -8387,7 +8386,7 @@
             </a:r>
             <a:r>
               <a:rPr lang="en-US" dirty="0" smtClean="0"/>
-              <a:t>[“Vishal”] = “is awesome!”</a:t>
+              <a:t>[“Dogs”] = “are awesome!”</a:t>
             </a:r>
           </a:p>
           <a:p>
@@ -9405,12 +9404,16 @@
               <a:t>function </a:t>
             </a:r>
             <a:r>
-              <a:rPr lang="en-US" dirty="0" err="1"/>
-              <a:t>VeliborsFunction</a:t>
+              <a:rPr lang="en-US" dirty="0" err="1" smtClean="0"/>
+              <a:t>myFunction</a:t>
+            </a:r>
+            <a:r>
+              <a:rPr lang="en-US" dirty="0" smtClean="0"/>
+              <a:t>(</a:t>
             </a:r>
             <a:r>
               <a:rPr lang="en-US" dirty="0"/>
-              <a:t>(x, y)</a:t>
+              <a:t>x, y)</a:t>
             </a:r>
             <a:br>
               <a:rPr lang="en-US" dirty="0"/>
@@ -9447,15 +9450,7 @@
             </a:r>
             <a:r>
               <a:rPr lang="en-US" dirty="0" smtClean="0"/>
-              <a:t>(“</a:t>
-            </a:r>
-            <a:r>
-              <a:rPr lang="en-US" dirty="0" err="1" smtClean="0"/>
-              <a:t>Velibor’s</a:t>
-            </a:r>
-            <a:r>
-              <a:rPr lang="en-US" dirty="0" smtClean="0"/>
-              <a:t> function loaded!”)</a:t>
+              <a:t>(“My function loaded!”)</a:t>
             </a:r>
             <a:endParaRPr lang="en-US" dirty="0"/>
           </a:p>
@@ -9492,23 +9487,31 @@
           <a:p>
             <a:pPr lvl="1"/>
             <a:r>
-              <a:rPr lang="en-US" dirty="0" err="1" smtClean="0"/>
-              <a:t>VeliborsFunction</a:t>
-            </a:r>
-            <a:r>
-              <a:rPr lang="en-US" dirty="0" smtClean="0"/>
-              <a:t>(1,2)</a:t>
-            </a:r>
-          </a:p>
-          <a:p>
-            <a:pPr lvl="1"/>
-            <a:r>
-              <a:rPr lang="en-US" dirty="0" err="1" smtClean="0"/>
-              <a:t>VeliborsFunction</a:t>
-            </a:r>
-            <a:r>
-              <a:rPr lang="en-US" dirty="0" smtClean="0"/>
-              <a:t>(0.5,0.5</a:t>
+              <a:rPr lang="en-US" dirty="0" err="1"/>
+              <a:t>myFunction</a:t>
+            </a:r>
+            <a:r>
+              <a:rPr lang="en-US" dirty="0"/>
+              <a:t>(</a:t>
+            </a:r>
+            <a:r>
+              <a:rPr lang="en-US" dirty="0" smtClean="0"/>
+              <a:t>1,2)</a:t>
+            </a:r>
+          </a:p>
+          <a:p>
+            <a:pPr lvl="1"/>
+            <a:r>
+              <a:rPr lang="en-US" dirty="0" err="1"/>
+              <a:t>myFunction</a:t>
+            </a:r>
+            <a:r>
+              <a:rPr lang="en-US" dirty="0"/>
+              <a:t>(</a:t>
+            </a:r>
+            <a:r>
+              <a:rPr lang="en-US" dirty="0" smtClean="0"/>
+              <a:t>0.5,0.5</a:t>
             </a:r>
             <a:r>
               <a:rPr lang="en-US" dirty="0"/>
@@ -11133,8 +11136,32 @@
             <a:pPr lvl="1"/>
             <a:r>
               <a:rPr lang="en-US" dirty="0" smtClean="0"/>
-              <a:t>Algebraic Modeling Language (AML) for Julia developed by Miles and Iain</a:t>
-            </a:r>
+              <a:t>Algebraic Modeling Language (AML) for Julia developed by community of </a:t>
+            </a:r>
+            <a:r>
+              <a:rPr lang="en-US" dirty="0"/>
+              <a:t>OR researchers (</a:t>
+            </a:r>
+            <a:r>
+              <a:rPr lang="en-US" dirty="0">
+                <a:hlinkClick r:id="rId3"/>
+              </a:rPr>
+              <a:t>https://github.com/JuliaOpt/</a:t>
+            </a:r>
+            <a:r>
+              <a:rPr lang="en-US" dirty="0" smtClean="0">
+                <a:hlinkClick r:id="rId3"/>
+              </a:rPr>
+              <a:t>JuMP.jl</a:t>
+            </a:r>
+            <a:r>
+              <a:rPr lang="en-US" dirty="0" smtClean="0"/>
+              <a:t>)</a:t>
+            </a:r>
+          </a:p>
+          <a:p>
+            <a:pPr lvl="1"/>
+            <a:endParaRPr lang="en-US" dirty="0" smtClean="0"/>
           </a:p>
           <a:p>
             <a:pPr lvl="1"/>
@@ -13222,11 +13249,7 @@
           <a:p>
             <a:r>
               <a:rPr lang="en-US" dirty="0" smtClean="0"/>
-              <a:t>Julia </a:t>
-            </a:r>
-            <a:r>
-              <a:rPr lang="en-US" dirty="0" smtClean="0"/>
-              <a:t>basics</a:t>
+              <a:t>Julia basics</a:t>
             </a:r>
           </a:p>
           <a:p>
@@ -13242,11 +13265,7 @@
             </a:r>
             <a:r>
               <a:rPr lang="en-US" dirty="0" smtClean="0"/>
-              <a:t> </a:t>
-            </a:r>
-            <a:r>
-              <a:rPr lang="en-US" dirty="0" smtClean="0"/>
-              <a:t>basics</a:t>
+              <a:t> basics</a:t>
             </a:r>
           </a:p>
           <a:p>
@@ -14552,13 +14571,6 @@
             <a:endParaRPr lang="en-US" dirty="0" smtClean="0"/>
           </a:p>
           <a:p>
-            <a:pPr lvl="1"/>
-            <a:r>
-              <a:rPr lang="en-US" dirty="0" smtClean="0"/>
-              <a:t>Contact Miles and Iain</a:t>
-            </a:r>
-          </a:p>
-          <a:p>
             <a:endParaRPr lang="en-US" dirty="0" smtClean="0"/>
           </a:p>
           <a:p>
@@ -14572,7 +14584,7 @@
             </a:r>
             <a:r>
               <a:rPr lang="en-US" dirty="0" smtClean="0"/>
-              <a:t> useful, please cite Miles and Iain’s paper!</a:t>
+              <a:t> useful, please cite it as</a:t>
             </a:r>
           </a:p>
           <a:p>
@@ -15042,7 +15054,7 @@
                 <a:latin typeface="Arial (Body)"/>
                 <a:cs typeface="Arial (Body)"/>
               </a:rPr>
-              <a:t>“Velibor and Vishal are office mates”</a:t>
+              <a:t>“Peanut butter and jelly are friends”</a:t>
             </a:r>
             <a:endParaRPr lang="en-US" dirty="0">
               <a:latin typeface="Arial (Body)"/>
@@ -15056,7 +15068,7 @@
                 <a:latin typeface="Arial (Body)"/>
                 <a:cs typeface="Arial (Body)"/>
               </a:rPr>
-              <a:t>“Velibor has $(25 % 2) cat”</a:t>
+              <a:t>“Fred has $(25 % 2) cat”</a:t>
             </a:r>
             <a:endParaRPr lang="en-US" dirty="0">
               <a:latin typeface="Arial (Body)"/>
